--- a/slides/Tag-3_5-Deployment-Strategien.pptx
+++ b/slides/Tag-3_5-Deployment-Strategien.pptx
@@ -951,6 +951,1092 @@
 </p:notesMaster>
 </file>
 
+<file path=ppt/notesSlides/notesSlide1.xml><?xml version="1.0" encoding="utf-8"?>
+<p:notes xmlns:a="http://schemas.openxmlformats.org/drawingml/2006/main" xmlns:r="http://schemas.openxmlformats.org/officeDocument/2006/relationships" xmlns:p="http://schemas.openxmlformats.org/presentationml/2006/main">
+  <p:cSld>
+    <p:spTree>
+      <p:nvGrpSpPr>
+        <p:cNvPr id="1" name=""/>
+        <p:cNvGrpSpPr/>
+        <p:nvPr/>
+      </p:nvGrpSpPr>
+      <p:grpSpPr>
+        <a:xfrm>
+          <a:off x="0" y="0"/>
+          <a:ext cx="0" cy="0"/>
+          <a:chOff x="0" y="0"/>
+          <a:chExt cx="0" cy="0"/>
+        </a:xfrm>
+      </p:grpSpPr>
+      <p:sp>
+        <p:nvSpPr>
+          <p:cNvPr id="2" name="Folienbildplatzhalter 1"/>
+          <p:cNvSpPr>
+            <a:spLocks noGrp="1" noRot="1" noChangeAspect="1"/>
+          </p:cNvSpPr>
+          <p:nvPr>
+            <p:ph type="sldImg"/>
+          </p:nvPr>
+        </p:nvSpPr>
+        <p:spPr/>
+      </p:sp>
+      <p:sp>
+        <p:nvSpPr>
+          <p:cNvPr id="3" name="Notizenplatzhalter 2"/>
+          <p:cNvSpPr>
+            <a:spLocks noGrp="1"/>
+          </p:cNvSpPr>
+          <p:nvPr>
+            <p:ph type="body" idx="1"/>
+          </p:nvPr>
+        </p:nvSpPr>
+        <p:spPr/>
+        <p:txBody>
+          <a:bodyPr/>
+          <a:lstStyle/>
+          <a:p>
+            <a:r>
+              <a:rPr lang="de-DE" noProof="0" dirty="0"/>
+              <a:t>Tendenziell lässt sich alles mit </a:t>
+            </a:r>
+            <a:r>
+              <a:rPr lang="de-DE" noProof="0" dirty="0" err="1"/>
+              <a:t>gitlabs</a:t>
+            </a:r>
+            <a:r>
+              <a:rPr lang="de-DE" noProof="0" dirty="0"/>
+              <a:t> CI/CD umsetzen</a:t>
+            </a:r>
+          </a:p>
+          <a:p>
+            <a:r>
+              <a:rPr lang="de-DE" noProof="0" dirty="0"/>
+              <a:t>Kann je nach Strategie sehr komplex werden</a:t>
+            </a:r>
+          </a:p>
+        </p:txBody>
+      </p:sp>
+      <p:sp>
+        <p:nvSpPr>
+          <p:cNvPr id="4" name="Foliennummernplatzhalter 3"/>
+          <p:cNvSpPr>
+            <a:spLocks noGrp="1"/>
+          </p:cNvSpPr>
+          <p:nvPr>
+            <p:ph type="sldNum" sz="quarter" idx="5"/>
+          </p:nvPr>
+        </p:nvSpPr>
+        <p:spPr/>
+        <p:txBody>
+          <a:bodyPr/>
+          <a:lstStyle/>
+          <a:p>
+            <a:fld id="{18182567-388C-4D33-8B7B-A651F195F118}" type="slidenum">
+              <a:rPr lang="de-DE" altLang="de-DE" smtClean="0"/>
+              <a:pPr/>
+              <a:t>2</a:t>
+            </a:fld>
+            <a:endParaRPr lang="de-DE" altLang="de-DE"/>
+          </a:p>
+        </p:txBody>
+      </p:sp>
+    </p:spTree>
+    <p:extLst>
+      <p:ext uri="{BB962C8B-B14F-4D97-AF65-F5344CB8AC3E}">
+        <p14:creationId xmlns:p14="http://schemas.microsoft.com/office/powerpoint/2010/main" val="3734563634"/>
+      </p:ext>
+    </p:extLst>
+  </p:cSld>
+  <p:clrMapOvr>
+    <a:masterClrMapping/>
+  </p:clrMapOvr>
+</p:notes>
+</file>
+
+<file path=ppt/notesSlides/notesSlide10.xml><?xml version="1.0" encoding="utf-8"?>
+<p:notes xmlns:a="http://schemas.openxmlformats.org/drawingml/2006/main" xmlns:r="http://schemas.openxmlformats.org/officeDocument/2006/relationships" xmlns:p="http://schemas.openxmlformats.org/presentationml/2006/main">
+  <p:cSld>
+    <p:spTree>
+      <p:nvGrpSpPr>
+        <p:cNvPr id="1" name=""/>
+        <p:cNvGrpSpPr/>
+        <p:nvPr/>
+      </p:nvGrpSpPr>
+      <p:grpSpPr>
+        <a:xfrm>
+          <a:off x="0" y="0"/>
+          <a:ext cx="0" cy="0"/>
+          <a:chOff x="0" y="0"/>
+          <a:chExt cx="0" cy="0"/>
+        </a:xfrm>
+      </p:grpSpPr>
+      <p:sp>
+        <p:nvSpPr>
+          <p:cNvPr id="2" name="Folienbildplatzhalter 1"/>
+          <p:cNvSpPr>
+            <a:spLocks noGrp="1" noRot="1" noChangeAspect="1"/>
+          </p:cNvSpPr>
+          <p:nvPr>
+            <p:ph type="sldImg"/>
+          </p:nvPr>
+        </p:nvSpPr>
+        <p:spPr/>
+      </p:sp>
+      <p:sp>
+        <p:nvSpPr>
+          <p:cNvPr id="3" name="Notizenplatzhalter 2"/>
+          <p:cNvSpPr>
+            <a:spLocks noGrp="1"/>
+          </p:cNvSpPr>
+          <p:nvPr>
+            <p:ph type="body" idx="1"/>
+          </p:nvPr>
+        </p:nvSpPr>
+        <p:spPr/>
+        <p:txBody>
+          <a:bodyPr/>
+          <a:lstStyle/>
+          <a:p>
+            <a:r>
+              <a:rPr lang="de-DE" dirty="0"/>
+              <a:t>Neusystem muss mit Altsystem zumindest teilweise kompatibel sein</a:t>
+            </a:r>
+            <a:br>
+              <a:rPr lang="de-DE" dirty="0"/>
+            </a:br>
+            <a:r>
+              <a:rPr lang="de-DE" dirty="0"/>
+              <a:t>Testen ob beide Systeme gleich Antworten</a:t>
+            </a:r>
+          </a:p>
+          <a:p>
+            <a:r>
+              <a:rPr lang="de-DE" dirty="0" err="1"/>
+              <a:t>Performanztests</a:t>
+            </a:r>
+            <a:endParaRPr lang="de-DE" dirty="0"/>
+          </a:p>
+        </p:txBody>
+      </p:sp>
+      <p:sp>
+        <p:nvSpPr>
+          <p:cNvPr id="4" name="Foliennummernplatzhalter 3"/>
+          <p:cNvSpPr>
+            <a:spLocks noGrp="1"/>
+          </p:cNvSpPr>
+          <p:nvPr>
+            <p:ph type="sldNum" sz="quarter" idx="5"/>
+          </p:nvPr>
+        </p:nvSpPr>
+        <p:spPr/>
+        <p:txBody>
+          <a:bodyPr/>
+          <a:lstStyle/>
+          <a:p>
+            <a:fld id="{18182567-388C-4D33-8B7B-A651F195F118}" type="slidenum">
+              <a:rPr lang="de-DE" altLang="de-DE" smtClean="0"/>
+              <a:pPr/>
+              <a:t>11</a:t>
+            </a:fld>
+            <a:endParaRPr lang="de-DE" altLang="de-DE"/>
+          </a:p>
+        </p:txBody>
+      </p:sp>
+    </p:spTree>
+    <p:extLst>
+      <p:ext uri="{BB962C8B-B14F-4D97-AF65-F5344CB8AC3E}">
+        <p14:creationId xmlns:p14="http://schemas.microsoft.com/office/powerpoint/2010/main" val="1251104072"/>
+      </p:ext>
+    </p:extLst>
+  </p:cSld>
+  <p:clrMapOvr>
+    <a:masterClrMapping/>
+  </p:clrMapOvr>
+</p:notes>
+</file>
+
+<file path=ppt/notesSlides/notesSlide11.xml><?xml version="1.0" encoding="utf-8"?>
+<p:notes xmlns:a="http://schemas.openxmlformats.org/drawingml/2006/main" xmlns:r="http://schemas.openxmlformats.org/officeDocument/2006/relationships" xmlns:p="http://schemas.openxmlformats.org/presentationml/2006/main">
+  <p:cSld>
+    <p:spTree>
+      <p:nvGrpSpPr>
+        <p:cNvPr id="1" name=""/>
+        <p:cNvGrpSpPr/>
+        <p:nvPr/>
+      </p:nvGrpSpPr>
+      <p:grpSpPr>
+        <a:xfrm>
+          <a:off x="0" y="0"/>
+          <a:ext cx="0" cy="0"/>
+          <a:chOff x="0" y="0"/>
+          <a:chExt cx="0" cy="0"/>
+        </a:xfrm>
+      </p:grpSpPr>
+      <p:sp>
+        <p:nvSpPr>
+          <p:cNvPr id="2" name="Folienbildplatzhalter 1"/>
+          <p:cNvSpPr>
+            <a:spLocks noGrp="1" noRot="1" noChangeAspect="1"/>
+          </p:cNvSpPr>
+          <p:nvPr>
+            <p:ph type="sldImg"/>
+          </p:nvPr>
+        </p:nvSpPr>
+        <p:spPr/>
+      </p:sp>
+      <p:sp>
+        <p:nvSpPr>
+          <p:cNvPr id="3" name="Notizenplatzhalter 2"/>
+          <p:cNvSpPr>
+            <a:spLocks noGrp="1"/>
+          </p:cNvSpPr>
+          <p:nvPr>
+            <p:ph type="body" idx="1"/>
+          </p:nvPr>
+        </p:nvSpPr>
+        <p:spPr/>
+        <p:txBody>
+          <a:bodyPr/>
+          <a:lstStyle/>
+          <a:p>
+            <a:r>
+              <a:rPr lang="de-DE" dirty="0"/>
+              <a:t>Das eigentliche Update muss separat stattfinden</a:t>
+            </a:r>
+            <a:br>
+              <a:rPr lang="de-DE" dirty="0"/>
+            </a:br>
+            <a:r>
+              <a:rPr lang="de-DE" dirty="0"/>
+              <a:t>Beeinflusst weder User noch das Altsystem</a:t>
+            </a:r>
+            <a:br>
+              <a:rPr lang="de-DE" dirty="0"/>
+            </a:br>
+            <a:r>
+              <a:rPr lang="de-DE" dirty="0"/>
+              <a:t>Kann mit Blue-Green </a:t>
+            </a:r>
+            <a:r>
+              <a:rPr lang="de-DE" dirty="0" err="1"/>
+              <a:t>order</a:t>
+            </a:r>
+            <a:r>
+              <a:rPr lang="de-DE" dirty="0"/>
+              <a:t> </a:t>
+            </a:r>
+            <a:r>
+              <a:rPr lang="de-DE" dirty="0" err="1"/>
+              <a:t>Red</a:t>
+            </a:r>
+            <a:r>
+              <a:rPr lang="de-DE" dirty="0"/>
+              <a:t>-Black </a:t>
+            </a:r>
+            <a:r>
+              <a:rPr lang="de-DE" dirty="0" err="1"/>
+              <a:t>Deployment</a:t>
+            </a:r>
+            <a:r>
+              <a:rPr lang="de-DE" dirty="0"/>
+              <a:t> kombiniert werden.</a:t>
+            </a:r>
+          </a:p>
+        </p:txBody>
+      </p:sp>
+      <p:sp>
+        <p:nvSpPr>
+          <p:cNvPr id="4" name="Foliennummernplatzhalter 3"/>
+          <p:cNvSpPr>
+            <a:spLocks noGrp="1"/>
+          </p:cNvSpPr>
+          <p:nvPr>
+            <p:ph type="sldNum" sz="quarter" idx="5"/>
+          </p:nvPr>
+        </p:nvSpPr>
+        <p:spPr/>
+        <p:txBody>
+          <a:bodyPr/>
+          <a:lstStyle/>
+          <a:p>
+            <a:fld id="{18182567-388C-4D33-8B7B-A651F195F118}" type="slidenum">
+              <a:rPr lang="de-DE" altLang="de-DE" smtClean="0"/>
+              <a:pPr/>
+              <a:t>12</a:t>
+            </a:fld>
+            <a:endParaRPr lang="de-DE" altLang="de-DE"/>
+          </a:p>
+        </p:txBody>
+      </p:sp>
+    </p:spTree>
+    <p:extLst>
+      <p:ext uri="{BB962C8B-B14F-4D97-AF65-F5344CB8AC3E}">
+        <p14:creationId xmlns:p14="http://schemas.microsoft.com/office/powerpoint/2010/main" val="1437921376"/>
+      </p:ext>
+    </p:extLst>
+  </p:cSld>
+  <p:clrMapOvr>
+    <a:masterClrMapping/>
+  </p:clrMapOvr>
+</p:notes>
+</file>
+
+<file path=ppt/notesSlides/notesSlide2.xml><?xml version="1.0" encoding="utf-8"?>
+<p:notes xmlns:a="http://schemas.openxmlformats.org/drawingml/2006/main" xmlns:r="http://schemas.openxmlformats.org/officeDocument/2006/relationships" xmlns:p="http://schemas.openxmlformats.org/presentationml/2006/main">
+  <p:cSld>
+    <p:spTree>
+      <p:nvGrpSpPr>
+        <p:cNvPr id="1" name=""/>
+        <p:cNvGrpSpPr/>
+        <p:nvPr/>
+      </p:nvGrpSpPr>
+      <p:grpSpPr>
+        <a:xfrm>
+          <a:off x="0" y="0"/>
+          <a:ext cx="0" cy="0"/>
+          <a:chOff x="0" y="0"/>
+          <a:chExt cx="0" cy="0"/>
+        </a:xfrm>
+      </p:grpSpPr>
+      <p:sp>
+        <p:nvSpPr>
+          <p:cNvPr id="2" name="Folienbildplatzhalter 1"/>
+          <p:cNvSpPr>
+            <a:spLocks noGrp="1" noRot="1" noChangeAspect="1"/>
+          </p:cNvSpPr>
+          <p:nvPr>
+            <p:ph type="sldImg"/>
+          </p:nvPr>
+        </p:nvSpPr>
+        <p:spPr/>
+      </p:sp>
+      <p:sp>
+        <p:nvSpPr>
+          <p:cNvPr id="3" name="Notizenplatzhalter 2"/>
+          <p:cNvSpPr>
+            <a:spLocks noGrp="1"/>
+          </p:cNvSpPr>
+          <p:nvPr>
+            <p:ph type="body" idx="1"/>
+          </p:nvPr>
+        </p:nvSpPr>
+        <p:spPr/>
+        <p:txBody>
+          <a:bodyPr/>
+          <a:lstStyle/>
+          <a:p>
+            <a:r>
+              <a:rPr lang="de-DE" dirty="0"/>
+              <a:t>Liste an Strategien die kurz Angesehen werden</a:t>
+            </a:r>
+          </a:p>
+        </p:txBody>
+      </p:sp>
+      <p:sp>
+        <p:nvSpPr>
+          <p:cNvPr id="4" name="Foliennummernplatzhalter 3"/>
+          <p:cNvSpPr>
+            <a:spLocks noGrp="1"/>
+          </p:cNvSpPr>
+          <p:nvPr>
+            <p:ph type="sldNum" sz="quarter" idx="5"/>
+          </p:nvPr>
+        </p:nvSpPr>
+        <p:spPr/>
+        <p:txBody>
+          <a:bodyPr/>
+          <a:lstStyle/>
+          <a:p>
+            <a:fld id="{18182567-388C-4D33-8B7B-A651F195F118}" type="slidenum">
+              <a:rPr lang="de-DE" altLang="de-DE" smtClean="0"/>
+              <a:pPr/>
+              <a:t>3</a:t>
+            </a:fld>
+            <a:endParaRPr lang="de-DE" altLang="de-DE"/>
+          </a:p>
+        </p:txBody>
+      </p:sp>
+    </p:spTree>
+    <p:extLst>
+      <p:ext uri="{BB962C8B-B14F-4D97-AF65-F5344CB8AC3E}">
+        <p14:creationId xmlns:p14="http://schemas.microsoft.com/office/powerpoint/2010/main" val="3043190696"/>
+      </p:ext>
+    </p:extLst>
+  </p:cSld>
+  <p:clrMapOvr>
+    <a:masterClrMapping/>
+  </p:clrMapOvr>
+</p:notes>
+</file>
+
+<file path=ppt/notesSlides/notesSlide3.xml><?xml version="1.0" encoding="utf-8"?>
+<p:notes xmlns:a="http://schemas.openxmlformats.org/drawingml/2006/main" xmlns:r="http://schemas.openxmlformats.org/officeDocument/2006/relationships" xmlns:p="http://schemas.openxmlformats.org/presentationml/2006/main">
+  <p:cSld>
+    <p:spTree>
+      <p:nvGrpSpPr>
+        <p:cNvPr id="1" name=""/>
+        <p:cNvGrpSpPr/>
+        <p:nvPr/>
+      </p:nvGrpSpPr>
+      <p:grpSpPr>
+        <a:xfrm>
+          <a:off x="0" y="0"/>
+          <a:ext cx="0" cy="0"/>
+          <a:chOff x="0" y="0"/>
+          <a:chExt cx="0" cy="0"/>
+        </a:xfrm>
+      </p:grpSpPr>
+      <p:sp>
+        <p:nvSpPr>
+          <p:cNvPr id="2" name="Folienbildplatzhalter 1"/>
+          <p:cNvSpPr>
+            <a:spLocks noGrp="1" noRot="1" noChangeAspect="1"/>
+          </p:cNvSpPr>
+          <p:nvPr>
+            <p:ph type="sldImg"/>
+          </p:nvPr>
+        </p:nvSpPr>
+        <p:spPr/>
+      </p:sp>
+      <p:sp>
+        <p:nvSpPr>
+          <p:cNvPr id="3" name="Notizenplatzhalter 2"/>
+          <p:cNvSpPr>
+            <a:spLocks noGrp="1"/>
+          </p:cNvSpPr>
+          <p:nvPr>
+            <p:ph type="body" idx="1"/>
+          </p:nvPr>
+        </p:nvSpPr>
+        <p:spPr/>
+        <p:txBody>
+          <a:bodyPr/>
+          <a:lstStyle/>
+          <a:p>
+            <a:r>
+              <a:rPr lang="de-DE" dirty="0"/>
+              <a:t>Einfachster deploy</a:t>
+            </a:r>
+            <a:br>
+              <a:rPr lang="de-DE" dirty="0"/>
+            </a:br>
+            <a:r>
+              <a:rPr lang="de-DE" dirty="0"/>
+              <a:t>Rollback wäre das komplette update rückwärts </a:t>
+            </a:r>
+          </a:p>
+        </p:txBody>
+      </p:sp>
+      <p:sp>
+        <p:nvSpPr>
+          <p:cNvPr id="4" name="Foliennummernplatzhalter 3"/>
+          <p:cNvSpPr>
+            <a:spLocks noGrp="1"/>
+          </p:cNvSpPr>
+          <p:nvPr>
+            <p:ph type="sldNum" sz="quarter" idx="5"/>
+          </p:nvPr>
+        </p:nvSpPr>
+        <p:spPr/>
+        <p:txBody>
+          <a:bodyPr/>
+          <a:lstStyle/>
+          <a:p>
+            <a:fld id="{18182567-388C-4D33-8B7B-A651F195F118}" type="slidenum">
+              <a:rPr lang="de-DE" altLang="de-DE" smtClean="0"/>
+              <a:pPr/>
+              <a:t>4</a:t>
+            </a:fld>
+            <a:endParaRPr lang="de-DE" altLang="de-DE"/>
+          </a:p>
+        </p:txBody>
+      </p:sp>
+    </p:spTree>
+    <p:extLst>
+      <p:ext uri="{BB962C8B-B14F-4D97-AF65-F5344CB8AC3E}">
+        <p14:creationId xmlns:p14="http://schemas.microsoft.com/office/powerpoint/2010/main" val="3921781153"/>
+      </p:ext>
+    </p:extLst>
+  </p:cSld>
+  <p:clrMapOvr>
+    <a:masterClrMapping/>
+  </p:clrMapOvr>
+</p:notes>
+</file>
+
+<file path=ppt/notesSlides/notesSlide4.xml><?xml version="1.0" encoding="utf-8"?>
+<p:notes xmlns:a="http://schemas.openxmlformats.org/drawingml/2006/main" xmlns:r="http://schemas.openxmlformats.org/officeDocument/2006/relationships" xmlns:p="http://schemas.openxmlformats.org/presentationml/2006/main">
+  <p:cSld>
+    <p:spTree>
+      <p:nvGrpSpPr>
+        <p:cNvPr id="1" name=""/>
+        <p:cNvGrpSpPr/>
+        <p:nvPr/>
+      </p:nvGrpSpPr>
+      <p:grpSpPr>
+        <a:xfrm>
+          <a:off x="0" y="0"/>
+          <a:ext cx="0" cy="0"/>
+          <a:chOff x="0" y="0"/>
+          <a:chExt cx="0" cy="0"/>
+        </a:xfrm>
+      </p:grpSpPr>
+      <p:sp>
+        <p:nvSpPr>
+          <p:cNvPr id="2" name="Folienbildplatzhalter 1"/>
+          <p:cNvSpPr>
+            <a:spLocks noGrp="1" noRot="1" noChangeAspect="1"/>
+          </p:cNvSpPr>
+          <p:nvPr>
+            <p:ph type="sldImg"/>
+          </p:nvPr>
+        </p:nvSpPr>
+        <p:spPr/>
+      </p:sp>
+      <p:sp>
+        <p:nvSpPr>
+          <p:cNvPr id="3" name="Notizenplatzhalter 2"/>
+          <p:cNvSpPr>
+            <a:spLocks noGrp="1"/>
+          </p:cNvSpPr>
+          <p:nvPr>
+            <p:ph type="body" idx="1"/>
+          </p:nvPr>
+        </p:nvSpPr>
+        <p:spPr/>
+        <p:txBody>
+          <a:bodyPr/>
+          <a:lstStyle/>
+          <a:p>
+            <a:r>
+              <a:rPr lang="de-DE" dirty="0"/>
+              <a:t>Nur ein Server</a:t>
+            </a:r>
+            <a:br>
+              <a:rPr lang="de-DE" dirty="0"/>
+            </a:br>
+            <a:r>
+              <a:rPr lang="de-DE" dirty="0"/>
+              <a:t>Rollback dauert so lange wie das Update selbst</a:t>
+            </a:r>
+            <a:br>
+              <a:rPr lang="de-DE" dirty="0"/>
+            </a:br>
+            <a:r>
+              <a:rPr lang="de-DE" dirty="0"/>
+              <a:t>Rollback hat ebenfalls Downtime</a:t>
+            </a:r>
+          </a:p>
+        </p:txBody>
+      </p:sp>
+      <p:sp>
+        <p:nvSpPr>
+          <p:cNvPr id="4" name="Foliennummernplatzhalter 3"/>
+          <p:cNvSpPr>
+            <a:spLocks noGrp="1"/>
+          </p:cNvSpPr>
+          <p:nvPr>
+            <p:ph type="sldNum" sz="quarter" idx="5"/>
+          </p:nvPr>
+        </p:nvSpPr>
+        <p:spPr/>
+        <p:txBody>
+          <a:bodyPr/>
+          <a:lstStyle/>
+          <a:p>
+            <a:fld id="{18182567-388C-4D33-8B7B-A651F195F118}" type="slidenum">
+              <a:rPr lang="de-DE" altLang="de-DE" smtClean="0"/>
+              <a:pPr/>
+              <a:t>5</a:t>
+            </a:fld>
+            <a:endParaRPr lang="de-DE" altLang="de-DE"/>
+          </a:p>
+        </p:txBody>
+      </p:sp>
+    </p:spTree>
+    <p:extLst>
+      <p:ext uri="{BB962C8B-B14F-4D97-AF65-F5344CB8AC3E}">
+        <p14:creationId xmlns:p14="http://schemas.microsoft.com/office/powerpoint/2010/main" val="1227724863"/>
+      </p:ext>
+    </p:extLst>
+  </p:cSld>
+  <p:clrMapOvr>
+    <a:masterClrMapping/>
+  </p:clrMapOvr>
+</p:notes>
+</file>
+
+<file path=ppt/notesSlides/notesSlide5.xml><?xml version="1.0" encoding="utf-8"?>
+<p:notes xmlns:a="http://schemas.openxmlformats.org/drawingml/2006/main" xmlns:r="http://schemas.openxmlformats.org/officeDocument/2006/relationships" xmlns:p="http://schemas.openxmlformats.org/presentationml/2006/main">
+  <p:cSld>
+    <p:spTree>
+      <p:nvGrpSpPr>
+        <p:cNvPr id="1" name=""/>
+        <p:cNvGrpSpPr/>
+        <p:nvPr/>
+      </p:nvGrpSpPr>
+      <p:grpSpPr>
+        <a:xfrm>
+          <a:off x="0" y="0"/>
+          <a:ext cx="0" cy="0"/>
+          <a:chOff x="0" y="0"/>
+          <a:chExt cx="0" cy="0"/>
+        </a:xfrm>
+      </p:grpSpPr>
+      <p:sp>
+        <p:nvSpPr>
+          <p:cNvPr id="2" name="Folienbildplatzhalter 1"/>
+          <p:cNvSpPr>
+            <a:spLocks noGrp="1" noRot="1" noChangeAspect="1"/>
+          </p:cNvSpPr>
+          <p:nvPr>
+            <p:ph type="sldImg"/>
+          </p:nvPr>
+        </p:nvSpPr>
+        <p:spPr/>
+      </p:sp>
+      <p:sp>
+        <p:nvSpPr>
+          <p:cNvPr id="3" name="Notizenplatzhalter 2"/>
+          <p:cNvSpPr>
+            <a:spLocks noGrp="1"/>
+          </p:cNvSpPr>
+          <p:nvPr>
+            <p:ph type="body" idx="1"/>
+          </p:nvPr>
+        </p:nvSpPr>
+        <p:spPr/>
+        <p:txBody>
+          <a:bodyPr/>
+          <a:lstStyle/>
+          <a:p>
+            <a:r>
+              <a:rPr lang="de-DE" dirty="0"/>
+              <a:t>Pro Anfrage wird zufällig alt oder neu gewählt mit bestimmter Gewichtung.</a:t>
+            </a:r>
+          </a:p>
+          <a:p>
+            <a:r>
+              <a:rPr lang="de-DE" dirty="0"/>
+              <a:t>Altsystem (</a:t>
+            </a:r>
+            <a:r>
+              <a:rPr lang="de-DE" dirty="0" err="1"/>
+              <a:t>blue</a:t>
+            </a:r>
+            <a:r>
+              <a:rPr lang="de-DE" dirty="0"/>
+              <a:t>) kann bei nächstem update als Neusystem benutzt werden</a:t>
+            </a:r>
+          </a:p>
+        </p:txBody>
+      </p:sp>
+      <p:sp>
+        <p:nvSpPr>
+          <p:cNvPr id="4" name="Foliennummernplatzhalter 3"/>
+          <p:cNvSpPr>
+            <a:spLocks noGrp="1"/>
+          </p:cNvSpPr>
+          <p:nvPr>
+            <p:ph type="sldNum" sz="quarter" idx="5"/>
+          </p:nvPr>
+        </p:nvSpPr>
+        <p:spPr/>
+        <p:txBody>
+          <a:bodyPr/>
+          <a:lstStyle/>
+          <a:p>
+            <a:fld id="{18182567-388C-4D33-8B7B-A651F195F118}" type="slidenum">
+              <a:rPr lang="de-DE" altLang="de-DE" smtClean="0"/>
+              <a:pPr/>
+              <a:t>6</a:t>
+            </a:fld>
+            <a:endParaRPr lang="de-DE" altLang="de-DE"/>
+          </a:p>
+        </p:txBody>
+      </p:sp>
+    </p:spTree>
+    <p:extLst>
+      <p:ext uri="{BB962C8B-B14F-4D97-AF65-F5344CB8AC3E}">
+        <p14:creationId xmlns:p14="http://schemas.microsoft.com/office/powerpoint/2010/main" val="17587249"/>
+      </p:ext>
+    </p:extLst>
+  </p:cSld>
+  <p:clrMapOvr>
+    <a:masterClrMapping/>
+  </p:clrMapOvr>
+</p:notes>
+</file>
+
+<file path=ppt/notesSlides/notesSlide6.xml><?xml version="1.0" encoding="utf-8"?>
+<p:notes xmlns:a="http://schemas.openxmlformats.org/drawingml/2006/main" xmlns:r="http://schemas.openxmlformats.org/officeDocument/2006/relationships" xmlns:p="http://schemas.openxmlformats.org/presentationml/2006/main">
+  <p:cSld>
+    <p:spTree>
+      <p:nvGrpSpPr>
+        <p:cNvPr id="1" name=""/>
+        <p:cNvGrpSpPr/>
+        <p:nvPr/>
+      </p:nvGrpSpPr>
+      <p:grpSpPr>
+        <a:xfrm>
+          <a:off x="0" y="0"/>
+          <a:ext cx="0" cy="0"/>
+          <a:chOff x="0" y="0"/>
+          <a:chExt cx="0" cy="0"/>
+        </a:xfrm>
+      </p:grpSpPr>
+      <p:sp>
+        <p:nvSpPr>
+          <p:cNvPr id="2" name="Folienbildplatzhalter 1"/>
+          <p:cNvSpPr>
+            <a:spLocks noGrp="1" noRot="1" noChangeAspect="1"/>
+          </p:cNvSpPr>
+          <p:nvPr>
+            <p:ph type="sldImg"/>
+          </p:nvPr>
+        </p:nvSpPr>
+        <p:spPr/>
+      </p:sp>
+      <p:sp>
+        <p:nvSpPr>
+          <p:cNvPr id="3" name="Notizenplatzhalter 2"/>
+          <p:cNvSpPr>
+            <a:spLocks noGrp="1"/>
+          </p:cNvSpPr>
+          <p:nvPr>
+            <p:ph type="body" idx="1"/>
+          </p:nvPr>
+        </p:nvSpPr>
+        <p:spPr/>
+        <p:txBody>
+          <a:bodyPr/>
+          <a:lstStyle/>
+          <a:p>
+            <a:r>
+              <a:rPr lang="de-DE" dirty="0"/>
+              <a:t>Rollback ist nur Einstellung des Load-Balancers</a:t>
+            </a:r>
+          </a:p>
+          <a:p>
+            <a:r>
+              <a:rPr lang="de-DE" dirty="0"/>
+              <a:t>Keine feste Testgruppe</a:t>
+            </a:r>
+          </a:p>
+          <a:p>
+            <a:r>
+              <a:rPr lang="de-DE" dirty="0"/>
+              <a:t>2 Server</a:t>
+            </a:r>
+          </a:p>
+        </p:txBody>
+      </p:sp>
+      <p:sp>
+        <p:nvSpPr>
+          <p:cNvPr id="4" name="Foliennummernplatzhalter 3"/>
+          <p:cNvSpPr>
+            <a:spLocks noGrp="1"/>
+          </p:cNvSpPr>
+          <p:nvPr>
+            <p:ph type="sldNum" sz="quarter" idx="5"/>
+          </p:nvPr>
+        </p:nvSpPr>
+        <p:spPr/>
+        <p:txBody>
+          <a:bodyPr/>
+          <a:lstStyle/>
+          <a:p>
+            <a:fld id="{18182567-388C-4D33-8B7B-A651F195F118}" type="slidenum">
+              <a:rPr lang="de-DE" altLang="de-DE" smtClean="0"/>
+              <a:pPr/>
+              <a:t>7</a:t>
+            </a:fld>
+            <a:endParaRPr lang="de-DE" altLang="de-DE"/>
+          </a:p>
+        </p:txBody>
+      </p:sp>
+    </p:spTree>
+    <p:extLst>
+      <p:ext uri="{BB962C8B-B14F-4D97-AF65-F5344CB8AC3E}">
+        <p14:creationId xmlns:p14="http://schemas.microsoft.com/office/powerpoint/2010/main" val="1076930107"/>
+      </p:ext>
+    </p:extLst>
+  </p:cSld>
+  <p:clrMapOvr>
+    <a:masterClrMapping/>
+  </p:clrMapOvr>
+</p:notes>
+</file>
+
+<file path=ppt/notesSlides/notesSlide7.xml><?xml version="1.0" encoding="utf-8"?>
+<p:notes xmlns:a="http://schemas.openxmlformats.org/drawingml/2006/main" xmlns:r="http://schemas.openxmlformats.org/officeDocument/2006/relationships" xmlns:p="http://schemas.openxmlformats.org/presentationml/2006/main">
+  <p:cSld>
+    <p:spTree>
+      <p:nvGrpSpPr>
+        <p:cNvPr id="1" name=""/>
+        <p:cNvGrpSpPr/>
+        <p:nvPr/>
+      </p:nvGrpSpPr>
+      <p:grpSpPr>
+        <a:xfrm>
+          <a:off x="0" y="0"/>
+          <a:ext cx="0" cy="0"/>
+          <a:chOff x="0" y="0"/>
+          <a:chExt cx="0" cy="0"/>
+        </a:xfrm>
+      </p:grpSpPr>
+      <p:sp>
+        <p:nvSpPr>
+          <p:cNvPr id="2" name="Folienbildplatzhalter 1"/>
+          <p:cNvSpPr>
+            <a:spLocks noGrp="1" noRot="1" noChangeAspect="1"/>
+          </p:cNvSpPr>
+          <p:nvPr>
+            <p:ph type="sldImg"/>
+          </p:nvPr>
+        </p:nvSpPr>
+        <p:spPr/>
+      </p:sp>
+      <p:sp>
+        <p:nvSpPr>
+          <p:cNvPr id="3" name="Notizenplatzhalter 2"/>
+          <p:cNvSpPr>
+            <a:spLocks noGrp="1"/>
+          </p:cNvSpPr>
+          <p:nvPr>
+            <p:ph type="body" idx="1"/>
+          </p:nvPr>
+        </p:nvSpPr>
+        <p:spPr/>
+        <p:txBody>
+          <a:bodyPr/>
+          <a:lstStyle/>
+          <a:p>
+            <a:endParaRPr lang="de-DE" dirty="0"/>
+          </a:p>
+        </p:txBody>
+      </p:sp>
+      <p:sp>
+        <p:nvSpPr>
+          <p:cNvPr id="4" name="Foliennummernplatzhalter 3"/>
+          <p:cNvSpPr>
+            <a:spLocks noGrp="1"/>
+          </p:cNvSpPr>
+          <p:nvPr>
+            <p:ph type="sldNum" sz="quarter" idx="5"/>
+          </p:nvPr>
+        </p:nvSpPr>
+        <p:spPr/>
+        <p:txBody>
+          <a:bodyPr/>
+          <a:lstStyle/>
+          <a:p>
+            <a:fld id="{18182567-388C-4D33-8B7B-A651F195F118}" type="slidenum">
+              <a:rPr lang="de-DE" altLang="de-DE" smtClean="0"/>
+              <a:pPr/>
+              <a:t>8</a:t>
+            </a:fld>
+            <a:endParaRPr lang="de-DE" altLang="de-DE"/>
+          </a:p>
+        </p:txBody>
+      </p:sp>
+    </p:spTree>
+    <p:extLst>
+      <p:ext uri="{BB962C8B-B14F-4D97-AF65-F5344CB8AC3E}">
+        <p14:creationId xmlns:p14="http://schemas.microsoft.com/office/powerpoint/2010/main" val="1711605960"/>
+      </p:ext>
+    </p:extLst>
+  </p:cSld>
+  <p:clrMapOvr>
+    <a:masterClrMapping/>
+  </p:clrMapOvr>
+</p:notes>
+</file>
+
+<file path=ppt/notesSlides/notesSlide8.xml><?xml version="1.0" encoding="utf-8"?>
+<p:notes xmlns:a="http://schemas.openxmlformats.org/drawingml/2006/main" xmlns:r="http://schemas.openxmlformats.org/officeDocument/2006/relationships" xmlns:p="http://schemas.openxmlformats.org/presentationml/2006/main">
+  <p:cSld>
+    <p:spTree>
+      <p:nvGrpSpPr>
+        <p:cNvPr id="1" name=""/>
+        <p:cNvGrpSpPr/>
+        <p:nvPr/>
+      </p:nvGrpSpPr>
+      <p:grpSpPr>
+        <a:xfrm>
+          <a:off x="0" y="0"/>
+          <a:ext cx="0" cy="0"/>
+          <a:chOff x="0" y="0"/>
+          <a:chExt cx="0" cy="0"/>
+        </a:xfrm>
+      </p:grpSpPr>
+      <p:sp>
+        <p:nvSpPr>
+          <p:cNvPr id="2" name="Folienbildplatzhalter 1"/>
+          <p:cNvSpPr>
+            <a:spLocks noGrp="1" noRot="1" noChangeAspect="1"/>
+          </p:cNvSpPr>
+          <p:nvPr>
+            <p:ph type="sldImg"/>
+          </p:nvPr>
+        </p:nvSpPr>
+        <p:spPr/>
+      </p:sp>
+      <p:sp>
+        <p:nvSpPr>
+          <p:cNvPr id="3" name="Notizenplatzhalter 2"/>
+          <p:cNvSpPr>
+            <a:spLocks noGrp="1"/>
+          </p:cNvSpPr>
+          <p:nvPr>
+            <p:ph type="body" idx="1"/>
+          </p:nvPr>
+        </p:nvSpPr>
+        <p:spPr/>
+        <p:txBody>
+          <a:bodyPr/>
+          <a:lstStyle/>
+          <a:p>
+            <a:r>
+              <a:rPr lang="de-DE" dirty="0"/>
+              <a:t>Nützlich wenn man eine feste Testgruppe </a:t>
+            </a:r>
+            <a:r>
+              <a:rPr lang="de-DE" dirty="0" err="1"/>
+              <a:t>hat,s</a:t>
+            </a:r>
+            <a:r>
+              <a:rPr lang="de-DE" dirty="0"/>
+              <a:t> die die neue Version vorab testen soll.</a:t>
+            </a:r>
+          </a:p>
+        </p:txBody>
+      </p:sp>
+      <p:sp>
+        <p:nvSpPr>
+          <p:cNvPr id="4" name="Foliennummernplatzhalter 3"/>
+          <p:cNvSpPr>
+            <a:spLocks noGrp="1"/>
+          </p:cNvSpPr>
+          <p:nvPr>
+            <p:ph type="sldNum" sz="quarter" idx="5"/>
+          </p:nvPr>
+        </p:nvSpPr>
+        <p:spPr/>
+        <p:txBody>
+          <a:bodyPr/>
+          <a:lstStyle/>
+          <a:p>
+            <a:fld id="{18182567-388C-4D33-8B7B-A651F195F118}" type="slidenum">
+              <a:rPr lang="de-DE" altLang="de-DE" smtClean="0"/>
+              <a:pPr/>
+              <a:t>9</a:t>
+            </a:fld>
+            <a:endParaRPr lang="de-DE" altLang="de-DE"/>
+          </a:p>
+        </p:txBody>
+      </p:sp>
+    </p:spTree>
+    <p:extLst>
+      <p:ext uri="{BB962C8B-B14F-4D97-AF65-F5344CB8AC3E}">
+        <p14:creationId xmlns:p14="http://schemas.microsoft.com/office/powerpoint/2010/main" val="2099690642"/>
+      </p:ext>
+    </p:extLst>
+  </p:cSld>
+  <p:clrMapOvr>
+    <a:masterClrMapping/>
+  </p:clrMapOvr>
+</p:notes>
+</file>
+
+<file path=ppt/notesSlides/notesSlide9.xml><?xml version="1.0" encoding="utf-8"?>
+<p:notes xmlns:a="http://schemas.openxmlformats.org/drawingml/2006/main" xmlns:r="http://schemas.openxmlformats.org/officeDocument/2006/relationships" xmlns:p="http://schemas.openxmlformats.org/presentationml/2006/main">
+  <p:cSld>
+    <p:spTree>
+      <p:nvGrpSpPr>
+        <p:cNvPr id="1" name=""/>
+        <p:cNvGrpSpPr/>
+        <p:nvPr/>
+      </p:nvGrpSpPr>
+      <p:grpSpPr>
+        <a:xfrm>
+          <a:off x="0" y="0"/>
+          <a:ext cx="0" cy="0"/>
+          <a:chOff x="0" y="0"/>
+          <a:chExt cx="0" cy="0"/>
+        </a:xfrm>
+      </p:grpSpPr>
+      <p:sp>
+        <p:nvSpPr>
+          <p:cNvPr id="2" name="Folienbildplatzhalter 1"/>
+          <p:cNvSpPr>
+            <a:spLocks noGrp="1" noRot="1" noChangeAspect="1"/>
+          </p:cNvSpPr>
+          <p:nvPr>
+            <p:ph type="sldImg"/>
+          </p:nvPr>
+        </p:nvSpPr>
+        <p:spPr/>
+      </p:sp>
+      <p:sp>
+        <p:nvSpPr>
+          <p:cNvPr id="3" name="Notizenplatzhalter 2"/>
+          <p:cNvSpPr>
+            <a:spLocks noGrp="1"/>
+          </p:cNvSpPr>
+          <p:nvPr>
+            <p:ph type="body" idx="1"/>
+          </p:nvPr>
+        </p:nvSpPr>
+        <p:spPr/>
+        <p:txBody>
+          <a:bodyPr/>
+          <a:lstStyle/>
+          <a:p>
+            <a:r>
+              <a:rPr lang="de-DE" dirty="0"/>
+              <a:t>Nur die Testgruppe ist von einem Rollback während der Testphase betroffen</a:t>
+            </a:r>
+          </a:p>
+        </p:txBody>
+      </p:sp>
+      <p:sp>
+        <p:nvSpPr>
+          <p:cNvPr id="4" name="Foliennummernplatzhalter 3"/>
+          <p:cNvSpPr>
+            <a:spLocks noGrp="1"/>
+          </p:cNvSpPr>
+          <p:nvPr>
+            <p:ph type="sldNum" sz="quarter" idx="5"/>
+          </p:nvPr>
+        </p:nvSpPr>
+        <p:spPr/>
+        <p:txBody>
+          <a:bodyPr/>
+          <a:lstStyle/>
+          <a:p>
+            <a:fld id="{18182567-388C-4D33-8B7B-A651F195F118}" type="slidenum">
+              <a:rPr lang="de-DE" altLang="de-DE" smtClean="0"/>
+              <a:pPr/>
+              <a:t>10</a:t>
+            </a:fld>
+            <a:endParaRPr lang="de-DE" altLang="de-DE"/>
+          </a:p>
+        </p:txBody>
+      </p:sp>
+    </p:spTree>
+    <p:extLst>
+      <p:ext uri="{BB962C8B-B14F-4D97-AF65-F5344CB8AC3E}">
+        <p14:creationId xmlns:p14="http://schemas.microsoft.com/office/powerpoint/2010/main" val="2823913330"/>
+      </p:ext>
+    </p:extLst>
+  </p:cSld>
+  <p:clrMapOvr>
+    <a:masterClrMapping/>
+  </p:clrMapOvr>
+</p:notes>
+</file>
+
 <file path=ppt/slideLayouts/slideLayout1.xml><?xml version="1.0" encoding="utf-8"?>
 <p:sldLayout xmlns:a="http://schemas.openxmlformats.org/drawingml/2006/main" xmlns:r="http://schemas.openxmlformats.org/officeDocument/2006/relationships" xmlns:p="http://schemas.openxmlformats.org/presentationml/2006/main" type="obj" preserve="1">
   <p:cSld name="Titel und Inhalt">
@@ -1300,7 +2386,7 @@
               <a:pPr algn="ctr">
                 <a:defRPr/>
               </a:pPr>
-              <a:t>06.06.2024</a:t>
+              <a:t>07.06.2024</a:t>
             </a:fld>
             <a:endParaRPr lang="de-DE" sz="1000">
               <a:solidFill>
@@ -4929,21 +6015,6 @@
               <a:rPr lang="de-DE" altLang="de-DE" kern="0" dirty="0"/>
               <a:t>Teuer</a:t>
             </a:r>
-          </a:p>
-          <a:p>
-            <a:pPr>
-              <a:buFont typeface="Arial" panose="020B0604020202020204" pitchFamily="34" charset="0"/>
-              <a:buChar char="•"/>
-            </a:pPr>
-            <a:r>
-              <a:rPr lang="de-DE" altLang="de-DE" kern="0" dirty="0"/>
-              <a:t>Nur Test kein Update</a:t>
-            </a:r>
-          </a:p>
-          <a:p>
-            <a:pPr marL="0" indent="0">
-              <a:buNone/>
-            </a:pPr>
             <a:endParaRPr lang="de-DE" b="1" dirty="0"/>
           </a:p>
         </p:txBody>
@@ -5118,7 +6189,7 @@
           <p:nvPr/>
         </p:nvPicPr>
         <p:blipFill>
-          <a:blip r:embed="rId2">
+          <a:blip r:embed="rId3">
             <a:extLst>
               <a:ext uri="{28A0092B-C50C-407E-A947-70E740481C1C}">
                 <a14:useLocalDpi xmlns:a14="http://schemas.microsoft.com/office/drawing/2010/main" val="0"/>
@@ -6775,7 +7846,7 @@
             </a:pPr>
             <a:r>
               <a:rPr lang="de-DE" altLang="de-DE" kern="0" dirty="0"/>
-              <a:t>Kein partieller deploy möglich</a:t>
+              <a:t>Kein partieller Deploy möglich</a:t>
             </a:r>
           </a:p>
         </p:txBody>

--- a/slides/Tag-3_5-Deployment-Strategien.pptx
+++ b/slides/Tag-3_5-Deployment-Strategien.pptx
@@ -6,10 +6,10 @@
     <p:sldMasterId id="2147483649" r:id="rId2"/>
   </p:sldMasterIdLst>
   <p:notesMasterIdLst>
-    <p:notesMasterId r:id="rId18"/>
+    <p:notesMasterId r:id="rId23"/>
   </p:notesMasterIdLst>
   <p:handoutMasterIdLst>
-    <p:handoutMasterId r:id="rId19"/>
+    <p:handoutMasterId r:id="rId24"/>
   </p:handoutMasterIdLst>
   <p:sldIdLst>
     <p:sldId id="624" r:id="rId3"/>
@@ -27,6 +27,11 @@
     <p:sldId id="303" r:id="rId15"/>
     <p:sldId id="299" r:id="rId16"/>
     <p:sldId id="304" r:id="rId17"/>
+    <p:sldId id="628" r:id="rId18"/>
+    <p:sldId id="629" r:id="rId19"/>
+    <p:sldId id="631" r:id="rId20"/>
+    <p:sldId id="630" r:id="rId21"/>
+    <p:sldId id="632" r:id="rId22"/>
   </p:sldIdLst>
   <p:sldSz cx="9144000" cy="6858000" type="screen4x3"/>
   <p:notesSz cx="6784975" cy="9921875"/>
@@ -175,6 +180,11 @@
             <p14:sldId id="303"/>
             <p14:sldId id="299"/>
             <p14:sldId id="304"/>
+            <p14:sldId id="628"/>
+            <p14:sldId id="629"/>
+            <p14:sldId id="631"/>
+            <p14:sldId id="630"/>
+            <p14:sldId id="632"/>
           </p14:sldIdLst>
         </p14:section>
       </p14:sectionLst>
@@ -1349,6 +1359,230 @@
     <p:extLst>
       <p:ext uri="{BB962C8B-B14F-4D97-AF65-F5344CB8AC3E}">
         <p14:creationId xmlns:p14="http://schemas.microsoft.com/office/powerpoint/2010/main" val="1437921376"/>
+      </p:ext>
+    </p:extLst>
+  </p:cSld>
+  <p:clrMapOvr>
+    <a:masterClrMapping/>
+  </p:clrMapOvr>
+</p:notes>
+</file>
+
+<file path=ppt/notesSlides/notesSlide13.xml><?xml version="1.0" encoding="utf-8"?>
+<p:notes xmlns:a="http://schemas.openxmlformats.org/drawingml/2006/main" xmlns:r="http://schemas.openxmlformats.org/officeDocument/2006/relationships" xmlns:p="http://schemas.openxmlformats.org/presentationml/2006/main">
+  <p:cSld>
+    <p:spTree>
+      <p:nvGrpSpPr>
+        <p:cNvPr id="1" name=""/>
+        <p:cNvGrpSpPr/>
+        <p:nvPr/>
+      </p:nvGrpSpPr>
+      <p:grpSpPr>
+        <a:xfrm>
+          <a:off x="0" y="0"/>
+          <a:ext cx="0" cy="0"/>
+          <a:chOff x="0" y="0"/>
+          <a:chExt cx="0" cy="0"/>
+        </a:xfrm>
+      </p:grpSpPr>
+      <p:sp>
+        <p:nvSpPr>
+          <p:cNvPr id="2" name="Folienbildplatzhalter 1"/>
+          <p:cNvSpPr>
+            <a:spLocks noGrp="1" noRot="1" noChangeAspect="1"/>
+          </p:cNvSpPr>
+          <p:nvPr>
+            <p:ph type="sldImg"/>
+          </p:nvPr>
+        </p:nvSpPr>
+        <p:spPr/>
+      </p:sp>
+      <p:sp>
+        <p:nvSpPr>
+          <p:cNvPr id="3" name="Notizenplatzhalter 2"/>
+          <p:cNvSpPr>
+            <a:spLocks noGrp="1"/>
+          </p:cNvSpPr>
+          <p:nvPr>
+            <p:ph type="body" idx="1"/>
+          </p:nvPr>
+        </p:nvSpPr>
+        <p:spPr/>
+        <p:txBody>
+          <a:bodyPr/>
+          <a:lstStyle/>
+          <a:p>
+            <a:r>
+              <a:rPr lang="de-DE" dirty="0"/>
+              <a:t>Bild ist urheberrechtslos von Unsplash.com</a:t>
+            </a:r>
+          </a:p>
+        </p:txBody>
+      </p:sp>
+      <p:sp>
+        <p:nvSpPr>
+          <p:cNvPr id="4" name="Foliennummernplatzhalter 3"/>
+          <p:cNvSpPr>
+            <a:spLocks noGrp="1"/>
+          </p:cNvSpPr>
+          <p:nvPr>
+            <p:ph type="sldNum" sz="quarter" idx="5"/>
+          </p:nvPr>
+        </p:nvSpPr>
+        <p:spPr/>
+        <p:txBody>
+          <a:bodyPr/>
+          <a:lstStyle/>
+          <a:p>
+            <a:fld id="{18182567-388C-4D33-8B7B-A651F195F118}" type="slidenum">
+              <a:rPr lang="de-DE" altLang="de-DE" smtClean="0"/>
+              <a:pPr/>
+              <a:t>16</a:t>
+            </a:fld>
+            <a:endParaRPr lang="de-DE" altLang="de-DE"/>
+          </a:p>
+        </p:txBody>
+      </p:sp>
+    </p:spTree>
+    <p:extLst>
+      <p:ext uri="{BB962C8B-B14F-4D97-AF65-F5344CB8AC3E}">
+        <p14:creationId xmlns:p14="http://schemas.microsoft.com/office/powerpoint/2010/main" val="2503989314"/>
+      </p:ext>
+    </p:extLst>
+  </p:cSld>
+  <p:clrMapOvr>
+    <a:masterClrMapping/>
+  </p:clrMapOvr>
+</p:notes>
+</file>
+
+<file path=ppt/notesSlides/notesSlide14.xml><?xml version="1.0" encoding="utf-8"?>
+<p:notes xmlns:a="http://schemas.openxmlformats.org/drawingml/2006/main" xmlns:r="http://schemas.openxmlformats.org/officeDocument/2006/relationships" xmlns:p="http://schemas.openxmlformats.org/presentationml/2006/main">
+  <p:cSld>
+    <p:spTree>
+      <p:nvGrpSpPr>
+        <p:cNvPr id="1" name=""/>
+        <p:cNvGrpSpPr/>
+        <p:nvPr/>
+      </p:nvGrpSpPr>
+      <p:grpSpPr>
+        <a:xfrm>
+          <a:off x="0" y="0"/>
+          <a:ext cx="0" cy="0"/>
+          <a:chOff x="0" y="0"/>
+          <a:chExt cx="0" cy="0"/>
+        </a:xfrm>
+      </p:grpSpPr>
+      <p:sp>
+        <p:nvSpPr>
+          <p:cNvPr id="2" name="Folienbildplatzhalter 1"/>
+          <p:cNvSpPr>
+            <a:spLocks noGrp="1" noRot="1" noChangeAspect="1"/>
+          </p:cNvSpPr>
+          <p:nvPr>
+            <p:ph type="sldImg"/>
+          </p:nvPr>
+        </p:nvSpPr>
+        <p:spPr/>
+      </p:sp>
+      <p:sp>
+        <p:nvSpPr>
+          <p:cNvPr id="3" name="Notizenplatzhalter 2"/>
+          <p:cNvSpPr>
+            <a:spLocks noGrp="1"/>
+          </p:cNvSpPr>
+          <p:nvPr>
+            <p:ph type="body" idx="1"/>
+          </p:nvPr>
+        </p:nvSpPr>
+        <p:spPr/>
+        <p:txBody>
+          <a:bodyPr/>
+          <a:lstStyle/>
+          <a:p>
+            <a:r>
+              <a:rPr lang="en-US" dirty="0"/>
+              <a:t>Visible </a:t>
+            </a:r>
+            <a:r>
+              <a:rPr lang="en-US" dirty="0" err="1"/>
+              <a:t>hei</a:t>
+            </a:r>
+            <a:r>
+              <a:rPr lang="de-DE" dirty="0" err="1"/>
+              <a:t>ßt</a:t>
+            </a:r>
+            <a:r>
+              <a:rPr lang="de-DE" dirty="0"/>
+              <a:t> die variable wird geloggt</a:t>
+            </a:r>
+          </a:p>
+          <a:p>
+            <a:r>
+              <a:rPr lang="de-DE" dirty="0" err="1"/>
+              <a:t>Masked</a:t>
+            </a:r>
+            <a:r>
+              <a:rPr lang="de-DE" dirty="0"/>
+              <a:t> heißt die variable wird nicht geloggt, aber kann in den Einstellungen angesehen werden.</a:t>
+            </a:r>
+          </a:p>
+          <a:p>
+            <a:r>
+              <a:rPr lang="de-DE" dirty="0" err="1"/>
+              <a:t>Protect</a:t>
+            </a:r>
+            <a:r>
+              <a:rPr lang="de-DE" dirty="0"/>
+              <a:t> Variable heißt die variable ist nur in </a:t>
+            </a:r>
+            <a:r>
+              <a:rPr lang="de-DE" dirty="0" err="1"/>
+              <a:t>protected</a:t>
+            </a:r>
+            <a:r>
+              <a:rPr lang="de-DE" dirty="0"/>
+              <a:t> </a:t>
+            </a:r>
+            <a:r>
+              <a:rPr lang="de-DE" dirty="0" err="1"/>
+              <a:t>branches</a:t>
+            </a:r>
+            <a:r>
+              <a:rPr lang="de-DE" dirty="0"/>
+              <a:t> verfügbar</a:t>
+            </a:r>
+          </a:p>
+        </p:txBody>
+      </p:sp>
+      <p:sp>
+        <p:nvSpPr>
+          <p:cNvPr id="4" name="Foliennummernplatzhalter 3"/>
+          <p:cNvSpPr>
+            <a:spLocks noGrp="1"/>
+          </p:cNvSpPr>
+          <p:nvPr>
+            <p:ph type="sldNum" sz="quarter" idx="5"/>
+          </p:nvPr>
+        </p:nvSpPr>
+        <p:spPr/>
+        <p:txBody>
+          <a:bodyPr/>
+          <a:lstStyle/>
+          <a:p>
+            <a:fld id="{18182567-388C-4D33-8B7B-A651F195F118}" type="slidenum">
+              <a:rPr lang="de-DE" altLang="de-DE" smtClean="0"/>
+              <a:pPr/>
+              <a:t>19</a:t>
+            </a:fld>
+            <a:endParaRPr lang="de-DE" altLang="de-DE"/>
+          </a:p>
+        </p:txBody>
+      </p:sp>
+    </p:spTree>
+    <p:extLst>
+      <p:ext uri="{BB962C8B-B14F-4D97-AF65-F5344CB8AC3E}">
+        <p14:creationId xmlns:p14="http://schemas.microsoft.com/office/powerpoint/2010/main" val="1539275154"/>
       </p:ext>
     </p:extLst>
   </p:cSld>
@@ -8917,6 +9151,817 @@
 </p:sld>
 </file>
 
+<file path=ppt/slides/slide16.xml><?xml version="1.0" encoding="utf-8"?>
+<p:sld xmlns:a="http://schemas.openxmlformats.org/drawingml/2006/main" xmlns:r="http://schemas.openxmlformats.org/officeDocument/2006/relationships" xmlns:p="http://schemas.openxmlformats.org/presentationml/2006/main">
+  <p:cSld>
+    <p:spTree>
+      <p:nvGrpSpPr>
+        <p:cNvPr id="1" name=""/>
+        <p:cNvGrpSpPr/>
+        <p:nvPr/>
+      </p:nvGrpSpPr>
+      <p:grpSpPr>
+        <a:xfrm>
+          <a:off x="0" y="0"/>
+          <a:ext cx="0" cy="0"/>
+          <a:chOff x="0" y="0"/>
+          <a:chExt cx="0" cy="0"/>
+        </a:xfrm>
+      </p:grpSpPr>
+      <p:sp>
+        <p:nvSpPr>
+          <p:cNvPr id="4" name="Titel 3">
+            <a:extLst>
+              <a:ext uri="{FF2B5EF4-FFF2-40B4-BE49-F238E27FC236}">
+                <a16:creationId xmlns:a16="http://schemas.microsoft.com/office/drawing/2014/main" id="{D046C25B-B54B-7936-4C86-E895372BF3A4}"/>
+              </a:ext>
+            </a:extLst>
+          </p:cNvPr>
+          <p:cNvSpPr>
+            <a:spLocks noGrp="1"/>
+          </p:cNvSpPr>
+          <p:nvPr>
+            <p:ph type="title"/>
+          </p:nvPr>
+        </p:nvSpPr>
+        <p:spPr/>
+        <p:txBody>
+          <a:bodyPr/>
+          <a:lstStyle/>
+          <a:p>
+            <a:r>
+              <a:rPr lang="en-US" altLang="de-DE" dirty="0" err="1"/>
+              <a:t>Deplo</a:t>
+            </a:r>
+            <a:r>
+              <a:rPr lang="de-DE" altLang="de-DE" dirty="0" err="1"/>
+              <a:t>yment</a:t>
+            </a:r>
+            <a:endParaRPr lang="de-DE" dirty="0"/>
+          </a:p>
+        </p:txBody>
+      </p:sp>
+      <p:sp>
+        <p:nvSpPr>
+          <p:cNvPr id="5" name="Inhaltsplatzhalter 4">
+            <a:extLst>
+              <a:ext uri="{FF2B5EF4-FFF2-40B4-BE49-F238E27FC236}">
+                <a16:creationId xmlns:a16="http://schemas.microsoft.com/office/drawing/2014/main" id="{214865A6-302B-5162-3236-06D650D0C4AB}"/>
+              </a:ext>
+            </a:extLst>
+          </p:cNvPr>
+          <p:cNvSpPr>
+            <a:spLocks noGrp="1"/>
+          </p:cNvSpPr>
+          <p:nvPr>
+            <p:ph idx="1"/>
+          </p:nvPr>
+        </p:nvSpPr>
+        <p:spPr/>
+        <p:txBody>
+          <a:bodyPr/>
+          <a:lstStyle/>
+          <a:p>
+            <a:pPr marL="0" indent="0">
+              <a:buNone/>
+            </a:pPr>
+            <a:r>
+              <a:rPr lang="en-US" b="1" dirty="0" err="1"/>
+              <a:t>Variablen</a:t>
+            </a:r>
+            <a:r>
+              <a:rPr lang="en-US" b="1" dirty="0"/>
+              <a:t> und Secrets</a:t>
+            </a:r>
+            <a:endParaRPr lang="de-DE" b="1" dirty="0"/>
+          </a:p>
+        </p:txBody>
+      </p:sp>
+      <p:pic>
+        <p:nvPicPr>
+          <p:cNvPr id="7" name="Grafik 6" descr="Ein Bild, das computer, Computer, Text, Im Haus enthält.&#10;&#10;Automatisch generierte Beschreibung">
+            <a:extLst>
+              <a:ext uri="{FF2B5EF4-FFF2-40B4-BE49-F238E27FC236}">
+                <a16:creationId xmlns:a16="http://schemas.microsoft.com/office/drawing/2014/main" id="{2A0FAAD3-CEFD-DCD8-B515-FEF2DC88292D}"/>
+              </a:ext>
+            </a:extLst>
+          </p:cNvPr>
+          <p:cNvPicPr>
+            <a:picLocks noChangeAspect="1"/>
+          </p:cNvPicPr>
+          <p:nvPr/>
+        </p:nvPicPr>
+        <p:blipFill>
+          <a:blip r:embed="rId3">
+            <a:extLst>
+              <a:ext uri="{28A0092B-C50C-407E-A947-70E740481C1C}">
+                <a14:useLocalDpi xmlns:a14="http://schemas.microsoft.com/office/drawing/2010/main" val="0"/>
+              </a:ext>
+            </a:extLst>
+          </a:blip>
+          <a:stretch>
+            <a:fillRect/>
+          </a:stretch>
+        </p:blipFill>
+        <p:spPr>
+          <a:xfrm>
+            <a:off x="1231565" y="1772816"/>
+            <a:ext cx="6660232" cy="4440155"/>
+          </a:xfrm>
+          <a:prstGeom prst="rect">
+            <a:avLst/>
+          </a:prstGeom>
+          <a:effectLst>
+            <a:softEdge rad="25400"/>
+          </a:effectLst>
+        </p:spPr>
+      </p:pic>
+    </p:spTree>
+    <p:extLst>
+      <p:ext uri="{BB962C8B-B14F-4D97-AF65-F5344CB8AC3E}">
+        <p14:creationId xmlns:p14="http://schemas.microsoft.com/office/powerpoint/2010/main" val="3590639027"/>
+      </p:ext>
+    </p:extLst>
+  </p:cSld>
+  <p:clrMapOvr>
+    <a:masterClrMapping/>
+  </p:clrMapOvr>
+</p:sld>
+</file>
+
+<file path=ppt/slides/slide17.xml><?xml version="1.0" encoding="utf-8"?>
+<p:sld xmlns:a="http://schemas.openxmlformats.org/drawingml/2006/main" xmlns:r="http://schemas.openxmlformats.org/officeDocument/2006/relationships" xmlns:p="http://schemas.openxmlformats.org/presentationml/2006/main">
+  <p:cSld>
+    <p:spTree>
+      <p:nvGrpSpPr>
+        <p:cNvPr id="1" name=""/>
+        <p:cNvGrpSpPr/>
+        <p:nvPr/>
+      </p:nvGrpSpPr>
+      <p:grpSpPr>
+        <a:xfrm>
+          <a:off x="0" y="0"/>
+          <a:ext cx="0" cy="0"/>
+          <a:chOff x="0" y="0"/>
+          <a:chExt cx="0" cy="0"/>
+        </a:xfrm>
+      </p:grpSpPr>
+      <p:sp>
+        <p:nvSpPr>
+          <p:cNvPr id="4" name="Titel 3">
+            <a:extLst>
+              <a:ext uri="{FF2B5EF4-FFF2-40B4-BE49-F238E27FC236}">
+                <a16:creationId xmlns:a16="http://schemas.microsoft.com/office/drawing/2014/main" id="{DEBA6DE7-EA03-A7D7-3C29-41A22183F800}"/>
+              </a:ext>
+            </a:extLst>
+          </p:cNvPr>
+          <p:cNvSpPr>
+            <a:spLocks noGrp="1"/>
+          </p:cNvSpPr>
+          <p:nvPr>
+            <p:ph type="title"/>
+          </p:nvPr>
+        </p:nvSpPr>
+        <p:spPr/>
+        <p:txBody>
+          <a:bodyPr/>
+          <a:lstStyle/>
+          <a:p>
+            <a:r>
+              <a:rPr lang="en-US" altLang="de-DE" dirty="0" err="1"/>
+              <a:t>Deplo</a:t>
+            </a:r>
+            <a:r>
+              <a:rPr lang="de-DE" altLang="de-DE" dirty="0" err="1"/>
+              <a:t>yment</a:t>
+            </a:r>
+            <a:endParaRPr lang="de-DE" dirty="0"/>
+          </a:p>
+        </p:txBody>
+      </p:sp>
+      <p:sp>
+        <p:nvSpPr>
+          <p:cNvPr id="5" name="Inhaltsplatzhalter 4">
+            <a:extLst>
+              <a:ext uri="{FF2B5EF4-FFF2-40B4-BE49-F238E27FC236}">
+                <a16:creationId xmlns:a16="http://schemas.microsoft.com/office/drawing/2014/main" id="{6959604D-114C-C871-547B-A592BA832626}"/>
+              </a:ext>
+            </a:extLst>
+          </p:cNvPr>
+          <p:cNvSpPr>
+            <a:spLocks noGrp="1"/>
+          </p:cNvSpPr>
+          <p:nvPr>
+            <p:ph idx="1"/>
+          </p:nvPr>
+        </p:nvSpPr>
+        <p:spPr/>
+        <p:txBody>
+          <a:bodyPr/>
+          <a:lstStyle/>
+          <a:p>
+            <a:pPr marL="0" indent="0">
+              <a:buNone/>
+            </a:pPr>
+            <a:r>
+              <a:rPr lang="en-US" b="1" dirty="0" err="1"/>
+              <a:t>Variablen</a:t>
+            </a:r>
+            <a:r>
+              <a:rPr lang="en-US" b="1" dirty="0"/>
+              <a:t> und Secrets</a:t>
+            </a:r>
+          </a:p>
+          <a:p>
+            <a:pPr>
+              <a:buFont typeface="Arial" panose="020B0604020202020204" pitchFamily="34" charset="0"/>
+              <a:buChar char="•"/>
+            </a:pPr>
+            <a:r>
+              <a:rPr lang="de-DE" dirty="0"/>
+              <a:t>Änderungen in Konfiguration zwischen Umgebungen</a:t>
+            </a:r>
+          </a:p>
+          <a:p>
+            <a:pPr>
+              <a:buFont typeface="Arial" panose="020B0604020202020204" pitchFamily="34" charset="0"/>
+              <a:buChar char="•"/>
+            </a:pPr>
+            <a:r>
+              <a:rPr lang="de-DE" dirty="0"/>
+              <a:t>Adressen</a:t>
+            </a:r>
+          </a:p>
+          <a:p>
+            <a:pPr>
+              <a:buFont typeface="Arial" panose="020B0604020202020204" pitchFamily="34" charset="0"/>
+              <a:buChar char="•"/>
+            </a:pPr>
+            <a:r>
+              <a:rPr lang="de-DE" dirty="0"/>
+              <a:t>Zugangsdaten</a:t>
+            </a:r>
+          </a:p>
+        </p:txBody>
+      </p:sp>
+    </p:spTree>
+    <p:extLst>
+      <p:ext uri="{BB962C8B-B14F-4D97-AF65-F5344CB8AC3E}">
+        <p14:creationId xmlns:p14="http://schemas.microsoft.com/office/powerpoint/2010/main" val="3081510875"/>
+      </p:ext>
+    </p:extLst>
+  </p:cSld>
+  <p:clrMapOvr>
+    <a:masterClrMapping/>
+  </p:clrMapOvr>
+</p:sld>
+</file>
+
+<file path=ppt/slides/slide18.xml><?xml version="1.0" encoding="utf-8"?>
+<p:sld xmlns:a="http://schemas.openxmlformats.org/drawingml/2006/main" xmlns:r="http://schemas.openxmlformats.org/officeDocument/2006/relationships" xmlns:p="http://schemas.openxmlformats.org/presentationml/2006/main">
+  <p:cSld>
+    <p:spTree>
+      <p:nvGrpSpPr>
+        <p:cNvPr id="1" name=""/>
+        <p:cNvGrpSpPr/>
+        <p:nvPr/>
+      </p:nvGrpSpPr>
+      <p:grpSpPr>
+        <a:xfrm>
+          <a:off x="0" y="0"/>
+          <a:ext cx="0" cy="0"/>
+          <a:chOff x="0" y="0"/>
+          <a:chExt cx="0" cy="0"/>
+        </a:xfrm>
+      </p:grpSpPr>
+      <p:sp>
+        <p:nvSpPr>
+          <p:cNvPr id="2" name="Titel 1">
+            <a:extLst>
+              <a:ext uri="{FF2B5EF4-FFF2-40B4-BE49-F238E27FC236}">
+                <a16:creationId xmlns:a16="http://schemas.microsoft.com/office/drawing/2014/main" id="{1096DD45-FD3C-3699-46AD-1F87E93B61A3}"/>
+              </a:ext>
+            </a:extLst>
+          </p:cNvPr>
+          <p:cNvSpPr>
+            <a:spLocks noGrp="1"/>
+          </p:cNvSpPr>
+          <p:nvPr>
+            <p:ph type="title"/>
+          </p:nvPr>
+        </p:nvSpPr>
+        <p:spPr/>
+        <p:txBody>
+          <a:bodyPr/>
+          <a:lstStyle/>
+          <a:p>
+            <a:r>
+              <a:rPr lang="en-US" altLang="de-DE" dirty="0" err="1"/>
+              <a:t>Deplo</a:t>
+            </a:r>
+            <a:r>
+              <a:rPr lang="de-DE" altLang="de-DE" dirty="0" err="1"/>
+              <a:t>yment</a:t>
+            </a:r>
+            <a:endParaRPr lang="de-DE" dirty="0"/>
+          </a:p>
+        </p:txBody>
+      </p:sp>
+      <p:sp>
+        <p:nvSpPr>
+          <p:cNvPr id="3" name="Inhaltsplatzhalter 2">
+            <a:extLst>
+              <a:ext uri="{FF2B5EF4-FFF2-40B4-BE49-F238E27FC236}">
+                <a16:creationId xmlns:a16="http://schemas.microsoft.com/office/drawing/2014/main" id="{9C5CB4EF-A9C5-97D9-70B3-564006DCE2E5}"/>
+              </a:ext>
+            </a:extLst>
+          </p:cNvPr>
+          <p:cNvSpPr>
+            <a:spLocks noGrp="1"/>
+          </p:cNvSpPr>
+          <p:nvPr>
+            <p:ph idx="1"/>
+          </p:nvPr>
+        </p:nvSpPr>
+        <p:spPr/>
+        <p:txBody>
+          <a:bodyPr/>
+          <a:lstStyle/>
+          <a:p>
+            <a:pPr marL="0" indent="0">
+              <a:buNone/>
+            </a:pPr>
+            <a:r>
+              <a:rPr lang="de-DE" b="1" dirty="0" err="1"/>
+              <a:t>Gitlab</a:t>
+            </a:r>
+            <a:r>
+              <a:rPr lang="de-DE" b="1" dirty="0"/>
+              <a:t> Variablen</a:t>
+            </a:r>
+          </a:p>
+        </p:txBody>
+      </p:sp>
+      <p:pic>
+        <p:nvPicPr>
+          <p:cNvPr id="5" name="Grafik 4" descr="Ein Bild, das Text, Zahl, Screenshot enthält.&#10;&#10;Automatisch generierte Beschreibung">
+            <a:extLst>
+              <a:ext uri="{FF2B5EF4-FFF2-40B4-BE49-F238E27FC236}">
+                <a16:creationId xmlns:a16="http://schemas.microsoft.com/office/drawing/2014/main" id="{35720101-CC12-8773-3CA7-3FCB8CC736A3}"/>
+              </a:ext>
+            </a:extLst>
+          </p:cNvPr>
+          <p:cNvPicPr>
+            <a:picLocks noChangeAspect="1"/>
+          </p:cNvPicPr>
+          <p:nvPr/>
+        </p:nvPicPr>
+        <p:blipFill>
+          <a:blip r:embed="rId2">
+            <a:extLst>
+              <a:ext uri="{28A0092B-C50C-407E-A947-70E740481C1C}">
+                <a14:useLocalDpi xmlns:a14="http://schemas.microsoft.com/office/drawing/2010/main" val="0"/>
+              </a:ext>
+            </a:extLst>
+          </a:blip>
+          <a:stretch>
+            <a:fillRect/>
+          </a:stretch>
+        </p:blipFill>
+        <p:spPr>
+          <a:xfrm>
+            <a:off x="303661" y="1957191"/>
+            <a:ext cx="8537126" cy="3919734"/>
+          </a:xfrm>
+          <a:prstGeom prst="rect">
+            <a:avLst/>
+          </a:prstGeom>
+        </p:spPr>
+      </p:pic>
+      <p:sp>
+        <p:nvSpPr>
+          <p:cNvPr id="6" name="Rechteck 5">
+            <a:extLst>
+              <a:ext uri="{FF2B5EF4-FFF2-40B4-BE49-F238E27FC236}">
+                <a16:creationId xmlns:a16="http://schemas.microsoft.com/office/drawing/2014/main" id="{DB0A6AD9-31E2-75F8-3933-010C5B19BA87}"/>
+              </a:ext>
+            </a:extLst>
+          </p:cNvPr>
+          <p:cNvSpPr/>
+          <p:nvPr/>
+        </p:nvSpPr>
+        <p:spPr bwMode="auto">
+          <a:xfrm>
+            <a:off x="285720" y="4077072"/>
+            <a:ext cx="1261944" cy="216024"/>
+          </a:xfrm>
+          <a:prstGeom prst="rect">
+            <a:avLst/>
+          </a:prstGeom>
+          <a:solidFill>
+            <a:schemeClr val="accent2">
+              <a:alpha val="51000"/>
+            </a:schemeClr>
+          </a:solidFill>
+          <a:ln w="12700" cap="flat" cmpd="sng" algn="ctr">
+            <a:solidFill>
+              <a:srgbClr val="0D4F3C"/>
+            </a:solidFill>
+            <a:prstDash val="solid"/>
+            <a:round/>
+            <a:headEnd type="none" w="sm" len="sm"/>
+            <a:tailEnd type="none" w="sm" len="sm"/>
+          </a:ln>
+          <a:effectLst/>
+        </p:spPr>
+        <p:txBody>
+          <a:bodyPr vert="horz" wrap="square" lIns="91440" tIns="45720" rIns="91440" bIns="45720" numCol="1" rtlCol="0" anchor="t" anchorCtr="0" compatLnSpc="1">
+            <a:prstTxWarp prst="textNoShape">
+              <a:avLst/>
+            </a:prstTxWarp>
+          </a:bodyPr>
+          <a:lstStyle/>
+          <a:p>
+            <a:pPr marL="0" marR="0" indent="0" algn="l" defTabSz="914400" rtl="0" eaLnBrk="0" fontAlgn="base" latinLnBrk="0" hangingPunct="0">
+              <a:lnSpc>
+                <a:spcPct val="100000"/>
+              </a:lnSpc>
+              <a:spcBef>
+                <a:spcPct val="0"/>
+              </a:spcBef>
+              <a:spcAft>
+                <a:spcPct val="0"/>
+              </a:spcAft>
+              <a:buClrTx/>
+              <a:buSzTx/>
+              <a:buFontTx/>
+              <a:buNone/>
+              <a:tabLst/>
+            </a:pPr>
+            <a:endParaRPr kumimoji="0" lang="de-DE" sz="2400" b="0" i="0" u="none" strike="noStrike" cap="none" normalizeH="0" baseline="0">
+              <a:ln>
+                <a:noFill/>
+              </a:ln>
+              <a:solidFill>
+                <a:schemeClr val="tx1"/>
+              </a:solidFill>
+              <a:effectLst/>
+              <a:latin typeface="Times New Roman" pitchFamily="18" charset="0"/>
+            </a:endParaRPr>
+          </a:p>
+        </p:txBody>
+      </p:sp>
+      <p:sp>
+        <p:nvSpPr>
+          <p:cNvPr id="7" name="Rechteck 6">
+            <a:extLst>
+              <a:ext uri="{FF2B5EF4-FFF2-40B4-BE49-F238E27FC236}">
+                <a16:creationId xmlns:a16="http://schemas.microsoft.com/office/drawing/2014/main" id="{AE85B860-F9A8-52E8-4860-C9E6DA9333F0}"/>
+              </a:ext>
+            </a:extLst>
+          </p:cNvPr>
+          <p:cNvSpPr/>
+          <p:nvPr/>
+        </p:nvSpPr>
+        <p:spPr bwMode="auto">
+          <a:xfrm>
+            <a:off x="282576" y="5202512"/>
+            <a:ext cx="1261944" cy="170704"/>
+          </a:xfrm>
+          <a:prstGeom prst="rect">
+            <a:avLst/>
+          </a:prstGeom>
+          <a:solidFill>
+            <a:schemeClr val="accent2">
+              <a:alpha val="51000"/>
+            </a:schemeClr>
+          </a:solidFill>
+          <a:ln w="12700" cap="flat" cmpd="sng" algn="ctr">
+            <a:solidFill>
+              <a:srgbClr val="0D4F3C"/>
+            </a:solidFill>
+            <a:prstDash val="solid"/>
+            <a:round/>
+            <a:headEnd type="none" w="sm" len="sm"/>
+            <a:tailEnd type="none" w="sm" len="sm"/>
+          </a:ln>
+          <a:effectLst/>
+        </p:spPr>
+        <p:txBody>
+          <a:bodyPr vert="horz" wrap="square" lIns="91440" tIns="45720" rIns="91440" bIns="45720" numCol="1" rtlCol="0" anchor="t" anchorCtr="0" compatLnSpc="1">
+            <a:prstTxWarp prst="textNoShape">
+              <a:avLst/>
+            </a:prstTxWarp>
+          </a:bodyPr>
+          <a:lstStyle/>
+          <a:p>
+            <a:pPr marL="0" marR="0" indent="0" algn="l" defTabSz="914400" rtl="0" eaLnBrk="0" fontAlgn="base" latinLnBrk="0" hangingPunct="0">
+              <a:lnSpc>
+                <a:spcPct val="100000"/>
+              </a:lnSpc>
+              <a:spcBef>
+                <a:spcPct val="0"/>
+              </a:spcBef>
+              <a:spcAft>
+                <a:spcPct val="0"/>
+              </a:spcAft>
+              <a:buClrTx/>
+              <a:buSzTx/>
+              <a:buFontTx/>
+              <a:buNone/>
+              <a:tabLst/>
+            </a:pPr>
+            <a:endParaRPr kumimoji="0" lang="de-DE" sz="2400" b="0" i="0" u="none" strike="noStrike" cap="none" normalizeH="0" baseline="0">
+              <a:ln>
+                <a:noFill/>
+              </a:ln>
+              <a:solidFill>
+                <a:schemeClr val="tx1"/>
+              </a:solidFill>
+              <a:effectLst/>
+              <a:latin typeface="Times New Roman" pitchFamily="18" charset="0"/>
+            </a:endParaRPr>
+          </a:p>
+        </p:txBody>
+      </p:sp>
+      <p:sp>
+        <p:nvSpPr>
+          <p:cNvPr id="8" name="Rechteck 7">
+            <a:extLst>
+              <a:ext uri="{FF2B5EF4-FFF2-40B4-BE49-F238E27FC236}">
+                <a16:creationId xmlns:a16="http://schemas.microsoft.com/office/drawing/2014/main" id="{C1930F78-CD38-ABBC-24FB-60FC85E4FFCA}"/>
+              </a:ext>
+            </a:extLst>
+          </p:cNvPr>
+          <p:cNvSpPr/>
+          <p:nvPr/>
+        </p:nvSpPr>
+        <p:spPr bwMode="auto">
+          <a:xfrm>
+            <a:off x="2267744" y="3917058"/>
+            <a:ext cx="648072" cy="236030"/>
+          </a:xfrm>
+          <a:prstGeom prst="rect">
+            <a:avLst/>
+          </a:prstGeom>
+          <a:solidFill>
+            <a:schemeClr val="accent2">
+              <a:alpha val="51000"/>
+            </a:schemeClr>
+          </a:solidFill>
+          <a:ln w="12700" cap="flat" cmpd="sng" algn="ctr">
+            <a:solidFill>
+              <a:srgbClr val="0D4F3C"/>
+            </a:solidFill>
+            <a:prstDash val="solid"/>
+            <a:round/>
+            <a:headEnd type="none" w="sm" len="sm"/>
+            <a:tailEnd type="none" w="sm" len="sm"/>
+          </a:ln>
+          <a:effectLst/>
+        </p:spPr>
+        <p:txBody>
+          <a:bodyPr vert="horz" wrap="square" lIns="91440" tIns="45720" rIns="91440" bIns="45720" numCol="1" rtlCol="0" anchor="t" anchorCtr="0" compatLnSpc="1">
+            <a:prstTxWarp prst="textNoShape">
+              <a:avLst/>
+            </a:prstTxWarp>
+          </a:bodyPr>
+          <a:lstStyle/>
+          <a:p>
+            <a:pPr marL="0" marR="0" indent="0" algn="l" defTabSz="914400" rtl="0" eaLnBrk="0" fontAlgn="base" latinLnBrk="0" hangingPunct="0">
+              <a:lnSpc>
+                <a:spcPct val="100000"/>
+              </a:lnSpc>
+              <a:spcBef>
+                <a:spcPct val="0"/>
+              </a:spcBef>
+              <a:spcAft>
+                <a:spcPct val="0"/>
+              </a:spcAft>
+              <a:buClrTx/>
+              <a:buSzTx/>
+              <a:buFontTx/>
+              <a:buNone/>
+              <a:tabLst/>
+            </a:pPr>
+            <a:endParaRPr kumimoji="0" lang="de-DE" sz="2400" b="0" i="0" u="none" strike="noStrike" cap="none" normalizeH="0" baseline="0">
+              <a:ln>
+                <a:noFill/>
+              </a:ln>
+              <a:solidFill>
+                <a:schemeClr val="tx1"/>
+              </a:solidFill>
+              <a:effectLst/>
+              <a:latin typeface="Times New Roman" pitchFamily="18" charset="0"/>
+            </a:endParaRPr>
+          </a:p>
+        </p:txBody>
+      </p:sp>
+    </p:spTree>
+    <p:extLst>
+      <p:ext uri="{BB962C8B-B14F-4D97-AF65-F5344CB8AC3E}">
+        <p14:creationId xmlns:p14="http://schemas.microsoft.com/office/powerpoint/2010/main" val="2598376510"/>
+      </p:ext>
+    </p:extLst>
+  </p:cSld>
+  <p:clrMapOvr>
+    <a:masterClrMapping/>
+  </p:clrMapOvr>
+</p:sld>
+</file>
+
+<file path=ppt/slides/slide19.xml><?xml version="1.0" encoding="utf-8"?>
+<p:sld xmlns:a="http://schemas.openxmlformats.org/drawingml/2006/main" xmlns:r="http://schemas.openxmlformats.org/officeDocument/2006/relationships" xmlns:p="http://schemas.openxmlformats.org/presentationml/2006/main">
+  <p:cSld>
+    <p:spTree>
+      <p:nvGrpSpPr>
+        <p:cNvPr id="1" name=""/>
+        <p:cNvGrpSpPr/>
+        <p:nvPr/>
+      </p:nvGrpSpPr>
+      <p:grpSpPr>
+        <a:xfrm>
+          <a:off x="0" y="0"/>
+          <a:ext cx="0" cy="0"/>
+          <a:chOff x="0" y="0"/>
+          <a:chExt cx="0" cy="0"/>
+        </a:xfrm>
+      </p:grpSpPr>
+      <p:sp>
+        <p:nvSpPr>
+          <p:cNvPr id="2" name="Titel 1">
+            <a:extLst>
+              <a:ext uri="{FF2B5EF4-FFF2-40B4-BE49-F238E27FC236}">
+                <a16:creationId xmlns:a16="http://schemas.microsoft.com/office/drawing/2014/main" id="{B94361C9-5FAC-CC87-FE4E-237033226990}"/>
+              </a:ext>
+            </a:extLst>
+          </p:cNvPr>
+          <p:cNvSpPr>
+            <a:spLocks noGrp="1"/>
+          </p:cNvSpPr>
+          <p:nvPr>
+            <p:ph type="title"/>
+          </p:nvPr>
+        </p:nvSpPr>
+        <p:spPr/>
+        <p:txBody>
+          <a:bodyPr/>
+          <a:lstStyle/>
+          <a:p>
+            <a:r>
+              <a:rPr lang="en-US" altLang="de-DE" dirty="0" err="1"/>
+              <a:t>Deplo</a:t>
+            </a:r>
+            <a:r>
+              <a:rPr lang="de-DE" altLang="de-DE" dirty="0" err="1"/>
+              <a:t>yment</a:t>
+            </a:r>
+            <a:endParaRPr lang="de-DE" dirty="0"/>
+          </a:p>
+        </p:txBody>
+      </p:sp>
+      <p:sp>
+        <p:nvSpPr>
+          <p:cNvPr id="3" name="Inhaltsplatzhalter 2">
+            <a:extLst>
+              <a:ext uri="{FF2B5EF4-FFF2-40B4-BE49-F238E27FC236}">
+                <a16:creationId xmlns:a16="http://schemas.microsoft.com/office/drawing/2014/main" id="{584D3E0E-4B6B-3AC9-B7DC-1E4994358F13}"/>
+              </a:ext>
+            </a:extLst>
+          </p:cNvPr>
+          <p:cNvSpPr>
+            <a:spLocks noGrp="1"/>
+          </p:cNvSpPr>
+          <p:nvPr>
+            <p:ph idx="1"/>
+          </p:nvPr>
+        </p:nvSpPr>
+        <p:spPr/>
+        <p:txBody>
+          <a:bodyPr/>
+          <a:lstStyle/>
+          <a:p>
+            <a:pPr marL="0" indent="0">
+              <a:buNone/>
+            </a:pPr>
+            <a:r>
+              <a:rPr lang="de-DE" b="1" dirty="0" err="1"/>
+              <a:t>Gitlab</a:t>
+            </a:r>
+            <a:r>
+              <a:rPr lang="de-DE" b="1" dirty="0"/>
+              <a:t> Variablen</a:t>
+            </a:r>
+          </a:p>
+          <a:p>
+            <a:pPr>
+              <a:buFont typeface="Arial" panose="020B0604020202020204" pitchFamily="34" charset="0"/>
+              <a:buChar char="•"/>
+            </a:pPr>
+            <a:r>
+              <a:rPr lang="de-DE" dirty="0"/>
+              <a:t>Keine externen Tools</a:t>
+            </a:r>
+          </a:p>
+          <a:p>
+            <a:pPr>
+              <a:buFont typeface="Arial" panose="020B0604020202020204" pitchFamily="34" charset="0"/>
+              <a:buChar char="•"/>
+            </a:pPr>
+            <a:r>
+              <a:rPr lang="de-DE" dirty="0"/>
+              <a:t>Begrenzte Sicherheit</a:t>
+            </a:r>
+          </a:p>
+          <a:p>
+            <a:pPr lvl="1">
+              <a:buFont typeface="Arial" panose="020B0604020202020204" pitchFamily="34" charset="0"/>
+              <a:buChar char="•"/>
+            </a:pPr>
+            <a:r>
+              <a:rPr lang="de-DE" dirty="0"/>
+              <a:t>Jeder der Projekteinstellungen bearbeiten kann, kann sie sehen</a:t>
+            </a:r>
+          </a:p>
+          <a:p>
+            <a:pPr lvl="1">
+              <a:buFont typeface="Arial" panose="020B0604020202020204" pitchFamily="34" charset="0"/>
+              <a:buChar char="•"/>
+            </a:pPr>
+            <a:r>
+              <a:rPr lang="de-DE" dirty="0"/>
+              <a:t>Können mit fehlerhafter </a:t>
+            </a:r>
+            <a:r>
+              <a:rPr lang="de-DE" dirty="0" err="1"/>
+              <a:t>pipeline</a:t>
+            </a:r>
+            <a:r>
+              <a:rPr lang="de-DE" dirty="0"/>
+              <a:t> geloggt werden</a:t>
+            </a:r>
+          </a:p>
+          <a:p>
+            <a:pPr>
+              <a:buFont typeface="Arial" panose="020B0604020202020204" pitchFamily="34" charset="0"/>
+              <a:buChar char="•"/>
+            </a:pPr>
+            <a:r>
+              <a:rPr lang="de-DE" dirty="0"/>
+              <a:t>Müssen richtig Konfiguriert sein</a:t>
+            </a:r>
+          </a:p>
+          <a:p>
+            <a:pPr lvl="1">
+              <a:buFont typeface="Arial" panose="020B0604020202020204" pitchFamily="34" charset="0"/>
+              <a:buChar char="•"/>
+            </a:pPr>
+            <a:r>
+              <a:rPr lang="de-DE" dirty="0"/>
+              <a:t>Visible oder </a:t>
+            </a:r>
+            <a:r>
+              <a:rPr lang="de-DE" dirty="0" err="1"/>
+              <a:t>Masked</a:t>
+            </a:r>
+            <a:endParaRPr lang="de-DE" dirty="0"/>
+          </a:p>
+          <a:p>
+            <a:pPr lvl="1">
+              <a:buFont typeface="Arial" panose="020B0604020202020204" pitchFamily="34" charset="0"/>
+              <a:buChar char="•"/>
+            </a:pPr>
+            <a:r>
+              <a:rPr lang="de-DE" dirty="0" err="1"/>
+              <a:t>Protect</a:t>
+            </a:r>
+            <a:r>
+              <a:rPr lang="de-DE" dirty="0"/>
+              <a:t> Variable</a:t>
+            </a:r>
+          </a:p>
+          <a:p>
+            <a:pPr>
+              <a:buFont typeface="Arial" panose="020B0604020202020204" pitchFamily="34" charset="0"/>
+              <a:buChar char="•"/>
+            </a:pPr>
+            <a:endParaRPr lang="de-DE" dirty="0"/>
+          </a:p>
+        </p:txBody>
+      </p:sp>
+    </p:spTree>
+    <p:extLst>
+      <p:ext uri="{BB962C8B-B14F-4D97-AF65-F5344CB8AC3E}">
+        <p14:creationId xmlns:p14="http://schemas.microsoft.com/office/powerpoint/2010/main" val="794405756"/>
+      </p:ext>
+    </p:extLst>
+  </p:cSld>
+  <p:clrMapOvr>
+    <a:masterClrMapping/>
+  </p:clrMapOvr>
+</p:sld>
+</file>
+
 <file path=ppt/slides/slide2.xml><?xml version="1.0" encoding="utf-8"?>
 <p:sld xmlns:a="http://schemas.openxmlformats.org/drawingml/2006/main" xmlns:r="http://schemas.openxmlformats.org/officeDocument/2006/relationships" xmlns:p="http://schemas.openxmlformats.org/presentationml/2006/main">
   <p:cSld>
@@ -9322,6 +10367,105 @@
         </p:txBody>
       </p:sp>
     </p:spTree>
+  </p:cSld>
+  <p:clrMapOvr>
+    <a:masterClrMapping/>
+  </p:clrMapOvr>
+</p:sld>
+</file>
+
+<file path=ppt/slides/slide20.xml><?xml version="1.0" encoding="utf-8"?>
+<p:sld xmlns:a="http://schemas.openxmlformats.org/drawingml/2006/main" xmlns:r="http://schemas.openxmlformats.org/officeDocument/2006/relationships" xmlns:p="http://schemas.openxmlformats.org/presentationml/2006/main">
+  <p:cSld>
+    <p:spTree>
+      <p:nvGrpSpPr>
+        <p:cNvPr id="1" name=""/>
+        <p:cNvGrpSpPr/>
+        <p:nvPr/>
+      </p:nvGrpSpPr>
+      <p:grpSpPr>
+        <a:xfrm>
+          <a:off x="0" y="0"/>
+          <a:ext cx="0" cy="0"/>
+          <a:chOff x="0" y="0"/>
+          <a:chExt cx="0" cy="0"/>
+        </a:xfrm>
+      </p:grpSpPr>
+      <p:sp>
+        <p:nvSpPr>
+          <p:cNvPr id="4" name="Titel 3">
+            <a:extLst>
+              <a:ext uri="{FF2B5EF4-FFF2-40B4-BE49-F238E27FC236}">
+                <a16:creationId xmlns:a16="http://schemas.microsoft.com/office/drawing/2014/main" id="{9FC7795F-6E01-F5BF-ACE2-1C2BA81DA7F2}"/>
+              </a:ext>
+            </a:extLst>
+          </p:cNvPr>
+          <p:cNvSpPr>
+            <a:spLocks noGrp="1"/>
+          </p:cNvSpPr>
+          <p:nvPr>
+            <p:ph type="title"/>
+          </p:nvPr>
+        </p:nvSpPr>
+        <p:spPr/>
+        <p:txBody>
+          <a:bodyPr/>
+          <a:lstStyle/>
+          <a:p>
+            <a:r>
+              <a:rPr lang="en-US" altLang="de-DE" dirty="0" err="1"/>
+              <a:t>Deplo</a:t>
+            </a:r>
+            <a:r>
+              <a:rPr lang="de-DE" altLang="de-DE" dirty="0" err="1"/>
+              <a:t>yment</a:t>
+            </a:r>
+            <a:endParaRPr lang="de-DE" dirty="0"/>
+          </a:p>
+        </p:txBody>
+      </p:sp>
+      <p:sp>
+        <p:nvSpPr>
+          <p:cNvPr id="5" name="Inhaltsplatzhalter 4">
+            <a:extLst>
+              <a:ext uri="{FF2B5EF4-FFF2-40B4-BE49-F238E27FC236}">
+                <a16:creationId xmlns:a16="http://schemas.microsoft.com/office/drawing/2014/main" id="{369AD538-3B05-3972-3EDA-255CDFB9FDDA}"/>
+              </a:ext>
+            </a:extLst>
+          </p:cNvPr>
+          <p:cNvSpPr>
+            <a:spLocks noGrp="1"/>
+          </p:cNvSpPr>
+          <p:nvPr>
+            <p:ph idx="1"/>
+          </p:nvPr>
+        </p:nvSpPr>
+        <p:spPr/>
+        <p:txBody>
+          <a:bodyPr/>
+          <a:lstStyle/>
+          <a:p>
+            <a:pPr marL="0" indent="0">
+              <a:buNone/>
+            </a:pPr>
+            <a:r>
+              <a:rPr lang="de-DE" b="1" dirty="0"/>
+              <a:t>TODO: Secrets mit Secret </a:t>
+            </a:r>
+            <a:r>
+              <a:rPr lang="de-DE" b="1" dirty="0" err="1"/>
+              <a:t>providers</a:t>
+            </a:r>
+            <a:endParaRPr lang="de-DE" b="1" dirty="0"/>
+          </a:p>
+        </p:txBody>
+      </p:sp>
+    </p:spTree>
+    <p:extLst>
+      <p:ext uri="{BB962C8B-B14F-4D97-AF65-F5344CB8AC3E}">
+        <p14:creationId xmlns:p14="http://schemas.microsoft.com/office/powerpoint/2010/main" val="2545660556"/>
+      </p:ext>
+    </p:extLst>
   </p:cSld>
   <p:clrMapOvr>
     <a:masterClrMapping/>

--- a/slides/Tag-3_5-Deployment-Strategien.pptx
+++ b/slides/Tag-3_5-Deployment-Strategien.pptx
@@ -2614,6 +2614,42 @@
           <a:chExt cx="0" cy="0"/>
         </a:xfrm>
       </p:grpSpPr>
+      <p:pic>
+        <p:nvPicPr>
+          <p:cNvPr id="4" name="Grafik 3" descr="Ein Bild, das Schrift, Logo, Grafiken, Text enthält.&#10;&#10;Automatisch generierte Beschreibung">
+            <a:extLst>
+              <a:ext uri="{FF2B5EF4-FFF2-40B4-BE49-F238E27FC236}">
+                <a16:creationId xmlns:a16="http://schemas.microsoft.com/office/drawing/2014/main" id="{8EB9531F-49E1-B9F5-CC36-4792E9DDD803}"/>
+              </a:ext>
+            </a:extLst>
+          </p:cNvPr>
+          <p:cNvPicPr>
+            <a:picLocks noChangeAspect="1"/>
+          </p:cNvPicPr>
+          <p:nvPr userDrawn="1"/>
+        </p:nvPicPr>
+        <p:blipFill>
+          <a:blip r:embed="rId2">
+            <a:extLst>
+              <a:ext uri="{28A0092B-C50C-407E-A947-70E740481C1C}">
+                <a14:useLocalDpi xmlns:a14="http://schemas.microsoft.com/office/drawing/2010/main" val="0"/>
+              </a:ext>
+            </a:extLst>
+          </a:blip>
+          <a:stretch>
+            <a:fillRect/>
+          </a:stretch>
+        </p:blipFill>
+        <p:spPr>
+          <a:xfrm>
+            <a:off x="3411121" y="4500375"/>
+            <a:ext cx="2321758" cy="2321758"/>
+          </a:xfrm>
+          <a:prstGeom prst="rect">
+            <a:avLst/>
+          </a:prstGeom>
+        </p:spPr>
+      </p:pic>
       <p:sp>
         <p:nvSpPr>
           <p:cNvPr id="2" name="Textfeld 1">
@@ -2837,7 +2873,7 @@
               <a:pPr algn="ctr">
                 <a:defRPr/>
               </a:pPr>
-              <a:t>10.06.2024</a:t>
+              <a:t>11.06.2024</a:t>
             </a:fld>
             <a:endParaRPr lang="de-DE" sz="1000">
               <a:solidFill>

--- a/slides/Tag-3_5-Deployment-Strategien.pptx
+++ b/slides/Tag-3_5-Deployment-Strategien.pptx
@@ -6,10 +6,10 @@
     <p:sldMasterId id="2147483649" r:id="rId2"/>
   </p:sldMasterIdLst>
   <p:notesMasterIdLst>
-    <p:notesMasterId r:id="rId23"/>
+    <p:notesMasterId r:id="rId24"/>
   </p:notesMasterIdLst>
   <p:handoutMasterIdLst>
-    <p:handoutMasterId r:id="rId24"/>
+    <p:handoutMasterId r:id="rId25"/>
   </p:handoutMasterIdLst>
   <p:sldIdLst>
     <p:sldId id="624" r:id="rId3"/>
@@ -32,6 +32,7 @@
     <p:sldId id="631" r:id="rId20"/>
     <p:sldId id="630" r:id="rId21"/>
     <p:sldId id="632" r:id="rId22"/>
+    <p:sldId id="633" r:id="rId23"/>
   </p:sldIdLst>
   <p:sldSz cx="9144000" cy="6858000" type="screen4x3"/>
   <p:notesSz cx="6784975" cy="9921875"/>
@@ -185,6 +186,7 @@
             <p14:sldId id="631"/>
             <p14:sldId id="630"/>
             <p14:sldId id="632"/>
+            <p14:sldId id="633"/>
           </p14:sldIdLst>
         </p14:section>
       </p14:sectionLst>
@@ -1414,7 +1416,7 @@
           <a:p>
             <a:r>
               <a:rPr lang="de-DE" dirty="0"/>
-              <a:t>Bild ist urheberrechtslos von Unsplash.com</a:t>
+              <a:t>Bild von Unsplash.com</a:t>
             </a:r>
           </a:p>
         </p:txBody>
@@ -1500,58 +1502,7 @@
           <a:bodyPr/>
           <a:lstStyle/>
           <a:p>
-            <a:r>
-              <a:rPr lang="en-US" dirty="0"/>
-              <a:t>Visible </a:t>
-            </a:r>
-            <a:r>
-              <a:rPr lang="en-US" dirty="0" err="1"/>
-              <a:t>hei</a:t>
-            </a:r>
-            <a:r>
-              <a:rPr lang="de-DE" dirty="0" err="1"/>
-              <a:t>ßt</a:t>
-            </a:r>
-            <a:r>
-              <a:rPr lang="de-DE" dirty="0"/>
-              <a:t> die variable wird geloggt</a:t>
-            </a:r>
-          </a:p>
-          <a:p>
-            <a:r>
-              <a:rPr lang="de-DE" dirty="0" err="1"/>
-              <a:t>Masked</a:t>
-            </a:r>
-            <a:r>
-              <a:rPr lang="de-DE" dirty="0"/>
-              <a:t> heißt die variable wird nicht geloggt, aber kann in den Einstellungen angesehen werden.</a:t>
-            </a:r>
-          </a:p>
-          <a:p>
-            <a:r>
-              <a:rPr lang="de-DE" dirty="0" err="1"/>
-              <a:t>Protect</a:t>
-            </a:r>
-            <a:r>
-              <a:rPr lang="de-DE" dirty="0"/>
-              <a:t> Variable heißt die variable ist nur in </a:t>
-            </a:r>
-            <a:r>
-              <a:rPr lang="de-DE" dirty="0" err="1"/>
-              <a:t>protected</a:t>
-            </a:r>
-            <a:r>
-              <a:rPr lang="de-DE" dirty="0"/>
-              <a:t> </a:t>
-            </a:r>
-            <a:r>
-              <a:rPr lang="de-DE" dirty="0" err="1"/>
-              <a:t>branches</a:t>
-            </a:r>
-            <a:r>
-              <a:rPr lang="de-DE" dirty="0"/>
-              <a:t> verfügbar</a:t>
-            </a:r>
+            <a:endParaRPr lang="de-DE" dirty="0"/>
           </a:p>
         </p:txBody>
       </p:sp>
@@ -1573,6 +1524,142 @@
             <a:fld id="{18182567-388C-4D33-8B7B-A651F195F118}" type="slidenum">
               <a:rPr lang="de-DE" altLang="de-DE" smtClean="0"/>
               <a:pPr/>
+              <a:t>17</a:t>
+            </a:fld>
+            <a:endParaRPr lang="de-DE" altLang="de-DE"/>
+          </a:p>
+        </p:txBody>
+      </p:sp>
+    </p:spTree>
+    <p:extLst>
+      <p:ext uri="{BB962C8B-B14F-4D97-AF65-F5344CB8AC3E}">
+        <p14:creationId xmlns:p14="http://schemas.microsoft.com/office/powerpoint/2010/main" val="2782757453"/>
+      </p:ext>
+    </p:extLst>
+  </p:cSld>
+  <p:clrMapOvr>
+    <a:masterClrMapping/>
+  </p:clrMapOvr>
+</p:notes>
+</file>
+
+<file path=ppt/notesSlides/notesSlide15.xml><?xml version="1.0" encoding="utf-8"?>
+<p:notes xmlns:a="http://schemas.openxmlformats.org/drawingml/2006/main" xmlns:r="http://schemas.openxmlformats.org/officeDocument/2006/relationships" xmlns:p="http://schemas.openxmlformats.org/presentationml/2006/main">
+  <p:cSld>
+    <p:spTree>
+      <p:nvGrpSpPr>
+        <p:cNvPr id="1" name=""/>
+        <p:cNvGrpSpPr/>
+        <p:nvPr/>
+      </p:nvGrpSpPr>
+      <p:grpSpPr>
+        <a:xfrm>
+          <a:off x="0" y="0"/>
+          <a:ext cx="0" cy="0"/>
+          <a:chOff x="0" y="0"/>
+          <a:chExt cx="0" cy="0"/>
+        </a:xfrm>
+      </p:grpSpPr>
+      <p:sp>
+        <p:nvSpPr>
+          <p:cNvPr id="2" name="Folienbildplatzhalter 1"/>
+          <p:cNvSpPr>
+            <a:spLocks noGrp="1" noRot="1" noChangeAspect="1"/>
+          </p:cNvSpPr>
+          <p:nvPr>
+            <p:ph type="sldImg"/>
+          </p:nvPr>
+        </p:nvSpPr>
+        <p:spPr/>
+      </p:sp>
+      <p:sp>
+        <p:nvSpPr>
+          <p:cNvPr id="3" name="Notizenplatzhalter 2"/>
+          <p:cNvSpPr>
+            <a:spLocks noGrp="1"/>
+          </p:cNvSpPr>
+          <p:nvPr>
+            <p:ph type="body" idx="1"/>
+          </p:nvPr>
+        </p:nvSpPr>
+        <p:spPr/>
+        <p:txBody>
+          <a:bodyPr/>
+          <a:lstStyle/>
+          <a:p>
+            <a:r>
+              <a:rPr lang="en-US" dirty="0"/>
+              <a:t>Visible </a:t>
+            </a:r>
+            <a:r>
+              <a:rPr lang="en-US" dirty="0" err="1"/>
+              <a:t>hei</a:t>
+            </a:r>
+            <a:r>
+              <a:rPr lang="de-DE" dirty="0" err="1"/>
+              <a:t>ßt</a:t>
+            </a:r>
+            <a:r>
+              <a:rPr lang="de-DE" dirty="0"/>
+              <a:t> die variable wird geloggt</a:t>
+            </a:r>
+          </a:p>
+          <a:p>
+            <a:r>
+              <a:rPr lang="de-DE" dirty="0" err="1"/>
+              <a:t>Masked</a:t>
+            </a:r>
+            <a:r>
+              <a:rPr lang="de-DE" dirty="0"/>
+              <a:t> heißt die variable wird nicht geloggt, aber kann in den Einstellungen angesehen werden.</a:t>
+            </a:r>
+          </a:p>
+          <a:p>
+            <a:r>
+              <a:rPr lang="de-DE" dirty="0" err="1"/>
+              <a:t>Protect</a:t>
+            </a:r>
+            <a:r>
+              <a:rPr lang="de-DE" dirty="0"/>
+              <a:t> Variable heißt die variable ist nur in </a:t>
+            </a:r>
+            <a:r>
+              <a:rPr lang="de-DE" dirty="0" err="1"/>
+              <a:t>protected</a:t>
+            </a:r>
+            <a:r>
+              <a:rPr lang="de-DE" dirty="0"/>
+              <a:t> </a:t>
+            </a:r>
+            <a:r>
+              <a:rPr lang="de-DE" dirty="0" err="1"/>
+              <a:t>branches</a:t>
+            </a:r>
+            <a:r>
+              <a:rPr lang="de-DE" dirty="0"/>
+              <a:t> verfügbar</a:t>
+            </a:r>
+          </a:p>
+        </p:txBody>
+      </p:sp>
+      <p:sp>
+        <p:nvSpPr>
+          <p:cNvPr id="4" name="Foliennummernplatzhalter 3"/>
+          <p:cNvSpPr>
+            <a:spLocks noGrp="1"/>
+          </p:cNvSpPr>
+          <p:nvPr>
+            <p:ph type="sldNum" sz="quarter" idx="5"/>
+          </p:nvPr>
+        </p:nvSpPr>
+        <p:spPr/>
+        <p:txBody>
+          <a:bodyPr/>
+          <a:lstStyle/>
+          <a:p>
+            <a:fld id="{18182567-388C-4D33-8B7B-A651F195F118}" type="slidenum">
+              <a:rPr lang="de-DE" altLang="de-DE" smtClean="0"/>
+              <a:pPr/>
               <a:t>19</a:t>
             </a:fld>
             <a:endParaRPr lang="de-DE" altLang="de-DE"/>
@@ -1583,6 +1670,204 @@
     <p:extLst>
       <p:ext uri="{BB962C8B-B14F-4D97-AF65-F5344CB8AC3E}">
         <p14:creationId xmlns:p14="http://schemas.microsoft.com/office/powerpoint/2010/main" val="1539275154"/>
+      </p:ext>
+    </p:extLst>
+  </p:cSld>
+  <p:clrMapOvr>
+    <a:masterClrMapping/>
+  </p:clrMapOvr>
+</p:notes>
+</file>
+
+<file path=ppt/notesSlides/notesSlide16.xml><?xml version="1.0" encoding="utf-8"?>
+<p:notes xmlns:a="http://schemas.openxmlformats.org/drawingml/2006/main" xmlns:r="http://schemas.openxmlformats.org/officeDocument/2006/relationships" xmlns:p="http://schemas.openxmlformats.org/presentationml/2006/main">
+  <p:cSld>
+    <p:spTree>
+      <p:nvGrpSpPr>
+        <p:cNvPr id="1" name=""/>
+        <p:cNvGrpSpPr/>
+        <p:nvPr/>
+      </p:nvGrpSpPr>
+      <p:grpSpPr>
+        <a:xfrm>
+          <a:off x="0" y="0"/>
+          <a:ext cx="0" cy="0"/>
+          <a:chOff x="0" y="0"/>
+          <a:chExt cx="0" cy="0"/>
+        </a:xfrm>
+      </p:grpSpPr>
+      <p:sp>
+        <p:nvSpPr>
+          <p:cNvPr id="2" name="Folienbildplatzhalter 1"/>
+          <p:cNvSpPr>
+            <a:spLocks noGrp="1" noRot="1" noChangeAspect="1"/>
+          </p:cNvSpPr>
+          <p:nvPr>
+            <p:ph type="sldImg"/>
+          </p:nvPr>
+        </p:nvSpPr>
+        <p:spPr/>
+      </p:sp>
+      <p:sp>
+        <p:nvSpPr>
+          <p:cNvPr id="3" name="Notizenplatzhalter 2"/>
+          <p:cNvSpPr>
+            <a:spLocks noGrp="1"/>
+          </p:cNvSpPr>
+          <p:nvPr>
+            <p:ph type="body" idx="1"/>
+          </p:nvPr>
+        </p:nvSpPr>
+        <p:spPr/>
+        <p:txBody>
+          <a:bodyPr/>
+          <a:lstStyle/>
+          <a:p>
+            <a:r>
+              <a:rPr lang="de-DE" dirty="0"/>
+              <a:t>Runner bekommt Zugangsdaten von </a:t>
+            </a:r>
+            <a:r>
+              <a:rPr lang="de-DE" dirty="0" err="1"/>
+              <a:t>gitlab</a:t>
+            </a:r>
+            <a:endParaRPr lang="de-DE" dirty="0"/>
+          </a:p>
+          <a:p>
+            <a:r>
+              <a:rPr lang="de-DE" dirty="0"/>
+              <a:t>Runner Authentifiziert mit externem Secret Provider und liest die Secrets von dort aus.</a:t>
+            </a:r>
+          </a:p>
+        </p:txBody>
+      </p:sp>
+      <p:sp>
+        <p:nvSpPr>
+          <p:cNvPr id="4" name="Foliennummernplatzhalter 3"/>
+          <p:cNvSpPr>
+            <a:spLocks noGrp="1"/>
+          </p:cNvSpPr>
+          <p:nvPr>
+            <p:ph type="sldNum" sz="quarter" idx="5"/>
+          </p:nvPr>
+        </p:nvSpPr>
+        <p:spPr/>
+        <p:txBody>
+          <a:bodyPr/>
+          <a:lstStyle/>
+          <a:p>
+            <a:fld id="{18182567-388C-4D33-8B7B-A651F195F118}" type="slidenum">
+              <a:rPr lang="de-DE" altLang="de-DE" smtClean="0"/>
+              <a:pPr/>
+              <a:t>20</a:t>
+            </a:fld>
+            <a:endParaRPr lang="de-DE" altLang="de-DE"/>
+          </a:p>
+        </p:txBody>
+      </p:sp>
+    </p:spTree>
+    <p:extLst>
+      <p:ext uri="{BB962C8B-B14F-4D97-AF65-F5344CB8AC3E}">
+        <p14:creationId xmlns:p14="http://schemas.microsoft.com/office/powerpoint/2010/main" val="203508835"/>
+      </p:ext>
+    </p:extLst>
+  </p:cSld>
+  <p:clrMapOvr>
+    <a:masterClrMapping/>
+  </p:clrMapOvr>
+</p:notes>
+</file>
+
+<file path=ppt/notesSlides/notesSlide17.xml><?xml version="1.0" encoding="utf-8"?>
+<p:notes xmlns:a="http://schemas.openxmlformats.org/drawingml/2006/main" xmlns:r="http://schemas.openxmlformats.org/officeDocument/2006/relationships" xmlns:p="http://schemas.openxmlformats.org/presentationml/2006/main">
+  <p:cSld>
+    <p:spTree>
+      <p:nvGrpSpPr>
+        <p:cNvPr id="1" name=""/>
+        <p:cNvGrpSpPr/>
+        <p:nvPr/>
+      </p:nvGrpSpPr>
+      <p:grpSpPr>
+        <a:xfrm>
+          <a:off x="0" y="0"/>
+          <a:ext cx="0" cy="0"/>
+          <a:chOff x="0" y="0"/>
+          <a:chExt cx="0" cy="0"/>
+        </a:xfrm>
+      </p:grpSpPr>
+      <p:sp>
+        <p:nvSpPr>
+          <p:cNvPr id="2" name="Folienbildplatzhalter 1"/>
+          <p:cNvSpPr>
+            <a:spLocks noGrp="1" noRot="1" noChangeAspect="1"/>
+          </p:cNvSpPr>
+          <p:nvPr>
+            <p:ph type="sldImg"/>
+          </p:nvPr>
+        </p:nvSpPr>
+        <p:spPr/>
+      </p:sp>
+      <p:sp>
+        <p:nvSpPr>
+          <p:cNvPr id="3" name="Notizenplatzhalter 2"/>
+          <p:cNvSpPr>
+            <a:spLocks noGrp="1"/>
+          </p:cNvSpPr>
+          <p:nvPr>
+            <p:ph type="body" idx="1"/>
+          </p:nvPr>
+        </p:nvSpPr>
+        <p:spPr/>
+        <p:txBody>
+          <a:bodyPr/>
+          <a:lstStyle/>
+          <a:p>
+            <a:r>
+              <a:rPr lang="de-DE" dirty="0"/>
+              <a:t>Secret Rotation: Regelmäßiges ändern von Secrets um Sicherheit zu erhöhen. Secrets müssen überall gleichzeitig </a:t>
+            </a:r>
+            <a:r>
+              <a:rPr lang="de-DE" dirty="0" err="1"/>
+              <a:t>geupdated</a:t>
+            </a:r>
+            <a:r>
+              <a:rPr lang="de-DE" dirty="0"/>
+              <a:t> werden.</a:t>
+            </a:r>
+          </a:p>
+          <a:p>
+            <a:endParaRPr lang="de-DE" dirty="0"/>
+          </a:p>
+        </p:txBody>
+      </p:sp>
+      <p:sp>
+        <p:nvSpPr>
+          <p:cNvPr id="4" name="Foliennummernplatzhalter 3"/>
+          <p:cNvSpPr>
+            <a:spLocks noGrp="1"/>
+          </p:cNvSpPr>
+          <p:nvPr>
+            <p:ph type="sldNum" sz="quarter" idx="5"/>
+          </p:nvPr>
+        </p:nvSpPr>
+        <p:spPr/>
+        <p:txBody>
+          <a:bodyPr/>
+          <a:lstStyle/>
+          <a:p>
+            <a:fld id="{18182567-388C-4D33-8B7B-A651F195F118}" type="slidenum">
+              <a:rPr lang="de-DE" altLang="de-DE" smtClean="0"/>
+              <a:pPr/>
+              <a:t>21</a:t>
+            </a:fld>
+            <a:endParaRPr lang="de-DE" altLang="de-DE"/>
+          </a:p>
+        </p:txBody>
+      </p:sp>
+    </p:spTree>
+    <p:extLst>
+      <p:ext uri="{BB962C8B-B14F-4D97-AF65-F5344CB8AC3E}">
+        <p14:creationId xmlns:p14="http://schemas.microsoft.com/office/powerpoint/2010/main" val="608550872"/>
       </p:ext>
     </p:extLst>
   </p:cSld>
@@ -2614,42 +2899,6 @@
           <a:chExt cx="0" cy="0"/>
         </a:xfrm>
       </p:grpSpPr>
-      <p:pic>
-        <p:nvPicPr>
-          <p:cNvPr id="4" name="Grafik 3" descr="Ein Bild, das Schrift, Logo, Grafiken, Text enthält.&#10;&#10;Automatisch generierte Beschreibung">
-            <a:extLst>
-              <a:ext uri="{FF2B5EF4-FFF2-40B4-BE49-F238E27FC236}">
-                <a16:creationId xmlns:a16="http://schemas.microsoft.com/office/drawing/2014/main" id="{8EB9531F-49E1-B9F5-CC36-4792E9DDD803}"/>
-              </a:ext>
-            </a:extLst>
-          </p:cNvPr>
-          <p:cNvPicPr>
-            <a:picLocks noChangeAspect="1"/>
-          </p:cNvPicPr>
-          <p:nvPr userDrawn="1"/>
-        </p:nvPicPr>
-        <p:blipFill>
-          <a:blip r:embed="rId2">
-            <a:extLst>
-              <a:ext uri="{28A0092B-C50C-407E-A947-70E740481C1C}">
-                <a14:useLocalDpi xmlns:a14="http://schemas.microsoft.com/office/drawing/2010/main" val="0"/>
-              </a:ext>
-            </a:extLst>
-          </a:blip>
-          <a:stretch>
-            <a:fillRect/>
-          </a:stretch>
-        </p:blipFill>
-        <p:spPr>
-          <a:xfrm>
-            <a:off x="3411121" y="4500375"/>
-            <a:ext cx="2321758" cy="2321758"/>
-          </a:xfrm>
-          <a:prstGeom prst="rect">
-            <a:avLst/>
-          </a:prstGeom>
-        </p:spPr>
-      </p:pic>
       <p:sp>
         <p:nvSpPr>
           <p:cNvPr id="2" name="Textfeld 1">
@@ -3722,6 +3971,42 @@
           </a:p>
         </p:txBody>
       </p:sp>
+      <p:pic>
+        <p:nvPicPr>
+          <p:cNvPr id="3" name="Grafik 2">
+            <a:extLst>
+              <a:ext uri="{FF2B5EF4-FFF2-40B4-BE49-F238E27FC236}">
+                <a16:creationId xmlns:a16="http://schemas.microsoft.com/office/drawing/2014/main" id="{E925879A-FF50-9D1F-F674-2E516D3889E3}"/>
+              </a:ext>
+            </a:extLst>
+          </p:cNvPr>
+          <p:cNvPicPr>
+            <a:picLocks noChangeAspect="1"/>
+          </p:cNvPicPr>
+          <p:nvPr userDrawn="1"/>
+        </p:nvPicPr>
+        <p:blipFill>
+          <a:blip r:embed="rId7">
+            <a:extLst>
+              <a:ext uri="{28A0092B-C50C-407E-A947-70E740481C1C}">
+                <a14:useLocalDpi xmlns:a14="http://schemas.microsoft.com/office/drawing/2010/main" val="0"/>
+              </a:ext>
+            </a:extLst>
+          </a:blip>
+          <a:stretch>
+            <a:fillRect/>
+          </a:stretch>
+        </p:blipFill>
+        <p:spPr>
+          <a:xfrm>
+            <a:off x="8486775" y="-15729"/>
+            <a:ext cx="636272" cy="636272"/>
+          </a:xfrm>
+          <a:prstGeom prst="rect">
+            <a:avLst/>
+          </a:prstGeom>
+        </p:spPr>
+      </p:pic>
     </p:spTree>
   </p:cSld>
   <p:clrMap bg1="lt1" tx1="dk1" bg2="lt2" tx2="dk2" accent1="accent1" accent2="accent2" accent3="accent3" accent4="accent4" accent5="accent5" accent6="accent6" hlink="hlink" folHlink="folHlink"/>
@@ -4431,6 +4716,42 @@
           </a:p>
         </p:txBody>
       </p:sp>
+      <p:pic>
+        <p:nvPicPr>
+          <p:cNvPr id="2" name="Grafik 1">
+            <a:extLst>
+              <a:ext uri="{FF2B5EF4-FFF2-40B4-BE49-F238E27FC236}">
+                <a16:creationId xmlns:a16="http://schemas.microsoft.com/office/drawing/2014/main" id="{33CEEB84-D223-D36E-A4A0-4267AB09BED0}"/>
+              </a:ext>
+            </a:extLst>
+          </p:cNvPr>
+          <p:cNvPicPr>
+            <a:picLocks noChangeAspect="1"/>
+          </p:cNvPicPr>
+          <p:nvPr userDrawn="1"/>
+        </p:nvPicPr>
+        <p:blipFill>
+          <a:blip r:embed="rId5">
+            <a:extLst>
+              <a:ext uri="{28A0092B-C50C-407E-A947-70E740481C1C}">
+                <a14:useLocalDpi xmlns:a14="http://schemas.microsoft.com/office/drawing/2010/main" val="0"/>
+              </a:ext>
+            </a:extLst>
+          </a:blip>
+          <a:stretch>
+            <a:fillRect/>
+          </a:stretch>
+        </p:blipFill>
+        <p:spPr>
+          <a:xfrm>
+            <a:off x="3383868" y="4481736"/>
+            <a:ext cx="2376264" cy="2376264"/>
+          </a:xfrm>
+          <a:prstGeom prst="rect">
+            <a:avLst/>
+          </a:prstGeom>
+        </p:spPr>
+      </p:pic>
     </p:spTree>
   </p:cSld>
   <p:clrMap bg1="lt1" tx1="dk1" bg2="lt2" tx2="dk2" accent1="accent1" accent2="accent2" accent3="accent3" accent4="accent4" accent5="accent5" accent6="accent6" hlink="hlink" folHlink="folHlink"/>
@@ -9425,7 +9746,7 @@
             </a:pPr>
             <a:r>
               <a:rPr lang="de-DE" dirty="0"/>
-              <a:t>Adressen</a:t>
+              <a:t>Adressen/URLs</a:t>
             </a:r>
           </a:p>
           <a:p>
@@ -9436,6 +9757,16 @@
             <a:r>
               <a:rPr lang="de-DE" dirty="0"/>
               <a:t>Zugangsdaten</a:t>
+            </a:r>
+          </a:p>
+          <a:p>
+            <a:pPr>
+              <a:buFont typeface="Arial" panose="020B0604020202020204" pitchFamily="34" charset="0"/>
+              <a:buChar char="•"/>
+            </a:pPr>
+            <a:r>
+              <a:rPr lang="de-DE" dirty="0"/>
+              <a:t>Konfiguration von Containern</a:t>
             </a:r>
           </a:p>
         </p:txBody>
@@ -9926,15 +10257,7 @@
             </a:pPr>
             <a:r>
               <a:rPr lang="de-DE" dirty="0"/>
-              <a:t>Können mit fehlerhafter </a:t>
-            </a:r>
-            <a:r>
-              <a:rPr lang="de-DE" dirty="0" err="1"/>
-              <a:t>pipeline</a:t>
-            </a:r>
-            <a:r>
-              <a:rPr lang="de-DE" dirty="0"/>
-              <a:t> geloggt werden</a:t>
+              <a:t>Können mit fehlerhafter Pipeline geloggt werden</a:t>
             </a:r>
           </a:p>
           <a:p>
@@ -9974,6 +10297,16 @@
             <a:r>
               <a:rPr lang="de-DE" dirty="0"/>
               <a:t> Variable</a:t>
+            </a:r>
+          </a:p>
+          <a:p>
+            <a:pPr>
+              <a:buFont typeface="Arial" panose="020B0604020202020204" pitchFamily="34" charset="0"/>
+              <a:buChar char="•"/>
+            </a:pPr>
+            <a:r>
+              <a:rPr lang="de-DE" dirty="0"/>
+              <a:t>Können Überschrieben werden</a:t>
             </a:r>
           </a:p>
           <a:p>
@@ -10486,13 +10819,440 @@
             </a:pPr>
             <a:r>
               <a:rPr lang="de-DE" b="1" dirty="0"/>
-              <a:t>TODO: Secrets mit Secret </a:t>
+              <a:t>Secret </a:t>
             </a:r>
             <a:r>
               <a:rPr lang="de-DE" b="1" dirty="0" err="1"/>
-              <a:t>providers</a:t>
+              <a:t>Vaults</a:t>
             </a:r>
             <a:endParaRPr lang="de-DE" b="1" dirty="0"/>
+          </a:p>
+        </p:txBody>
+      </p:sp>
+      <p:pic>
+        <p:nvPicPr>
+          <p:cNvPr id="3" name="Grafik 2" descr="Ein Bild, das orange, Farbigkeit, Grafiken, Design enthält.&#10;&#10;Automatisch generierte Beschreibung">
+            <a:extLst>
+              <a:ext uri="{FF2B5EF4-FFF2-40B4-BE49-F238E27FC236}">
+                <a16:creationId xmlns:a16="http://schemas.microsoft.com/office/drawing/2014/main" id="{816B3B49-D2AB-DFB5-E3F8-8CA7FF898844}"/>
+              </a:ext>
+            </a:extLst>
+          </p:cNvPr>
+          <p:cNvPicPr>
+            <a:picLocks noChangeAspect="1"/>
+          </p:cNvPicPr>
+          <p:nvPr/>
+        </p:nvPicPr>
+        <p:blipFill>
+          <a:blip r:embed="rId3">
+            <a:extLst>
+              <a:ext uri="{28A0092B-C50C-407E-A947-70E740481C1C}">
+                <a14:useLocalDpi xmlns:a14="http://schemas.microsoft.com/office/drawing/2010/main" val="0"/>
+              </a:ext>
+            </a:extLst>
+          </a:blip>
+          <a:stretch>
+            <a:fillRect/>
+          </a:stretch>
+        </p:blipFill>
+        <p:spPr>
+          <a:xfrm>
+            <a:off x="555082" y="3116673"/>
+            <a:ext cx="1409099" cy="1296949"/>
+          </a:xfrm>
+          <a:prstGeom prst="rect">
+            <a:avLst/>
+          </a:prstGeom>
+        </p:spPr>
+      </p:pic>
+      <p:pic>
+        <p:nvPicPr>
+          <p:cNvPr id="7" name="Grafik 6" descr="Ein Bild, das Logo, Grafiken, Schrift, Symbol enthält.&#10;&#10;Automatisch generierte Beschreibung">
+            <a:extLst>
+              <a:ext uri="{FF2B5EF4-FFF2-40B4-BE49-F238E27FC236}">
+                <a16:creationId xmlns:a16="http://schemas.microsoft.com/office/drawing/2014/main" id="{C46671FB-C6FD-8DA9-7620-C3978BAE8924}"/>
+              </a:ext>
+            </a:extLst>
+          </p:cNvPr>
+          <p:cNvPicPr>
+            <a:picLocks noChangeAspect="1"/>
+          </p:cNvPicPr>
+          <p:nvPr/>
+        </p:nvPicPr>
+        <p:blipFill>
+          <a:blip r:embed="rId4">
+            <a:extLst>
+              <a:ext uri="{28A0092B-C50C-407E-A947-70E740481C1C}">
+                <a14:useLocalDpi xmlns:a14="http://schemas.microsoft.com/office/drawing/2010/main" val="0"/>
+              </a:ext>
+            </a:extLst>
+          </a:blip>
+          <a:stretch>
+            <a:fillRect/>
+          </a:stretch>
+        </p:blipFill>
+        <p:spPr>
+          <a:xfrm>
+            <a:off x="3857131" y="3164824"/>
+            <a:ext cx="1409099" cy="1409099"/>
+          </a:xfrm>
+          <a:prstGeom prst="rect">
+            <a:avLst/>
+          </a:prstGeom>
+        </p:spPr>
+      </p:pic>
+      <p:pic>
+        <p:nvPicPr>
+          <p:cNvPr id="9" name="Grafik 8" descr="Safe Silhouette">
+            <a:extLst>
+              <a:ext uri="{FF2B5EF4-FFF2-40B4-BE49-F238E27FC236}">
+                <a16:creationId xmlns:a16="http://schemas.microsoft.com/office/drawing/2014/main" id="{EB21FCCA-4561-E8DC-3931-7B1B8850B2E0}"/>
+              </a:ext>
+            </a:extLst>
+          </p:cNvPr>
+          <p:cNvPicPr>
+            <a:picLocks noChangeAspect="1"/>
+          </p:cNvPicPr>
+          <p:nvPr/>
+        </p:nvPicPr>
+        <p:blipFill>
+          <a:blip r:embed="rId5">
+            <a:extLst>
+              <a:ext uri="{28A0092B-C50C-407E-A947-70E740481C1C}">
+                <a14:useLocalDpi xmlns:a14="http://schemas.microsoft.com/office/drawing/2010/main" val="0"/>
+              </a:ext>
+              <a:ext uri="{96DAC541-7B7A-43D3-8B79-37D633B846F1}">
+                <asvg:svgBlip xmlns:asvg="http://schemas.microsoft.com/office/drawing/2016/SVG/main" r:embed="rId6"/>
+              </a:ext>
+            </a:extLst>
+          </a:blip>
+          <a:stretch>
+            <a:fillRect/>
+          </a:stretch>
+        </p:blipFill>
+        <p:spPr>
+          <a:xfrm>
+            <a:off x="6933412" y="3092816"/>
+            <a:ext cx="1561259" cy="1561259"/>
+          </a:xfrm>
+          <a:prstGeom prst="rect">
+            <a:avLst/>
+          </a:prstGeom>
+        </p:spPr>
+      </p:pic>
+      <p:cxnSp>
+        <p:nvCxnSpPr>
+          <p:cNvPr id="11" name="Verbinder: gewinkelt 10">
+            <a:extLst>
+              <a:ext uri="{FF2B5EF4-FFF2-40B4-BE49-F238E27FC236}">
+                <a16:creationId xmlns:a16="http://schemas.microsoft.com/office/drawing/2014/main" id="{BC6F3FF1-719A-AEF5-DAD7-9766A7511C19}"/>
+              </a:ext>
+            </a:extLst>
+          </p:cNvPr>
+          <p:cNvCxnSpPr>
+            <a:cxnSpLocks/>
+            <a:stCxn id="3" idx="0"/>
+            <a:endCxn id="7" idx="0"/>
+          </p:cNvCxnSpPr>
+          <p:nvPr/>
+        </p:nvCxnSpPr>
+        <p:spPr bwMode="auto">
+          <a:xfrm rot="16200000" flipH="1">
+            <a:off x="2886580" y="1489724"/>
+            <a:ext cx="48151" cy="3302049"/>
+          </a:xfrm>
+          <a:prstGeom prst="bentConnector3">
+            <a:avLst>
+              <a:gd name="adj1" fmla="val -474756"/>
+            </a:avLst>
+          </a:prstGeom>
+          <a:solidFill>
+            <a:schemeClr val="accent1"/>
+          </a:solidFill>
+          <a:ln w="12700" cap="flat" cmpd="sng" algn="ctr">
+            <a:solidFill>
+              <a:schemeClr val="tx1"/>
+            </a:solidFill>
+            <a:prstDash val="solid"/>
+            <a:round/>
+            <a:headEnd type="none" w="sm" len="sm"/>
+            <a:tailEnd type="triangle"/>
+          </a:ln>
+          <a:effectLst/>
+        </p:spPr>
+      </p:cxnSp>
+      <p:sp>
+        <p:nvSpPr>
+          <p:cNvPr id="14" name="Textfeld 13">
+            <a:extLst>
+              <a:ext uri="{FF2B5EF4-FFF2-40B4-BE49-F238E27FC236}">
+                <a16:creationId xmlns:a16="http://schemas.microsoft.com/office/drawing/2014/main" id="{3F429565-476B-3849-2B2F-998B4C6CAD1C}"/>
+              </a:ext>
+            </a:extLst>
+          </p:cNvPr>
+          <p:cNvSpPr txBox="1"/>
+          <p:nvPr/>
+        </p:nvSpPr>
+        <p:spPr bwMode="auto">
+          <a:xfrm>
+            <a:off x="1974501" y="2492896"/>
+            <a:ext cx="2093443" cy="383896"/>
+          </a:xfrm>
+          <a:prstGeom prst="rect">
+            <a:avLst/>
+          </a:prstGeom>
+          <a:noFill/>
+          <a:ln w="9525">
+            <a:noFill/>
+            <a:miter lim="800000"/>
+            <a:headEnd/>
+            <a:tailEnd/>
+          </a:ln>
+        </p:spPr>
+        <p:txBody>
+          <a:bodyPr wrap="square" rtlCol="0" anchor="ctr">
+            <a:spAutoFit/>
+          </a:bodyPr>
+          <a:lstStyle/>
+          <a:p>
+            <a:pPr eaLnBrk="1" hangingPunct="1"/>
+            <a:r>
+              <a:rPr lang="de-DE" sz="1800" dirty="0" err="1">
+                <a:latin typeface="Arial" charset="0"/>
+              </a:rPr>
+              <a:t>Provides</a:t>
+            </a:r>
+            <a:r>
+              <a:rPr lang="de-DE" sz="1800" dirty="0">
+                <a:latin typeface="Arial" charset="0"/>
+              </a:rPr>
+              <a:t> Token</a:t>
+            </a:r>
+          </a:p>
+        </p:txBody>
+      </p:sp>
+      <p:cxnSp>
+        <p:nvCxnSpPr>
+          <p:cNvPr id="21" name="Gerade Verbindung mit Pfeil 20">
+            <a:extLst>
+              <a:ext uri="{FF2B5EF4-FFF2-40B4-BE49-F238E27FC236}">
+                <a16:creationId xmlns:a16="http://schemas.microsoft.com/office/drawing/2014/main" id="{696CDE84-6F76-13C1-FCCE-E7353DE8C201}"/>
+              </a:ext>
+            </a:extLst>
+          </p:cNvPr>
+          <p:cNvCxnSpPr>
+            <a:cxnSpLocks/>
+            <a:stCxn id="7" idx="3"/>
+          </p:cNvCxnSpPr>
+          <p:nvPr/>
+        </p:nvCxnSpPr>
+        <p:spPr bwMode="auto">
+          <a:xfrm>
+            <a:off x="5266230" y="3869374"/>
+            <a:ext cx="1892950" cy="15530"/>
+          </a:xfrm>
+          <a:prstGeom prst="straightConnector1">
+            <a:avLst/>
+          </a:prstGeom>
+          <a:solidFill>
+            <a:schemeClr val="accent1"/>
+          </a:solidFill>
+          <a:ln w="12700" cap="flat" cmpd="sng" algn="ctr">
+            <a:solidFill>
+              <a:schemeClr val="tx1"/>
+            </a:solidFill>
+            <a:prstDash val="solid"/>
+            <a:round/>
+            <a:headEnd type="none" w="sm" len="sm"/>
+            <a:tailEnd type="triangle"/>
+          </a:ln>
+          <a:effectLst/>
+        </p:spPr>
+      </p:cxnSp>
+      <p:sp>
+        <p:nvSpPr>
+          <p:cNvPr id="23" name="Textfeld 22">
+            <a:extLst>
+              <a:ext uri="{FF2B5EF4-FFF2-40B4-BE49-F238E27FC236}">
+                <a16:creationId xmlns:a16="http://schemas.microsoft.com/office/drawing/2014/main" id="{96E5A05D-D8E0-1F11-7466-B1FEE9E109F1}"/>
+              </a:ext>
+            </a:extLst>
+          </p:cNvPr>
+          <p:cNvSpPr txBox="1"/>
+          <p:nvPr/>
+        </p:nvSpPr>
+        <p:spPr bwMode="auto">
+          <a:xfrm>
+            <a:off x="5364088" y="3342519"/>
+            <a:ext cx="1795092" cy="369332"/>
+          </a:xfrm>
+          <a:prstGeom prst="rect">
+            <a:avLst/>
+          </a:prstGeom>
+          <a:noFill/>
+          <a:ln w="9525">
+            <a:noFill/>
+            <a:miter lim="800000"/>
+            <a:headEnd/>
+            <a:tailEnd/>
+          </a:ln>
+        </p:spPr>
+        <p:txBody>
+          <a:bodyPr wrap="square" rtlCol="0" anchor="ctr">
+            <a:spAutoFit/>
+          </a:bodyPr>
+          <a:lstStyle/>
+          <a:p>
+            <a:pPr eaLnBrk="1" hangingPunct="1"/>
+            <a:r>
+              <a:rPr lang="de-DE" sz="1800" dirty="0" err="1">
+                <a:latin typeface="Arial" charset="0"/>
+              </a:rPr>
+              <a:t>Authenticates</a:t>
+            </a:r>
+            <a:endParaRPr lang="de-DE" sz="1800" dirty="0">
+              <a:latin typeface="Arial" charset="0"/>
+            </a:endParaRPr>
+          </a:p>
+        </p:txBody>
+      </p:sp>
+      <p:cxnSp>
+        <p:nvCxnSpPr>
+          <p:cNvPr id="25" name="Verbinder: gewinkelt 24">
+            <a:extLst>
+              <a:ext uri="{FF2B5EF4-FFF2-40B4-BE49-F238E27FC236}">
+                <a16:creationId xmlns:a16="http://schemas.microsoft.com/office/drawing/2014/main" id="{0E779C32-C71A-77A1-05B4-4D295A398F8E}"/>
+              </a:ext>
+            </a:extLst>
+          </p:cNvPr>
+          <p:cNvCxnSpPr>
+            <a:cxnSpLocks/>
+            <a:stCxn id="7" idx="2"/>
+          </p:cNvCxnSpPr>
+          <p:nvPr/>
+        </p:nvCxnSpPr>
+        <p:spPr bwMode="auto">
+          <a:xfrm rot="16200000" flipH="1">
+            <a:off x="5977845" y="3157759"/>
+            <a:ext cx="320032" cy="3152360"/>
+          </a:xfrm>
+          <a:prstGeom prst="bentConnector2">
+            <a:avLst/>
+          </a:prstGeom>
+          <a:solidFill>
+            <a:schemeClr val="accent1"/>
+          </a:solidFill>
+          <a:ln w="12700" cap="flat" cmpd="sng" algn="ctr">
+            <a:solidFill>
+              <a:schemeClr val="tx1"/>
+            </a:solidFill>
+            <a:prstDash val="solid"/>
+            <a:round/>
+            <a:headEnd type="none" w="sm" len="sm"/>
+            <a:tailEnd type="none"/>
+          </a:ln>
+          <a:effectLst/>
+        </p:spPr>
+      </p:cxnSp>
+      <p:cxnSp>
+        <p:nvCxnSpPr>
+          <p:cNvPr id="40" name="Gerade Verbindung mit Pfeil 39">
+            <a:extLst>
+              <a:ext uri="{FF2B5EF4-FFF2-40B4-BE49-F238E27FC236}">
+                <a16:creationId xmlns:a16="http://schemas.microsoft.com/office/drawing/2014/main" id="{CD495D72-FE14-1F15-A48E-65D7F02EF798}"/>
+              </a:ext>
+            </a:extLst>
+          </p:cNvPr>
+          <p:cNvCxnSpPr>
+            <a:cxnSpLocks/>
+          </p:cNvCxnSpPr>
+          <p:nvPr/>
+        </p:nvCxnSpPr>
+        <p:spPr bwMode="auto">
+          <a:xfrm flipV="1">
+            <a:off x="7714041" y="4413622"/>
+            <a:ext cx="0" cy="480333"/>
+          </a:xfrm>
+          <a:prstGeom prst="straightConnector1">
+            <a:avLst/>
+          </a:prstGeom>
+          <a:solidFill>
+            <a:schemeClr val="accent1"/>
+          </a:solidFill>
+          <a:ln w="12700" cap="flat" cmpd="sng" algn="ctr">
+            <a:solidFill>
+              <a:schemeClr val="tx1"/>
+            </a:solidFill>
+            <a:prstDash val="solid"/>
+            <a:round/>
+            <a:headEnd type="none" w="sm" len="sm"/>
+            <a:tailEnd type="triangle"/>
+          </a:ln>
+          <a:effectLst/>
+        </p:spPr>
+      </p:cxnSp>
+      <p:sp>
+        <p:nvSpPr>
+          <p:cNvPr id="42" name="Textfeld 41">
+            <a:extLst>
+              <a:ext uri="{FF2B5EF4-FFF2-40B4-BE49-F238E27FC236}">
+                <a16:creationId xmlns:a16="http://schemas.microsoft.com/office/drawing/2014/main" id="{C572EEE3-E168-C2D5-EECD-3611894F368B}"/>
+              </a:ext>
+            </a:extLst>
+          </p:cNvPr>
+          <p:cNvSpPr txBox="1"/>
+          <p:nvPr/>
+        </p:nvSpPr>
+        <p:spPr bwMode="auto">
+          <a:xfrm>
+            <a:off x="4644011" y="5067847"/>
+            <a:ext cx="3070030" cy="369332"/>
+          </a:xfrm>
+          <a:prstGeom prst="rect">
+            <a:avLst/>
+          </a:prstGeom>
+          <a:noFill/>
+          <a:ln w="9525">
+            <a:noFill/>
+            <a:miter lim="800000"/>
+            <a:headEnd/>
+            <a:tailEnd/>
+          </a:ln>
+        </p:spPr>
+        <p:txBody>
+          <a:bodyPr wrap="square" rtlCol="0" anchor="ctr">
+            <a:spAutoFit/>
+          </a:bodyPr>
+          <a:lstStyle/>
+          <a:p>
+            <a:pPr eaLnBrk="1" hangingPunct="1"/>
+            <a:r>
+              <a:rPr lang="de-DE" sz="1800" dirty="0">
+                <a:latin typeface="Arial" charset="0"/>
+              </a:rPr>
+              <a:t>Reads Secrets </a:t>
+            </a:r>
+            <a:r>
+              <a:rPr lang="de-DE" sz="1800" dirty="0" err="1">
+                <a:latin typeface="Arial" charset="0"/>
+              </a:rPr>
+              <a:t>from</a:t>
+            </a:r>
+            <a:r>
+              <a:rPr lang="de-DE" sz="1800" dirty="0">
+                <a:latin typeface="Arial" charset="0"/>
+              </a:rPr>
+              <a:t> </a:t>
+            </a:r>
+            <a:r>
+              <a:rPr lang="de-DE" sz="1800" dirty="0" err="1">
+                <a:latin typeface="Arial" charset="0"/>
+              </a:rPr>
+              <a:t>Vault</a:t>
+            </a:r>
+            <a:endParaRPr lang="de-DE" sz="1800" dirty="0">
+              <a:latin typeface="Arial" charset="0"/>
+            </a:endParaRPr>
           </a:p>
         </p:txBody>
       </p:sp>
@@ -10500,6 +11260,206 @@
     <p:extLst>
       <p:ext uri="{BB962C8B-B14F-4D97-AF65-F5344CB8AC3E}">
         <p14:creationId xmlns:p14="http://schemas.microsoft.com/office/powerpoint/2010/main" val="2545660556"/>
+      </p:ext>
+    </p:extLst>
+  </p:cSld>
+  <p:clrMapOvr>
+    <a:masterClrMapping/>
+  </p:clrMapOvr>
+</p:sld>
+</file>
+
+<file path=ppt/slides/slide21.xml><?xml version="1.0" encoding="utf-8"?>
+<p:sld xmlns:a="http://schemas.openxmlformats.org/drawingml/2006/main" xmlns:r="http://schemas.openxmlformats.org/officeDocument/2006/relationships" xmlns:p="http://schemas.openxmlformats.org/presentationml/2006/main">
+  <p:cSld>
+    <p:spTree>
+      <p:nvGrpSpPr>
+        <p:cNvPr id="1" name=""/>
+        <p:cNvGrpSpPr/>
+        <p:nvPr/>
+      </p:nvGrpSpPr>
+      <p:grpSpPr>
+        <a:xfrm>
+          <a:off x="0" y="0"/>
+          <a:ext cx="0" cy="0"/>
+          <a:chOff x="0" y="0"/>
+          <a:chExt cx="0" cy="0"/>
+        </a:xfrm>
+      </p:grpSpPr>
+      <p:sp>
+        <p:nvSpPr>
+          <p:cNvPr id="4" name="Titel 3">
+            <a:extLst>
+              <a:ext uri="{FF2B5EF4-FFF2-40B4-BE49-F238E27FC236}">
+                <a16:creationId xmlns:a16="http://schemas.microsoft.com/office/drawing/2014/main" id="{3DA5CA94-A9F6-2508-67F2-6FBA090A8704}"/>
+              </a:ext>
+            </a:extLst>
+          </p:cNvPr>
+          <p:cNvSpPr>
+            <a:spLocks noGrp="1"/>
+          </p:cNvSpPr>
+          <p:nvPr>
+            <p:ph type="title"/>
+          </p:nvPr>
+        </p:nvSpPr>
+        <p:spPr/>
+        <p:txBody>
+          <a:bodyPr/>
+          <a:lstStyle/>
+          <a:p>
+            <a:r>
+              <a:rPr lang="en-US" altLang="de-DE" dirty="0" err="1"/>
+              <a:t>Deplo</a:t>
+            </a:r>
+            <a:r>
+              <a:rPr lang="de-DE" altLang="de-DE" dirty="0" err="1"/>
+              <a:t>yment</a:t>
+            </a:r>
+            <a:endParaRPr lang="de-DE" dirty="0"/>
+          </a:p>
+        </p:txBody>
+      </p:sp>
+      <p:sp>
+        <p:nvSpPr>
+          <p:cNvPr id="5" name="Inhaltsplatzhalter 4">
+            <a:extLst>
+              <a:ext uri="{FF2B5EF4-FFF2-40B4-BE49-F238E27FC236}">
+                <a16:creationId xmlns:a16="http://schemas.microsoft.com/office/drawing/2014/main" id="{430BB548-E6B5-4003-33A0-C7895F11A8D7}"/>
+              </a:ext>
+            </a:extLst>
+          </p:cNvPr>
+          <p:cNvSpPr>
+            <a:spLocks noGrp="1"/>
+          </p:cNvSpPr>
+          <p:nvPr>
+            <p:ph idx="1"/>
+          </p:nvPr>
+        </p:nvSpPr>
+        <p:spPr/>
+        <p:txBody>
+          <a:bodyPr/>
+          <a:lstStyle/>
+          <a:p>
+            <a:pPr marL="0" indent="0">
+              <a:buNone/>
+            </a:pPr>
+            <a:r>
+              <a:rPr lang="de-DE" b="1" dirty="0"/>
+              <a:t>Secret </a:t>
+            </a:r>
+            <a:r>
+              <a:rPr lang="de-DE" b="1" dirty="0" err="1"/>
+              <a:t>Vaults</a:t>
+            </a:r>
+            <a:endParaRPr lang="de-DE" b="1" dirty="0"/>
+          </a:p>
+          <a:p>
+            <a:pPr>
+              <a:buFont typeface="Arial" panose="020B0604020202020204" pitchFamily="34" charset="0"/>
+              <a:buChar char="•"/>
+            </a:pPr>
+            <a:r>
+              <a:rPr lang="de-DE" dirty="0"/>
+              <a:t>Externe Provider</a:t>
+            </a:r>
+          </a:p>
+          <a:p>
+            <a:pPr lvl="1">
+              <a:buFont typeface="Arial" panose="020B0604020202020204" pitchFamily="34" charset="0"/>
+              <a:buChar char="•"/>
+            </a:pPr>
+            <a:r>
+              <a:rPr lang="de-DE" dirty="0" err="1"/>
+              <a:t>HashiCorp</a:t>
+            </a:r>
+            <a:r>
+              <a:rPr lang="de-DE" dirty="0"/>
+              <a:t> </a:t>
+            </a:r>
+            <a:r>
+              <a:rPr lang="de-DE" dirty="0" err="1"/>
+              <a:t>Vaults</a:t>
+            </a:r>
+            <a:r>
+              <a:rPr lang="de-DE" dirty="0"/>
+              <a:t>, Azure Key </a:t>
+            </a:r>
+            <a:r>
+              <a:rPr lang="de-DE" dirty="0" err="1"/>
+              <a:t>Vault</a:t>
+            </a:r>
+            <a:r>
+              <a:rPr lang="de-DE" dirty="0"/>
+              <a:t>, Google Cloud Secret Manager</a:t>
+            </a:r>
+          </a:p>
+          <a:p>
+            <a:pPr>
+              <a:buFont typeface="Arial" panose="020B0604020202020204" pitchFamily="34" charset="0"/>
+              <a:buChar char="•"/>
+            </a:pPr>
+            <a:r>
+              <a:rPr lang="de-DE" dirty="0"/>
+              <a:t>Müssen eingebunden werden</a:t>
+            </a:r>
+          </a:p>
+          <a:p>
+            <a:pPr>
+              <a:buFont typeface="Arial" panose="020B0604020202020204" pitchFamily="34" charset="0"/>
+              <a:buChar char="•"/>
+            </a:pPr>
+            <a:r>
+              <a:rPr lang="de-DE" dirty="0"/>
+              <a:t>Können in mehreren Projekten verwendet werden</a:t>
+            </a:r>
+          </a:p>
+          <a:p>
+            <a:pPr>
+              <a:buFont typeface="Arial" panose="020B0604020202020204" pitchFamily="34" charset="0"/>
+              <a:buChar char="•"/>
+            </a:pPr>
+            <a:r>
+              <a:rPr lang="de-DE" dirty="0"/>
+              <a:t>Bietet mehr Features (</a:t>
+            </a:r>
+            <a:r>
+              <a:rPr lang="de-DE" dirty="0" err="1"/>
+              <a:t>secret</a:t>
+            </a:r>
+            <a:r>
+              <a:rPr lang="de-DE" dirty="0"/>
+              <a:t> </a:t>
+            </a:r>
+            <a:r>
+              <a:rPr lang="de-DE" dirty="0" err="1"/>
+              <a:t>rotation</a:t>
+            </a:r>
+            <a:r>
+              <a:rPr lang="de-DE" dirty="0"/>
+              <a:t>)</a:t>
+            </a:r>
+          </a:p>
+          <a:p>
+            <a:pPr>
+              <a:buFont typeface="Arial" panose="020B0604020202020204" pitchFamily="34" charset="0"/>
+              <a:buChar char="•"/>
+            </a:pPr>
+            <a:r>
+              <a:rPr lang="de-DE" dirty="0"/>
+              <a:t>Sicherer als </a:t>
+            </a:r>
+            <a:r>
+              <a:rPr lang="de-DE" dirty="0" err="1"/>
+              <a:t>GitLabs</a:t>
+            </a:r>
+            <a:endParaRPr lang="de-DE" dirty="0"/>
+          </a:p>
+        </p:txBody>
+      </p:sp>
+    </p:spTree>
+    <p:extLst>
+      <p:ext uri="{BB962C8B-B14F-4D97-AF65-F5344CB8AC3E}">
+        <p14:creationId xmlns:p14="http://schemas.microsoft.com/office/powerpoint/2010/main" val="2422271403"/>
       </p:ext>
     </p:extLst>
   </p:cSld>

--- a/slides/Tag-3_5-Deployment-Strategien.pptx
+++ b/slides/Tag-3_5-Deployment-Strategien.pptx
@@ -1502,6 +1502,14 @@
           <a:bodyPr/>
           <a:lstStyle/>
           <a:p>
+            <a:r>
+              <a:rPr lang="de-DE" dirty="0"/>
+              <a:t>Einige Werte müssen vertraulich </a:t>
+            </a:r>
+            <a:r>
+              <a:rPr lang="de-DE"/>
+              <a:t>behandelt werden.</a:t>
+            </a:r>
             <a:endParaRPr lang="de-DE" dirty="0"/>
           </a:p>
         </p:txBody>
@@ -1638,6 +1646,20 @@
             <a:r>
               <a:rPr lang="de-DE" dirty="0"/>
               <a:t> verfügbar</a:t>
+            </a:r>
+          </a:p>
+          <a:p>
+            <a:r>
+              <a:rPr lang="de-DE" dirty="0"/>
+              <a:t>Überschreiben von Variablen kann es unklar machen, wo der </a:t>
+            </a:r>
+            <a:r>
+              <a:rPr lang="de-DE" dirty="0" err="1"/>
+              <a:t>runtime</a:t>
+            </a:r>
+            <a:r>
+              <a:rPr lang="de-DE" dirty="0"/>
+              <a:t> Wert herkommt.</a:t>
             </a:r>
           </a:p>
         </p:txBody>
@@ -9766,7 +9788,7 @@
             </a:pPr>
             <a:r>
               <a:rPr lang="de-DE" dirty="0"/>
-              <a:t>Konfiguration von Containern</a:t>
+              <a:t>Konfiguration von Docker Containern</a:t>
             </a:r>
           </a:p>
         </p:txBody>

--- a/slides/Tag-3_5-Deployment-Strategien.pptx
+++ b/slides/Tag-3_5-Deployment-Strategien.pptx
@@ -1949,7 +1949,7 @@
             </a:r>
             <a:r>
               <a:rPr lang="de-DE" noProof="0" dirty="0" err="1"/>
-              <a:t>gitlabs</a:t>
+              <a:t>GitLab</a:t>
             </a:r>
             <a:r>
               <a:rPr lang="de-DE" noProof="0" dirty="0"/>
@@ -3144,7 +3144,7 @@
               <a:pPr algn="ctr">
                 <a:defRPr/>
               </a:pPr>
-              <a:t>11.06.2024</a:t>
+              <a:t>12.06.2024</a:t>
             </a:fld>
             <a:endParaRPr lang="de-DE" sz="1000">
               <a:solidFill>
@@ -5612,23 +5612,13 @@
             </a:pPr>
             <a:r>
               <a:rPr lang="de-DE" altLang="de-DE" dirty="0"/>
-              <a:t>Partieller Deploy</a:t>
-            </a:r>
-          </a:p>
-          <a:p>
-            <a:pPr marL="0" indent="0">
-              <a:buNone/>
-            </a:pPr>
-            <a:endParaRPr lang="de-DE" dirty="0"/>
-          </a:p>
-          <a:p>
-            <a:pPr marL="0" indent="0">
-              <a:buNone/>
-            </a:pPr>
-            <a:r>
-              <a:rPr lang="de-DE" b="1" dirty="0"/>
-              <a:t>Nachteile</a:t>
-            </a:r>
+              <a:t>Partielles </a:t>
+            </a:r>
+            <a:r>
+              <a:rPr lang="de-DE" altLang="de-DE" dirty="0" err="1"/>
+              <a:t>Deployment</a:t>
+            </a:r>
+            <a:endParaRPr lang="de-DE" altLang="de-DE" dirty="0"/>
           </a:p>
           <a:p>
             <a:pPr>
@@ -5636,8 +5626,33 @@
               <a:buChar char="•"/>
             </a:pPr>
             <a:r>
+              <a:rPr lang="de-DE" altLang="de-DE" dirty="0"/>
+              <a:t>Rolling Updates</a:t>
+            </a:r>
+          </a:p>
+          <a:p>
+            <a:pPr marL="0" indent="0">
+              <a:buNone/>
+            </a:pPr>
+            <a:endParaRPr lang="de-DE" dirty="0"/>
+          </a:p>
+          <a:p>
+            <a:pPr marL="0" indent="0">
+              <a:buNone/>
+            </a:pPr>
+            <a:r>
+              <a:rPr lang="de-DE" b="1" dirty="0"/>
+              <a:t>Nachteile</a:t>
+            </a:r>
+          </a:p>
+          <a:p>
+            <a:pPr>
+              <a:buFont typeface="Arial" panose="020B0604020202020204" pitchFamily="34" charset="0"/>
+              <a:buChar char="•"/>
+            </a:pPr>
+            <a:r>
               <a:rPr lang="de-DE" altLang="de-DE" kern="0" dirty="0"/>
-              <a:t>Aufwändige Implementierung</a:t>
+              <a:t>Aufwendige Implementierung</a:t>
             </a:r>
           </a:p>
           <a:p>
@@ -8004,8 +8019,13 @@
             </a:pPr>
             <a:r>
               <a:rPr lang="de-DE" altLang="de-DE" dirty="0"/>
-              <a:t>Partieller Deploy</a:t>
-            </a:r>
+              <a:t>Partielles </a:t>
+            </a:r>
+            <a:r>
+              <a:rPr lang="de-DE" altLang="de-DE" dirty="0" err="1"/>
+              <a:t>Deployment</a:t>
+            </a:r>
+            <a:endParaRPr lang="de-DE" altLang="de-DE" dirty="0"/>
           </a:p>
           <a:p>
             <a:pPr>
@@ -8039,7 +8059,7 @@
             </a:pPr>
             <a:r>
               <a:rPr lang="de-DE" altLang="de-DE" kern="0" dirty="0"/>
-              <a:t>Aufwändige Implementierung</a:t>
+              <a:t>Aufwendige Implementierung</a:t>
             </a:r>
           </a:p>
           <a:p>
@@ -9476,7 +9496,7 @@
             </a:pPr>
             <a:r>
               <a:rPr lang="de-DE" altLang="de-DE" dirty="0"/>
-              <a:t>Test unter Volllast</a:t>
+              <a:t>Test unter Volllast möglich</a:t>
             </a:r>
           </a:p>
           <a:p>
@@ -9501,7 +9521,7 @@
             </a:pPr>
             <a:r>
               <a:rPr lang="de-DE" altLang="de-DE" kern="0" dirty="0"/>
-              <a:t>Aufwändige Implementierung</a:t>
+              <a:t>Aufwendige Implementierung</a:t>
             </a:r>
           </a:p>
           <a:p>
@@ -9758,7 +9778,17 @@
             </a:pPr>
             <a:r>
               <a:rPr lang="de-DE" dirty="0"/>
-              <a:t>Änderungen in Konfiguration zwischen Umgebungen</a:t>
+              <a:t>Abweichungen in Konfiguration zwischen Umgebungen</a:t>
+            </a:r>
+          </a:p>
+          <a:p>
+            <a:pPr>
+              <a:buFont typeface="Arial" panose="020B0604020202020204" pitchFamily="34" charset="0"/>
+              <a:buChar char="•"/>
+            </a:pPr>
+            <a:r>
+              <a:rPr lang="de-DE" dirty="0"/>
+              <a:t>Umgebungsvariablen</a:t>
             </a:r>
           </a:p>
           <a:p>
@@ -9882,7 +9912,7 @@
             </a:pPr>
             <a:r>
               <a:rPr lang="de-DE" b="1" dirty="0" err="1"/>
-              <a:t>Gitlab</a:t>
+              <a:t>GitLab</a:t>
             </a:r>
             <a:r>
               <a:rPr lang="de-DE" b="1" dirty="0"/>
@@ -10235,7 +10265,7 @@
             </a:pPr>
             <a:r>
               <a:rPr lang="de-DE" b="1" dirty="0" err="1"/>
-              <a:t>Gitlab</a:t>
+              <a:t>GitLab</a:t>
             </a:r>
             <a:r>
               <a:rPr lang="de-DE" b="1" dirty="0"/>
@@ -10269,7 +10299,7 @@
             </a:pPr>
             <a:r>
               <a:rPr lang="de-DE" dirty="0"/>
-              <a:t>Jeder der Projekteinstellungen bearbeiten kann, kann sie sehen</a:t>
+              <a:t>Jeder, der Projekteinstellungen bearbeiten kann, kann sie sehen</a:t>
             </a:r>
           </a:p>
           <a:p>
@@ -10289,7 +10319,7 @@
             </a:pPr>
             <a:r>
               <a:rPr lang="de-DE" dirty="0"/>
-              <a:t>Müssen richtig Konfiguriert sein</a:t>
+              <a:t>Müssen richtig konfiguriert sein</a:t>
             </a:r>
           </a:p>
           <a:p>
@@ -10303,7 +10333,7 @@
             </a:r>
             <a:r>
               <a:rPr lang="de-DE" dirty="0" err="1"/>
-              <a:t>Masked</a:t>
+              <a:t>masked</a:t>
             </a:r>
             <a:endParaRPr lang="de-DE" dirty="0"/>
           </a:p>
@@ -10328,7 +10358,7 @@
             </a:pPr>
             <a:r>
               <a:rPr lang="de-DE" dirty="0"/>
-              <a:t>Können Überschrieben werden</a:t>
+              <a:t>Können überschrieben werden</a:t>
             </a:r>
           </a:p>
           <a:p>
@@ -11042,14 +11072,23 @@
               <a:rPr lang="de-DE" sz="1800" dirty="0" err="1">
                 <a:latin typeface="Arial" charset="0"/>
               </a:rPr>
-              <a:t>Provides</a:t>
+              <a:t>provides</a:t>
             </a:r>
             <a:r>
               <a:rPr lang="de-DE" sz="1800" dirty="0">
                 <a:latin typeface="Arial" charset="0"/>
               </a:rPr>
-              <a:t> Token</a:t>
-            </a:r>
+              <a:t> </a:t>
+            </a:r>
+            <a:r>
+              <a:rPr lang="de-DE" sz="1800" dirty="0" err="1">
+                <a:latin typeface="Arial" charset="0"/>
+              </a:rPr>
+              <a:t>token</a:t>
+            </a:r>
+            <a:endParaRPr lang="de-DE" sz="1800" dirty="0">
+              <a:latin typeface="Arial" charset="0"/>
+            </a:endParaRPr>
           </a:p>
         </p:txBody>
       </p:sp>
@@ -11130,7 +11169,7 @@
               <a:rPr lang="de-DE" sz="1800" dirty="0" err="1">
                 <a:latin typeface="Arial" charset="0"/>
               </a:rPr>
-              <a:t>Authenticates</a:t>
+              <a:t>authenticates</a:t>
             </a:r>
             <a:endParaRPr lang="de-DE" sz="1800" dirty="0">
               <a:latin typeface="Arial" charset="0"/>
@@ -11249,10 +11288,28 @@
           <a:p>
             <a:pPr eaLnBrk="1" hangingPunct="1"/>
             <a:r>
+              <a:rPr lang="de-DE" sz="1800" dirty="0" err="1">
+                <a:latin typeface="Arial" charset="0"/>
+              </a:rPr>
+              <a:t>reads</a:t>
+            </a:r>
+            <a:r>
               <a:rPr lang="de-DE" sz="1800" dirty="0">
                 <a:latin typeface="Arial" charset="0"/>
               </a:rPr>
-              <a:t>Reads Secrets </a:t>
+              <a:t> </a:t>
+            </a:r>
+            <a:r>
+              <a:rPr lang="de-DE" sz="1800" dirty="0" err="1">
+                <a:latin typeface="Arial" charset="0"/>
+              </a:rPr>
+              <a:t>secrets</a:t>
+            </a:r>
+            <a:r>
+              <a:rPr lang="de-DE" sz="1800" dirty="0">
+                <a:latin typeface="Arial" charset="0"/>
+              </a:rPr>
+              <a:t> </a:t>
             </a:r>
             <a:r>
               <a:rPr lang="de-DE" sz="1800" dirty="0" err="1">
@@ -11270,7 +11327,7 @@
               <a:rPr lang="de-DE" sz="1800" dirty="0" err="1">
                 <a:latin typeface="Arial" charset="0"/>
               </a:rPr>
-              <a:t>Vault</a:t>
+              <a:t>vault</a:t>
             </a:r>
             <a:endParaRPr lang="de-DE" sz="1800" dirty="0">
               <a:latin typeface="Arial" charset="0"/>
@@ -11400,7 +11457,7 @@
             </a:r>
             <a:r>
               <a:rPr lang="de-DE" dirty="0" err="1"/>
-              <a:t>Vaults</a:t>
+              <a:t>Vault</a:t>
             </a:r>
             <a:r>
               <a:rPr lang="de-DE" dirty="0"/>
@@ -11442,23 +11499,7 @@
             </a:pPr>
             <a:r>
               <a:rPr lang="de-DE" dirty="0"/>
-              <a:t>Bietet mehr Features (</a:t>
-            </a:r>
-            <a:r>
-              <a:rPr lang="de-DE" dirty="0" err="1"/>
-              <a:t>secret</a:t>
-            </a:r>
-            <a:r>
-              <a:rPr lang="de-DE" dirty="0"/>
-              <a:t> </a:t>
-            </a:r>
-            <a:r>
-              <a:rPr lang="de-DE" dirty="0" err="1"/>
-              <a:t>rotation</a:t>
-            </a:r>
-            <a:r>
-              <a:rPr lang="de-DE" dirty="0"/>
-              <a:t>)</a:t>
+              <a:t>Bieten mehr Features (Secret Rotation)</a:t>
             </a:r>
           </a:p>
           <a:p>
@@ -11472,9 +11513,12 @@
             </a:r>
             <a:r>
               <a:rPr lang="de-DE" dirty="0" err="1"/>
-              <a:t>GitLabs</a:t>
-            </a:r>
-            <a:endParaRPr lang="de-DE" dirty="0"/>
+              <a:t>GitLab</a:t>
+            </a:r>
+            <a:r>
+              <a:rPr lang="de-DE" dirty="0"/>
+              <a:t> Variablen</a:t>
+            </a:r>
           </a:p>
         </p:txBody>
       </p:sp>
@@ -12090,13 +12134,13 @@
               <a:rPr lang="de-DE" sz="2400" b="1" dirty="0">
                 <a:latin typeface="+mj-lt"/>
               </a:rPr>
-              <a:t> mit </a:t>
+              <a:t> über </a:t>
             </a:r>
             <a:r>
               <a:rPr lang="de-DE" sz="2400" b="1" dirty="0" err="1">
                 <a:latin typeface="+mj-lt"/>
               </a:rPr>
-              <a:t>Gitlabs</a:t>
+              <a:t>GitLab</a:t>
             </a:r>
             <a:endParaRPr lang="de-DE" altLang="de-DE" b="1" dirty="0"/>
           </a:p>
@@ -12107,7 +12151,7 @@
             </a:pPr>
             <a:r>
               <a:rPr lang="de-DE" altLang="de-DE" dirty="0"/>
-              <a:t>Sehr Flexibel</a:t>
+              <a:t>Sehr flexibel konfigurierbar</a:t>
             </a:r>
           </a:p>
           <a:p>
@@ -12127,7 +12171,7 @@
             </a:pPr>
             <a:r>
               <a:rPr lang="de-DE" altLang="de-DE" dirty="0"/>
-              <a:t>Fast jeder Workflow</a:t>
+              <a:t>Fast jeder Workflow abbildbar</a:t>
             </a:r>
           </a:p>
         </p:txBody>
@@ -13804,7 +13848,15 @@
             </a:pPr>
             <a:r>
               <a:rPr lang="de-DE" altLang="de-DE" kern="0" dirty="0"/>
-              <a:t>Kein partieller Deploy möglich</a:t>
+              <a:t>Kein partielles </a:t>
+            </a:r>
+            <a:r>
+              <a:rPr lang="de-DE" altLang="de-DE" kern="0" dirty="0" err="1"/>
+              <a:t>Deployment</a:t>
+            </a:r>
+            <a:r>
+              <a:rPr lang="de-DE" altLang="de-DE" kern="0" dirty="0"/>
+              <a:t> möglich</a:t>
             </a:r>
           </a:p>
         </p:txBody>

--- a/slides/Tag-3_5-Deployment-Strategien.pptx
+++ b/slides/Tag-3_5-Deployment-Strategien.pptx
@@ -3144,7 +3144,7 @@
               <a:pPr algn="ctr">
                 <a:defRPr/>
               </a:pPr>
-              <a:t>12.06.2024</a:t>
+              <a:t>14.06.2024</a:t>
             </a:fld>
             <a:endParaRPr lang="de-DE" sz="1000">
               <a:solidFill>
@@ -3572,53 +3572,6 @@
       </p:sp>
       <p:sp>
         <p:nvSpPr>
-          <p:cNvPr id="1063" name="Rectangle 39">
-            <a:hlinkClick r:id="rId4"/>
-            <a:extLst>
-              <a:ext uri="{FF2B5EF4-FFF2-40B4-BE49-F238E27FC236}">
-                <a16:creationId xmlns:a16="http://schemas.microsoft.com/office/drawing/2014/main" id="{613611E0-DAA0-F230-CD0B-8592F1472163}"/>
-              </a:ext>
-            </a:extLst>
-          </p:cNvPr>
-          <p:cNvSpPr>
-            <a:spLocks noChangeArrowheads="1"/>
-          </p:cNvSpPr>
-          <p:nvPr userDrawn="1"/>
-        </p:nvSpPr>
-        <p:spPr bwMode="auto">
-          <a:xfrm>
-            <a:off x="3914775" y="3105150"/>
-            <a:ext cx="9144000" cy="461963"/>
-          </a:xfrm>
-          <a:prstGeom prst="rect">
-            <a:avLst/>
-          </a:prstGeom>
-          <a:noFill/>
-          <a:ln w="12700">
-            <a:noFill/>
-            <a:miter lim="800000"/>
-            <a:headEnd type="none" w="sm" len="sm"/>
-            <a:tailEnd type="none" w="sm" len="sm"/>
-          </a:ln>
-          <a:effectLst/>
-        </p:spPr>
-        <p:txBody>
-          <a:bodyPr>
-            <a:spAutoFit/>
-          </a:bodyPr>
-          <a:lstStyle/>
-          <a:p>
-            <a:pPr>
-              <a:defRPr/>
-            </a:pPr>
-            <a:endParaRPr lang="de-DE" dirty="0">
-              <a:latin typeface="Arial" pitchFamily="34" charset="0"/>
-            </a:endParaRPr>
-          </a:p>
-        </p:txBody>
-      </p:sp>
-      <p:sp>
-        <p:nvSpPr>
           <p:cNvPr id="1064" name="Rectangle 40">
             <a:extLst>
               <a:ext uri="{FF2B5EF4-FFF2-40B4-BE49-F238E27FC236}">
@@ -3824,7 +3777,7 @@
           <p:nvPr userDrawn="1"/>
         </p:nvPicPr>
         <p:blipFill>
-          <a:blip r:embed="rId5">
+          <a:blip r:embed="rId4">
             <a:extLst>
               <a:ext uri="{28A0092B-C50C-407E-A947-70E740481C1C}">
                 <a14:useLocalDpi xmlns:a14="http://schemas.microsoft.com/office/drawing/2010/main" val="0"/>
@@ -3884,7 +3837,7 @@
           <p:nvPr userDrawn="1"/>
         </p:nvPicPr>
         <p:blipFill>
-          <a:blip r:embed="rId6">
+          <a:blip r:embed="rId5">
             <a:extLst>
               <a:ext uri="{28A0092B-C50C-407E-A947-70E740481C1C}">
                 <a14:useLocalDpi xmlns:a14="http://schemas.microsoft.com/office/drawing/2010/main" val="0"/>
@@ -4008,7 +3961,7 @@
           <p:nvPr userDrawn="1"/>
         </p:nvPicPr>
         <p:blipFill>
-          <a:blip r:embed="rId7">
+          <a:blip r:embed="rId6">
             <a:extLst>
               <a:ext uri="{28A0092B-C50C-407E-A947-70E740481C1C}">
                 <a14:useLocalDpi xmlns:a14="http://schemas.microsoft.com/office/drawing/2010/main" val="0"/>

--- a/slides/Tag-3_5-Deployment-Strategien.pptx
+++ b/slides/Tag-3_5-Deployment-Strategien.pptx
@@ -13,8 +13,8 @@
   </p:handoutMasterIdLst>
   <p:sldIdLst>
     <p:sldId id="624" r:id="rId3"/>
-    <p:sldId id="606" r:id="rId4"/>
-    <p:sldId id="626" r:id="rId5"/>
+    <p:sldId id="289" r:id="rId4"/>
+    <p:sldId id="634" r:id="rId5"/>
     <p:sldId id="627" r:id="rId6"/>
     <p:sldId id="290" r:id="rId7"/>
     <p:sldId id="291" r:id="rId8"/>
@@ -167,8 +167,8 @@
         <p14:section name="Standardabschnitt" id="{FFC3889D-14DA-4267-82BF-30AEBFDBA907}">
           <p14:sldIdLst>
             <p14:sldId id="624"/>
-            <p14:sldId id="606"/>
-            <p14:sldId id="626"/>
+            <p14:sldId id="289"/>
+            <p14:sldId id="634"/>
             <p14:sldId id="627"/>
             <p14:sldId id="290"/>
             <p14:sldId id="291"/>
@@ -3144,7 +3144,7 @@
               <a:pPr algn="ctr">
                 <a:defRPr/>
               </a:pPr>
-              <a:t>14.06.2024</a:t>
+              <a:t>18.06.2024</a:t>
             </a:fld>
             <a:endParaRPr lang="de-DE" sz="1000">
               <a:solidFill>
@@ -3507,7 +3507,7 @@
                 </a:solidFill>
                 <a:latin typeface="Arial" charset="0"/>
               </a:rPr>
-              <a:t>Daniel Krämer &amp; Malte Fischer</a:t>
+              <a:t>Daniel Krämer</a:t>
             </a:r>
           </a:p>
         </p:txBody>
@@ -3528,7 +3528,7 @@
         </p:nvSpPr>
         <p:spPr bwMode="auto">
           <a:xfrm>
-            <a:off x="4252913" y="6424613"/>
+            <a:off x="3801891" y="6429375"/>
             <a:ext cx="2282997" cy="246221"/>
           </a:xfrm>
           <a:prstGeom prst="rect">
@@ -5186,7 +5186,7 @@
             </a:br>
             <a:r>
               <a:rPr lang="de-DE" altLang="de-DE" sz="3200" dirty="0"/>
-              <a:t>Docker in der Entwicklung und </a:t>
+              <a:t>Docker, </a:t>
             </a:r>
             <a:r>
               <a:rPr lang="de-DE" altLang="de-DE" sz="3200" dirty="0" err="1"/>
@@ -5254,7 +5254,7 @@
             </a:pPr>
             <a:r>
               <a:rPr lang="de-DE" altLang="de-DE" sz="1600" dirty="0"/>
-              <a:t>19.06.2024, Daniel Krämer &amp; Malte Fischer</a:t>
+              <a:t>19.06.2024, Daniel Krämer</a:t>
             </a:r>
           </a:p>
         </p:txBody>
@@ -10394,18 +10394,7 @@
               <a:rPr lang="de-DE" altLang="de-DE" sz="1800" b="1" dirty="0" err="1"/>
               <a:t>GitLab</a:t>
             </a:r>
-            <a:r>
-              <a:rPr lang="de-DE" altLang="de-DE" sz="1800" b="1" dirty="0"/>
-              <a:t>, </a:t>
-            </a:r>
-            <a:r>
-              <a:rPr lang="de-DE" altLang="de-DE" sz="1800" b="1" dirty="0" err="1"/>
-              <a:t>Git</a:t>
-            </a:r>
-            <a:r>
-              <a:rPr lang="de-DE" altLang="de-DE" sz="1800" b="1" dirty="0"/>
-              <a:t>-Workflow im Team</a:t>
-            </a:r>
+            <a:endParaRPr lang="de-DE" altLang="de-DE" sz="1800" b="1" dirty="0"/>
           </a:p>
           <a:p>
             <a:pPr lvl="1">
@@ -10492,6 +10481,32 @@
             <a:endParaRPr lang="de-DE" altLang="de-DE" sz="1400" dirty="0"/>
           </a:p>
           <a:p>
+            <a:pPr>
+              <a:buFont typeface="Arial" panose="020B0604020202020204" pitchFamily="34" charset="0"/>
+              <a:buChar char="•"/>
+            </a:pPr>
+            <a:r>
+              <a:rPr lang="de-DE" altLang="de-DE" sz="1800" b="1" dirty="0"/>
+              <a:t>Tag 2 – </a:t>
+            </a:r>
+            <a:r>
+              <a:rPr lang="de-DE" altLang="de-DE" sz="1800" b="1" dirty="0" err="1"/>
+              <a:t>Git</a:t>
+            </a:r>
+            <a:r>
+              <a:rPr lang="de-DE" altLang="de-DE" sz="1800" b="1" dirty="0"/>
+              <a:t>-Workflows, CI/CD, </a:t>
+            </a:r>
+            <a:r>
+              <a:rPr lang="de-DE" altLang="de-DE" sz="1800" b="1" dirty="0" err="1"/>
+              <a:t>GitLab</a:t>
+            </a:r>
+            <a:r>
+              <a:rPr lang="de-DE" altLang="de-DE" sz="1800" b="1" dirty="0"/>
+              <a:t> CI </a:t>
+            </a:r>
+          </a:p>
+          <a:p>
             <a:pPr lvl="1">
               <a:buFont typeface="Arial" panose="020B0604020202020204" pitchFamily="34" charset="0"/>
               <a:buChar char="•"/>
@@ -10506,29 +10521,90 @@
             </a:r>
           </a:p>
           <a:p>
+            <a:pPr lvl="1">
+              <a:buFont typeface="Arial" panose="020B0604020202020204" pitchFamily="34" charset="0"/>
+              <a:buChar char="•"/>
+            </a:pPr>
+            <a:r>
+              <a:rPr lang="de-DE" altLang="de-DE" sz="1400" dirty="0" err="1"/>
+              <a:t>Gitflow</a:t>
+            </a:r>
+            <a:r>
+              <a:rPr lang="de-DE" altLang="de-DE" sz="1400" dirty="0"/>
+              <a:t>-Workflow</a:t>
+            </a:r>
+          </a:p>
+          <a:p>
+            <a:pPr lvl="1">
+              <a:buFont typeface="Arial" panose="020B0604020202020204" pitchFamily="34" charset="0"/>
+              <a:buChar char="•"/>
+            </a:pPr>
+            <a:r>
+              <a:rPr lang="de-DE" altLang="de-DE" sz="1400" dirty="0"/>
+              <a:t>Tags, Releases &amp; deren Verwaltung</a:t>
+            </a:r>
+          </a:p>
+          <a:p>
+            <a:pPr lvl="1">
+              <a:buFont typeface="Arial" panose="020B0604020202020204" pitchFamily="34" charset="0"/>
+              <a:buChar char="•"/>
+            </a:pPr>
+            <a:r>
+              <a:rPr lang="de-DE" altLang="de-DE" sz="1400" dirty="0"/>
+              <a:t>Einführung in </a:t>
+            </a:r>
+            <a:r>
+              <a:rPr lang="de-DE" altLang="de-DE" sz="1400" dirty="0" err="1"/>
+              <a:t>GitLab</a:t>
+            </a:r>
+            <a:r>
+              <a:rPr lang="de-DE" altLang="de-DE" sz="1400" dirty="0"/>
+              <a:t> CI/CD &amp; </a:t>
+            </a:r>
+            <a:r>
+              <a:rPr lang="de-DE" altLang="de-DE" sz="1400" dirty="0" err="1"/>
+              <a:t>gitlab-ci.yml</a:t>
+            </a:r>
+            <a:endParaRPr lang="de-DE" altLang="de-DE" sz="1400" dirty="0"/>
+          </a:p>
+          <a:p>
+            <a:pPr lvl="1">
+              <a:buFont typeface="Arial" panose="020B0604020202020204" pitchFamily="34" charset="0"/>
+              <a:buChar char="•"/>
+            </a:pPr>
+            <a:r>
+              <a:rPr lang="de-DE" altLang="de-DE" sz="1400" dirty="0" err="1"/>
+              <a:t>GitLab</a:t>
+            </a:r>
+            <a:r>
+              <a:rPr lang="de-DE" altLang="de-DE" sz="1400" dirty="0"/>
+              <a:t> Runner</a:t>
+            </a:r>
+          </a:p>
+          <a:p>
             <a:pPr>
               <a:buFont typeface="Arial" panose="020B0604020202020204" pitchFamily="34" charset="0"/>
               <a:buChar char="•"/>
             </a:pPr>
             <a:r>
               <a:rPr lang="de-DE" altLang="de-DE" sz="1800" b="1" dirty="0"/>
-              <a:t>Tag 2 – Vertiefung </a:t>
+              <a:t>Tag 3 – </a:t>
             </a:r>
             <a:r>
               <a:rPr lang="de-DE" altLang="de-DE" sz="1800" b="1" dirty="0" err="1"/>
-              <a:t>Git</a:t>
+              <a:t>GitOps</a:t>
             </a:r>
             <a:r>
               <a:rPr lang="de-DE" altLang="de-DE" sz="1800" b="1" dirty="0"/>
-              <a:t>-Workflow, CI/CD &amp; </a:t>
+              <a:t>, Docker, </a:t>
             </a:r>
             <a:r>
               <a:rPr lang="de-DE" altLang="de-DE" sz="1800" b="1" dirty="0" err="1"/>
-              <a:t>GitLab</a:t>
+              <a:t>Deployment</a:t>
             </a:r>
             <a:r>
               <a:rPr lang="de-DE" altLang="de-DE" sz="1800" b="1" dirty="0"/>
-              <a:t> CI </a:t>
+              <a:t>-Strategien</a:t>
             </a:r>
           </a:p>
           <a:p>
@@ -10538,11 +10614,11 @@
             </a:pPr>
             <a:r>
               <a:rPr lang="de-DE" altLang="de-DE" sz="1400" dirty="0" err="1"/>
-              <a:t>Gitflow</a:t>
+              <a:t>GitOps</a:t>
             </a:r>
             <a:r>
               <a:rPr lang="de-DE" altLang="de-DE" sz="1400" dirty="0"/>
-              <a:t>-Workflow</a:t>
+              <a:t> Grundlagen</a:t>
             </a:r>
           </a:p>
           <a:p>
@@ -10552,94 +10628,7 @@
             </a:pPr>
             <a:r>
               <a:rPr lang="de-DE" altLang="de-DE" sz="1400" dirty="0"/>
-              <a:t>Tags, Releases &amp; deren Verwaltung</a:t>
-            </a:r>
-          </a:p>
-          <a:p>
-            <a:pPr lvl="1">
-              <a:buFont typeface="Arial" panose="020B0604020202020204" pitchFamily="34" charset="0"/>
-              <a:buChar char="•"/>
-            </a:pPr>
-            <a:r>
-              <a:rPr lang="de-DE" altLang="de-DE" sz="1400" dirty="0" err="1"/>
-              <a:t>GitLab</a:t>
-            </a:r>
-            <a:r>
-              <a:rPr lang="de-DE" altLang="de-DE" sz="1400" dirty="0"/>
-              <a:t>-Runner</a:t>
-            </a:r>
-          </a:p>
-          <a:p>
-            <a:pPr lvl="1">
-              <a:buFont typeface="Arial" panose="020B0604020202020204" pitchFamily="34" charset="0"/>
-              <a:buChar char="•"/>
-            </a:pPr>
-            <a:r>
-              <a:rPr lang="de-DE" altLang="de-DE" sz="1400" dirty="0"/>
-              <a:t>Einführung in </a:t>
-            </a:r>
-            <a:r>
-              <a:rPr lang="de-DE" altLang="de-DE" sz="1400" dirty="0" err="1"/>
-              <a:t>GitLab</a:t>
-            </a:r>
-            <a:r>
-              <a:rPr lang="de-DE" altLang="de-DE" sz="1400" dirty="0"/>
-              <a:t> CI/CD &amp; </a:t>
-            </a:r>
-            <a:r>
-              <a:rPr lang="de-DE" altLang="de-DE" sz="1400" dirty="0" err="1"/>
-              <a:t>gitlab.yml</a:t>
-            </a:r>
-            <a:endParaRPr lang="de-DE" altLang="de-DE" sz="1400" dirty="0"/>
-          </a:p>
-          <a:p>
-            <a:pPr>
-              <a:buFont typeface="Arial" panose="020B0604020202020204" pitchFamily="34" charset="0"/>
-              <a:buChar char="•"/>
-            </a:pPr>
-            <a:r>
-              <a:rPr lang="de-DE" altLang="de-DE" sz="1800" b="1" dirty="0"/>
-              <a:t>Tag 3 – </a:t>
-            </a:r>
-            <a:r>
-              <a:rPr lang="de-DE" altLang="de-DE" sz="1800" b="1" dirty="0" err="1"/>
-              <a:t>GitOps</a:t>
-            </a:r>
-            <a:r>
-              <a:rPr lang="de-DE" altLang="de-DE" sz="1800" b="1" dirty="0"/>
-              <a:t>, Docker in der Entwicklung und </a:t>
-            </a:r>
-            <a:r>
-              <a:rPr lang="de-DE" altLang="de-DE" sz="1800" b="1" dirty="0" err="1"/>
-              <a:t>Deployment</a:t>
-            </a:r>
-            <a:r>
-              <a:rPr lang="de-DE" altLang="de-DE" sz="1800" b="1" dirty="0"/>
-              <a:t>-Strategien</a:t>
-            </a:r>
-          </a:p>
-          <a:p>
-            <a:pPr lvl="1">
-              <a:buFont typeface="Arial" panose="020B0604020202020204" pitchFamily="34" charset="0"/>
-              <a:buChar char="•"/>
-            </a:pPr>
-            <a:r>
-              <a:rPr lang="de-DE" altLang="de-DE" sz="1400" dirty="0" err="1"/>
-              <a:t>GitOps</a:t>
-            </a:r>
-            <a:r>
-              <a:rPr lang="de-DE" altLang="de-DE" sz="1400" dirty="0"/>
-              <a:t> Grundlagen</a:t>
-            </a:r>
-          </a:p>
-          <a:p>
-            <a:pPr lvl="1">
-              <a:buFont typeface="Arial" panose="020B0604020202020204" pitchFamily="34" charset="0"/>
-              <a:buChar char="•"/>
-            </a:pPr>
-            <a:r>
-              <a:rPr lang="de-DE" altLang="de-DE" sz="1400" dirty="0"/>
-              <a:t>Lokale Entwicklung mit Docker</a:t>
+              <a:t>Entwicklung mit Docker</a:t>
             </a:r>
           </a:p>
           <a:p>
@@ -11546,18 +11535,7 @@
               <a:rPr lang="de-DE" altLang="de-DE" sz="1800" b="1" dirty="0" err="1"/>
               <a:t>GitLab</a:t>
             </a:r>
-            <a:r>
-              <a:rPr lang="de-DE" altLang="de-DE" sz="1800" b="1" dirty="0"/>
-              <a:t>, </a:t>
-            </a:r>
-            <a:r>
-              <a:rPr lang="de-DE" altLang="de-DE" sz="1800" b="1" dirty="0" err="1"/>
-              <a:t>Git</a:t>
-            </a:r>
-            <a:r>
-              <a:rPr lang="de-DE" altLang="de-DE" sz="1800" b="1" dirty="0"/>
-              <a:t>-Workflow im Team</a:t>
-            </a:r>
+            <a:endParaRPr lang="de-DE" altLang="de-DE" sz="1800" b="1" dirty="0"/>
           </a:p>
           <a:p>
             <a:pPr lvl="1">
@@ -11644,6 +11622,32 @@
             <a:endParaRPr lang="de-DE" altLang="de-DE" sz="1400" dirty="0"/>
           </a:p>
           <a:p>
+            <a:pPr>
+              <a:buFont typeface="Arial" panose="020B0604020202020204" pitchFamily="34" charset="0"/>
+              <a:buChar char="•"/>
+            </a:pPr>
+            <a:r>
+              <a:rPr lang="de-DE" altLang="de-DE" sz="1800" b="1" dirty="0"/>
+              <a:t>Tag 2 – </a:t>
+            </a:r>
+            <a:r>
+              <a:rPr lang="de-DE" altLang="de-DE" sz="1800" b="1" dirty="0" err="1"/>
+              <a:t>Git</a:t>
+            </a:r>
+            <a:r>
+              <a:rPr lang="de-DE" altLang="de-DE" sz="1800" b="1" dirty="0"/>
+              <a:t>-Workflows, CI/CD, </a:t>
+            </a:r>
+            <a:r>
+              <a:rPr lang="de-DE" altLang="de-DE" sz="1800" b="1" dirty="0" err="1"/>
+              <a:t>GitLab</a:t>
+            </a:r>
+            <a:r>
+              <a:rPr lang="de-DE" altLang="de-DE" sz="1800" b="1" dirty="0"/>
+              <a:t> CI </a:t>
+            </a:r>
+          </a:p>
+          <a:p>
             <a:pPr lvl="1">
               <a:buFont typeface="Arial" panose="020B0604020202020204" pitchFamily="34" charset="0"/>
               <a:buChar char="•"/>
@@ -11658,29 +11662,90 @@
             </a:r>
           </a:p>
           <a:p>
+            <a:pPr lvl="1">
+              <a:buFont typeface="Arial" panose="020B0604020202020204" pitchFamily="34" charset="0"/>
+              <a:buChar char="•"/>
+            </a:pPr>
+            <a:r>
+              <a:rPr lang="de-DE" altLang="de-DE" sz="1400" dirty="0" err="1"/>
+              <a:t>Gitflow</a:t>
+            </a:r>
+            <a:r>
+              <a:rPr lang="de-DE" altLang="de-DE" sz="1400" dirty="0"/>
+              <a:t>-Workflow</a:t>
+            </a:r>
+          </a:p>
+          <a:p>
+            <a:pPr lvl="1">
+              <a:buFont typeface="Arial" panose="020B0604020202020204" pitchFamily="34" charset="0"/>
+              <a:buChar char="•"/>
+            </a:pPr>
+            <a:r>
+              <a:rPr lang="de-DE" altLang="de-DE" sz="1400" dirty="0"/>
+              <a:t>Tags, Releases &amp; deren Verwaltung</a:t>
+            </a:r>
+          </a:p>
+          <a:p>
+            <a:pPr lvl="1">
+              <a:buFont typeface="Arial" panose="020B0604020202020204" pitchFamily="34" charset="0"/>
+              <a:buChar char="•"/>
+            </a:pPr>
+            <a:r>
+              <a:rPr lang="de-DE" altLang="de-DE" sz="1400" dirty="0"/>
+              <a:t>Einführung in </a:t>
+            </a:r>
+            <a:r>
+              <a:rPr lang="de-DE" altLang="de-DE" sz="1400" dirty="0" err="1"/>
+              <a:t>GitLab</a:t>
+            </a:r>
+            <a:r>
+              <a:rPr lang="de-DE" altLang="de-DE" sz="1400" dirty="0"/>
+              <a:t> CI/CD &amp; </a:t>
+            </a:r>
+            <a:r>
+              <a:rPr lang="de-DE" altLang="de-DE" sz="1400" dirty="0" err="1"/>
+              <a:t>gitlab-ci.yml</a:t>
+            </a:r>
+            <a:endParaRPr lang="de-DE" altLang="de-DE" sz="1400" dirty="0"/>
+          </a:p>
+          <a:p>
+            <a:pPr lvl="1">
+              <a:buFont typeface="Arial" panose="020B0604020202020204" pitchFamily="34" charset="0"/>
+              <a:buChar char="•"/>
+            </a:pPr>
+            <a:r>
+              <a:rPr lang="de-DE" altLang="de-DE" sz="1400" dirty="0" err="1"/>
+              <a:t>GitLab</a:t>
+            </a:r>
+            <a:r>
+              <a:rPr lang="de-DE" altLang="de-DE" sz="1400" dirty="0"/>
+              <a:t> Runner</a:t>
+            </a:r>
+          </a:p>
+          <a:p>
             <a:pPr>
               <a:buFont typeface="Arial" panose="020B0604020202020204" pitchFamily="34" charset="0"/>
               <a:buChar char="•"/>
             </a:pPr>
             <a:r>
               <a:rPr lang="de-DE" altLang="de-DE" sz="1800" b="1" dirty="0"/>
-              <a:t>Tag 2 – Vertiefung </a:t>
+              <a:t>Tag 3 – </a:t>
             </a:r>
             <a:r>
               <a:rPr lang="de-DE" altLang="de-DE" sz="1800" b="1" dirty="0" err="1"/>
-              <a:t>Git</a:t>
+              <a:t>GitOps</a:t>
             </a:r>
             <a:r>
               <a:rPr lang="de-DE" altLang="de-DE" sz="1800" b="1" dirty="0"/>
-              <a:t>-Workflow, CI/CD &amp; </a:t>
+              <a:t>, Docker, </a:t>
             </a:r>
             <a:r>
               <a:rPr lang="de-DE" altLang="de-DE" sz="1800" b="1" dirty="0" err="1"/>
-              <a:t>GitLab</a:t>
+              <a:t>Deployment</a:t>
             </a:r>
             <a:r>
               <a:rPr lang="de-DE" altLang="de-DE" sz="1800" b="1" dirty="0"/>
-              <a:t> CI </a:t>
+              <a:t>-Strategien</a:t>
             </a:r>
           </a:p>
           <a:p>
@@ -11690,11 +11755,11 @@
             </a:pPr>
             <a:r>
               <a:rPr lang="de-DE" altLang="de-DE" sz="1400" dirty="0" err="1"/>
-              <a:t>Gitflow</a:t>
+              <a:t>GitOps</a:t>
             </a:r>
             <a:r>
               <a:rPr lang="de-DE" altLang="de-DE" sz="1400" dirty="0"/>
-              <a:t>-Workflow</a:t>
+              <a:t> Grundlagen</a:t>
             </a:r>
           </a:p>
           <a:p>
@@ -11704,94 +11769,7 @@
             </a:pPr>
             <a:r>
               <a:rPr lang="de-DE" altLang="de-DE" sz="1400" dirty="0"/>
-              <a:t>Tags, Releases &amp; deren Verwaltung</a:t>
-            </a:r>
-          </a:p>
-          <a:p>
-            <a:pPr lvl="1">
-              <a:buFont typeface="Arial" panose="020B0604020202020204" pitchFamily="34" charset="0"/>
-              <a:buChar char="•"/>
-            </a:pPr>
-            <a:r>
-              <a:rPr lang="de-DE" altLang="de-DE" sz="1400" dirty="0" err="1"/>
-              <a:t>GitLab</a:t>
-            </a:r>
-            <a:r>
-              <a:rPr lang="de-DE" altLang="de-DE" sz="1400" dirty="0"/>
-              <a:t>-Runner</a:t>
-            </a:r>
-          </a:p>
-          <a:p>
-            <a:pPr lvl="1">
-              <a:buFont typeface="Arial" panose="020B0604020202020204" pitchFamily="34" charset="0"/>
-              <a:buChar char="•"/>
-            </a:pPr>
-            <a:r>
-              <a:rPr lang="de-DE" altLang="de-DE" sz="1400" dirty="0"/>
-              <a:t>Einführung in </a:t>
-            </a:r>
-            <a:r>
-              <a:rPr lang="de-DE" altLang="de-DE" sz="1400" dirty="0" err="1"/>
-              <a:t>GitLab</a:t>
-            </a:r>
-            <a:r>
-              <a:rPr lang="de-DE" altLang="de-DE" sz="1400" dirty="0"/>
-              <a:t> CI/CD &amp; </a:t>
-            </a:r>
-            <a:r>
-              <a:rPr lang="de-DE" altLang="de-DE" sz="1400" dirty="0" err="1"/>
-              <a:t>gitlab.yml</a:t>
-            </a:r>
-            <a:endParaRPr lang="de-DE" altLang="de-DE" sz="1400" dirty="0"/>
-          </a:p>
-          <a:p>
-            <a:pPr>
-              <a:buFont typeface="Arial" panose="020B0604020202020204" pitchFamily="34" charset="0"/>
-              <a:buChar char="•"/>
-            </a:pPr>
-            <a:r>
-              <a:rPr lang="de-DE" altLang="de-DE" sz="1800" b="1" dirty="0"/>
-              <a:t>Tag 3 – </a:t>
-            </a:r>
-            <a:r>
-              <a:rPr lang="de-DE" altLang="de-DE" sz="1800" b="1" dirty="0" err="1"/>
-              <a:t>GitOps</a:t>
-            </a:r>
-            <a:r>
-              <a:rPr lang="de-DE" altLang="de-DE" sz="1800" b="1" dirty="0"/>
-              <a:t>, Docker in der Entwicklung und </a:t>
-            </a:r>
-            <a:r>
-              <a:rPr lang="de-DE" altLang="de-DE" sz="1800" b="1" dirty="0" err="1"/>
-              <a:t>Deployment</a:t>
-            </a:r>
-            <a:r>
-              <a:rPr lang="de-DE" altLang="de-DE" sz="1800" b="1" dirty="0"/>
-              <a:t>-Strategien</a:t>
-            </a:r>
-          </a:p>
-          <a:p>
-            <a:pPr lvl="1">
-              <a:buFont typeface="Arial" panose="020B0604020202020204" pitchFamily="34" charset="0"/>
-              <a:buChar char="•"/>
-            </a:pPr>
-            <a:r>
-              <a:rPr lang="de-DE" altLang="de-DE" sz="1400" dirty="0" err="1"/>
-              <a:t>GitOps</a:t>
-            </a:r>
-            <a:r>
-              <a:rPr lang="de-DE" altLang="de-DE" sz="1400" dirty="0"/>
-              <a:t> Grundlagen</a:t>
-            </a:r>
-          </a:p>
-          <a:p>
-            <a:pPr lvl="1">
-              <a:buFont typeface="Arial" panose="020B0604020202020204" pitchFamily="34" charset="0"/>
-              <a:buChar char="•"/>
-            </a:pPr>
-            <a:r>
-              <a:rPr lang="de-DE" altLang="de-DE" sz="1400" dirty="0"/>
-              <a:t>Lokale Entwicklung mit Docker</a:t>
+              <a:t>Entwicklung mit Docker</a:t>
             </a:r>
           </a:p>
           <a:p>

--- a/slides/Tag-3_5-Deployment-Strategien.pptx
+++ b/slides/Tag-3_5-Deployment-Strategien.pptx
@@ -9725,6 +9725,12 @@
             </a:r>
           </a:p>
           <a:p>
+            <a:pPr marL="0" indent="0">
+              <a:buNone/>
+            </a:pPr>
+            <a:endParaRPr lang="en-US" b="1" dirty="0"/>
+          </a:p>
+          <a:p>
             <a:pPr>
               <a:buFont typeface="Arial" panose="020B0604020202020204" pitchFamily="34" charset="0"/>
               <a:buChar char="•"/>
@@ -10224,6 +10230,12 @@
               <a:rPr lang="de-DE" b="1" dirty="0"/>
               <a:t> Variablen</a:t>
             </a:r>
+          </a:p>
+          <a:p>
+            <a:pPr marL="0" indent="0">
+              <a:buNone/>
+            </a:pPr>
+            <a:endParaRPr lang="de-DE" b="1" dirty="0"/>
           </a:p>
           <a:p>
             <a:pPr>
@@ -11372,6 +11384,12 @@
               <a:rPr lang="de-DE" b="1" dirty="0" err="1"/>
               <a:t>Vaults</a:t>
             </a:r>
+            <a:endParaRPr lang="de-DE" b="1" dirty="0"/>
+          </a:p>
+          <a:p>
+            <a:pPr marL="0" indent="0">
+              <a:buNone/>
+            </a:pPr>
             <a:endParaRPr lang="de-DE" b="1" dirty="0"/>
           </a:p>
           <a:p>

--- a/slides/Tag-3_5-Deployment-Strategien.pptx
+++ b/slides/Tag-3_5-Deployment-Strategien.pptx
@@ -3144,7 +3144,7 @@
               <a:pPr algn="ctr">
                 <a:defRPr/>
               </a:pPr>
-              <a:t>18.06.2024</a:t>
+              <a:t>19.06.2024</a:t>
             </a:fld>
             <a:endParaRPr lang="de-DE" sz="1000">
               <a:solidFill>
@@ -10264,7 +10264,7 @@
             </a:pPr>
             <a:r>
               <a:rPr lang="de-DE" dirty="0"/>
-              <a:t>Jeder, der Projekteinstellungen bearbeiten kann, kann sie sehen</a:t>
+              <a:t>Jeder, der Projekteinstellungen bearbeiten darf, kann sie sehen</a:t>
             </a:r>
           </a:p>
           <a:p>
@@ -11439,7 +11439,7 @@
             </a:pPr>
             <a:r>
               <a:rPr lang="de-DE" dirty="0"/>
-              <a:t>Müssen eingebunden werden</a:t>
+              <a:t>Müssen selbst eingebunden werden</a:t>
             </a:r>
           </a:p>
           <a:p>

--- a/slides/Tag-3_5-Deployment-Strategien.pptx
+++ b/slides/Tag-3_5-Deployment-Strategien.pptx
@@ -13,8 +13,8 @@
   </p:handoutMasterIdLst>
   <p:sldIdLst>
     <p:sldId id="624" r:id="rId3"/>
-    <p:sldId id="289" r:id="rId4"/>
-    <p:sldId id="634" r:id="rId5"/>
+    <p:sldId id="592" r:id="rId4"/>
+    <p:sldId id="635" r:id="rId5"/>
     <p:sldId id="627" r:id="rId6"/>
     <p:sldId id="290" r:id="rId7"/>
     <p:sldId id="291" r:id="rId8"/>
@@ -167,8 +167,8 @@
         <p14:section name="Standardabschnitt" id="{FFC3889D-14DA-4267-82BF-30AEBFDBA907}">
           <p14:sldIdLst>
             <p14:sldId id="624"/>
-            <p14:sldId id="289"/>
-            <p14:sldId id="634"/>
+            <p14:sldId id="592"/>
+            <p14:sldId id="635"/>
             <p14:sldId id="627"/>
             <p14:sldId id="290"/>
             <p14:sldId id="291"/>
@@ -5171,7 +5171,7 @@
             <a:pPr algn="l" eaLnBrk="1" hangingPunct="1"/>
             <a:r>
               <a:rPr lang="de-DE" altLang="de-DE" sz="3200" dirty="0"/>
-              <a:t>Tag 3: </a:t>
+              <a:t>Tag 3: Docker, </a:t>
             </a:r>
             <a:r>
               <a:rPr lang="de-DE" altLang="de-DE" sz="3200" dirty="0" err="1"/>
@@ -5179,14 +5179,7 @@
             </a:r>
             <a:r>
               <a:rPr lang="de-DE" altLang="de-DE" sz="3200" dirty="0"/>
-              <a:t>,</a:t>
-            </a:r>
-            <a:br>
-              <a:rPr lang="de-DE" altLang="de-DE" sz="3200" dirty="0"/>
-            </a:br>
-            <a:r>
-              <a:rPr lang="de-DE" altLang="de-DE" sz="3200" dirty="0"/>
-              <a:t>Docker, </a:t>
+              <a:t>, </a:t>
             </a:r>
             <a:r>
               <a:rPr lang="de-DE" altLang="de-DE" sz="3200" dirty="0" err="1"/>
@@ -10600,7 +10593,7 @@
             </a:pPr>
             <a:r>
               <a:rPr lang="de-DE" altLang="de-DE" sz="1800" b="1" dirty="0"/>
-              <a:t>Tag 3 – </a:t>
+              <a:t>Tag 3 – Docker, </a:t>
             </a:r>
             <a:r>
               <a:rPr lang="de-DE" altLang="de-DE" sz="1800" b="1" dirty="0" err="1"/>
@@ -10608,7 +10601,7 @@
             </a:r>
             <a:r>
               <a:rPr lang="de-DE" altLang="de-DE" sz="1800" b="1" dirty="0"/>
-              <a:t>, Docker, </a:t>
+              <a:t>, </a:t>
             </a:r>
             <a:r>
               <a:rPr lang="de-DE" altLang="de-DE" sz="1800" b="1" dirty="0" err="1"/>
@@ -10625,12 +10618,8 @@
               <a:buChar char="•"/>
             </a:pPr>
             <a:r>
-              <a:rPr lang="de-DE" altLang="de-DE" sz="1400" dirty="0" err="1"/>
-              <a:t>GitOps</a:t>
-            </a:r>
-            <a:r>
               <a:rPr lang="de-DE" altLang="de-DE" sz="1400" dirty="0"/>
-              <a:t> Grundlagen</a:t>
+              <a:t>Entwicklung mit Docker</a:t>
             </a:r>
           </a:p>
           <a:p>
@@ -10640,7 +10629,7 @@
             </a:pPr>
             <a:r>
               <a:rPr lang="de-DE" altLang="de-DE" sz="1400" dirty="0"/>
-              <a:t>Entwicklung mit Docker</a:t>
+              <a:t>Container/Docker-Registry</a:t>
             </a:r>
           </a:p>
           <a:p>
@@ -10650,7 +10639,15 @@
             </a:pPr>
             <a:r>
               <a:rPr lang="de-DE" altLang="de-DE" sz="1400" dirty="0"/>
-              <a:t>Container/Docker-Registry</a:t>
+              <a:t>Erstellen von Release- und </a:t>
+            </a:r>
+            <a:r>
+              <a:rPr lang="de-DE" altLang="de-DE" sz="1400" dirty="0" err="1"/>
+              <a:t>Tagged</a:t>
+            </a:r>
+            <a:r>
+              <a:rPr lang="de-DE" altLang="de-DE" sz="1400" dirty="0"/>
+              <a:t>-Images</a:t>
             </a:r>
           </a:p>
           <a:p>
@@ -10659,16 +10656,12 @@
               <a:buChar char="•"/>
             </a:pPr>
             <a:r>
+              <a:rPr lang="de-DE" altLang="de-DE" sz="1400" dirty="0" err="1"/>
+              <a:t>GitOps</a:t>
+            </a:r>
+            <a:r>
               <a:rPr lang="de-DE" altLang="de-DE" sz="1400" dirty="0"/>
-              <a:t>Erstellen von Release- und </a:t>
-            </a:r>
-            <a:r>
-              <a:rPr lang="de-DE" altLang="de-DE" sz="1400" dirty="0" err="1"/>
-              <a:t>Tagged</a:t>
-            </a:r>
-            <a:r>
-              <a:rPr lang="de-DE" altLang="de-DE" sz="1400" dirty="0"/>
-              <a:t>-Images</a:t>
+              <a:t> Grundlagen</a:t>
             </a:r>
           </a:p>
           <a:p>
@@ -10742,6 +10735,11 @@
         </p:txBody>
       </p:sp>
     </p:spTree>
+    <p:extLst>
+      <p:ext uri="{BB962C8B-B14F-4D97-AF65-F5344CB8AC3E}">
+        <p14:creationId xmlns:p14="http://schemas.microsoft.com/office/powerpoint/2010/main" val="3781715788"/>
+      </p:ext>
+    </p:extLst>
   </p:cSld>
   <p:clrMapOvr>
     <a:masterClrMapping/>
@@ -11747,7 +11745,7 @@
             </a:pPr>
             <a:r>
               <a:rPr lang="de-DE" altLang="de-DE" sz="1800" b="1" dirty="0"/>
-              <a:t>Tag 3 – </a:t>
+              <a:t>Tag 3 – Docker, </a:t>
             </a:r>
             <a:r>
               <a:rPr lang="de-DE" altLang="de-DE" sz="1800" b="1" dirty="0" err="1"/>
@@ -11755,7 +11753,7 @@
             </a:r>
             <a:r>
               <a:rPr lang="de-DE" altLang="de-DE" sz="1800" b="1" dirty="0"/>
-              <a:t>, Docker, </a:t>
+              <a:t>, </a:t>
             </a:r>
             <a:r>
               <a:rPr lang="de-DE" altLang="de-DE" sz="1800" b="1" dirty="0" err="1"/>
@@ -11772,12 +11770,8 @@
               <a:buChar char="•"/>
             </a:pPr>
             <a:r>
-              <a:rPr lang="de-DE" altLang="de-DE" sz="1400" dirty="0" err="1"/>
-              <a:t>GitOps</a:t>
-            </a:r>
-            <a:r>
               <a:rPr lang="de-DE" altLang="de-DE" sz="1400" dirty="0"/>
-              <a:t> Grundlagen</a:t>
+              <a:t>Entwicklung mit Docker</a:t>
             </a:r>
           </a:p>
           <a:p>
@@ -11787,7 +11781,7 @@
             </a:pPr>
             <a:r>
               <a:rPr lang="de-DE" altLang="de-DE" sz="1400" dirty="0"/>
-              <a:t>Entwicklung mit Docker</a:t>
+              <a:t>Container/Docker-Registry</a:t>
             </a:r>
           </a:p>
           <a:p>
@@ -11797,7 +11791,15 @@
             </a:pPr>
             <a:r>
               <a:rPr lang="de-DE" altLang="de-DE" sz="1400" dirty="0"/>
-              <a:t>Container/Docker-Registry</a:t>
+              <a:t>Erstellen von Release- und </a:t>
+            </a:r>
+            <a:r>
+              <a:rPr lang="de-DE" altLang="de-DE" sz="1400" dirty="0" err="1"/>
+              <a:t>Tagged</a:t>
+            </a:r>
+            <a:r>
+              <a:rPr lang="de-DE" altLang="de-DE" sz="1400" dirty="0"/>
+              <a:t>-Images</a:t>
             </a:r>
           </a:p>
           <a:p>
@@ -11806,16 +11808,12 @@
               <a:buChar char="•"/>
             </a:pPr>
             <a:r>
+              <a:rPr lang="de-DE" altLang="de-DE" sz="1400" dirty="0" err="1"/>
+              <a:t>GitOps</a:t>
+            </a:r>
+            <a:r>
               <a:rPr lang="de-DE" altLang="de-DE" sz="1400" dirty="0"/>
-              <a:t>Erstellen von Release- und </a:t>
-            </a:r>
-            <a:r>
-              <a:rPr lang="de-DE" altLang="de-DE" sz="1400" dirty="0" err="1"/>
-              <a:t>Tagged</a:t>
-            </a:r>
-            <a:r>
-              <a:rPr lang="de-DE" altLang="de-DE" sz="1400" dirty="0"/>
-              <a:t>-Images</a:t>
+              <a:t> Grundlagen</a:t>
             </a:r>
           </a:p>
           <a:p>
@@ -11889,6 +11887,11 @@
         </p:txBody>
       </p:sp>
     </p:spTree>
+    <p:extLst>
+      <p:ext uri="{BB962C8B-B14F-4D97-AF65-F5344CB8AC3E}">
+        <p14:creationId xmlns:p14="http://schemas.microsoft.com/office/powerpoint/2010/main" val="1000853986"/>
+      </p:ext>
+    </p:extLst>
   </p:cSld>
   <p:clrMapOvr>
     <a:masterClrMapping/>

--- a/slides/Tag-3_5-Deployment-Strategien.pptx
+++ b/slides/Tag-3_5-Deployment-Strategien.pptx
@@ -3144,7 +3144,7 @@
               <a:pPr algn="ctr">
                 <a:defRPr/>
               </a:pPr>
-              <a:t>19.06.2024</a:t>
+              <a:t>06.07.2024</a:t>
             </a:fld>
             <a:endParaRPr lang="de-DE" sz="1000">
               <a:solidFill>
@@ -5246,8 +5246,12 @@
               <a:buNone/>
             </a:pPr>
             <a:r>
+              <a:rPr lang="de-DE" altLang="de-DE" sz="1600"/>
+              <a:t>10.07.2024</a:t>
+            </a:r>
+            <a:r>
               <a:rPr lang="de-DE" altLang="de-DE" sz="1600" dirty="0"/>
-              <a:t>19.06.2024, Daniel Krämer</a:t>
+              <a:t>, Daniel Krämer</a:t>
             </a:r>
           </a:p>
         </p:txBody>

--- a/slides/Tag-3_5-Deployment-Strategien.pptx
+++ b/slides/Tag-3_5-Deployment-Strategien.pptx
@@ -6,33 +6,31 @@
     <p:sldMasterId id="2147483649" r:id="rId2"/>
   </p:sldMasterIdLst>
   <p:notesMasterIdLst>
-    <p:notesMasterId r:id="rId24"/>
+    <p:notesMasterId r:id="rId22"/>
   </p:notesMasterIdLst>
   <p:handoutMasterIdLst>
-    <p:handoutMasterId r:id="rId25"/>
+    <p:handoutMasterId r:id="rId23"/>
   </p:handoutMasterIdLst>
   <p:sldIdLst>
-    <p:sldId id="624" r:id="rId3"/>
-    <p:sldId id="592" r:id="rId4"/>
-    <p:sldId id="635" r:id="rId5"/>
-    <p:sldId id="627" r:id="rId6"/>
-    <p:sldId id="290" r:id="rId7"/>
-    <p:sldId id="291" r:id="rId8"/>
-    <p:sldId id="292" r:id="rId9"/>
-    <p:sldId id="302" r:id="rId10"/>
-    <p:sldId id="294" r:id="rId11"/>
-    <p:sldId id="301" r:id="rId12"/>
-    <p:sldId id="298" r:id="rId13"/>
-    <p:sldId id="296" r:id="rId14"/>
-    <p:sldId id="303" r:id="rId15"/>
-    <p:sldId id="299" r:id="rId16"/>
-    <p:sldId id="304" r:id="rId17"/>
-    <p:sldId id="628" r:id="rId18"/>
-    <p:sldId id="629" r:id="rId19"/>
-    <p:sldId id="631" r:id="rId20"/>
-    <p:sldId id="630" r:id="rId21"/>
-    <p:sldId id="632" r:id="rId22"/>
-    <p:sldId id="633" r:id="rId23"/>
+    <p:sldId id="635" r:id="rId3"/>
+    <p:sldId id="627" r:id="rId4"/>
+    <p:sldId id="290" r:id="rId5"/>
+    <p:sldId id="291" r:id="rId6"/>
+    <p:sldId id="292" r:id="rId7"/>
+    <p:sldId id="302" r:id="rId8"/>
+    <p:sldId id="294" r:id="rId9"/>
+    <p:sldId id="301" r:id="rId10"/>
+    <p:sldId id="298" r:id="rId11"/>
+    <p:sldId id="296" r:id="rId12"/>
+    <p:sldId id="303" r:id="rId13"/>
+    <p:sldId id="299" r:id="rId14"/>
+    <p:sldId id="304" r:id="rId15"/>
+    <p:sldId id="628" r:id="rId16"/>
+    <p:sldId id="629" r:id="rId17"/>
+    <p:sldId id="631" r:id="rId18"/>
+    <p:sldId id="630" r:id="rId19"/>
+    <p:sldId id="632" r:id="rId20"/>
+    <p:sldId id="633" r:id="rId21"/>
   </p:sldIdLst>
   <p:sldSz cx="9144000" cy="6858000" type="screen4x3"/>
   <p:notesSz cx="6784975" cy="9921875"/>
@@ -166,8 +164,6 @@
       <p14:sectionLst xmlns:p14="http://schemas.microsoft.com/office/powerpoint/2010/main">
         <p14:section name="Standardabschnitt" id="{FFC3889D-14DA-4267-82BF-30AEBFDBA907}">
           <p14:sldIdLst>
-            <p14:sldId id="624"/>
-            <p14:sldId id="592"/>
             <p14:sldId id="635"/>
             <p14:sldId id="627"/>
             <p14:sldId id="290"/>
@@ -1013,7 +1009,24 @@
           <a:bodyPr/>
           <a:lstStyle/>
           <a:p>
-            <a:endParaRPr lang="de-DE" dirty="0"/>
+            <a:r>
+              <a:rPr lang="de-DE" noProof="0" dirty="0"/>
+              <a:t>Tendenziell lässt sich alles mit </a:t>
+            </a:r>
+            <a:r>
+              <a:rPr lang="de-DE" noProof="0" dirty="0" err="1"/>
+              <a:t>GitLab</a:t>
+            </a:r>
+            <a:r>
+              <a:rPr lang="de-DE" noProof="0" dirty="0"/>
+              <a:t> CI/CD umsetzen</a:t>
+            </a:r>
+          </a:p>
+          <a:p>
+            <a:r>
+              <a:rPr lang="de-DE" noProof="0" dirty="0"/>
+              <a:t>Kann je nach Strategie sehr komplex werden</a:t>
+            </a:r>
           </a:p>
         </p:txBody>
       </p:sp>
@@ -1035,7 +1048,7 @@
             <a:fld id="{18182567-388C-4D33-8B7B-A651F195F118}" type="slidenum">
               <a:rPr lang="de-DE" altLang="de-DE" smtClean="0"/>
               <a:pPr/>
-              <a:t>1</a:t>
+              <a:t>3</a:t>
             </a:fld>
             <a:endParaRPr lang="de-DE" altLang="de-DE"/>
           </a:p>
@@ -1044,7 +1057,7 @@
     </p:spTree>
     <p:extLst>
       <p:ext uri="{BB962C8B-B14F-4D97-AF65-F5344CB8AC3E}">
-        <p14:creationId xmlns:p14="http://schemas.microsoft.com/office/powerpoint/2010/main" val="983849172"/>
+        <p14:creationId xmlns:p14="http://schemas.microsoft.com/office/powerpoint/2010/main" val="3734563634"/>
       </p:ext>
     </p:extLst>
   </p:cSld>
@@ -1100,8 +1113,22 @@
           <a:p>
             <a:r>
               <a:rPr lang="de-DE" dirty="0"/>
-              <a:t>Nur die Testgruppe ist von einem Rollback während der Testphase betroffen</a:t>
-            </a:r>
+              <a:t>Neusystem muss mit Altsystem zumindest teilweise kompatibel sein</a:t>
+            </a:r>
+            <a:br>
+              <a:rPr lang="de-DE" dirty="0"/>
+            </a:br>
+            <a:r>
+              <a:rPr lang="de-DE" dirty="0"/>
+              <a:t>Testen ob beide Systeme gleich Antworten</a:t>
+            </a:r>
+          </a:p>
+          <a:p>
+            <a:r>
+              <a:rPr lang="de-DE" dirty="0" err="1"/>
+              <a:t>Performanztests</a:t>
+            </a:r>
+            <a:endParaRPr lang="de-DE" dirty="0"/>
           </a:p>
         </p:txBody>
       </p:sp>
@@ -1123,7 +1150,7 @@
             <a:fld id="{18182567-388C-4D33-8B7B-A651F195F118}" type="slidenum">
               <a:rPr lang="de-DE" altLang="de-DE" smtClean="0"/>
               <a:pPr/>
-              <a:t>13</a:t>
+              <a:t>12</a:t>
             </a:fld>
             <a:endParaRPr lang="de-DE" altLang="de-DE"/>
           </a:p>
@@ -1132,7 +1159,7 @@
     </p:spTree>
     <p:extLst>
       <p:ext uri="{BB962C8B-B14F-4D97-AF65-F5344CB8AC3E}">
-        <p14:creationId xmlns:p14="http://schemas.microsoft.com/office/powerpoint/2010/main" val="2823913330"/>
+        <p14:creationId xmlns:p14="http://schemas.microsoft.com/office/powerpoint/2010/main" val="1251104072"/>
       </p:ext>
     </p:extLst>
   </p:cSld>
@@ -1188,22 +1215,46 @@
           <a:p>
             <a:r>
               <a:rPr lang="de-DE" dirty="0"/>
-              <a:t>Neusystem muss mit Altsystem zumindest teilweise kompatibel sein</a:t>
+              <a:t>Das eigentliche Update muss separat stattfinden</a:t>
             </a:r>
             <a:br>
               <a:rPr lang="de-DE" dirty="0"/>
             </a:br>
             <a:r>
               <a:rPr lang="de-DE" dirty="0"/>
-              <a:t>Testen ob beide Systeme gleich Antworten</a:t>
-            </a:r>
-          </a:p>
-          <a:p>
+              <a:t>Beeinflusst weder User noch das Altsystem</a:t>
+            </a:r>
+            <a:br>
+              <a:rPr lang="de-DE" dirty="0"/>
+            </a:br>
+            <a:r>
+              <a:rPr lang="de-DE" dirty="0"/>
+              <a:t>Kann mit Blue-Green </a:t>
+            </a:r>
             <a:r>
               <a:rPr lang="de-DE" dirty="0" err="1"/>
-              <a:t>Performanztests</a:t>
-            </a:r>
-            <a:endParaRPr lang="de-DE" dirty="0"/>
+              <a:t>order</a:t>
+            </a:r>
+            <a:r>
+              <a:rPr lang="de-DE" dirty="0"/>
+              <a:t> </a:t>
+            </a:r>
+            <a:r>
+              <a:rPr lang="de-DE" dirty="0" err="1"/>
+              <a:t>Red</a:t>
+            </a:r>
+            <a:r>
+              <a:rPr lang="de-DE" dirty="0"/>
+              <a:t>-Black </a:t>
+            </a:r>
+            <a:r>
+              <a:rPr lang="de-DE" dirty="0" err="1"/>
+              <a:t>Deployment</a:t>
+            </a:r>
+            <a:r>
+              <a:rPr lang="de-DE" dirty="0"/>
+              <a:t> kombiniert werden.</a:t>
+            </a:r>
           </a:p>
         </p:txBody>
       </p:sp>
@@ -1225,7 +1276,7 @@
             <a:fld id="{18182567-388C-4D33-8B7B-A651F195F118}" type="slidenum">
               <a:rPr lang="de-DE" altLang="de-DE" smtClean="0"/>
               <a:pPr/>
-              <a:t>14</a:t>
+              <a:t>13</a:t>
             </a:fld>
             <a:endParaRPr lang="de-DE" altLang="de-DE"/>
           </a:p>
@@ -1234,7 +1285,7 @@
     </p:spTree>
     <p:extLst>
       <p:ext uri="{BB962C8B-B14F-4D97-AF65-F5344CB8AC3E}">
-        <p14:creationId xmlns:p14="http://schemas.microsoft.com/office/powerpoint/2010/main" val="1251104072"/>
+        <p14:creationId xmlns:p14="http://schemas.microsoft.com/office/powerpoint/2010/main" val="1437921376"/>
       </p:ext>
     </p:extLst>
   </p:cSld>
@@ -1290,45 +1341,7 @@
           <a:p>
             <a:r>
               <a:rPr lang="de-DE" dirty="0"/>
-              <a:t>Das eigentliche Update muss separat stattfinden</a:t>
-            </a:r>
-            <a:br>
-              <a:rPr lang="de-DE" dirty="0"/>
-            </a:br>
-            <a:r>
-              <a:rPr lang="de-DE" dirty="0"/>
-              <a:t>Beeinflusst weder User noch das Altsystem</a:t>
-            </a:r>
-            <a:br>
-              <a:rPr lang="de-DE" dirty="0"/>
-            </a:br>
-            <a:r>
-              <a:rPr lang="de-DE" dirty="0"/>
-              <a:t>Kann mit Blue-Green </a:t>
-            </a:r>
-            <a:r>
-              <a:rPr lang="de-DE" dirty="0" err="1"/>
-              <a:t>order</a:t>
-            </a:r>
-            <a:r>
-              <a:rPr lang="de-DE" dirty="0"/>
-              <a:t> </a:t>
-            </a:r>
-            <a:r>
-              <a:rPr lang="de-DE" dirty="0" err="1"/>
-              <a:t>Red</a:t>
-            </a:r>
-            <a:r>
-              <a:rPr lang="de-DE" dirty="0"/>
-              <a:t>-Black </a:t>
-            </a:r>
-            <a:r>
-              <a:rPr lang="de-DE" dirty="0" err="1"/>
-              <a:t>Deployment</a:t>
-            </a:r>
-            <a:r>
-              <a:rPr lang="de-DE" dirty="0"/>
-              <a:t> kombiniert werden.</a:t>
+              <a:t>Bild von Unsplash.com</a:t>
             </a:r>
           </a:p>
         </p:txBody>
@@ -1351,7 +1364,7 @@
             <a:fld id="{18182567-388C-4D33-8B7B-A651F195F118}" type="slidenum">
               <a:rPr lang="de-DE" altLang="de-DE" smtClean="0"/>
               <a:pPr/>
-              <a:t>15</a:t>
+              <a:t>14</a:t>
             </a:fld>
             <a:endParaRPr lang="de-DE" altLang="de-DE"/>
           </a:p>
@@ -1360,7 +1373,7 @@
     </p:spTree>
     <p:extLst>
       <p:ext uri="{BB962C8B-B14F-4D97-AF65-F5344CB8AC3E}">
-        <p14:creationId xmlns:p14="http://schemas.microsoft.com/office/powerpoint/2010/main" val="1437921376"/>
+        <p14:creationId xmlns:p14="http://schemas.microsoft.com/office/powerpoint/2010/main" val="2503989314"/>
       </p:ext>
     </p:extLst>
   </p:cSld>
@@ -1416,8 +1429,13 @@
           <a:p>
             <a:r>
               <a:rPr lang="de-DE" dirty="0"/>
-              <a:t>Bild von Unsplash.com</a:t>
-            </a:r>
+              <a:t>Einige Werte müssen vertraulich </a:t>
+            </a:r>
+            <a:r>
+              <a:rPr lang="de-DE"/>
+              <a:t>behandelt werden.</a:t>
+            </a:r>
+            <a:endParaRPr lang="de-DE" dirty="0"/>
           </a:p>
         </p:txBody>
       </p:sp>
@@ -1439,7 +1457,7 @@
             <a:fld id="{18182567-388C-4D33-8B7B-A651F195F118}" type="slidenum">
               <a:rPr lang="de-DE" altLang="de-DE" smtClean="0"/>
               <a:pPr/>
-              <a:t>16</a:t>
+              <a:t>15</a:t>
             </a:fld>
             <a:endParaRPr lang="de-DE" altLang="de-DE"/>
           </a:p>
@@ -1448,7 +1466,7 @@
     </p:spTree>
     <p:extLst>
       <p:ext uri="{BB962C8B-B14F-4D97-AF65-F5344CB8AC3E}">
-        <p14:creationId xmlns:p14="http://schemas.microsoft.com/office/powerpoint/2010/main" val="2503989314"/>
+        <p14:creationId xmlns:p14="http://schemas.microsoft.com/office/powerpoint/2010/main" val="2782757453"/>
       </p:ext>
     </p:extLst>
   </p:cSld>
@@ -1503,14 +1521,71 @@
           <a:lstStyle/>
           <a:p>
             <a:r>
+              <a:rPr lang="en-US" dirty="0"/>
+              <a:t>Visible </a:t>
+            </a:r>
+            <a:r>
+              <a:rPr lang="en-US" dirty="0" err="1"/>
+              <a:t>hei</a:t>
+            </a:r>
+            <a:r>
+              <a:rPr lang="de-DE" dirty="0" err="1"/>
+              <a:t>ßt</a:t>
+            </a:r>
+            <a:r>
               <a:rPr lang="de-DE" dirty="0"/>
-              <a:t>Einige Werte müssen vertraulich </a:t>
-            </a:r>
-            <a:r>
-              <a:rPr lang="de-DE"/>
-              <a:t>behandelt werden.</a:t>
-            </a:r>
-            <a:endParaRPr lang="de-DE" dirty="0"/>
+              <a:t> die variable wird geloggt</a:t>
+            </a:r>
+          </a:p>
+          <a:p>
+            <a:r>
+              <a:rPr lang="de-DE" dirty="0" err="1"/>
+              <a:t>Masked</a:t>
+            </a:r>
+            <a:r>
+              <a:rPr lang="de-DE" dirty="0"/>
+              <a:t> heißt die variable wird nicht geloggt, aber kann in den Einstellungen angesehen werden.</a:t>
+            </a:r>
+          </a:p>
+          <a:p>
+            <a:r>
+              <a:rPr lang="de-DE" dirty="0" err="1"/>
+              <a:t>Protect</a:t>
+            </a:r>
+            <a:r>
+              <a:rPr lang="de-DE" dirty="0"/>
+              <a:t> Variable heißt die variable ist nur in </a:t>
+            </a:r>
+            <a:r>
+              <a:rPr lang="de-DE" dirty="0" err="1"/>
+              <a:t>protected</a:t>
+            </a:r>
+            <a:r>
+              <a:rPr lang="de-DE" dirty="0"/>
+              <a:t> </a:t>
+            </a:r>
+            <a:r>
+              <a:rPr lang="de-DE" dirty="0" err="1"/>
+              <a:t>branches</a:t>
+            </a:r>
+            <a:r>
+              <a:rPr lang="de-DE" dirty="0"/>
+              <a:t> verfügbar</a:t>
+            </a:r>
+          </a:p>
+          <a:p>
+            <a:r>
+              <a:rPr lang="de-DE" dirty="0"/>
+              <a:t>Überschreiben von Variablen kann es unklar machen, wo der </a:t>
+            </a:r>
+            <a:r>
+              <a:rPr lang="de-DE" dirty="0" err="1"/>
+              <a:t>runtime</a:t>
+            </a:r>
+            <a:r>
+              <a:rPr lang="de-DE" dirty="0"/>
+              <a:t> Wert herkommt.</a:t>
+            </a:r>
           </a:p>
         </p:txBody>
       </p:sp>
@@ -1541,7 +1616,7 @@
     </p:spTree>
     <p:extLst>
       <p:ext uri="{BB962C8B-B14F-4D97-AF65-F5344CB8AC3E}">
-        <p14:creationId xmlns:p14="http://schemas.microsoft.com/office/powerpoint/2010/main" val="2782757453"/>
+        <p14:creationId xmlns:p14="http://schemas.microsoft.com/office/powerpoint/2010/main" val="1539275154"/>
       </p:ext>
     </p:extLst>
   </p:cSld>
@@ -1596,70 +1671,19 @@
           <a:lstStyle/>
           <a:p>
             <a:r>
-              <a:rPr lang="en-US" dirty="0"/>
-              <a:t>Visible </a:t>
-            </a:r>
-            <a:r>
-              <a:rPr lang="en-US" dirty="0" err="1"/>
-              <a:t>hei</a:t>
+              <a:rPr lang="de-DE" dirty="0"/>
+              <a:t>Runner bekommt Zugangsdaten von </a:t>
             </a:r>
             <a:r>
               <a:rPr lang="de-DE" dirty="0" err="1"/>
-              <a:t>ßt</a:t>
-            </a:r>
+              <a:t>gitlab</a:t>
+            </a:r>
+            <a:endParaRPr lang="de-DE" dirty="0"/>
+          </a:p>
+          <a:p>
             <a:r>
               <a:rPr lang="de-DE" dirty="0"/>
-              <a:t> die variable wird geloggt</a:t>
-            </a:r>
-          </a:p>
-          <a:p>
-            <a:r>
-              <a:rPr lang="de-DE" dirty="0" err="1"/>
-              <a:t>Masked</a:t>
-            </a:r>
-            <a:r>
-              <a:rPr lang="de-DE" dirty="0"/>
-              <a:t> heißt die variable wird nicht geloggt, aber kann in den Einstellungen angesehen werden.</a:t>
-            </a:r>
-          </a:p>
-          <a:p>
-            <a:r>
-              <a:rPr lang="de-DE" dirty="0" err="1"/>
-              <a:t>Protect</a:t>
-            </a:r>
-            <a:r>
-              <a:rPr lang="de-DE" dirty="0"/>
-              <a:t> Variable heißt die variable ist nur in </a:t>
-            </a:r>
-            <a:r>
-              <a:rPr lang="de-DE" dirty="0" err="1"/>
-              <a:t>protected</a:t>
-            </a:r>
-            <a:r>
-              <a:rPr lang="de-DE" dirty="0"/>
-              <a:t> </a:t>
-            </a:r>
-            <a:r>
-              <a:rPr lang="de-DE" dirty="0" err="1"/>
-              <a:t>branches</a:t>
-            </a:r>
-            <a:r>
-              <a:rPr lang="de-DE" dirty="0"/>
-              <a:t> verfügbar</a:t>
-            </a:r>
-          </a:p>
-          <a:p>
-            <a:r>
-              <a:rPr lang="de-DE" dirty="0"/>
-              <a:t>Überschreiben von Variablen kann es unklar machen, wo der </a:t>
-            </a:r>
-            <a:r>
-              <a:rPr lang="de-DE" dirty="0" err="1"/>
-              <a:t>runtime</a:t>
-            </a:r>
-            <a:r>
-              <a:rPr lang="de-DE" dirty="0"/>
-              <a:t> Wert herkommt.</a:t>
+              <a:t>Runner Authentifiziert mit externem Secret Provider und liest die Secrets von dort aus.</a:t>
             </a:r>
           </a:p>
         </p:txBody>
@@ -1682,7 +1706,7 @@
             <a:fld id="{18182567-388C-4D33-8B7B-A651F195F118}" type="slidenum">
               <a:rPr lang="de-DE" altLang="de-DE" smtClean="0"/>
               <a:pPr/>
-              <a:t>19</a:t>
+              <a:t>18</a:t>
             </a:fld>
             <a:endParaRPr lang="de-DE" altLang="de-DE"/>
           </a:p>
@@ -1691,7 +1715,7 @@
     </p:spTree>
     <p:extLst>
       <p:ext uri="{BB962C8B-B14F-4D97-AF65-F5344CB8AC3E}">
-        <p14:creationId xmlns:p14="http://schemas.microsoft.com/office/powerpoint/2010/main" val="1539275154"/>
+        <p14:creationId xmlns:p14="http://schemas.microsoft.com/office/powerpoint/2010/main" val="203508835"/>
       </p:ext>
     </p:extLst>
   </p:cSld>
@@ -1747,19 +1771,19 @@
           <a:p>
             <a:r>
               <a:rPr lang="de-DE" dirty="0"/>
-              <a:t>Runner bekommt Zugangsdaten von </a:t>
+              <a:t>Secret Rotation: Regelmäßiges ändern von Secrets um Sicherheit zu erhöhen. Secrets müssen überall gleichzeitig </a:t>
             </a:r>
             <a:r>
               <a:rPr lang="de-DE" dirty="0" err="1"/>
-              <a:t>gitlab</a:t>
-            </a:r>
+              <a:t>geupdated</a:t>
+            </a:r>
+            <a:r>
+              <a:rPr lang="de-DE" dirty="0"/>
+              <a:t> werden.</a:t>
+            </a:r>
+          </a:p>
+          <a:p>
             <a:endParaRPr lang="de-DE" dirty="0"/>
-          </a:p>
-          <a:p>
-            <a:r>
-              <a:rPr lang="de-DE" dirty="0"/>
-              <a:t>Runner Authentifiziert mit externem Secret Provider und liest die Secrets von dort aus.</a:t>
-            </a:r>
           </a:p>
         </p:txBody>
       </p:sp>
@@ -1781,106 +1805,7 @@
             <a:fld id="{18182567-388C-4D33-8B7B-A651F195F118}" type="slidenum">
               <a:rPr lang="de-DE" altLang="de-DE" smtClean="0"/>
               <a:pPr/>
-              <a:t>20</a:t>
-            </a:fld>
-            <a:endParaRPr lang="de-DE" altLang="de-DE"/>
-          </a:p>
-        </p:txBody>
-      </p:sp>
-    </p:spTree>
-    <p:extLst>
-      <p:ext uri="{BB962C8B-B14F-4D97-AF65-F5344CB8AC3E}">
-        <p14:creationId xmlns:p14="http://schemas.microsoft.com/office/powerpoint/2010/main" val="203508835"/>
-      </p:ext>
-    </p:extLst>
-  </p:cSld>
-  <p:clrMapOvr>
-    <a:masterClrMapping/>
-  </p:clrMapOvr>
-</p:notes>
-</file>
-
-<file path=ppt/notesSlides/notesSlide17.xml><?xml version="1.0" encoding="utf-8"?>
-<p:notes xmlns:a="http://schemas.openxmlformats.org/drawingml/2006/main" xmlns:r="http://schemas.openxmlformats.org/officeDocument/2006/relationships" xmlns:p="http://schemas.openxmlformats.org/presentationml/2006/main">
-  <p:cSld>
-    <p:spTree>
-      <p:nvGrpSpPr>
-        <p:cNvPr id="1" name=""/>
-        <p:cNvGrpSpPr/>
-        <p:nvPr/>
-      </p:nvGrpSpPr>
-      <p:grpSpPr>
-        <a:xfrm>
-          <a:off x="0" y="0"/>
-          <a:ext cx="0" cy="0"/>
-          <a:chOff x="0" y="0"/>
-          <a:chExt cx="0" cy="0"/>
-        </a:xfrm>
-      </p:grpSpPr>
-      <p:sp>
-        <p:nvSpPr>
-          <p:cNvPr id="2" name="Folienbildplatzhalter 1"/>
-          <p:cNvSpPr>
-            <a:spLocks noGrp="1" noRot="1" noChangeAspect="1"/>
-          </p:cNvSpPr>
-          <p:nvPr>
-            <p:ph type="sldImg"/>
-          </p:nvPr>
-        </p:nvSpPr>
-        <p:spPr/>
-      </p:sp>
-      <p:sp>
-        <p:nvSpPr>
-          <p:cNvPr id="3" name="Notizenplatzhalter 2"/>
-          <p:cNvSpPr>
-            <a:spLocks noGrp="1"/>
-          </p:cNvSpPr>
-          <p:nvPr>
-            <p:ph type="body" idx="1"/>
-          </p:nvPr>
-        </p:nvSpPr>
-        <p:spPr/>
-        <p:txBody>
-          <a:bodyPr/>
-          <a:lstStyle/>
-          <a:p>
-            <a:r>
-              <a:rPr lang="de-DE" dirty="0"/>
-              <a:t>Secret Rotation: Regelmäßiges ändern von Secrets um Sicherheit zu erhöhen. Secrets müssen überall gleichzeitig </a:t>
-            </a:r>
-            <a:r>
-              <a:rPr lang="de-DE" dirty="0" err="1"/>
-              <a:t>geupdated</a:t>
-            </a:r>
-            <a:r>
-              <a:rPr lang="de-DE" dirty="0"/>
-              <a:t> werden.</a:t>
-            </a:r>
-          </a:p>
-          <a:p>
-            <a:endParaRPr lang="de-DE" dirty="0"/>
-          </a:p>
-        </p:txBody>
-      </p:sp>
-      <p:sp>
-        <p:nvSpPr>
-          <p:cNvPr id="4" name="Foliennummernplatzhalter 3"/>
-          <p:cNvSpPr>
-            <a:spLocks noGrp="1"/>
-          </p:cNvSpPr>
-          <p:nvPr>
-            <p:ph type="sldNum" sz="quarter" idx="5"/>
-          </p:nvPr>
-        </p:nvSpPr>
-        <p:spPr/>
-        <p:txBody>
-          <a:bodyPr/>
-          <a:lstStyle/>
-          <a:p>
-            <a:fld id="{18182567-388C-4D33-8B7B-A651F195F118}" type="slidenum">
-              <a:rPr lang="de-DE" altLang="de-DE" smtClean="0"/>
-              <a:pPr/>
-              <a:t>21</a:t>
+              <a:t>19</a:t>
             </a:fld>
             <a:endParaRPr lang="de-DE" altLang="de-DE"/>
           </a:p>
@@ -1944,22 +1869,8 @@
           <a:lstStyle/>
           <a:p>
             <a:r>
-              <a:rPr lang="de-DE" noProof="0" dirty="0"/>
-              <a:t>Tendenziell lässt sich alles mit </a:t>
-            </a:r>
-            <a:r>
-              <a:rPr lang="de-DE" noProof="0" dirty="0" err="1"/>
-              <a:t>GitLab</a:t>
-            </a:r>
-            <a:r>
-              <a:rPr lang="de-DE" noProof="0" dirty="0"/>
-              <a:t> CI/CD umsetzen</a:t>
-            </a:r>
-          </a:p>
-          <a:p>
-            <a:r>
-              <a:rPr lang="de-DE" noProof="0" dirty="0"/>
-              <a:t>Kann je nach Strategie sehr komplex werden</a:t>
+              <a:rPr lang="de-DE" dirty="0"/>
+              <a:t>Liste an Strategien die kurz Angesehen werden</a:t>
             </a:r>
           </a:p>
         </p:txBody>
@@ -1982,7 +1893,7 @@
             <a:fld id="{18182567-388C-4D33-8B7B-A651F195F118}" type="slidenum">
               <a:rPr lang="de-DE" altLang="de-DE" smtClean="0"/>
               <a:pPr/>
-              <a:t>5</a:t>
+              <a:t>4</a:t>
             </a:fld>
             <a:endParaRPr lang="de-DE" altLang="de-DE"/>
           </a:p>
@@ -1991,7 +1902,7 @@
     </p:spTree>
     <p:extLst>
       <p:ext uri="{BB962C8B-B14F-4D97-AF65-F5344CB8AC3E}">
-        <p14:creationId xmlns:p14="http://schemas.microsoft.com/office/powerpoint/2010/main" val="3734563634"/>
+        <p14:creationId xmlns:p14="http://schemas.microsoft.com/office/powerpoint/2010/main" val="3043190696"/>
       </p:ext>
     </p:extLst>
   </p:cSld>
@@ -2047,7 +1958,14 @@
           <a:p>
             <a:r>
               <a:rPr lang="de-DE" dirty="0"/>
-              <a:t>Liste an Strategien die kurz Angesehen werden</a:t>
+              <a:t>Einfachster deploy</a:t>
+            </a:r>
+            <a:br>
+              <a:rPr lang="de-DE" dirty="0"/>
+            </a:br>
+            <a:r>
+              <a:rPr lang="de-DE" dirty="0"/>
+              <a:t>Rollback wäre das komplette update rückwärts </a:t>
             </a:r>
           </a:p>
         </p:txBody>
@@ -2070,7 +1988,7 @@
             <a:fld id="{18182567-388C-4D33-8B7B-A651F195F118}" type="slidenum">
               <a:rPr lang="de-DE" altLang="de-DE" smtClean="0"/>
               <a:pPr/>
-              <a:t>6</a:t>
+              <a:t>5</a:t>
             </a:fld>
             <a:endParaRPr lang="de-DE" altLang="de-DE"/>
           </a:p>
@@ -2079,7 +1997,7 @@
     </p:spTree>
     <p:extLst>
       <p:ext uri="{BB962C8B-B14F-4D97-AF65-F5344CB8AC3E}">
-        <p14:creationId xmlns:p14="http://schemas.microsoft.com/office/powerpoint/2010/main" val="3043190696"/>
+        <p14:creationId xmlns:p14="http://schemas.microsoft.com/office/powerpoint/2010/main" val="3921781153"/>
       </p:ext>
     </p:extLst>
   </p:cSld>
@@ -2135,14 +2053,21 @@
           <a:p>
             <a:r>
               <a:rPr lang="de-DE" dirty="0"/>
-              <a:t>Einfachster deploy</a:t>
+              <a:t>Nur ein Server</a:t>
             </a:r>
             <a:br>
               <a:rPr lang="de-DE" dirty="0"/>
             </a:br>
             <a:r>
               <a:rPr lang="de-DE" dirty="0"/>
-              <a:t>Rollback wäre das komplette update rückwärts </a:t>
+              <a:t>Rollback dauert so lange wie das Update selbst</a:t>
+            </a:r>
+            <a:br>
+              <a:rPr lang="de-DE" dirty="0"/>
+            </a:br>
+            <a:r>
+              <a:rPr lang="de-DE" dirty="0"/>
+              <a:t>Rollback hat ebenfalls Downtime</a:t>
             </a:r>
           </a:p>
         </p:txBody>
@@ -2165,7 +2090,7 @@
             <a:fld id="{18182567-388C-4D33-8B7B-A651F195F118}" type="slidenum">
               <a:rPr lang="de-DE" altLang="de-DE" smtClean="0"/>
               <a:pPr/>
-              <a:t>7</a:t>
+              <a:t>6</a:t>
             </a:fld>
             <a:endParaRPr lang="de-DE" altLang="de-DE"/>
           </a:p>
@@ -2174,7 +2099,7 @@
     </p:spTree>
     <p:extLst>
       <p:ext uri="{BB962C8B-B14F-4D97-AF65-F5344CB8AC3E}">
-        <p14:creationId xmlns:p14="http://schemas.microsoft.com/office/powerpoint/2010/main" val="3921781153"/>
+        <p14:creationId xmlns:p14="http://schemas.microsoft.com/office/powerpoint/2010/main" val="1227724863"/>
       </p:ext>
     </p:extLst>
   </p:cSld>
@@ -2230,21 +2155,21 @@
           <a:p>
             <a:r>
               <a:rPr lang="de-DE" dirty="0"/>
-              <a:t>Nur ein Server</a:t>
-            </a:r>
-            <a:br>
+              <a:t>Pro Anfrage wird zufällig alt oder neu gewählt mit bestimmter Gewichtung.</a:t>
+            </a:r>
+          </a:p>
+          <a:p>
+            <a:r>
               <a:rPr lang="de-DE" dirty="0"/>
-            </a:br>
+              <a:t>Altsystem (</a:t>
+            </a:r>
+            <a:r>
+              <a:rPr lang="de-DE" dirty="0" err="1"/>
+              <a:t>blue</a:t>
+            </a:r>
             <a:r>
               <a:rPr lang="de-DE" dirty="0"/>
-              <a:t>Rollback dauert so lange wie das Update selbst</a:t>
-            </a:r>
-            <a:br>
-              <a:rPr lang="de-DE" dirty="0"/>
-            </a:br>
-            <a:r>
-              <a:rPr lang="de-DE" dirty="0"/>
-              <a:t>Rollback hat ebenfalls Downtime</a:t>
+              <a:t>) kann bei nächstem update als Neusystem benutzt werden</a:t>
             </a:r>
           </a:p>
         </p:txBody>
@@ -2267,7 +2192,7 @@
             <a:fld id="{18182567-388C-4D33-8B7B-A651F195F118}" type="slidenum">
               <a:rPr lang="de-DE" altLang="de-DE" smtClean="0"/>
               <a:pPr/>
-              <a:t>8</a:t>
+              <a:t>7</a:t>
             </a:fld>
             <a:endParaRPr lang="de-DE" altLang="de-DE"/>
           </a:p>
@@ -2276,7 +2201,7 @@
     </p:spTree>
     <p:extLst>
       <p:ext uri="{BB962C8B-B14F-4D97-AF65-F5344CB8AC3E}">
-        <p14:creationId xmlns:p14="http://schemas.microsoft.com/office/powerpoint/2010/main" val="1227724863"/>
+        <p14:creationId xmlns:p14="http://schemas.microsoft.com/office/powerpoint/2010/main" val="17587249"/>
       </p:ext>
     </p:extLst>
   </p:cSld>
@@ -2332,21 +2257,19 @@
           <a:p>
             <a:r>
               <a:rPr lang="de-DE" dirty="0"/>
-              <a:t>Pro Anfrage wird zufällig alt oder neu gewählt mit bestimmter Gewichtung.</a:t>
+              <a:t>Rollback ist nur Einstellung des Load-Balancers</a:t>
             </a:r>
           </a:p>
           <a:p>
             <a:r>
               <a:rPr lang="de-DE" dirty="0"/>
-              <a:t>Altsystem (</a:t>
-            </a:r>
-            <a:r>
-              <a:rPr lang="de-DE" dirty="0" err="1"/>
-              <a:t>blue</a:t>
-            </a:r>
+              <a:t>Keine feste Testgruppe</a:t>
+            </a:r>
+          </a:p>
+          <a:p>
             <a:r>
               <a:rPr lang="de-DE" dirty="0"/>
-              <a:t>) kann bei nächstem update als Neusystem benutzt werden</a:t>
+              <a:t>2 Server</a:t>
             </a:r>
           </a:p>
         </p:txBody>
@@ -2369,7 +2292,7 @@
             <a:fld id="{18182567-388C-4D33-8B7B-A651F195F118}" type="slidenum">
               <a:rPr lang="de-DE" altLang="de-DE" smtClean="0"/>
               <a:pPr/>
-              <a:t>9</a:t>
+              <a:t>8</a:t>
             </a:fld>
             <a:endParaRPr lang="de-DE" altLang="de-DE"/>
           </a:p>
@@ -2378,7 +2301,7 @@
     </p:spTree>
     <p:extLst>
       <p:ext uri="{BB962C8B-B14F-4D97-AF65-F5344CB8AC3E}">
-        <p14:creationId xmlns:p14="http://schemas.microsoft.com/office/powerpoint/2010/main" val="17587249"/>
+        <p14:creationId xmlns:p14="http://schemas.microsoft.com/office/powerpoint/2010/main" val="1076930107"/>
       </p:ext>
     </p:extLst>
   </p:cSld>
@@ -2432,22 +2355,7 @@
           <a:bodyPr/>
           <a:lstStyle/>
           <a:p>
-            <a:r>
-              <a:rPr lang="de-DE" dirty="0"/>
-              <a:t>Rollback ist nur Einstellung des Load-Balancers</a:t>
-            </a:r>
-          </a:p>
-          <a:p>
-            <a:r>
-              <a:rPr lang="de-DE" dirty="0"/>
-              <a:t>Keine feste Testgruppe</a:t>
-            </a:r>
-          </a:p>
-          <a:p>
-            <a:r>
-              <a:rPr lang="de-DE" dirty="0"/>
-              <a:t>2 Server</a:t>
-            </a:r>
+            <a:endParaRPr lang="de-DE" dirty="0"/>
           </a:p>
         </p:txBody>
       </p:sp>
@@ -2469,7 +2377,7 @@
             <a:fld id="{18182567-388C-4D33-8B7B-A651F195F118}" type="slidenum">
               <a:rPr lang="de-DE" altLang="de-DE" smtClean="0"/>
               <a:pPr/>
-              <a:t>10</a:t>
+              <a:t>9</a:t>
             </a:fld>
             <a:endParaRPr lang="de-DE" altLang="de-DE"/>
           </a:p>
@@ -2478,7 +2386,7 @@
     </p:spTree>
     <p:extLst>
       <p:ext uri="{BB962C8B-B14F-4D97-AF65-F5344CB8AC3E}">
-        <p14:creationId xmlns:p14="http://schemas.microsoft.com/office/powerpoint/2010/main" val="1076930107"/>
+        <p14:creationId xmlns:p14="http://schemas.microsoft.com/office/powerpoint/2010/main" val="1711605960"/>
       </p:ext>
     </p:extLst>
   </p:cSld>
@@ -2532,7 +2440,18 @@
           <a:bodyPr/>
           <a:lstStyle/>
           <a:p>
-            <a:endParaRPr lang="de-DE" dirty="0"/>
+            <a:r>
+              <a:rPr lang="de-DE" dirty="0"/>
+              <a:t>Nützlich wenn man eine feste Testgruppe </a:t>
+            </a:r>
+            <a:r>
+              <a:rPr lang="de-DE" dirty="0" err="1"/>
+              <a:t>hat,s</a:t>
+            </a:r>
+            <a:r>
+              <a:rPr lang="de-DE" dirty="0"/>
+              <a:t> die die neue Version vorab testen soll.</a:t>
+            </a:r>
           </a:p>
         </p:txBody>
       </p:sp>
@@ -2554,7 +2473,7 @@
             <a:fld id="{18182567-388C-4D33-8B7B-A651F195F118}" type="slidenum">
               <a:rPr lang="de-DE" altLang="de-DE" smtClean="0"/>
               <a:pPr/>
-              <a:t>11</a:t>
+              <a:t>10</a:t>
             </a:fld>
             <a:endParaRPr lang="de-DE" altLang="de-DE"/>
           </a:p>
@@ -2563,7 +2482,7 @@
     </p:spTree>
     <p:extLst>
       <p:ext uri="{BB962C8B-B14F-4D97-AF65-F5344CB8AC3E}">
-        <p14:creationId xmlns:p14="http://schemas.microsoft.com/office/powerpoint/2010/main" val="1711605960"/>
+        <p14:creationId xmlns:p14="http://schemas.microsoft.com/office/powerpoint/2010/main" val="2099690642"/>
       </p:ext>
     </p:extLst>
   </p:cSld>
@@ -2619,15 +2538,7 @@
           <a:p>
             <a:r>
               <a:rPr lang="de-DE" dirty="0"/>
-              <a:t>Nützlich wenn man eine feste Testgruppe </a:t>
-            </a:r>
-            <a:r>
-              <a:rPr lang="de-DE" dirty="0" err="1"/>
-              <a:t>hat,s</a:t>
-            </a:r>
-            <a:r>
-              <a:rPr lang="de-DE" dirty="0"/>
-              <a:t> die die neue Version vorab testen soll.</a:t>
+              <a:t>Nur die Testgruppe ist von einem Rollback während der Testphase betroffen</a:t>
             </a:r>
           </a:p>
         </p:txBody>
@@ -2650,7 +2561,7 @@
             <a:fld id="{18182567-388C-4D33-8B7B-A651F195F118}" type="slidenum">
               <a:rPr lang="de-DE" altLang="de-DE" smtClean="0"/>
               <a:pPr/>
-              <a:t>12</a:t>
+              <a:t>11</a:t>
             </a:fld>
             <a:endParaRPr lang="de-DE" altLang="de-DE"/>
           </a:p>
@@ -2659,7 +2570,7 @@
     </p:spTree>
     <p:extLst>
       <p:ext uri="{BB962C8B-B14F-4D97-AF65-F5344CB8AC3E}">
-        <p14:creationId xmlns:p14="http://schemas.microsoft.com/office/powerpoint/2010/main" val="2099690642"/>
+        <p14:creationId xmlns:p14="http://schemas.microsoft.com/office/powerpoint/2010/main" val="2823913330"/>
       </p:ext>
     </p:extLst>
   </p:cSld>
@@ -3144,7 +3055,7 @@
               <a:pPr algn="ctr">
                 <a:defRPr/>
               </a:pPr>
-              <a:t>06.07.2024</a:t>
+              <a:t>06.09.24</a:t>
             </a:fld>
             <a:endParaRPr lang="de-DE" sz="1000">
               <a:solidFill>
@@ -3507,7 +3418,7 @@
                 </a:solidFill>
                 <a:latin typeface="Arial" charset="0"/>
               </a:rPr>
-              <a:t>Daniel Krämer</a:t>
+              <a:t>Jan Lühr</a:t>
             </a:r>
           </a:p>
         </p:txBody>
@@ -5121,397 +5032,10 @@
       </p:grpSpPr>
       <p:sp>
         <p:nvSpPr>
-          <p:cNvPr id="4098" name="Rectangle 2">
-            <a:extLst>
-              <a:ext uri="{FF2B5EF4-FFF2-40B4-BE49-F238E27FC236}">
-                <a16:creationId xmlns:a16="http://schemas.microsoft.com/office/drawing/2014/main" id="{E4B2C6CD-AD60-3C79-94C5-A3C58293BC9E}"/>
-              </a:ext>
-            </a:extLst>
-          </p:cNvPr>
-          <p:cNvSpPr>
-            <a:spLocks noGrp="1" noChangeArrowheads="1"/>
-          </p:cNvSpPr>
-          <p:nvPr>
-            <p:ph type="ctrTitle" idx="4294967295"/>
-          </p:nvPr>
-        </p:nvSpPr>
-        <p:spPr bwMode="auto">
-          <a:xfrm>
-            <a:off x="468313" y="2562225"/>
-            <a:ext cx="5471839" cy="938213"/>
-          </a:xfrm>
-          <a:prstGeom prst="rect">
-            <a:avLst/>
-          </a:prstGeom>
-          <a:noFill/>
-          <a:extLst>
-            <a:ext uri="{909E8E84-426E-40DD-AFC4-6F175D3DCCD1}">
-              <a14:hiddenFill xmlns:a14="http://schemas.microsoft.com/office/drawing/2010/main">
-                <a:solidFill>
-                  <a:srgbClr val="FFFFFF"/>
-                </a:solidFill>
-              </a14:hiddenFill>
-            </a:ext>
-            <a:ext uri="{91240B29-F687-4F45-9708-019B960494DF}">
-              <a14:hiddenLine xmlns:a14="http://schemas.microsoft.com/office/drawing/2010/main" w="9525">
-                <a:solidFill>
-                  <a:srgbClr val="000000"/>
-                </a:solidFill>
-                <a:miter lim="800000"/>
-                <a:headEnd/>
-                <a:tailEnd/>
-              </a14:hiddenLine>
-            </a:ext>
-          </a:extLst>
-        </p:spPr>
-        <p:txBody>
-          <a:bodyPr/>
-          <a:lstStyle/>
-          <a:p>
-            <a:pPr algn="l" eaLnBrk="1" hangingPunct="1"/>
-            <a:r>
-              <a:rPr lang="de-DE" altLang="de-DE" sz="3200" dirty="0"/>
-              <a:t>Tag 3: Docker, </a:t>
-            </a:r>
-            <a:r>
-              <a:rPr lang="de-DE" altLang="de-DE" sz="3200" dirty="0" err="1"/>
-              <a:t>GitOps</a:t>
-            </a:r>
-            <a:r>
-              <a:rPr lang="de-DE" altLang="de-DE" sz="3200" dirty="0"/>
-              <a:t>, </a:t>
-            </a:r>
-            <a:r>
-              <a:rPr lang="de-DE" altLang="de-DE" sz="3200" dirty="0" err="1"/>
-              <a:t>Deployment</a:t>
-            </a:r>
-            <a:r>
-              <a:rPr lang="de-DE" altLang="de-DE" sz="3200" dirty="0"/>
-              <a:t>-Strategien</a:t>
-            </a:r>
-          </a:p>
-        </p:txBody>
-      </p:sp>
-      <p:sp>
-        <p:nvSpPr>
-          <p:cNvPr id="4099" name="Rectangle 3">
-            <a:extLst>
-              <a:ext uri="{FF2B5EF4-FFF2-40B4-BE49-F238E27FC236}">
-                <a16:creationId xmlns:a16="http://schemas.microsoft.com/office/drawing/2014/main" id="{89107976-89BA-B819-B0F4-5904DD4F4AAC}"/>
-              </a:ext>
-            </a:extLst>
-          </p:cNvPr>
-          <p:cNvSpPr>
-            <a:spLocks noGrp="1" noChangeArrowheads="1"/>
-          </p:cNvSpPr>
-          <p:nvPr>
-            <p:ph type="subTitle" idx="4294967295"/>
-          </p:nvPr>
-        </p:nvSpPr>
-        <p:spPr bwMode="auto">
-          <a:xfrm>
-            <a:off x="468312" y="4462463"/>
-            <a:ext cx="4190603" cy="622300"/>
-          </a:xfrm>
-          <a:prstGeom prst="rect">
-            <a:avLst/>
-          </a:prstGeom>
-          <a:noFill/>
-          <a:extLst>
-            <a:ext uri="{909E8E84-426E-40DD-AFC4-6F175D3DCCD1}">
-              <a14:hiddenFill xmlns:a14="http://schemas.microsoft.com/office/drawing/2010/main">
-                <a:solidFill>
-                  <a:srgbClr val="FFFFFF"/>
-                </a:solidFill>
-              </a14:hiddenFill>
-            </a:ext>
-            <a:ext uri="{91240B29-F687-4F45-9708-019B960494DF}">
-              <a14:hiddenLine xmlns:a14="http://schemas.microsoft.com/office/drawing/2010/main" w="9525">
-                <a:solidFill>
-                  <a:srgbClr val="000000"/>
-                </a:solidFill>
-                <a:miter lim="800000"/>
-                <a:headEnd/>
-                <a:tailEnd/>
-              </a14:hiddenLine>
-            </a:ext>
-          </a:extLst>
-        </p:spPr>
-        <p:txBody>
-          <a:bodyPr/>
-          <a:lstStyle/>
-          <a:p>
-            <a:pPr eaLnBrk="1" hangingPunct="1">
-              <a:buFontTx/>
-              <a:buNone/>
-            </a:pPr>
-            <a:r>
-              <a:rPr lang="de-DE" altLang="de-DE" sz="1600"/>
-              <a:t>10.07.2024</a:t>
-            </a:r>
-            <a:r>
-              <a:rPr lang="de-DE" altLang="de-DE" sz="1600" dirty="0"/>
-              <a:t>, Daniel Krämer</a:t>
-            </a:r>
-          </a:p>
-        </p:txBody>
-      </p:sp>
-      <p:sp>
-        <p:nvSpPr>
-          <p:cNvPr id="4100" name="Rectangle 4">
-            <a:extLst>
-              <a:ext uri="{FF2B5EF4-FFF2-40B4-BE49-F238E27FC236}">
-                <a16:creationId xmlns:a16="http://schemas.microsoft.com/office/drawing/2014/main" id="{4D866AF1-CD71-C1C5-56DD-B2E98E020155}"/>
-              </a:ext>
-            </a:extLst>
-          </p:cNvPr>
-          <p:cNvSpPr>
-            <a:spLocks noChangeArrowheads="1"/>
-          </p:cNvSpPr>
-          <p:nvPr/>
-        </p:nvSpPr>
-        <p:spPr bwMode="auto">
-          <a:xfrm>
-            <a:off x="468313" y="549275"/>
-            <a:ext cx="4032250" cy="938213"/>
-          </a:xfrm>
-          <a:prstGeom prst="rect">
-            <a:avLst/>
-          </a:prstGeom>
-          <a:noFill/>
-          <a:ln>
-            <a:noFill/>
-          </a:ln>
-          <a:extLst>
-            <a:ext uri="{909E8E84-426E-40DD-AFC4-6F175D3DCCD1}">
-              <a14:hiddenFill xmlns:a14="http://schemas.microsoft.com/office/drawing/2010/main">
-                <a:solidFill>
-                  <a:srgbClr val="FFFFFF"/>
-                </a:solidFill>
-              </a14:hiddenFill>
-            </a:ext>
-            <a:ext uri="{91240B29-F687-4F45-9708-019B960494DF}">
-              <a14:hiddenLine xmlns:a14="http://schemas.microsoft.com/office/drawing/2010/main" w="9525">
-                <a:solidFill>
-                  <a:srgbClr val="000000"/>
-                </a:solidFill>
-                <a:miter lim="800000"/>
-                <a:headEnd/>
-                <a:tailEnd/>
-              </a14:hiddenLine>
-            </a:ext>
-          </a:extLst>
-        </p:spPr>
-        <p:txBody>
-          <a:bodyPr/>
-          <a:lstStyle>
-            <a:lvl1pPr>
-              <a:defRPr sz="2400">
-                <a:solidFill>
-                  <a:schemeClr val="tx1"/>
-                </a:solidFill>
-                <a:latin typeface="Times New Roman" panose="02020603050405020304" pitchFamily="18" charset="0"/>
-              </a:defRPr>
-            </a:lvl1pPr>
-            <a:lvl2pPr marL="742950" indent="-285750">
-              <a:defRPr sz="2400">
-                <a:solidFill>
-                  <a:schemeClr val="tx1"/>
-                </a:solidFill>
-                <a:latin typeface="Times New Roman" panose="02020603050405020304" pitchFamily="18" charset="0"/>
-              </a:defRPr>
-            </a:lvl2pPr>
-            <a:lvl3pPr marL="1143000" indent="-228600">
-              <a:defRPr sz="2400">
-                <a:solidFill>
-                  <a:schemeClr val="tx1"/>
-                </a:solidFill>
-                <a:latin typeface="Times New Roman" panose="02020603050405020304" pitchFamily="18" charset="0"/>
-              </a:defRPr>
-            </a:lvl3pPr>
-            <a:lvl4pPr marL="1600200" indent="-228600">
-              <a:defRPr sz="2400">
-                <a:solidFill>
-                  <a:schemeClr val="tx1"/>
-                </a:solidFill>
-                <a:latin typeface="Times New Roman" panose="02020603050405020304" pitchFamily="18" charset="0"/>
-              </a:defRPr>
-            </a:lvl4pPr>
-            <a:lvl5pPr marL="2057400" indent="-228600">
-              <a:defRPr sz="2400">
-                <a:solidFill>
-                  <a:schemeClr val="tx1"/>
-                </a:solidFill>
-                <a:latin typeface="Times New Roman" panose="02020603050405020304" pitchFamily="18" charset="0"/>
-              </a:defRPr>
-            </a:lvl5pPr>
-            <a:lvl6pPr marL="2514600" indent="-228600" eaLnBrk="0" fontAlgn="base" hangingPunct="0">
-              <a:spcBef>
-                <a:spcPct val="0"/>
-              </a:spcBef>
-              <a:spcAft>
-                <a:spcPct val="0"/>
-              </a:spcAft>
-              <a:defRPr sz="2400">
-                <a:solidFill>
-                  <a:schemeClr val="tx1"/>
-                </a:solidFill>
-                <a:latin typeface="Times New Roman" panose="02020603050405020304" pitchFamily="18" charset="0"/>
-              </a:defRPr>
-            </a:lvl6pPr>
-            <a:lvl7pPr marL="2971800" indent="-228600" eaLnBrk="0" fontAlgn="base" hangingPunct="0">
-              <a:spcBef>
-                <a:spcPct val="0"/>
-              </a:spcBef>
-              <a:spcAft>
-                <a:spcPct val="0"/>
-              </a:spcAft>
-              <a:defRPr sz="2400">
-                <a:solidFill>
-                  <a:schemeClr val="tx1"/>
-                </a:solidFill>
-                <a:latin typeface="Times New Roman" panose="02020603050405020304" pitchFamily="18" charset="0"/>
-              </a:defRPr>
-            </a:lvl7pPr>
-            <a:lvl8pPr marL="3429000" indent="-228600" eaLnBrk="0" fontAlgn="base" hangingPunct="0">
-              <a:spcBef>
-                <a:spcPct val="0"/>
-              </a:spcBef>
-              <a:spcAft>
-                <a:spcPct val="0"/>
-              </a:spcAft>
-              <a:defRPr sz="2400">
-                <a:solidFill>
-                  <a:schemeClr val="tx1"/>
-                </a:solidFill>
-                <a:latin typeface="Times New Roman" panose="02020603050405020304" pitchFamily="18" charset="0"/>
-              </a:defRPr>
-            </a:lvl8pPr>
-            <a:lvl9pPr marL="3886200" indent="-228600" eaLnBrk="0" fontAlgn="base" hangingPunct="0">
-              <a:spcBef>
-                <a:spcPct val="0"/>
-              </a:spcBef>
-              <a:spcAft>
-                <a:spcPct val="0"/>
-              </a:spcAft>
-              <a:defRPr sz="2400">
-                <a:solidFill>
-                  <a:schemeClr val="tx1"/>
-                </a:solidFill>
-                <a:latin typeface="Times New Roman" panose="02020603050405020304" pitchFamily="18" charset="0"/>
-              </a:defRPr>
-            </a:lvl9pPr>
-          </a:lstStyle>
-          <a:p>
-            <a:pPr eaLnBrk="1" hangingPunct="1"/>
-            <a:endParaRPr lang="de-DE" altLang="de-DE" sz="4400" dirty="0">
-              <a:solidFill>
-                <a:schemeClr val="tx2"/>
-              </a:solidFill>
-              <a:latin typeface="Arial" panose="020B0604020202020204" pitchFamily="34" charset="0"/>
-            </a:endParaRPr>
-          </a:p>
-        </p:txBody>
-      </p:sp>
-      <p:pic>
-        <p:nvPicPr>
-          <p:cNvPr id="3" name="Grafik 2">
-            <a:extLst>
-              <a:ext uri="{FF2B5EF4-FFF2-40B4-BE49-F238E27FC236}">
-                <a16:creationId xmlns:a16="http://schemas.microsoft.com/office/drawing/2014/main" id="{F795EC6A-86ED-78D6-3916-EC81E8315965}"/>
-              </a:ext>
-            </a:extLst>
-          </p:cNvPr>
-          <p:cNvPicPr>
-            <a:picLocks noChangeAspect="1"/>
-          </p:cNvPicPr>
-          <p:nvPr/>
-        </p:nvPicPr>
-        <p:blipFill>
-          <a:blip r:embed="rId3">
-            <a:extLst>
-              <a:ext uri="{28A0092B-C50C-407E-A947-70E740481C1C}">
-                <a14:useLocalDpi xmlns:a14="http://schemas.microsoft.com/office/drawing/2010/main" val="0"/>
-              </a:ext>
-              <a:ext uri="{96DAC541-7B7A-43D3-8B79-37D633B846F1}">
-                <asvg:svgBlip xmlns:asvg="http://schemas.microsoft.com/office/drawing/2016/SVG/main" r:embed="rId4"/>
-              </a:ext>
-            </a:extLst>
-          </a:blip>
-          <a:stretch>
-            <a:fillRect/>
-          </a:stretch>
-        </p:blipFill>
-        <p:spPr>
-          <a:xfrm>
-            <a:off x="309959" y="263970"/>
-            <a:ext cx="4348957" cy="1508822"/>
-          </a:xfrm>
-          <a:prstGeom prst="rect">
-            <a:avLst/>
-          </a:prstGeom>
-        </p:spPr>
-      </p:pic>
-    </p:spTree>
-  </p:cSld>
-  <p:clrMapOvr>
-    <a:masterClrMapping/>
-  </p:clrMapOvr>
-</p:sld>
-</file>
-
-<file path=ppt/slides/slide10.xml><?xml version="1.0" encoding="utf-8"?>
-<p:sld xmlns:a="http://schemas.openxmlformats.org/drawingml/2006/main" xmlns:r="http://schemas.openxmlformats.org/officeDocument/2006/relationships" xmlns:p="http://schemas.openxmlformats.org/presentationml/2006/main">
-  <p:cSld>
-    <p:spTree>
-      <p:nvGrpSpPr>
-        <p:cNvPr id="1" name=""/>
-        <p:cNvGrpSpPr/>
-        <p:nvPr/>
-      </p:nvGrpSpPr>
-      <p:grpSpPr>
-        <a:xfrm>
-          <a:off x="0" y="0"/>
-          <a:ext cx="0" cy="0"/>
-          <a:chOff x="0" y="0"/>
-          <a:chExt cx="0" cy="0"/>
-        </a:xfrm>
-      </p:grpSpPr>
-      <p:sp>
-        <p:nvSpPr>
-          <p:cNvPr id="2" name="Titel 1">
-            <a:extLst>
-              <a:ext uri="{FF2B5EF4-FFF2-40B4-BE49-F238E27FC236}">
-                <a16:creationId xmlns:a16="http://schemas.microsoft.com/office/drawing/2014/main" id="{EF591ABD-50D5-A755-735A-235A68CBB955}"/>
-              </a:ext>
-            </a:extLst>
-          </p:cNvPr>
-          <p:cNvSpPr>
-            <a:spLocks noGrp="1"/>
-          </p:cNvSpPr>
-          <p:nvPr>
-            <p:ph type="title"/>
-          </p:nvPr>
-        </p:nvSpPr>
-        <p:spPr/>
-        <p:txBody>
-          <a:bodyPr/>
-          <a:lstStyle/>
-          <a:p>
-            <a:r>
-              <a:rPr lang="en-US" altLang="de-DE" dirty="0"/>
-              <a:t>Deployment</a:t>
-            </a:r>
-            <a:endParaRPr lang="de-DE" dirty="0"/>
-          </a:p>
-        </p:txBody>
-      </p:sp>
-      <p:sp>
-        <p:nvSpPr>
-          <p:cNvPr id="3" name="Inhaltsplatzhalter 2">
-            <a:extLst>
-              <a:ext uri="{FF2B5EF4-FFF2-40B4-BE49-F238E27FC236}">
-                <a16:creationId xmlns:a16="http://schemas.microsoft.com/office/drawing/2014/main" id="{9BBCCEE5-8221-F691-5CC6-404256896B0E}"/>
+          <p:cNvPr id="6146" name="Inhaltsplatzhalter 18">
+            <a:extLst>
+              <a:ext uri="{FF2B5EF4-FFF2-40B4-BE49-F238E27FC236}">
+                <a16:creationId xmlns:a16="http://schemas.microsoft.com/office/drawing/2014/main" id="{BE3C4C95-FD5D-27F0-ED0C-AB8113CAC9F1}"/>
               </a:ext>
             </a:extLst>
           </p:cNvPr>
@@ -5527,23 +5051,111 @@
           <a:bodyPr/>
           <a:lstStyle/>
           <a:p>
-            <a:pPr marL="0" indent="0">
-              <a:buNone/>
-            </a:pPr>
-            <a:r>
-              <a:rPr lang="de-DE" b="1" dirty="0"/>
-              <a:t>Vorteile</a:t>
-            </a:r>
-          </a:p>
-          <a:p>
             <a:pPr>
               <a:buFont typeface="Arial" panose="020B0604020202020204" pitchFamily="34" charset="0"/>
               <a:buChar char="•"/>
             </a:pPr>
             <a:r>
-              <a:rPr lang="de-DE" altLang="de-DE" dirty="0"/>
-              <a:t>Keine Downtime</a:t>
-            </a:r>
+              <a:rPr lang="de-DE" altLang="de-DE" sz="1800" b="1" dirty="0"/>
+              <a:t>Tag 1 – Einführung in </a:t>
+            </a:r>
+            <a:r>
+              <a:rPr lang="de-DE" altLang="de-DE" sz="1800" b="1" dirty="0" err="1"/>
+              <a:t>Git</a:t>
+            </a:r>
+            <a:r>
+              <a:rPr lang="de-DE" altLang="de-DE" sz="1800" b="1" dirty="0"/>
+              <a:t> und </a:t>
+            </a:r>
+            <a:r>
+              <a:rPr lang="de-DE" altLang="de-DE" sz="1800" b="1" dirty="0" err="1"/>
+              <a:t>GitLab</a:t>
+            </a:r>
+            <a:endParaRPr lang="de-DE" altLang="de-DE" sz="1800" b="1" dirty="0"/>
+          </a:p>
+          <a:p>
+            <a:pPr lvl="1">
+              <a:buFont typeface="Arial" panose="020B0604020202020204" pitchFamily="34" charset="0"/>
+              <a:buChar char="•"/>
+            </a:pPr>
+            <a:r>
+              <a:rPr lang="de-DE" altLang="de-DE" sz="1400" dirty="0"/>
+              <a:t>Einführung &amp; Kursüberblick</a:t>
+            </a:r>
+          </a:p>
+          <a:p>
+            <a:pPr lvl="1">
+              <a:buFont typeface="Arial" panose="020B0604020202020204" pitchFamily="34" charset="0"/>
+              <a:buChar char="•"/>
+            </a:pPr>
+            <a:r>
+              <a:rPr lang="de-DE" altLang="de-DE" sz="1400" dirty="0"/>
+              <a:t>Grundlagen von </a:t>
+            </a:r>
+            <a:r>
+              <a:rPr lang="de-DE" altLang="de-DE" sz="1400" dirty="0" err="1"/>
+              <a:t>Git</a:t>
+            </a:r>
+            <a:endParaRPr lang="de-DE" altLang="de-DE" sz="1400" dirty="0"/>
+          </a:p>
+          <a:p>
+            <a:pPr lvl="1">
+              <a:buFont typeface="Arial" panose="020B0604020202020204" pitchFamily="34" charset="0"/>
+              <a:buChar char="•"/>
+            </a:pPr>
+            <a:r>
+              <a:rPr lang="de-DE" altLang="de-DE" sz="1400" dirty="0" err="1"/>
+              <a:t>Git</a:t>
+            </a:r>
+            <a:r>
+              <a:rPr lang="de-DE" altLang="de-DE" sz="1400" dirty="0"/>
+              <a:t> </a:t>
+            </a:r>
+            <a:r>
+              <a:rPr lang="de-DE" altLang="de-DE" sz="1400" dirty="0" err="1"/>
+              <a:t>Rebase</a:t>
+            </a:r>
+            <a:r>
+              <a:rPr lang="de-DE" altLang="de-DE" sz="1400" dirty="0"/>
+              <a:t> und </a:t>
+            </a:r>
+            <a:r>
+              <a:rPr lang="de-DE" altLang="de-DE" sz="1400" dirty="0" err="1"/>
+              <a:t>Merge</a:t>
+            </a:r>
+            <a:r>
+              <a:rPr lang="de-DE" altLang="de-DE" sz="1400" dirty="0"/>
+              <a:t>-Strategien</a:t>
+            </a:r>
+          </a:p>
+          <a:p>
+            <a:pPr lvl="1">
+              <a:buFont typeface="Arial" panose="020B0604020202020204" pitchFamily="34" charset="0"/>
+              <a:buChar char="•"/>
+            </a:pPr>
+            <a:r>
+              <a:rPr lang="de-DE" altLang="de-DE" sz="1400" dirty="0" err="1"/>
+              <a:t>Git</a:t>
+            </a:r>
+            <a:r>
+              <a:rPr lang="de-DE" altLang="de-DE" sz="1400" dirty="0"/>
+              <a:t> Remote</a:t>
+            </a:r>
+          </a:p>
+          <a:p>
+            <a:pPr lvl="1">
+              <a:buFont typeface="Arial" panose="020B0604020202020204" pitchFamily="34" charset="0"/>
+              <a:buChar char="•"/>
+            </a:pPr>
+            <a:r>
+              <a:rPr lang="de-DE" altLang="de-DE" sz="1400" dirty="0"/>
+              <a:t>Grundlagen von </a:t>
+            </a:r>
+            <a:r>
+              <a:rPr lang="de-DE" altLang="de-DE" sz="1400" dirty="0" err="1"/>
+              <a:t>GitLab</a:t>
+            </a:r>
+            <a:endParaRPr lang="de-DE" altLang="de-DE" sz="1400" dirty="0"/>
           </a:p>
           <a:p>
             <a:pPr>
@@ -5551,8 +5163,99 @@
               <a:buChar char="•"/>
             </a:pPr>
             <a:r>
-              <a:rPr lang="de-DE" altLang="de-DE" dirty="0"/>
-              <a:t>Einfaches Rollback</a:t>
+              <a:rPr lang="de-DE" altLang="de-DE" sz="1800" b="1" dirty="0"/>
+              <a:t>Tag 2 – </a:t>
+            </a:r>
+            <a:r>
+              <a:rPr lang="de-DE" altLang="de-DE" sz="1800" b="1" dirty="0" err="1"/>
+              <a:t>Git</a:t>
+            </a:r>
+            <a:r>
+              <a:rPr lang="de-DE" altLang="de-DE" sz="1800" b="1" dirty="0"/>
+              <a:t>-Workflows, CI/CD, </a:t>
+            </a:r>
+            <a:r>
+              <a:rPr lang="de-DE" altLang="de-DE" sz="1800" b="1" dirty="0" err="1"/>
+              <a:t>GitLab</a:t>
+            </a:r>
+            <a:r>
+              <a:rPr lang="de-DE" altLang="de-DE" sz="1800" b="1" dirty="0"/>
+              <a:t> CI </a:t>
+            </a:r>
+          </a:p>
+          <a:p>
+            <a:pPr lvl="1">
+              <a:buFont typeface="Arial" panose="020B0604020202020204" pitchFamily="34" charset="0"/>
+              <a:buChar char="•"/>
+            </a:pPr>
+            <a:r>
+              <a:rPr lang="de-DE" altLang="de-DE" sz="1400" dirty="0" err="1"/>
+              <a:t>Git</a:t>
+            </a:r>
+            <a:r>
+              <a:rPr lang="de-DE" altLang="de-DE" sz="1400" dirty="0"/>
+              <a:t>-Workflow im Team</a:t>
+            </a:r>
+          </a:p>
+          <a:p>
+            <a:pPr lvl="1">
+              <a:buFont typeface="Arial" panose="020B0604020202020204" pitchFamily="34" charset="0"/>
+              <a:buChar char="•"/>
+            </a:pPr>
+            <a:r>
+              <a:rPr lang="de-DE" altLang="de-DE" sz="1400" dirty="0" err="1"/>
+              <a:t>Gitflow</a:t>
+            </a:r>
+            <a:r>
+              <a:rPr lang="de-DE" altLang="de-DE" sz="1400" dirty="0"/>
+              <a:t>-Workflow</a:t>
+            </a:r>
+          </a:p>
+          <a:p>
+            <a:pPr lvl="1">
+              <a:buFont typeface="Arial" panose="020B0604020202020204" pitchFamily="34" charset="0"/>
+              <a:buChar char="•"/>
+            </a:pPr>
+            <a:r>
+              <a:rPr lang="de-DE" altLang="de-DE" sz="1400" dirty="0"/>
+              <a:t>Tags, Releases &amp; deren Verwaltung</a:t>
+            </a:r>
+          </a:p>
+          <a:p>
+            <a:pPr lvl="1">
+              <a:buFont typeface="Arial" panose="020B0604020202020204" pitchFamily="34" charset="0"/>
+              <a:buChar char="•"/>
+            </a:pPr>
+            <a:r>
+              <a:rPr lang="de-DE" altLang="de-DE" sz="1400" dirty="0"/>
+              <a:t>Einführung in </a:t>
+            </a:r>
+            <a:r>
+              <a:rPr lang="de-DE" altLang="de-DE" sz="1400" dirty="0" err="1"/>
+              <a:t>GitLab</a:t>
+            </a:r>
+            <a:r>
+              <a:rPr lang="de-DE" altLang="de-DE" sz="1400" dirty="0"/>
+              <a:t> CI/CD &amp; </a:t>
+            </a:r>
+            <a:r>
+              <a:rPr lang="de-DE" altLang="de-DE" sz="1400" dirty="0" err="1"/>
+              <a:t>gitlab-ci.yml</a:t>
+            </a:r>
+            <a:endParaRPr lang="de-DE" altLang="de-DE" sz="1400" dirty="0"/>
+          </a:p>
+          <a:p>
+            <a:pPr lvl="1">
+              <a:buFont typeface="Arial" panose="020B0604020202020204" pitchFamily="34" charset="0"/>
+              <a:buChar char="•"/>
+            </a:pPr>
+            <a:r>
+              <a:rPr lang="de-DE" altLang="de-DE" sz="1400" dirty="0" err="1"/>
+              <a:t>GitLab</a:t>
+            </a:r>
+            <a:r>
+              <a:rPr lang="de-DE" altLang="de-DE" sz="1400" dirty="0"/>
+              <a:t> Runner</a:t>
             </a:r>
           </a:p>
           <a:p>
@@ -5561,68 +5264,144 @@
               <a:buChar char="•"/>
             </a:pPr>
             <a:r>
-              <a:rPr lang="de-DE" altLang="de-DE" dirty="0"/>
-              <a:t>Partielles </a:t>
-            </a:r>
-            <a:r>
-              <a:rPr lang="de-DE" altLang="de-DE" dirty="0" err="1"/>
+              <a:rPr lang="de-DE" altLang="de-DE" sz="1800" b="1" dirty="0"/>
+              <a:t>Tag 3 – Docker, </a:t>
+            </a:r>
+            <a:r>
+              <a:rPr lang="de-DE" altLang="de-DE" sz="1800" b="1" dirty="0" err="1"/>
+              <a:t>GitOps</a:t>
+            </a:r>
+            <a:r>
+              <a:rPr lang="de-DE" altLang="de-DE" sz="1800" b="1" dirty="0"/>
+              <a:t>, </a:t>
+            </a:r>
+            <a:r>
+              <a:rPr lang="de-DE" altLang="de-DE" sz="1800" b="1" dirty="0" err="1"/>
               <a:t>Deployment</a:t>
             </a:r>
-            <a:endParaRPr lang="de-DE" altLang="de-DE" dirty="0"/>
-          </a:p>
-          <a:p>
-            <a:pPr>
+            <a:r>
+              <a:rPr lang="de-DE" altLang="de-DE" sz="1800" b="1" dirty="0"/>
+              <a:t>-Strategien</a:t>
+            </a:r>
+          </a:p>
+          <a:p>
+            <a:pPr lvl="1">
               <a:buFont typeface="Arial" panose="020B0604020202020204" pitchFamily="34" charset="0"/>
               <a:buChar char="•"/>
             </a:pPr>
             <a:r>
-              <a:rPr lang="de-DE" altLang="de-DE" dirty="0"/>
-              <a:t>Rolling Updates</a:t>
-            </a:r>
-          </a:p>
-          <a:p>
-            <a:pPr marL="0" indent="0">
-              <a:buNone/>
-            </a:pPr>
-            <a:endParaRPr lang="de-DE" dirty="0"/>
-          </a:p>
-          <a:p>
-            <a:pPr marL="0" indent="0">
-              <a:buNone/>
-            </a:pPr>
-            <a:r>
-              <a:rPr lang="de-DE" b="1" dirty="0"/>
-              <a:t>Nachteile</a:t>
-            </a:r>
-          </a:p>
-          <a:p>
-            <a:pPr>
+              <a:rPr lang="de-DE" altLang="de-DE" sz="1400" dirty="0"/>
+              <a:t>Entwicklung mit Docker</a:t>
+            </a:r>
+          </a:p>
+          <a:p>
+            <a:pPr lvl="1">
               <a:buFont typeface="Arial" panose="020B0604020202020204" pitchFamily="34" charset="0"/>
               <a:buChar char="•"/>
             </a:pPr>
             <a:r>
-              <a:rPr lang="de-DE" altLang="de-DE" kern="0" dirty="0"/>
-              <a:t>Aufwendige Implementierung</a:t>
-            </a:r>
-          </a:p>
-          <a:p>
-            <a:pPr>
+              <a:rPr lang="de-DE" altLang="de-DE" sz="1400" dirty="0"/>
+              <a:t>Container/Docker-Registry</a:t>
+            </a:r>
+          </a:p>
+          <a:p>
+            <a:pPr lvl="1">
               <a:buFont typeface="Arial" panose="020B0604020202020204" pitchFamily="34" charset="0"/>
               <a:buChar char="•"/>
             </a:pPr>
             <a:r>
-              <a:rPr lang="de-DE" altLang="de-DE" kern="0" dirty="0"/>
-              <a:t>Zufällige Zuweisung zu neuem System</a:t>
-            </a:r>
-          </a:p>
-          <a:p>
-            <a:pPr>
+              <a:rPr lang="de-DE" altLang="de-DE" sz="1400" dirty="0"/>
+              <a:t>Erstellen von Release- und </a:t>
+            </a:r>
+            <a:r>
+              <a:rPr lang="de-DE" altLang="de-DE" sz="1400" dirty="0" err="1"/>
+              <a:t>Tagged</a:t>
+            </a:r>
+            <a:r>
+              <a:rPr lang="de-DE" altLang="de-DE" sz="1400" dirty="0"/>
+              <a:t>-Images</a:t>
+            </a:r>
+          </a:p>
+          <a:p>
+            <a:pPr lvl="1">
               <a:buFont typeface="Arial" panose="020B0604020202020204" pitchFamily="34" charset="0"/>
               <a:buChar char="•"/>
             </a:pPr>
             <a:r>
-              <a:rPr lang="de-DE" altLang="de-DE" kern="0" dirty="0"/>
-              <a:t>Teuer</a:t>
+              <a:rPr lang="de-DE" altLang="de-DE" sz="1400" dirty="0" err="1"/>
+              <a:t>GitOps</a:t>
+            </a:r>
+            <a:r>
+              <a:rPr lang="de-DE" altLang="de-DE" sz="1400" dirty="0"/>
+              <a:t> Grundlagen</a:t>
+            </a:r>
+          </a:p>
+          <a:p>
+            <a:pPr lvl="1">
+              <a:buFont typeface="Arial" panose="020B0604020202020204" pitchFamily="34" charset="0"/>
+              <a:buChar char="•"/>
+            </a:pPr>
+            <a:r>
+              <a:rPr lang="de-DE" altLang="de-DE" sz="1400" u="sng" dirty="0"/>
+              <a:t>Möglichkeiten des </a:t>
+            </a:r>
+            <a:r>
+              <a:rPr lang="de-DE" altLang="de-DE" sz="1400" u="sng" dirty="0" err="1"/>
+              <a:t>Deployments</a:t>
+            </a:r>
+            <a:r>
+              <a:rPr lang="de-DE" altLang="de-DE" sz="1400" u="sng" dirty="0"/>
+              <a:t> &amp; Verwaltung von Konfiguration</a:t>
+            </a:r>
+          </a:p>
+          <a:p>
+            <a:pPr lvl="1">
+              <a:buFont typeface="Arial" panose="020B0604020202020204" pitchFamily="34" charset="0"/>
+              <a:buChar char="•"/>
+            </a:pPr>
+            <a:r>
+              <a:rPr lang="de-DE" altLang="de-DE" sz="1400" dirty="0"/>
+              <a:t>Abschlussübung &amp; Diskussion</a:t>
+            </a:r>
+          </a:p>
+          <a:p>
+            <a:pPr lvl="1">
+              <a:buFont typeface="Arial" panose="020B0604020202020204" pitchFamily="34" charset="0"/>
+              <a:buChar char="•"/>
+            </a:pPr>
+            <a:endParaRPr lang="de-DE" altLang="de-DE" sz="1400" dirty="0"/>
+          </a:p>
+        </p:txBody>
+      </p:sp>
+      <p:sp>
+        <p:nvSpPr>
+          <p:cNvPr id="6147" name="Rectangle 1062">
+            <a:extLst>
+              <a:ext uri="{FF2B5EF4-FFF2-40B4-BE49-F238E27FC236}">
+                <a16:creationId xmlns:a16="http://schemas.microsoft.com/office/drawing/2014/main" id="{C46E9340-3256-8D55-A265-94F2F41E288E}"/>
+              </a:ext>
+            </a:extLst>
+          </p:cNvPr>
+          <p:cNvSpPr>
+            <a:spLocks noGrp="1" noChangeArrowheads="1"/>
+          </p:cNvSpPr>
+          <p:nvPr>
+            <p:ph type="title"/>
+          </p:nvPr>
+        </p:nvSpPr>
+        <p:spPr>
+          <a:xfrm>
+            <a:off x="285750" y="142875"/>
+            <a:ext cx="5654675" cy="706438"/>
+          </a:xfrm>
+        </p:spPr>
+        <p:txBody>
+          <a:bodyPr/>
+          <a:lstStyle/>
+          <a:p>
+            <a:r>
+              <a:rPr lang="de-DE" altLang="de-DE" dirty="0"/>
+              <a:t>Agenda</a:t>
             </a:r>
           </a:p>
         </p:txBody>
@@ -5630,7 +5409,7 @@
     </p:spTree>
     <p:extLst>
       <p:ext uri="{BB962C8B-B14F-4D97-AF65-F5344CB8AC3E}">
-        <p14:creationId xmlns:p14="http://schemas.microsoft.com/office/powerpoint/2010/main" val="617239567"/>
+        <p14:creationId xmlns:p14="http://schemas.microsoft.com/office/powerpoint/2010/main" val="1000853986"/>
       </p:ext>
     </p:extLst>
   </p:cSld>
@@ -5640,1246 +5419,7 @@
 </p:sld>
 </file>
 
-<file path=ppt/slides/slide11.xml><?xml version="1.0" encoding="utf-8"?>
-<p:sld xmlns:a="http://schemas.openxmlformats.org/drawingml/2006/main" xmlns:r="http://schemas.openxmlformats.org/officeDocument/2006/relationships" xmlns:p="http://schemas.openxmlformats.org/presentationml/2006/main">
-  <p:cSld>
-    <p:spTree>
-      <p:nvGrpSpPr>
-        <p:cNvPr id="1" name=""/>
-        <p:cNvGrpSpPr/>
-        <p:nvPr/>
-      </p:nvGrpSpPr>
-      <p:grpSpPr>
-        <a:xfrm>
-          <a:off x="0" y="0"/>
-          <a:ext cx="0" cy="0"/>
-          <a:chOff x="0" y="0"/>
-          <a:chExt cx="0" cy="0"/>
-        </a:xfrm>
-      </p:grpSpPr>
-      <p:sp>
-        <p:nvSpPr>
-          <p:cNvPr id="2" name="Titel 1">
-            <a:extLst>
-              <a:ext uri="{FF2B5EF4-FFF2-40B4-BE49-F238E27FC236}">
-                <a16:creationId xmlns:a16="http://schemas.microsoft.com/office/drawing/2014/main" id="{29D286B2-C35C-4BC6-9254-B3D2AE464CA4}"/>
-              </a:ext>
-            </a:extLst>
-          </p:cNvPr>
-          <p:cNvSpPr>
-            <a:spLocks noGrp="1"/>
-          </p:cNvSpPr>
-          <p:nvPr>
-            <p:ph type="title"/>
-          </p:nvPr>
-        </p:nvSpPr>
-        <p:spPr/>
-        <p:txBody>
-          <a:bodyPr/>
-          <a:lstStyle/>
-          <a:p>
-            <a:r>
-              <a:rPr lang="en-US" altLang="de-DE" dirty="0" err="1"/>
-              <a:t>Deplo</a:t>
-            </a:r>
-            <a:r>
-              <a:rPr lang="de-DE" altLang="de-DE" dirty="0" err="1"/>
-              <a:t>yment</a:t>
-            </a:r>
-            <a:endParaRPr lang="de-DE" dirty="0"/>
-          </a:p>
-        </p:txBody>
-      </p:sp>
-      <p:sp>
-        <p:nvSpPr>
-          <p:cNvPr id="3" name="Inhaltsplatzhalter 2">
-            <a:extLst>
-              <a:ext uri="{FF2B5EF4-FFF2-40B4-BE49-F238E27FC236}">
-                <a16:creationId xmlns:a16="http://schemas.microsoft.com/office/drawing/2014/main" id="{5841B00E-A256-2C3F-B12E-C474E3991C93}"/>
-              </a:ext>
-            </a:extLst>
-          </p:cNvPr>
-          <p:cNvSpPr>
-            <a:spLocks noGrp="1"/>
-          </p:cNvSpPr>
-          <p:nvPr>
-            <p:ph idx="1"/>
-          </p:nvPr>
-        </p:nvSpPr>
-        <p:spPr>
-          <a:xfrm>
-            <a:off x="303213" y="1268769"/>
-            <a:ext cx="8516937" cy="1296135"/>
-          </a:xfrm>
-        </p:spPr>
-        <p:txBody>
-          <a:bodyPr/>
-          <a:lstStyle/>
-          <a:p>
-            <a:pPr marL="0" indent="0">
-              <a:buNone/>
-            </a:pPr>
-            <a:r>
-              <a:rPr lang="de-DE" sz="2400" b="1" dirty="0" err="1">
-                <a:latin typeface="+mj-lt"/>
-              </a:rPr>
-              <a:t>Red</a:t>
-            </a:r>
-            <a:r>
-              <a:rPr lang="de-DE" sz="2400" b="1" dirty="0">
-                <a:latin typeface="+mj-lt"/>
-              </a:rPr>
-              <a:t>-Black </a:t>
-            </a:r>
-            <a:r>
-              <a:rPr lang="de-DE" sz="2400" b="1" dirty="0" err="1">
-                <a:latin typeface="+mj-lt"/>
-              </a:rPr>
-              <a:t>Deployment</a:t>
-            </a:r>
-            <a:endParaRPr lang="de-DE" b="1" dirty="0"/>
-          </a:p>
-          <a:p>
-            <a:pPr>
-              <a:buFont typeface="Arial" panose="020B0604020202020204" pitchFamily="34" charset="0"/>
-              <a:buChar char="•"/>
-            </a:pPr>
-            <a:r>
-              <a:rPr lang="de-DE" dirty="0"/>
-              <a:t>Sehr ähnlich zu Blue-Green</a:t>
-            </a:r>
-          </a:p>
-          <a:p>
-            <a:pPr>
-              <a:buFont typeface="Arial" panose="020B0604020202020204" pitchFamily="34" charset="0"/>
-              <a:buChar char="•"/>
-            </a:pPr>
-            <a:r>
-              <a:rPr lang="de-DE" dirty="0"/>
-              <a:t>Kompletter Wechsel zu Neusystem</a:t>
-            </a:r>
-          </a:p>
-          <a:p>
-            <a:pPr>
-              <a:buFont typeface="Arial" panose="020B0604020202020204" pitchFamily="34" charset="0"/>
-              <a:buChar char="•"/>
-            </a:pPr>
-            <a:endParaRPr lang="de-DE" dirty="0"/>
-          </a:p>
-        </p:txBody>
-      </p:sp>
-      <p:sp>
-        <p:nvSpPr>
-          <p:cNvPr id="7" name="Rechteck 6">
-            <a:extLst>
-              <a:ext uri="{FF2B5EF4-FFF2-40B4-BE49-F238E27FC236}">
-                <a16:creationId xmlns:a16="http://schemas.microsoft.com/office/drawing/2014/main" id="{D9A42B7E-356B-9AFB-BEC4-C71BCE179FEF}"/>
-              </a:ext>
-            </a:extLst>
-          </p:cNvPr>
-          <p:cNvSpPr/>
-          <p:nvPr/>
-        </p:nvSpPr>
-        <p:spPr bwMode="auto">
-          <a:xfrm>
-            <a:off x="611560" y="3645024"/>
-            <a:ext cx="2160240" cy="2160240"/>
-          </a:xfrm>
-          <a:prstGeom prst="rect">
-            <a:avLst/>
-          </a:prstGeom>
-          <a:solidFill>
-            <a:schemeClr val="bg1"/>
-          </a:solidFill>
-          <a:ln w="12700" cap="flat" cmpd="sng" algn="ctr">
-            <a:solidFill>
-              <a:schemeClr val="tx1"/>
-            </a:solidFill>
-            <a:prstDash val="solid"/>
-            <a:round/>
-            <a:headEnd type="none" w="sm" len="sm"/>
-            <a:tailEnd type="none" w="sm" len="sm"/>
-          </a:ln>
-          <a:effectLst/>
-        </p:spPr>
-        <p:txBody>
-          <a:bodyPr vert="horz" wrap="square" lIns="91440" tIns="45720" rIns="91440" bIns="45720" numCol="1" rtlCol="0" anchor="b" anchorCtr="0" compatLnSpc="1">
-            <a:prstTxWarp prst="textNoShape">
-              <a:avLst/>
-            </a:prstTxWarp>
-          </a:bodyPr>
-          <a:lstStyle/>
-          <a:p>
-            <a:pPr marL="0" marR="0" indent="0" algn="l" defTabSz="914400" rtl="0" eaLnBrk="0" fontAlgn="base" latinLnBrk="0" hangingPunct="0">
-              <a:lnSpc>
-                <a:spcPct val="100000"/>
-              </a:lnSpc>
-              <a:spcBef>
-                <a:spcPct val="0"/>
-              </a:spcBef>
-              <a:spcAft>
-                <a:spcPct val="0"/>
-              </a:spcAft>
-              <a:buClrTx/>
-              <a:buSzTx/>
-              <a:buFontTx/>
-              <a:buNone/>
-              <a:tabLst/>
-            </a:pPr>
-            <a:endParaRPr kumimoji="0" lang="de-DE" sz="2400" b="0" i="0" u="none" strike="noStrike" cap="none" normalizeH="0" baseline="0" dirty="0">
-              <a:ln>
-                <a:noFill/>
-              </a:ln>
-              <a:solidFill>
-                <a:schemeClr val="tx1"/>
-              </a:solidFill>
-              <a:effectLst/>
-              <a:latin typeface="+mn-lt"/>
-            </a:endParaRPr>
-          </a:p>
-        </p:txBody>
-      </p:sp>
-      <p:cxnSp>
-        <p:nvCxnSpPr>
-          <p:cNvPr id="22" name="Gerade Verbindung mit Pfeil 21">
-            <a:extLst>
-              <a:ext uri="{FF2B5EF4-FFF2-40B4-BE49-F238E27FC236}">
-                <a16:creationId xmlns:a16="http://schemas.microsoft.com/office/drawing/2014/main" id="{3D801ADB-E612-D46E-1DDE-06F9BB633025}"/>
-              </a:ext>
-            </a:extLst>
-          </p:cNvPr>
-          <p:cNvCxnSpPr>
-            <a:cxnSpLocks/>
-            <a:stCxn id="7" idx="3"/>
-          </p:cNvCxnSpPr>
-          <p:nvPr/>
-        </p:nvCxnSpPr>
-        <p:spPr bwMode="auto">
-          <a:xfrm>
-            <a:off x="2771800" y="4725144"/>
-            <a:ext cx="709761" cy="0"/>
-          </a:xfrm>
-          <a:prstGeom prst="straightConnector1">
-            <a:avLst/>
-          </a:prstGeom>
-          <a:solidFill>
-            <a:schemeClr val="accent1"/>
-          </a:solidFill>
-          <a:ln w="12700" cap="flat" cmpd="sng" algn="ctr">
-            <a:solidFill>
-              <a:schemeClr val="tx1"/>
-            </a:solidFill>
-            <a:prstDash val="solid"/>
-            <a:round/>
-            <a:headEnd type="none" w="sm" len="sm"/>
-            <a:tailEnd type="triangle"/>
-          </a:ln>
-          <a:effectLst/>
-        </p:spPr>
-      </p:cxnSp>
-      <p:cxnSp>
-        <p:nvCxnSpPr>
-          <p:cNvPr id="23" name="Gerade Verbindung mit Pfeil 22">
-            <a:extLst>
-              <a:ext uri="{FF2B5EF4-FFF2-40B4-BE49-F238E27FC236}">
-                <a16:creationId xmlns:a16="http://schemas.microsoft.com/office/drawing/2014/main" id="{580503DD-CA46-B4A0-4BBE-D21934A5E720}"/>
-              </a:ext>
-            </a:extLst>
-          </p:cNvPr>
-          <p:cNvCxnSpPr>
-            <a:cxnSpLocks/>
-          </p:cNvCxnSpPr>
-          <p:nvPr/>
-        </p:nvCxnSpPr>
-        <p:spPr bwMode="auto">
-          <a:xfrm>
-            <a:off x="5641801" y="4725144"/>
-            <a:ext cx="709761" cy="0"/>
-          </a:xfrm>
-          <a:prstGeom prst="straightConnector1">
-            <a:avLst/>
-          </a:prstGeom>
-          <a:solidFill>
-            <a:schemeClr val="accent1"/>
-          </a:solidFill>
-          <a:ln w="12700" cap="flat" cmpd="sng" algn="ctr">
-            <a:solidFill>
-              <a:schemeClr val="tx1"/>
-            </a:solidFill>
-            <a:prstDash val="solid"/>
-            <a:round/>
-            <a:headEnd type="none" w="sm" len="sm"/>
-            <a:tailEnd type="triangle"/>
-          </a:ln>
-          <a:effectLst/>
-        </p:spPr>
-      </p:cxnSp>
-      <p:sp>
-        <p:nvSpPr>
-          <p:cNvPr id="25" name="Würfel 24">
-            <a:extLst>
-              <a:ext uri="{FF2B5EF4-FFF2-40B4-BE49-F238E27FC236}">
-                <a16:creationId xmlns:a16="http://schemas.microsoft.com/office/drawing/2014/main" id="{BD850A33-5E52-B6F7-5FBE-BB523848B265}"/>
-              </a:ext>
-            </a:extLst>
-          </p:cNvPr>
-          <p:cNvSpPr/>
-          <p:nvPr/>
-        </p:nvSpPr>
-        <p:spPr bwMode="auto">
-          <a:xfrm>
-            <a:off x="899592" y="4365104"/>
-            <a:ext cx="843458" cy="1296135"/>
-          </a:xfrm>
-          <a:prstGeom prst="cube">
-            <a:avLst/>
-          </a:prstGeom>
-          <a:solidFill>
-            <a:srgbClr val="FF0000"/>
-          </a:solidFill>
-          <a:ln w="12700" cap="flat" cmpd="sng" algn="ctr">
-            <a:solidFill>
-              <a:schemeClr val="tx1"/>
-            </a:solidFill>
-            <a:prstDash val="solid"/>
-            <a:round/>
-            <a:headEnd type="none" w="sm" len="sm"/>
-            <a:tailEnd type="none" w="sm" len="sm"/>
-          </a:ln>
-          <a:effectLst/>
-        </p:spPr>
-        <p:txBody>
-          <a:bodyPr vert="horz" wrap="square" lIns="91440" tIns="45720" rIns="91440" bIns="45720" numCol="1" rtlCol="0" anchor="ctr" anchorCtr="1" compatLnSpc="1">
-            <a:prstTxWarp prst="textNoShape">
-              <a:avLst/>
-            </a:prstTxWarp>
-          </a:bodyPr>
-          <a:lstStyle/>
-          <a:p>
-            <a:pPr marL="0" marR="0" indent="0" algn="l" defTabSz="914400" rtl="0" eaLnBrk="0" fontAlgn="base" latinLnBrk="0" hangingPunct="0">
-              <a:lnSpc>
-                <a:spcPct val="100000"/>
-              </a:lnSpc>
-              <a:spcBef>
-                <a:spcPct val="0"/>
-              </a:spcBef>
-              <a:spcAft>
-                <a:spcPct val="0"/>
-              </a:spcAft>
-              <a:buClrTx/>
-              <a:buSzTx/>
-              <a:buFontTx/>
-              <a:buNone/>
-              <a:tabLst/>
-            </a:pPr>
-            <a:r>
-              <a:rPr kumimoji="0" lang="de-DE" sz="2400" b="0" i="0" u="none" strike="noStrike" cap="none" normalizeH="0" baseline="0" dirty="0">
-                <a:ln>
-                  <a:noFill/>
-                </a:ln>
-                <a:solidFill>
-                  <a:schemeClr val="tx1"/>
-                </a:solidFill>
-                <a:effectLst/>
-                <a:latin typeface="+mn-lt"/>
-              </a:rPr>
-              <a:t>v1</a:t>
-            </a:r>
-          </a:p>
-        </p:txBody>
-      </p:sp>
-      <p:sp>
-        <p:nvSpPr>
-          <p:cNvPr id="26" name="Würfel 25">
-            <a:extLst>
-              <a:ext uri="{FF2B5EF4-FFF2-40B4-BE49-F238E27FC236}">
-                <a16:creationId xmlns:a16="http://schemas.microsoft.com/office/drawing/2014/main" id="{6F16EBCD-4845-0242-4317-280F3ABB2C7F}"/>
-              </a:ext>
-            </a:extLst>
-          </p:cNvPr>
-          <p:cNvSpPr/>
-          <p:nvPr/>
-        </p:nvSpPr>
-        <p:spPr bwMode="auto">
-          <a:xfrm>
-            <a:off x="1619672" y="4356729"/>
-            <a:ext cx="843458" cy="1296135"/>
-          </a:xfrm>
-          <a:prstGeom prst="cube">
-            <a:avLst/>
-          </a:prstGeom>
-          <a:solidFill>
-            <a:schemeClr val="accent4">
-              <a:lumMod val="50000"/>
-              <a:lumOff val="50000"/>
-            </a:schemeClr>
-          </a:solidFill>
-          <a:ln w="12700" cap="flat" cmpd="sng" algn="ctr">
-            <a:solidFill>
-              <a:schemeClr val="tx1"/>
-            </a:solidFill>
-            <a:prstDash val="solid"/>
-            <a:round/>
-            <a:headEnd type="none" w="sm" len="sm"/>
-            <a:tailEnd type="none" w="sm" len="sm"/>
-          </a:ln>
-          <a:effectLst/>
-        </p:spPr>
-        <p:txBody>
-          <a:bodyPr vert="horz" wrap="square" lIns="91440" tIns="45720" rIns="91440" bIns="45720" numCol="1" rtlCol="0" anchor="ctr" anchorCtr="1" compatLnSpc="1">
-            <a:prstTxWarp prst="textNoShape">
-              <a:avLst/>
-            </a:prstTxWarp>
-          </a:bodyPr>
-          <a:lstStyle/>
-          <a:p>
-            <a:pPr marL="0" marR="0" indent="0" algn="l" defTabSz="914400" rtl="0" eaLnBrk="0" fontAlgn="base" latinLnBrk="0" hangingPunct="0">
-              <a:lnSpc>
-                <a:spcPct val="100000"/>
-              </a:lnSpc>
-              <a:spcBef>
-                <a:spcPct val="0"/>
-              </a:spcBef>
-              <a:spcAft>
-                <a:spcPct val="0"/>
-              </a:spcAft>
-              <a:buClrTx/>
-              <a:buSzTx/>
-              <a:buFontTx/>
-              <a:buNone/>
-              <a:tabLst/>
-            </a:pPr>
-            <a:r>
-              <a:rPr lang="de-DE" dirty="0">
-                <a:latin typeface="+mn-lt"/>
-              </a:rPr>
-              <a:t>v0</a:t>
-            </a:r>
-            <a:endParaRPr kumimoji="0" lang="de-DE" sz="2400" b="0" i="0" u="none" strike="noStrike" cap="none" normalizeH="0" baseline="0" dirty="0">
-              <a:ln>
-                <a:noFill/>
-              </a:ln>
-              <a:solidFill>
-                <a:schemeClr val="tx1"/>
-              </a:solidFill>
-              <a:effectLst/>
-              <a:latin typeface="+mn-lt"/>
-            </a:endParaRPr>
-          </a:p>
-        </p:txBody>
-      </p:sp>
-      <p:sp>
-        <p:nvSpPr>
-          <p:cNvPr id="27" name="Würfel 26">
-            <a:extLst>
-              <a:ext uri="{FF2B5EF4-FFF2-40B4-BE49-F238E27FC236}">
-                <a16:creationId xmlns:a16="http://schemas.microsoft.com/office/drawing/2014/main" id="{0341CFDE-6963-0AAB-C2B9-976A7DD781D0}"/>
-              </a:ext>
-            </a:extLst>
-          </p:cNvPr>
-          <p:cNvSpPr/>
-          <p:nvPr/>
-        </p:nvSpPr>
-        <p:spPr bwMode="auto">
-          <a:xfrm>
-            <a:off x="899592" y="3717032"/>
-            <a:ext cx="1552952" cy="574896"/>
-          </a:xfrm>
-          <a:prstGeom prst="cube">
-            <a:avLst/>
-          </a:prstGeom>
-          <a:solidFill>
-            <a:schemeClr val="bg1"/>
-          </a:solidFill>
-          <a:ln w="12700" cap="flat" cmpd="sng" algn="ctr">
-            <a:solidFill>
-              <a:schemeClr val="tx1"/>
-            </a:solidFill>
-            <a:prstDash val="solid"/>
-            <a:round/>
-            <a:headEnd type="none" w="sm" len="sm"/>
-            <a:tailEnd type="none" w="sm" len="sm"/>
-          </a:ln>
-          <a:effectLst/>
-        </p:spPr>
-        <p:txBody>
-          <a:bodyPr vert="horz" wrap="square" lIns="91440" tIns="45720" rIns="91440" bIns="45720" numCol="1" rtlCol="0" anchor="t" anchorCtr="0" compatLnSpc="1">
-            <a:prstTxWarp prst="textNoShape">
-              <a:avLst/>
-            </a:prstTxWarp>
-          </a:bodyPr>
-          <a:lstStyle/>
-          <a:p>
-            <a:pPr marL="0" marR="0" indent="0" algn="l" defTabSz="914400" rtl="0" eaLnBrk="0" fontAlgn="base" latinLnBrk="0" hangingPunct="0">
-              <a:lnSpc>
-                <a:spcPct val="100000"/>
-              </a:lnSpc>
-              <a:spcBef>
-                <a:spcPct val="0"/>
-              </a:spcBef>
-              <a:spcAft>
-                <a:spcPct val="0"/>
-              </a:spcAft>
-              <a:buClrTx/>
-              <a:buSzTx/>
-              <a:buFontTx/>
-              <a:buNone/>
-              <a:tabLst/>
-            </a:pPr>
-            <a:r>
-              <a:rPr lang="de-DE" dirty="0">
-                <a:latin typeface="+mn-lt"/>
-              </a:rPr>
-              <a:t>Balancer</a:t>
-            </a:r>
-            <a:endParaRPr kumimoji="0" lang="de-DE" sz="2400" b="0" i="0" u="none" strike="noStrike" cap="none" normalizeH="0" baseline="0" dirty="0">
-              <a:ln>
-                <a:noFill/>
-              </a:ln>
-              <a:solidFill>
-                <a:schemeClr val="tx1"/>
-              </a:solidFill>
-              <a:effectLst/>
-              <a:latin typeface="+mn-lt"/>
-            </a:endParaRPr>
-          </a:p>
-        </p:txBody>
-      </p:sp>
-      <p:cxnSp>
-        <p:nvCxnSpPr>
-          <p:cNvPr id="29" name="Gerade Verbindung mit Pfeil 28">
-            <a:extLst>
-              <a:ext uri="{FF2B5EF4-FFF2-40B4-BE49-F238E27FC236}">
-                <a16:creationId xmlns:a16="http://schemas.microsoft.com/office/drawing/2014/main" id="{2E4BD116-5653-36B1-14AE-187A07726657}"/>
-              </a:ext>
-            </a:extLst>
-          </p:cNvPr>
-          <p:cNvCxnSpPr>
-            <a:cxnSpLocks/>
-            <a:stCxn id="27" idx="3"/>
-            <a:endCxn id="25" idx="1"/>
-          </p:cNvCxnSpPr>
-          <p:nvPr/>
-        </p:nvCxnSpPr>
-        <p:spPr bwMode="auto">
-          <a:xfrm flipH="1">
-            <a:off x="1215889" y="4291928"/>
-            <a:ext cx="388317" cy="284041"/>
-          </a:xfrm>
-          <a:prstGeom prst="straightConnector1">
-            <a:avLst/>
-          </a:prstGeom>
-          <a:solidFill>
-            <a:schemeClr val="accent1"/>
-          </a:solidFill>
-          <a:ln w="12700" cap="flat" cmpd="sng" algn="ctr">
-            <a:solidFill>
-              <a:schemeClr val="tx1"/>
-            </a:solidFill>
-            <a:prstDash val="solid"/>
-            <a:round/>
-            <a:headEnd type="none" w="sm" len="sm"/>
-            <a:tailEnd type="triangle"/>
-          </a:ln>
-          <a:effectLst/>
-        </p:spPr>
-      </p:cxnSp>
-      <p:sp>
-        <p:nvSpPr>
-          <p:cNvPr id="32" name="Rechteck 31">
-            <a:extLst>
-              <a:ext uri="{FF2B5EF4-FFF2-40B4-BE49-F238E27FC236}">
-                <a16:creationId xmlns:a16="http://schemas.microsoft.com/office/drawing/2014/main" id="{0EE688AC-ACC9-E35D-B162-E98089E72BC7}"/>
-              </a:ext>
-            </a:extLst>
-          </p:cNvPr>
-          <p:cNvSpPr/>
-          <p:nvPr/>
-        </p:nvSpPr>
-        <p:spPr bwMode="auto">
-          <a:xfrm>
-            <a:off x="3481561" y="3642352"/>
-            <a:ext cx="2160240" cy="2160240"/>
-          </a:xfrm>
-          <a:prstGeom prst="rect">
-            <a:avLst/>
-          </a:prstGeom>
-          <a:solidFill>
-            <a:schemeClr val="bg1"/>
-          </a:solidFill>
-          <a:ln w="12700" cap="flat" cmpd="sng" algn="ctr">
-            <a:solidFill>
-              <a:schemeClr val="tx1"/>
-            </a:solidFill>
-            <a:prstDash val="solid"/>
-            <a:round/>
-            <a:headEnd type="none" w="sm" len="sm"/>
-            <a:tailEnd type="none" w="sm" len="sm"/>
-          </a:ln>
-          <a:effectLst/>
-        </p:spPr>
-        <p:txBody>
-          <a:bodyPr vert="horz" wrap="square" lIns="91440" tIns="45720" rIns="91440" bIns="45720" numCol="1" rtlCol="0" anchor="b" anchorCtr="0" compatLnSpc="1">
-            <a:prstTxWarp prst="textNoShape">
-              <a:avLst/>
-            </a:prstTxWarp>
-          </a:bodyPr>
-          <a:lstStyle/>
-          <a:p>
-            <a:pPr marL="0" marR="0" indent="0" algn="l" defTabSz="914400" rtl="0" eaLnBrk="0" fontAlgn="base" latinLnBrk="0" hangingPunct="0">
-              <a:lnSpc>
-                <a:spcPct val="100000"/>
-              </a:lnSpc>
-              <a:spcBef>
-                <a:spcPct val="0"/>
-              </a:spcBef>
-              <a:spcAft>
-                <a:spcPct val="0"/>
-              </a:spcAft>
-              <a:buClrTx/>
-              <a:buSzTx/>
-              <a:buFontTx/>
-              <a:buNone/>
-              <a:tabLst/>
-            </a:pPr>
-            <a:endParaRPr kumimoji="0" lang="de-DE" sz="2400" b="0" i="0" u="none" strike="noStrike" cap="none" normalizeH="0" baseline="0" dirty="0">
-              <a:ln>
-                <a:noFill/>
-              </a:ln>
-              <a:solidFill>
-                <a:schemeClr val="tx1"/>
-              </a:solidFill>
-              <a:effectLst/>
-              <a:latin typeface="+mn-lt"/>
-            </a:endParaRPr>
-          </a:p>
-        </p:txBody>
-      </p:sp>
-      <p:sp>
-        <p:nvSpPr>
-          <p:cNvPr id="33" name="Würfel 32">
-            <a:extLst>
-              <a:ext uri="{FF2B5EF4-FFF2-40B4-BE49-F238E27FC236}">
-                <a16:creationId xmlns:a16="http://schemas.microsoft.com/office/drawing/2014/main" id="{5F2B0679-030D-E48D-0C3D-69A94589EB2B}"/>
-              </a:ext>
-            </a:extLst>
-          </p:cNvPr>
-          <p:cNvSpPr/>
-          <p:nvPr/>
-        </p:nvSpPr>
-        <p:spPr bwMode="auto">
-          <a:xfrm>
-            <a:off x="3769593" y="4362432"/>
-            <a:ext cx="843458" cy="1296135"/>
-          </a:xfrm>
-          <a:prstGeom prst="cube">
-            <a:avLst/>
-          </a:prstGeom>
-          <a:solidFill>
-            <a:srgbClr val="FF0000"/>
-          </a:solidFill>
-          <a:ln w="12700" cap="flat" cmpd="sng" algn="ctr">
-            <a:solidFill>
-              <a:schemeClr val="tx1"/>
-            </a:solidFill>
-            <a:prstDash val="solid"/>
-            <a:round/>
-            <a:headEnd type="none" w="sm" len="sm"/>
-            <a:tailEnd type="none" w="sm" len="sm"/>
-          </a:ln>
-          <a:effectLst/>
-        </p:spPr>
-        <p:txBody>
-          <a:bodyPr vert="horz" wrap="square" lIns="91440" tIns="45720" rIns="91440" bIns="45720" numCol="1" rtlCol="0" anchor="ctr" anchorCtr="1" compatLnSpc="1">
-            <a:prstTxWarp prst="textNoShape">
-              <a:avLst/>
-            </a:prstTxWarp>
-          </a:bodyPr>
-          <a:lstStyle/>
-          <a:p>
-            <a:pPr marL="0" marR="0" indent="0" algn="l" defTabSz="914400" rtl="0" eaLnBrk="0" fontAlgn="base" latinLnBrk="0" hangingPunct="0">
-              <a:lnSpc>
-                <a:spcPct val="100000"/>
-              </a:lnSpc>
-              <a:spcBef>
-                <a:spcPct val="0"/>
-              </a:spcBef>
-              <a:spcAft>
-                <a:spcPct val="0"/>
-              </a:spcAft>
-              <a:buClrTx/>
-              <a:buSzTx/>
-              <a:buFontTx/>
-              <a:buNone/>
-              <a:tabLst/>
-            </a:pPr>
-            <a:r>
-              <a:rPr kumimoji="0" lang="de-DE" sz="2400" b="0" i="0" u="none" strike="noStrike" cap="none" normalizeH="0" baseline="0" dirty="0">
-                <a:ln>
-                  <a:noFill/>
-                </a:ln>
-                <a:solidFill>
-                  <a:schemeClr val="tx1"/>
-                </a:solidFill>
-                <a:effectLst/>
-                <a:latin typeface="+mn-lt"/>
-              </a:rPr>
-              <a:t>v1</a:t>
-            </a:r>
-          </a:p>
-        </p:txBody>
-      </p:sp>
-      <p:sp>
-        <p:nvSpPr>
-          <p:cNvPr id="34" name="Würfel 33">
-            <a:extLst>
-              <a:ext uri="{FF2B5EF4-FFF2-40B4-BE49-F238E27FC236}">
-                <a16:creationId xmlns:a16="http://schemas.microsoft.com/office/drawing/2014/main" id="{C5878FD4-F864-5C52-5AAD-53F7209DB3F9}"/>
-              </a:ext>
-            </a:extLst>
-          </p:cNvPr>
-          <p:cNvSpPr/>
-          <p:nvPr/>
-        </p:nvSpPr>
-        <p:spPr bwMode="auto">
-          <a:xfrm>
-            <a:off x="4489673" y="4354057"/>
-            <a:ext cx="843458" cy="1296135"/>
-          </a:xfrm>
-          <a:prstGeom prst="cube">
-            <a:avLst/>
-          </a:prstGeom>
-          <a:solidFill>
-            <a:schemeClr val="accent4">
-              <a:lumMod val="50000"/>
-              <a:lumOff val="50000"/>
-            </a:schemeClr>
-          </a:solidFill>
-          <a:ln w="12700" cap="flat" cmpd="sng" algn="ctr">
-            <a:solidFill>
-              <a:schemeClr val="tx1"/>
-            </a:solidFill>
-            <a:prstDash val="solid"/>
-            <a:round/>
-            <a:headEnd type="none" w="sm" len="sm"/>
-            <a:tailEnd type="none" w="sm" len="sm"/>
-          </a:ln>
-          <a:effectLst/>
-        </p:spPr>
-        <p:txBody>
-          <a:bodyPr vert="horz" wrap="square" lIns="91440" tIns="45720" rIns="91440" bIns="45720" numCol="1" rtlCol="0" anchor="ctr" anchorCtr="1" compatLnSpc="1">
-            <a:prstTxWarp prst="textNoShape">
-              <a:avLst/>
-            </a:prstTxWarp>
-          </a:bodyPr>
-          <a:lstStyle/>
-          <a:p>
-            <a:pPr marL="0" marR="0" indent="0" algn="l" defTabSz="914400" rtl="0" eaLnBrk="0" fontAlgn="base" latinLnBrk="0" hangingPunct="0">
-              <a:lnSpc>
-                <a:spcPct val="100000"/>
-              </a:lnSpc>
-              <a:spcBef>
-                <a:spcPct val="0"/>
-              </a:spcBef>
-              <a:spcAft>
-                <a:spcPct val="0"/>
-              </a:spcAft>
-              <a:buClrTx/>
-              <a:buSzTx/>
-              <a:buFontTx/>
-              <a:buNone/>
-              <a:tabLst/>
-            </a:pPr>
-            <a:r>
-              <a:rPr lang="de-DE" dirty="0">
-                <a:latin typeface="+mn-lt"/>
-              </a:rPr>
-              <a:t>v2</a:t>
-            </a:r>
-            <a:endParaRPr kumimoji="0" lang="de-DE" sz="2400" b="0" i="0" u="none" strike="noStrike" cap="none" normalizeH="0" baseline="0" dirty="0">
-              <a:ln>
-                <a:noFill/>
-              </a:ln>
-              <a:solidFill>
-                <a:schemeClr val="tx1"/>
-              </a:solidFill>
-              <a:effectLst/>
-              <a:latin typeface="+mn-lt"/>
-            </a:endParaRPr>
-          </a:p>
-        </p:txBody>
-      </p:sp>
-      <p:sp>
-        <p:nvSpPr>
-          <p:cNvPr id="35" name="Würfel 34">
-            <a:extLst>
-              <a:ext uri="{FF2B5EF4-FFF2-40B4-BE49-F238E27FC236}">
-                <a16:creationId xmlns:a16="http://schemas.microsoft.com/office/drawing/2014/main" id="{24C43D68-B69D-5E39-90CC-68B572C56C7F}"/>
-              </a:ext>
-            </a:extLst>
-          </p:cNvPr>
-          <p:cNvSpPr/>
-          <p:nvPr/>
-        </p:nvSpPr>
-        <p:spPr bwMode="auto">
-          <a:xfrm>
-            <a:off x="3769593" y="3714360"/>
-            <a:ext cx="1552952" cy="574896"/>
-          </a:xfrm>
-          <a:prstGeom prst="cube">
-            <a:avLst/>
-          </a:prstGeom>
-          <a:solidFill>
-            <a:schemeClr val="bg1"/>
-          </a:solidFill>
-          <a:ln w="12700" cap="flat" cmpd="sng" algn="ctr">
-            <a:solidFill>
-              <a:schemeClr val="tx1"/>
-            </a:solidFill>
-            <a:prstDash val="solid"/>
-            <a:round/>
-            <a:headEnd type="none" w="sm" len="sm"/>
-            <a:tailEnd type="none" w="sm" len="sm"/>
-          </a:ln>
-          <a:effectLst/>
-        </p:spPr>
-        <p:txBody>
-          <a:bodyPr vert="horz" wrap="square" lIns="91440" tIns="45720" rIns="91440" bIns="45720" numCol="1" rtlCol="0" anchor="t" anchorCtr="0" compatLnSpc="1">
-            <a:prstTxWarp prst="textNoShape">
-              <a:avLst/>
-            </a:prstTxWarp>
-          </a:bodyPr>
-          <a:lstStyle/>
-          <a:p>
-            <a:pPr marL="0" marR="0" indent="0" algn="l" defTabSz="914400" rtl="0" eaLnBrk="0" fontAlgn="base" latinLnBrk="0" hangingPunct="0">
-              <a:lnSpc>
-                <a:spcPct val="100000"/>
-              </a:lnSpc>
-              <a:spcBef>
-                <a:spcPct val="0"/>
-              </a:spcBef>
-              <a:spcAft>
-                <a:spcPct val="0"/>
-              </a:spcAft>
-              <a:buClrTx/>
-              <a:buSzTx/>
-              <a:buFontTx/>
-              <a:buNone/>
-              <a:tabLst/>
-            </a:pPr>
-            <a:r>
-              <a:rPr lang="de-DE" dirty="0">
-                <a:latin typeface="+mn-lt"/>
-              </a:rPr>
-              <a:t>Balancer</a:t>
-            </a:r>
-            <a:endParaRPr kumimoji="0" lang="de-DE" sz="2400" b="0" i="0" u="none" strike="noStrike" cap="none" normalizeH="0" baseline="0" dirty="0">
-              <a:ln>
-                <a:noFill/>
-              </a:ln>
-              <a:solidFill>
-                <a:schemeClr val="tx1"/>
-              </a:solidFill>
-              <a:effectLst/>
-              <a:latin typeface="+mn-lt"/>
-            </a:endParaRPr>
-          </a:p>
-        </p:txBody>
-      </p:sp>
-      <p:cxnSp>
-        <p:nvCxnSpPr>
-          <p:cNvPr id="36" name="Gerade Verbindung mit Pfeil 35">
-            <a:extLst>
-              <a:ext uri="{FF2B5EF4-FFF2-40B4-BE49-F238E27FC236}">
-                <a16:creationId xmlns:a16="http://schemas.microsoft.com/office/drawing/2014/main" id="{B9D49564-6AF5-B2E4-DE9B-07DF49117430}"/>
-              </a:ext>
-            </a:extLst>
-          </p:cNvPr>
-          <p:cNvCxnSpPr>
-            <a:cxnSpLocks/>
-            <a:stCxn id="35" idx="3"/>
-            <a:endCxn id="33" idx="1"/>
-          </p:cNvCxnSpPr>
-          <p:nvPr/>
-        </p:nvCxnSpPr>
-        <p:spPr bwMode="auto">
-          <a:xfrm flipH="1">
-            <a:off x="4085890" y="4289256"/>
-            <a:ext cx="388317" cy="284041"/>
-          </a:xfrm>
-          <a:prstGeom prst="straightConnector1">
-            <a:avLst/>
-          </a:prstGeom>
-          <a:solidFill>
-            <a:schemeClr val="accent1"/>
-          </a:solidFill>
-          <a:ln w="12700" cap="flat" cmpd="sng" algn="ctr">
-            <a:solidFill>
-              <a:schemeClr val="tx1"/>
-            </a:solidFill>
-            <a:prstDash val="solid"/>
-            <a:round/>
-            <a:headEnd type="none" w="sm" len="sm"/>
-            <a:tailEnd type="triangle"/>
-          </a:ln>
-          <a:effectLst/>
-        </p:spPr>
-      </p:cxnSp>
-      <p:sp>
-        <p:nvSpPr>
-          <p:cNvPr id="37" name="Rechteck 36">
-            <a:extLst>
-              <a:ext uri="{FF2B5EF4-FFF2-40B4-BE49-F238E27FC236}">
-                <a16:creationId xmlns:a16="http://schemas.microsoft.com/office/drawing/2014/main" id="{C1F0E66E-C8D6-65A4-D7DE-D7FE8C1E9649}"/>
-              </a:ext>
-            </a:extLst>
-          </p:cNvPr>
-          <p:cNvSpPr/>
-          <p:nvPr/>
-        </p:nvSpPr>
-        <p:spPr bwMode="auto">
-          <a:xfrm>
-            <a:off x="6351562" y="3627488"/>
-            <a:ext cx="2160240" cy="2160240"/>
-          </a:xfrm>
-          <a:prstGeom prst="rect">
-            <a:avLst/>
-          </a:prstGeom>
-          <a:solidFill>
-            <a:schemeClr val="bg1"/>
-          </a:solidFill>
-          <a:ln w="12700" cap="flat" cmpd="sng" algn="ctr">
-            <a:solidFill>
-              <a:schemeClr val="tx1"/>
-            </a:solidFill>
-            <a:prstDash val="solid"/>
-            <a:round/>
-            <a:headEnd type="none" w="sm" len="sm"/>
-            <a:tailEnd type="none" w="sm" len="sm"/>
-          </a:ln>
-          <a:effectLst/>
-        </p:spPr>
-        <p:txBody>
-          <a:bodyPr vert="horz" wrap="square" lIns="91440" tIns="45720" rIns="91440" bIns="45720" numCol="1" rtlCol="0" anchor="b" anchorCtr="0" compatLnSpc="1">
-            <a:prstTxWarp prst="textNoShape">
-              <a:avLst/>
-            </a:prstTxWarp>
-          </a:bodyPr>
-          <a:lstStyle/>
-          <a:p>
-            <a:pPr marL="0" marR="0" indent="0" algn="l" defTabSz="914400" rtl="0" eaLnBrk="0" fontAlgn="base" latinLnBrk="0" hangingPunct="0">
-              <a:lnSpc>
-                <a:spcPct val="100000"/>
-              </a:lnSpc>
-              <a:spcBef>
-                <a:spcPct val="0"/>
-              </a:spcBef>
-              <a:spcAft>
-                <a:spcPct val="0"/>
-              </a:spcAft>
-              <a:buClrTx/>
-              <a:buSzTx/>
-              <a:buFontTx/>
-              <a:buNone/>
-              <a:tabLst/>
-            </a:pPr>
-            <a:endParaRPr kumimoji="0" lang="de-DE" sz="2400" b="0" i="0" u="none" strike="noStrike" cap="none" normalizeH="0" baseline="0" dirty="0">
-              <a:ln>
-                <a:noFill/>
-              </a:ln>
-              <a:solidFill>
-                <a:schemeClr val="tx1"/>
-              </a:solidFill>
-              <a:effectLst/>
-              <a:latin typeface="+mn-lt"/>
-            </a:endParaRPr>
-          </a:p>
-        </p:txBody>
-      </p:sp>
-      <p:sp>
-        <p:nvSpPr>
-          <p:cNvPr id="38" name="Würfel 37">
-            <a:extLst>
-              <a:ext uri="{FF2B5EF4-FFF2-40B4-BE49-F238E27FC236}">
-                <a16:creationId xmlns:a16="http://schemas.microsoft.com/office/drawing/2014/main" id="{2AD0A73B-4B6B-E0A2-F779-1BAD8CCE3BF4}"/>
-              </a:ext>
-            </a:extLst>
-          </p:cNvPr>
-          <p:cNvSpPr/>
-          <p:nvPr/>
-        </p:nvSpPr>
-        <p:spPr bwMode="auto">
-          <a:xfrm>
-            <a:off x="6639594" y="4347568"/>
-            <a:ext cx="843458" cy="1296135"/>
-          </a:xfrm>
-          <a:prstGeom prst="cube">
-            <a:avLst/>
-          </a:prstGeom>
-          <a:solidFill>
-            <a:srgbClr val="FF0000"/>
-          </a:solidFill>
-          <a:ln w="12700" cap="flat" cmpd="sng" algn="ctr">
-            <a:solidFill>
-              <a:schemeClr val="tx1"/>
-            </a:solidFill>
-            <a:prstDash val="solid"/>
-            <a:round/>
-            <a:headEnd type="none" w="sm" len="sm"/>
-            <a:tailEnd type="none" w="sm" len="sm"/>
-          </a:ln>
-          <a:effectLst/>
-        </p:spPr>
-        <p:txBody>
-          <a:bodyPr vert="horz" wrap="square" lIns="91440" tIns="45720" rIns="91440" bIns="45720" numCol="1" rtlCol="0" anchor="ctr" anchorCtr="1" compatLnSpc="1">
-            <a:prstTxWarp prst="textNoShape">
-              <a:avLst/>
-            </a:prstTxWarp>
-          </a:bodyPr>
-          <a:lstStyle/>
-          <a:p>
-            <a:pPr marL="0" marR="0" indent="0" algn="l" defTabSz="914400" rtl="0" eaLnBrk="0" fontAlgn="base" latinLnBrk="0" hangingPunct="0">
-              <a:lnSpc>
-                <a:spcPct val="100000"/>
-              </a:lnSpc>
-              <a:spcBef>
-                <a:spcPct val="0"/>
-              </a:spcBef>
-              <a:spcAft>
-                <a:spcPct val="0"/>
-              </a:spcAft>
-              <a:buClrTx/>
-              <a:buSzTx/>
-              <a:buFontTx/>
-              <a:buNone/>
-              <a:tabLst/>
-            </a:pPr>
-            <a:r>
-              <a:rPr kumimoji="0" lang="de-DE" sz="2400" b="0" i="0" u="none" strike="noStrike" cap="none" normalizeH="0" baseline="0" dirty="0">
-                <a:ln>
-                  <a:noFill/>
-                </a:ln>
-                <a:solidFill>
-                  <a:schemeClr val="tx1"/>
-                </a:solidFill>
-                <a:effectLst/>
-                <a:latin typeface="+mn-lt"/>
-              </a:rPr>
-              <a:t>v1</a:t>
-            </a:r>
-          </a:p>
-        </p:txBody>
-      </p:sp>
-      <p:sp>
-        <p:nvSpPr>
-          <p:cNvPr id="39" name="Würfel 38">
-            <a:extLst>
-              <a:ext uri="{FF2B5EF4-FFF2-40B4-BE49-F238E27FC236}">
-                <a16:creationId xmlns:a16="http://schemas.microsoft.com/office/drawing/2014/main" id="{E9A84FF0-6B30-67A0-DB8E-466F36A38154}"/>
-              </a:ext>
-            </a:extLst>
-          </p:cNvPr>
-          <p:cNvSpPr/>
-          <p:nvPr/>
-        </p:nvSpPr>
-        <p:spPr bwMode="auto">
-          <a:xfrm>
-            <a:off x="7359674" y="4339193"/>
-            <a:ext cx="843458" cy="1296135"/>
-          </a:xfrm>
-          <a:prstGeom prst="cube">
-            <a:avLst/>
-          </a:prstGeom>
-          <a:solidFill>
-            <a:schemeClr val="accent4">
-              <a:lumMod val="50000"/>
-              <a:lumOff val="50000"/>
-            </a:schemeClr>
-          </a:solidFill>
-          <a:ln w="12700" cap="flat" cmpd="sng" algn="ctr">
-            <a:solidFill>
-              <a:schemeClr val="tx1"/>
-            </a:solidFill>
-            <a:prstDash val="solid"/>
-            <a:round/>
-            <a:headEnd type="none" w="sm" len="sm"/>
-            <a:tailEnd type="none" w="sm" len="sm"/>
-          </a:ln>
-          <a:effectLst/>
-        </p:spPr>
-        <p:txBody>
-          <a:bodyPr vert="horz" wrap="square" lIns="91440" tIns="45720" rIns="91440" bIns="45720" numCol="1" rtlCol="0" anchor="ctr" anchorCtr="1" compatLnSpc="1">
-            <a:prstTxWarp prst="textNoShape">
-              <a:avLst/>
-            </a:prstTxWarp>
-          </a:bodyPr>
-          <a:lstStyle/>
-          <a:p>
-            <a:pPr marL="0" marR="0" indent="0" algn="l" defTabSz="914400" rtl="0" eaLnBrk="0" fontAlgn="base" latinLnBrk="0" hangingPunct="0">
-              <a:lnSpc>
-                <a:spcPct val="100000"/>
-              </a:lnSpc>
-              <a:spcBef>
-                <a:spcPct val="0"/>
-              </a:spcBef>
-              <a:spcAft>
-                <a:spcPct val="0"/>
-              </a:spcAft>
-              <a:buClrTx/>
-              <a:buSzTx/>
-              <a:buFontTx/>
-              <a:buNone/>
-              <a:tabLst/>
-            </a:pPr>
-            <a:r>
-              <a:rPr lang="de-DE" dirty="0">
-                <a:latin typeface="+mn-lt"/>
-              </a:rPr>
-              <a:t>v2</a:t>
-            </a:r>
-            <a:endParaRPr kumimoji="0" lang="de-DE" sz="2400" b="0" i="0" u="none" strike="noStrike" cap="none" normalizeH="0" baseline="0" dirty="0">
-              <a:ln>
-                <a:noFill/>
-              </a:ln>
-              <a:solidFill>
-                <a:schemeClr val="tx1"/>
-              </a:solidFill>
-              <a:effectLst/>
-              <a:latin typeface="+mn-lt"/>
-            </a:endParaRPr>
-          </a:p>
-        </p:txBody>
-      </p:sp>
-      <p:sp>
-        <p:nvSpPr>
-          <p:cNvPr id="40" name="Würfel 39">
-            <a:extLst>
-              <a:ext uri="{FF2B5EF4-FFF2-40B4-BE49-F238E27FC236}">
-                <a16:creationId xmlns:a16="http://schemas.microsoft.com/office/drawing/2014/main" id="{302B8E49-5E28-90CB-BCB2-FB0385874CC6}"/>
-              </a:ext>
-            </a:extLst>
-          </p:cNvPr>
-          <p:cNvSpPr/>
-          <p:nvPr/>
-        </p:nvSpPr>
-        <p:spPr bwMode="auto">
-          <a:xfrm>
-            <a:off x="6639594" y="3699496"/>
-            <a:ext cx="1552952" cy="574896"/>
-          </a:xfrm>
-          <a:prstGeom prst="cube">
-            <a:avLst/>
-          </a:prstGeom>
-          <a:solidFill>
-            <a:schemeClr val="bg1"/>
-          </a:solidFill>
-          <a:ln w="12700" cap="flat" cmpd="sng" algn="ctr">
-            <a:solidFill>
-              <a:schemeClr val="tx1"/>
-            </a:solidFill>
-            <a:prstDash val="solid"/>
-            <a:round/>
-            <a:headEnd type="none" w="sm" len="sm"/>
-            <a:tailEnd type="none" w="sm" len="sm"/>
-          </a:ln>
-          <a:effectLst/>
-        </p:spPr>
-        <p:txBody>
-          <a:bodyPr vert="horz" wrap="square" lIns="91440" tIns="45720" rIns="91440" bIns="45720" numCol="1" rtlCol="0" anchor="t" anchorCtr="0" compatLnSpc="1">
-            <a:prstTxWarp prst="textNoShape">
-              <a:avLst/>
-            </a:prstTxWarp>
-          </a:bodyPr>
-          <a:lstStyle/>
-          <a:p>
-            <a:pPr marL="0" marR="0" indent="0" algn="l" defTabSz="914400" rtl="0" eaLnBrk="0" fontAlgn="base" latinLnBrk="0" hangingPunct="0">
-              <a:lnSpc>
-                <a:spcPct val="100000"/>
-              </a:lnSpc>
-              <a:spcBef>
-                <a:spcPct val="0"/>
-              </a:spcBef>
-              <a:spcAft>
-                <a:spcPct val="0"/>
-              </a:spcAft>
-              <a:buClrTx/>
-              <a:buSzTx/>
-              <a:buFontTx/>
-              <a:buNone/>
-              <a:tabLst/>
-            </a:pPr>
-            <a:r>
-              <a:rPr lang="de-DE" dirty="0">
-                <a:latin typeface="+mn-lt"/>
-              </a:rPr>
-              <a:t>Balancer</a:t>
-            </a:r>
-            <a:endParaRPr kumimoji="0" lang="de-DE" sz="2400" b="0" i="0" u="none" strike="noStrike" cap="none" normalizeH="0" baseline="0" dirty="0">
-              <a:ln>
-                <a:noFill/>
-              </a:ln>
-              <a:solidFill>
-                <a:schemeClr val="tx1"/>
-              </a:solidFill>
-              <a:effectLst/>
-              <a:latin typeface="+mn-lt"/>
-            </a:endParaRPr>
-          </a:p>
-        </p:txBody>
-      </p:sp>
-      <p:cxnSp>
-        <p:nvCxnSpPr>
-          <p:cNvPr id="41" name="Gerade Verbindung mit Pfeil 40">
-            <a:extLst>
-              <a:ext uri="{FF2B5EF4-FFF2-40B4-BE49-F238E27FC236}">
-                <a16:creationId xmlns:a16="http://schemas.microsoft.com/office/drawing/2014/main" id="{7E10CAC2-B54F-BBE2-BE39-E0349FAF7087}"/>
-              </a:ext>
-            </a:extLst>
-          </p:cNvPr>
-          <p:cNvCxnSpPr>
-            <a:cxnSpLocks/>
-            <a:stCxn id="40" idx="3"/>
-            <a:endCxn id="39" idx="1"/>
-          </p:cNvCxnSpPr>
-          <p:nvPr/>
-        </p:nvCxnSpPr>
-        <p:spPr bwMode="auto">
-          <a:xfrm>
-            <a:off x="7344208" y="4274392"/>
-            <a:ext cx="331763" cy="275666"/>
-          </a:xfrm>
-          <a:prstGeom prst="straightConnector1">
-            <a:avLst/>
-          </a:prstGeom>
-          <a:solidFill>
-            <a:schemeClr val="accent1"/>
-          </a:solidFill>
-          <a:ln w="12700" cap="flat" cmpd="sng" algn="ctr">
-            <a:solidFill>
-              <a:schemeClr val="tx1"/>
-            </a:solidFill>
-            <a:prstDash val="solid"/>
-            <a:round/>
-            <a:headEnd type="none" w="sm" len="sm"/>
-            <a:tailEnd type="triangle"/>
-          </a:ln>
-          <a:effectLst/>
-        </p:spPr>
-      </p:cxnSp>
-    </p:spTree>
-    <p:extLst>
-      <p:ext uri="{BB962C8B-B14F-4D97-AF65-F5344CB8AC3E}">
-        <p14:creationId xmlns:p14="http://schemas.microsoft.com/office/powerpoint/2010/main" val="2240043917"/>
-      </p:ext>
-    </p:extLst>
-  </p:cSld>
-  <p:clrMapOvr>
-    <a:masterClrMapping/>
-  </p:clrMapOvr>
-</p:sld>
-</file>
-
-<file path=ppt/slides/slide12.xml><?xml version="1.0" encoding="utf-8"?>
+<file path=ppt/slides/slide10.xml><?xml version="1.0" encoding="utf-8"?>
 <p:sld xmlns:a="http://schemas.openxmlformats.org/drawingml/2006/main" xmlns:r="http://schemas.openxmlformats.org/officeDocument/2006/relationships" xmlns:p="http://schemas.openxmlformats.org/presentationml/2006/main">
   <p:cSld>
     <p:spTree>
@@ -7873,7 +6413,7 @@
 </p:sld>
 </file>
 
-<file path=ppt/slides/slide13.xml><?xml version="1.0" encoding="utf-8"?>
+<file path=ppt/slides/slide11.xml><?xml version="1.0" encoding="utf-8"?>
 <p:sld xmlns:a="http://schemas.openxmlformats.org/drawingml/2006/main" xmlns:r="http://schemas.openxmlformats.org/officeDocument/2006/relationships" xmlns:p="http://schemas.openxmlformats.org/presentationml/2006/main">
   <p:cSld>
     <p:spTree>
@@ -8053,7 +6593,7 @@
 </p:sld>
 </file>
 
-<file path=ppt/slides/slide14.xml><?xml version="1.0" encoding="utf-8"?>
+<file path=ppt/slides/slide12.xml><?xml version="1.0" encoding="utf-8"?>
 <p:sld xmlns:a="http://schemas.openxmlformats.org/drawingml/2006/main" xmlns:r="http://schemas.openxmlformats.org/officeDocument/2006/relationships" xmlns:p="http://schemas.openxmlformats.org/presentationml/2006/main">
   <p:cSld>
     <p:spTree>
@@ -9340,7 +7880,7 @@
 </p:sld>
 </file>
 
-<file path=ppt/slides/slide15.xml><?xml version="1.0" encoding="utf-8"?>
+<file path=ppt/slides/slide13.xml><?xml version="1.0" encoding="utf-8"?>
 <p:sld xmlns:a="http://schemas.openxmlformats.org/drawingml/2006/main" xmlns:r="http://schemas.openxmlformats.org/officeDocument/2006/relationships" xmlns:p="http://schemas.openxmlformats.org/presentationml/2006/main">
   <p:cSld>
     <p:spTree>
@@ -9500,7 +8040,7 @@
 </p:sld>
 </file>
 
-<file path=ppt/slides/slide16.xml><?xml version="1.0" encoding="utf-8"?>
+<file path=ppt/slides/slide14.xml><?xml version="1.0" encoding="utf-8"?>
 <p:sld xmlns:a="http://schemas.openxmlformats.org/drawingml/2006/main" xmlns:r="http://schemas.openxmlformats.org/officeDocument/2006/relationships" xmlns:p="http://schemas.openxmlformats.org/presentationml/2006/main">
   <p:cSld>
     <p:spTree>
@@ -9638,7 +8178,7 @@
 </p:sld>
 </file>
 
-<file path=ppt/slides/slide17.xml><?xml version="1.0" encoding="utf-8"?>
+<file path=ppt/slides/slide15.xml><?xml version="1.0" encoding="utf-8"?>
 <p:sld xmlns:a="http://schemas.openxmlformats.org/drawingml/2006/main" xmlns:r="http://schemas.openxmlformats.org/officeDocument/2006/relationships" xmlns:p="http://schemas.openxmlformats.org/presentationml/2006/main">
   <p:cSld>
     <p:spTree>
@@ -9792,7 +8332,7 @@
 </p:sld>
 </file>
 
-<file path=ppt/slides/slide18.xml><?xml version="1.0" encoding="utf-8"?>
+<file path=ppt/slides/slide16.xml><?xml version="1.0" encoding="utf-8"?>
 <p:sld xmlns:a="http://schemas.openxmlformats.org/drawingml/2006/main" xmlns:r="http://schemas.openxmlformats.org/officeDocument/2006/relationships" xmlns:p="http://schemas.openxmlformats.org/presentationml/2006/main">
   <p:cSld>
     <p:spTree>
@@ -10145,7 +8685,7 @@
 </p:sld>
 </file>
 
-<file path=ppt/slides/slide19.xml><?xml version="1.0" encoding="utf-8"?>
+<file path=ppt/slides/slide17.xml><?xml version="1.0" encoding="utf-8"?>
 <p:sld xmlns:a="http://schemas.openxmlformats.org/drawingml/2006/main" xmlns:r="http://schemas.openxmlformats.org/officeDocument/2006/relationships" xmlns:p="http://schemas.openxmlformats.org/presentationml/2006/main">
   <p:cSld>
     <p:spTree>
@@ -10345,413 +8885,7 @@
 </p:sld>
 </file>
 
-<file path=ppt/slides/slide2.xml><?xml version="1.0" encoding="utf-8"?>
-<p:sld xmlns:a="http://schemas.openxmlformats.org/drawingml/2006/main" xmlns:r="http://schemas.openxmlformats.org/officeDocument/2006/relationships" xmlns:p="http://schemas.openxmlformats.org/presentationml/2006/main">
-  <p:cSld>
-    <p:spTree>
-      <p:nvGrpSpPr>
-        <p:cNvPr id="1" name=""/>
-        <p:cNvGrpSpPr/>
-        <p:nvPr/>
-      </p:nvGrpSpPr>
-      <p:grpSpPr>
-        <a:xfrm>
-          <a:off x="0" y="0"/>
-          <a:ext cx="0" cy="0"/>
-          <a:chOff x="0" y="0"/>
-          <a:chExt cx="0" cy="0"/>
-        </a:xfrm>
-      </p:grpSpPr>
-      <p:sp>
-        <p:nvSpPr>
-          <p:cNvPr id="6146" name="Inhaltsplatzhalter 18">
-            <a:extLst>
-              <a:ext uri="{FF2B5EF4-FFF2-40B4-BE49-F238E27FC236}">
-                <a16:creationId xmlns:a16="http://schemas.microsoft.com/office/drawing/2014/main" id="{BE3C4C95-FD5D-27F0-ED0C-AB8113CAC9F1}"/>
-              </a:ext>
-            </a:extLst>
-          </p:cNvPr>
-          <p:cNvSpPr>
-            <a:spLocks noGrp="1"/>
-          </p:cNvSpPr>
-          <p:nvPr>
-            <p:ph idx="1"/>
-          </p:nvPr>
-        </p:nvSpPr>
-        <p:spPr/>
-        <p:txBody>
-          <a:bodyPr/>
-          <a:lstStyle/>
-          <a:p>
-            <a:pPr>
-              <a:buFont typeface="Arial" panose="020B0604020202020204" pitchFamily="34" charset="0"/>
-              <a:buChar char="•"/>
-            </a:pPr>
-            <a:r>
-              <a:rPr lang="de-DE" altLang="de-DE" sz="1800" b="1" dirty="0"/>
-              <a:t>Tag 1 – Einführung in </a:t>
-            </a:r>
-            <a:r>
-              <a:rPr lang="de-DE" altLang="de-DE" sz="1800" b="1" dirty="0" err="1"/>
-              <a:t>Git</a:t>
-            </a:r>
-            <a:r>
-              <a:rPr lang="de-DE" altLang="de-DE" sz="1800" b="1" dirty="0"/>
-              <a:t> und </a:t>
-            </a:r>
-            <a:r>
-              <a:rPr lang="de-DE" altLang="de-DE" sz="1800" b="1" dirty="0" err="1"/>
-              <a:t>GitLab</a:t>
-            </a:r>
-            <a:endParaRPr lang="de-DE" altLang="de-DE" sz="1800" b="1" dirty="0"/>
-          </a:p>
-          <a:p>
-            <a:pPr lvl="1">
-              <a:buFont typeface="Arial" panose="020B0604020202020204" pitchFamily="34" charset="0"/>
-              <a:buChar char="•"/>
-            </a:pPr>
-            <a:r>
-              <a:rPr lang="de-DE" altLang="de-DE" sz="1400" dirty="0"/>
-              <a:t>Einführung &amp; Kursüberblick</a:t>
-            </a:r>
-          </a:p>
-          <a:p>
-            <a:pPr lvl="1">
-              <a:buFont typeface="Arial" panose="020B0604020202020204" pitchFamily="34" charset="0"/>
-              <a:buChar char="•"/>
-            </a:pPr>
-            <a:r>
-              <a:rPr lang="de-DE" altLang="de-DE" sz="1400" dirty="0"/>
-              <a:t>Grundlagen von </a:t>
-            </a:r>
-            <a:r>
-              <a:rPr lang="de-DE" altLang="de-DE" sz="1400" dirty="0" err="1"/>
-              <a:t>Git</a:t>
-            </a:r>
-            <a:endParaRPr lang="de-DE" altLang="de-DE" sz="1400" dirty="0"/>
-          </a:p>
-          <a:p>
-            <a:pPr lvl="1">
-              <a:buFont typeface="Arial" panose="020B0604020202020204" pitchFamily="34" charset="0"/>
-              <a:buChar char="•"/>
-            </a:pPr>
-            <a:r>
-              <a:rPr lang="de-DE" altLang="de-DE" sz="1400" dirty="0" err="1"/>
-              <a:t>Git</a:t>
-            </a:r>
-            <a:r>
-              <a:rPr lang="de-DE" altLang="de-DE" sz="1400" dirty="0"/>
-              <a:t> </a:t>
-            </a:r>
-            <a:r>
-              <a:rPr lang="de-DE" altLang="de-DE" sz="1400" dirty="0" err="1"/>
-              <a:t>Rebase</a:t>
-            </a:r>
-            <a:r>
-              <a:rPr lang="de-DE" altLang="de-DE" sz="1400" dirty="0"/>
-              <a:t> und </a:t>
-            </a:r>
-            <a:r>
-              <a:rPr lang="de-DE" altLang="de-DE" sz="1400" dirty="0" err="1"/>
-              <a:t>Merge</a:t>
-            </a:r>
-            <a:r>
-              <a:rPr lang="de-DE" altLang="de-DE" sz="1400" dirty="0"/>
-              <a:t>-Strategien</a:t>
-            </a:r>
-          </a:p>
-          <a:p>
-            <a:pPr lvl="1">
-              <a:buFont typeface="Arial" panose="020B0604020202020204" pitchFamily="34" charset="0"/>
-              <a:buChar char="•"/>
-            </a:pPr>
-            <a:r>
-              <a:rPr lang="de-DE" altLang="de-DE" sz="1400" dirty="0" err="1"/>
-              <a:t>Git</a:t>
-            </a:r>
-            <a:r>
-              <a:rPr lang="de-DE" altLang="de-DE" sz="1400" dirty="0"/>
-              <a:t> Remote</a:t>
-            </a:r>
-          </a:p>
-          <a:p>
-            <a:pPr lvl="1">
-              <a:buFont typeface="Arial" panose="020B0604020202020204" pitchFamily="34" charset="0"/>
-              <a:buChar char="•"/>
-            </a:pPr>
-            <a:r>
-              <a:rPr lang="de-DE" altLang="de-DE" sz="1400" dirty="0"/>
-              <a:t>Grundlagen von </a:t>
-            </a:r>
-            <a:r>
-              <a:rPr lang="de-DE" altLang="de-DE" sz="1400" dirty="0" err="1"/>
-              <a:t>GitLab</a:t>
-            </a:r>
-            <a:endParaRPr lang="de-DE" altLang="de-DE" sz="1400" dirty="0"/>
-          </a:p>
-          <a:p>
-            <a:pPr>
-              <a:buFont typeface="Arial" panose="020B0604020202020204" pitchFamily="34" charset="0"/>
-              <a:buChar char="•"/>
-            </a:pPr>
-            <a:r>
-              <a:rPr lang="de-DE" altLang="de-DE" sz="1800" b="1" dirty="0"/>
-              <a:t>Tag 2 – </a:t>
-            </a:r>
-            <a:r>
-              <a:rPr lang="de-DE" altLang="de-DE" sz="1800" b="1" dirty="0" err="1"/>
-              <a:t>Git</a:t>
-            </a:r>
-            <a:r>
-              <a:rPr lang="de-DE" altLang="de-DE" sz="1800" b="1" dirty="0"/>
-              <a:t>-Workflows, CI/CD, </a:t>
-            </a:r>
-            <a:r>
-              <a:rPr lang="de-DE" altLang="de-DE" sz="1800" b="1" dirty="0" err="1"/>
-              <a:t>GitLab</a:t>
-            </a:r>
-            <a:r>
-              <a:rPr lang="de-DE" altLang="de-DE" sz="1800" b="1" dirty="0"/>
-              <a:t> CI </a:t>
-            </a:r>
-          </a:p>
-          <a:p>
-            <a:pPr lvl="1">
-              <a:buFont typeface="Arial" panose="020B0604020202020204" pitchFamily="34" charset="0"/>
-              <a:buChar char="•"/>
-            </a:pPr>
-            <a:r>
-              <a:rPr lang="de-DE" altLang="de-DE" sz="1400" dirty="0" err="1"/>
-              <a:t>Git</a:t>
-            </a:r>
-            <a:r>
-              <a:rPr lang="de-DE" altLang="de-DE" sz="1400" dirty="0"/>
-              <a:t>-Workflow im Team</a:t>
-            </a:r>
-          </a:p>
-          <a:p>
-            <a:pPr lvl="1">
-              <a:buFont typeface="Arial" panose="020B0604020202020204" pitchFamily="34" charset="0"/>
-              <a:buChar char="•"/>
-            </a:pPr>
-            <a:r>
-              <a:rPr lang="de-DE" altLang="de-DE" sz="1400" dirty="0" err="1"/>
-              <a:t>Gitflow</a:t>
-            </a:r>
-            <a:r>
-              <a:rPr lang="de-DE" altLang="de-DE" sz="1400" dirty="0"/>
-              <a:t>-Workflow</a:t>
-            </a:r>
-          </a:p>
-          <a:p>
-            <a:pPr lvl="1">
-              <a:buFont typeface="Arial" panose="020B0604020202020204" pitchFamily="34" charset="0"/>
-              <a:buChar char="•"/>
-            </a:pPr>
-            <a:r>
-              <a:rPr lang="de-DE" altLang="de-DE" sz="1400" dirty="0"/>
-              <a:t>Tags, Releases &amp; deren Verwaltung</a:t>
-            </a:r>
-          </a:p>
-          <a:p>
-            <a:pPr lvl="1">
-              <a:buFont typeface="Arial" panose="020B0604020202020204" pitchFamily="34" charset="0"/>
-              <a:buChar char="•"/>
-            </a:pPr>
-            <a:r>
-              <a:rPr lang="de-DE" altLang="de-DE" sz="1400" dirty="0"/>
-              <a:t>Einführung in </a:t>
-            </a:r>
-            <a:r>
-              <a:rPr lang="de-DE" altLang="de-DE" sz="1400" dirty="0" err="1"/>
-              <a:t>GitLab</a:t>
-            </a:r>
-            <a:r>
-              <a:rPr lang="de-DE" altLang="de-DE" sz="1400" dirty="0"/>
-              <a:t> CI/CD &amp; </a:t>
-            </a:r>
-            <a:r>
-              <a:rPr lang="de-DE" altLang="de-DE" sz="1400" dirty="0" err="1"/>
-              <a:t>gitlab-ci.yml</a:t>
-            </a:r>
-            <a:endParaRPr lang="de-DE" altLang="de-DE" sz="1400" dirty="0"/>
-          </a:p>
-          <a:p>
-            <a:pPr lvl="1">
-              <a:buFont typeface="Arial" panose="020B0604020202020204" pitchFamily="34" charset="0"/>
-              <a:buChar char="•"/>
-            </a:pPr>
-            <a:r>
-              <a:rPr lang="de-DE" altLang="de-DE" sz="1400" dirty="0" err="1"/>
-              <a:t>GitLab</a:t>
-            </a:r>
-            <a:r>
-              <a:rPr lang="de-DE" altLang="de-DE" sz="1400" dirty="0"/>
-              <a:t> Runner</a:t>
-            </a:r>
-          </a:p>
-          <a:p>
-            <a:pPr>
-              <a:buFont typeface="Arial" panose="020B0604020202020204" pitchFamily="34" charset="0"/>
-              <a:buChar char="•"/>
-            </a:pPr>
-            <a:r>
-              <a:rPr lang="de-DE" altLang="de-DE" sz="1800" b="1" dirty="0"/>
-              <a:t>Tag 3 – Docker, </a:t>
-            </a:r>
-            <a:r>
-              <a:rPr lang="de-DE" altLang="de-DE" sz="1800" b="1" dirty="0" err="1"/>
-              <a:t>GitOps</a:t>
-            </a:r>
-            <a:r>
-              <a:rPr lang="de-DE" altLang="de-DE" sz="1800" b="1" dirty="0"/>
-              <a:t>, </a:t>
-            </a:r>
-            <a:r>
-              <a:rPr lang="de-DE" altLang="de-DE" sz="1800" b="1" dirty="0" err="1"/>
-              <a:t>Deployment</a:t>
-            </a:r>
-            <a:r>
-              <a:rPr lang="de-DE" altLang="de-DE" sz="1800" b="1" dirty="0"/>
-              <a:t>-Strategien</a:t>
-            </a:r>
-          </a:p>
-          <a:p>
-            <a:pPr lvl="1">
-              <a:buFont typeface="Arial" panose="020B0604020202020204" pitchFamily="34" charset="0"/>
-              <a:buChar char="•"/>
-            </a:pPr>
-            <a:r>
-              <a:rPr lang="de-DE" altLang="de-DE" sz="1400" dirty="0"/>
-              <a:t>Entwicklung mit Docker</a:t>
-            </a:r>
-          </a:p>
-          <a:p>
-            <a:pPr lvl="1">
-              <a:buFont typeface="Arial" panose="020B0604020202020204" pitchFamily="34" charset="0"/>
-              <a:buChar char="•"/>
-            </a:pPr>
-            <a:r>
-              <a:rPr lang="de-DE" altLang="de-DE" sz="1400" dirty="0"/>
-              <a:t>Container/Docker-Registry</a:t>
-            </a:r>
-          </a:p>
-          <a:p>
-            <a:pPr lvl="1">
-              <a:buFont typeface="Arial" panose="020B0604020202020204" pitchFamily="34" charset="0"/>
-              <a:buChar char="•"/>
-            </a:pPr>
-            <a:r>
-              <a:rPr lang="de-DE" altLang="de-DE" sz="1400" dirty="0"/>
-              <a:t>Erstellen von Release- und </a:t>
-            </a:r>
-            <a:r>
-              <a:rPr lang="de-DE" altLang="de-DE" sz="1400" dirty="0" err="1"/>
-              <a:t>Tagged</a:t>
-            </a:r>
-            <a:r>
-              <a:rPr lang="de-DE" altLang="de-DE" sz="1400" dirty="0"/>
-              <a:t>-Images</a:t>
-            </a:r>
-          </a:p>
-          <a:p>
-            <a:pPr lvl="1">
-              <a:buFont typeface="Arial" panose="020B0604020202020204" pitchFamily="34" charset="0"/>
-              <a:buChar char="•"/>
-            </a:pPr>
-            <a:r>
-              <a:rPr lang="de-DE" altLang="de-DE" sz="1400" dirty="0" err="1"/>
-              <a:t>GitOps</a:t>
-            </a:r>
-            <a:r>
-              <a:rPr lang="de-DE" altLang="de-DE" sz="1400" dirty="0"/>
-              <a:t> Grundlagen</a:t>
-            </a:r>
-          </a:p>
-          <a:p>
-            <a:pPr lvl="1">
-              <a:buFont typeface="Arial" panose="020B0604020202020204" pitchFamily="34" charset="0"/>
-              <a:buChar char="•"/>
-            </a:pPr>
-            <a:r>
-              <a:rPr lang="de-DE" altLang="de-DE" sz="1400" dirty="0"/>
-              <a:t>Möglichkeiten des </a:t>
-            </a:r>
-            <a:r>
-              <a:rPr lang="de-DE" altLang="de-DE" sz="1400" dirty="0" err="1"/>
-              <a:t>Deployments</a:t>
-            </a:r>
-            <a:r>
-              <a:rPr lang="de-DE" altLang="de-DE" sz="1400" dirty="0"/>
-              <a:t> &amp; Verwaltung von Konfiguration</a:t>
-            </a:r>
-          </a:p>
-          <a:p>
-            <a:pPr lvl="1">
-              <a:buFont typeface="Arial" panose="020B0604020202020204" pitchFamily="34" charset="0"/>
-              <a:buChar char="•"/>
-            </a:pPr>
-            <a:r>
-              <a:rPr lang="de-DE" altLang="de-DE" sz="1400" dirty="0"/>
-              <a:t>Abschlussübung &amp; Diskussion</a:t>
-            </a:r>
-          </a:p>
-          <a:p>
-            <a:pPr lvl="1">
-              <a:buFont typeface="Arial" panose="020B0604020202020204" pitchFamily="34" charset="0"/>
-              <a:buChar char="•"/>
-            </a:pPr>
-            <a:endParaRPr lang="de-DE" altLang="de-DE" sz="1400" dirty="0"/>
-          </a:p>
-        </p:txBody>
-      </p:sp>
-      <p:sp>
-        <p:nvSpPr>
-          <p:cNvPr id="6147" name="Rectangle 1062">
-            <a:extLst>
-              <a:ext uri="{FF2B5EF4-FFF2-40B4-BE49-F238E27FC236}">
-                <a16:creationId xmlns:a16="http://schemas.microsoft.com/office/drawing/2014/main" id="{C46E9340-3256-8D55-A265-94F2F41E288E}"/>
-              </a:ext>
-            </a:extLst>
-          </p:cNvPr>
-          <p:cNvSpPr>
-            <a:spLocks noGrp="1" noChangeArrowheads="1"/>
-          </p:cNvSpPr>
-          <p:nvPr>
-            <p:ph type="title"/>
-          </p:nvPr>
-        </p:nvSpPr>
-        <p:spPr>
-          <a:xfrm>
-            <a:off x="285750" y="142875"/>
-            <a:ext cx="5654675" cy="706438"/>
-          </a:xfrm>
-        </p:spPr>
-        <p:txBody>
-          <a:bodyPr/>
-          <a:lstStyle/>
-          <a:p>
-            <a:r>
-              <a:rPr lang="de-DE" altLang="de-DE" dirty="0"/>
-              <a:t>Agenda</a:t>
-            </a:r>
-          </a:p>
-        </p:txBody>
-      </p:sp>
-    </p:spTree>
-    <p:extLst>
-      <p:ext uri="{BB962C8B-B14F-4D97-AF65-F5344CB8AC3E}">
-        <p14:creationId xmlns:p14="http://schemas.microsoft.com/office/powerpoint/2010/main" val="3781715788"/>
-      </p:ext>
-    </p:extLst>
-  </p:cSld>
-  <p:clrMapOvr>
-    <a:masterClrMapping/>
-  </p:clrMapOvr>
-</p:sld>
-</file>
-
-<file path=ppt/slides/slide20.xml><?xml version="1.0" encoding="utf-8"?>
+<file path=ppt/slides/slide18.xml><?xml version="1.0" encoding="utf-8"?>
 <p:sld xmlns:a="http://schemas.openxmlformats.org/drawingml/2006/main" xmlns:r="http://schemas.openxmlformats.org/officeDocument/2006/relationships" xmlns:p="http://schemas.openxmlformats.org/presentationml/2006/main">
   <p:cSld>
     <p:spTree>
@@ -11304,7 +9438,7 @@
 </p:sld>
 </file>
 
-<file path=ppt/slides/slide21.xml><?xml version="1.0" encoding="utf-8"?>
+<file path=ppt/slides/slide19.xml><?xml version="1.0" encoding="utf-8"?>
 <p:sld xmlns:a="http://schemas.openxmlformats.org/drawingml/2006/main" xmlns:r="http://schemas.openxmlformats.org/officeDocument/2006/relationships" xmlns:p="http://schemas.openxmlformats.org/presentationml/2006/main">
   <p:cSld>
     <p:spTree>
@@ -11497,7 +9631,7 @@
 </p:sld>
 </file>
 
-<file path=ppt/slides/slide3.xml><?xml version="1.0" encoding="utf-8"?>
+<file path=ppt/slides/slide2.xml><?xml version="1.0" encoding="utf-8"?>
 <p:sld xmlns:a="http://schemas.openxmlformats.org/drawingml/2006/main" xmlns:r="http://schemas.openxmlformats.org/officeDocument/2006/relationships" xmlns:p="http://schemas.openxmlformats.org/presentationml/2006/main">
   <p:cSld>
     <p:spTree>
@@ -11516,412 +9650,6 @@
       </p:grpSpPr>
       <p:sp>
         <p:nvSpPr>
-          <p:cNvPr id="6146" name="Inhaltsplatzhalter 18">
-            <a:extLst>
-              <a:ext uri="{FF2B5EF4-FFF2-40B4-BE49-F238E27FC236}">
-                <a16:creationId xmlns:a16="http://schemas.microsoft.com/office/drawing/2014/main" id="{BE3C4C95-FD5D-27F0-ED0C-AB8113CAC9F1}"/>
-              </a:ext>
-            </a:extLst>
-          </p:cNvPr>
-          <p:cNvSpPr>
-            <a:spLocks noGrp="1"/>
-          </p:cNvSpPr>
-          <p:nvPr>
-            <p:ph idx="1"/>
-          </p:nvPr>
-        </p:nvSpPr>
-        <p:spPr/>
-        <p:txBody>
-          <a:bodyPr/>
-          <a:lstStyle/>
-          <a:p>
-            <a:pPr>
-              <a:buFont typeface="Arial" panose="020B0604020202020204" pitchFamily="34" charset="0"/>
-              <a:buChar char="•"/>
-            </a:pPr>
-            <a:r>
-              <a:rPr lang="de-DE" altLang="de-DE" sz="1800" b="1" dirty="0"/>
-              <a:t>Tag 1 – Einführung in </a:t>
-            </a:r>
-            <a:r>
-              <a:rPr lang="de-DE" altLang="de-DE" sz="1800" b="1" dirty="0" err="1"/>
-              <a:t>Git</a:t>
-            </a:r>
-            <a:r>
-              <a:rPr lang="de-DE" altLang="de-DE" sz="1800" b="1" dirty="0"/>
-              <a:t> und </a:t>
-            </a:r>
-            <a:r>
-              <a:rPr lang="de-DE" altLang="de-DE" sz="1800" b="1" dirty="0" err="1"/>
-              <a:t>GitLab</a:t>
-            </a:r>
-            <a:endParaRPr lang="de-DE" altLang="de-DE" sz="1800" b="1" dirty="0"/>
-          </a:p>
-          <a:p>
-            <a:pPr lvl="1">
-              <a:buFont typeface="Arial" panose="020B0604020202020204" pitchFamily="34" charset="0"/>
-              <a:buChar char="•"/>
-            </a:pPr>
-            <a:r>
-              <a:rPr lang="de-DE" altLang="de-DE" sz="1400" dirty="0"/>
-              <a:t>Einführung &amp; Kursüberblick</a:t>
-            </a:r>
-          </a:p>
-          <a:p>
-            <a:pPr lvl="1">
-              <a:buFont typeface="Arial" panose="020B0604020202020204" pitchFamily="34" charset="0"/>
-              <a:buChar char="•"/>
-            </a:pPr>
-            <a:r>
-              <a:rPr lang="de-DE" altLang="de-DE" sz="1400" dirty="0"/>
-              <a:t>Grundlagen von </a:t>
-            </a:r>
-            <a:r>
-              <a:rPr lang="de-DE" altLang="de-DE" sz="1400" dirty="0" err="1"/>
-              <a:t>Git</a:t>
-            </a:r>
-            <a:endParaRPr lang="de-DE" altLang="de-DE" sz="1400" dirty="0"/>
-          </a:p>
-          <a:p>
-            <a:pPr lvl="1">
-              <a:buFont typeface="Arial" panose="020B0604020202020204" pitchFamily="34" charset="0"/>
-              <a:buChar char="•"/>
-            </a:pPr>
-            <a:r>
-              <a:rPr lang="de-DE" altLang="de-DE" sz="1400" dirty="0" err="1"/>
-              <a:t>Git</a:t>
-            </a:r>
-            <a:r>
-              <a:rPr lang="de-DE" altLang="de-DE" sz="1400" dirty="0"/>
-              <a:t> </a:t>
-            </a:r>
-            <a:r>
-              <a:rPr lang="de-DE" altLang="de-DE" sz="1400" dirty="0" err="1"/>
-              <a:t>Rebase</a:t>
-            </a:r>
-            <a:r>
-              <a:rPr lang="de-DE" altLang="de-DE" sz="1400" dirty="0"/>
-              <a:t> und </a:t>
-            </a:r>
-            <a:r>
-              <a:rPr lang="de-DE" altLang="de-DE" sz="1400" dirty="0" err="1"/>
-              <a:t>Merge</a:t>
-            </a:r>
-            <a:r>
-              <a:rPr lang="de-DE" altLang="de-DE" sz="1400" dirty="0"/>
-              <a:t>-Strategien</a:t>
-            </a:r>
-          </a:p>
-          <a:p>
-            <a:pPr lvl="1">
-              <a:buFont typeface="Arial" panose="020B0604020202020204" pitchFamily="34" charset="0"/>
-              <a:buChar char="•"/>
-            </a:pPr>
-            <a:r>
-              <a:rPr lang="de-DE" altLang="de-DE" sz="1400" dirty="0" err="1"/>
-              <a:t>Git</a:t>
-            </a:r>
-            <a:r>
-              <a:rPr lang="de-DE" altLang="de-DE" sz="1400" dirty="0"/>
-              <a:t> Remote</a:t>
-            </a:r>
-          </a:p>
-          <a:p>
-            <a:pPr lvl="1">
-              <a:buFont typeface="Arial" panose="020B0604020202020204" pitchFamily="34" charset="0"/>
-              <a:buChar char="•"/>
-            </a:pPr>
-            <a:r>
-              <a:rPr lang="de-DE" altLang="de-DE" sz="1400" dirty="0"/>
-              <a:t>Grundlagen von </a:t>
-            </a:r>
-            <a:r>
-              <a:rPr lang="de-DE" altLang="de-DE" sz="1400" dirty="0" err="1"/>
-              <a:t>GitLab</a:t>
-            </a:r>
-            <a:endParaRPr lang="de-DE" altLang="de-DE" sz="1400" dirty="0"/>
-          </a:p>
-          <a:p>
-            <a:pPr>
-              <a:buFont typeface="Arial" panose="020B0604020202020204" pitchFamily="34" charset="0"/>
-              <a:buChar char="•"/>
-            </a:pPr>
-            <a:r>
-              <a:rPr lang="de-DE" altLang="de-DE" sz="1800" b="1" dirty="0"/>
-              <a:t>Tag 2 – </a:t>
-            </a:r>
-            <a:r>
-              <a:rPr lang="de-DE" altLang="de-DE" sz="1800" b="1" dirty="0" err="1"/>
-              <a:t>Git</a:t>
-            </a:r>
-            <a:r>
-              <a:rPr lang="de-DE" altLang="de-DE" sz="1800" b="1" dirty="0"/>
-              <a:t>-Workflows, CI/CD, </a:t>
-            </a:r>
-            <a:r>
-              <a:rPr lang="de-DE" altLang="de-DE" sz="1800" b="1" dirty="0" err="1"/>
-              <a:t>GitLab</a:t>
-            </a:r>
-            <a:r>
-              <a:rPr lang="de-DE" altLang="de-DE" sz="1800" b="1" dirty="0"/>
-              <a:t> CI </a:t>
-            </a:r>
-          </a:p>
-          <a:p>
-            <a:pPr lvl="1">
-              <a:buFont typeface="Arial" panose="020B0604020202020204" pitchFamily="34" charset="0"/>
-              <a:buChar char="•"/>
-            </a:pPr>
-            <a:r>
-              <a:rPr lang="de-DE" altLang="de-DE" sz="1400" dirty="0" err="1"/>
-              <a:t>Git</a:t>
-            </a:r>
-            <a:r>
-              <a:rPr lang="de-DE" altLang="de-DE" sz="1400" dirty="0"/>
-              <a:t>-Workflow im Team</a:t>
-            </a:r>
-          </a:p>
-          <a:p>
-            <a:pPr lvl="1">
-              <a:buFont typeface="Arial" panose="020B0604020202020204" pitchFamily="34" charset="0"/>
-              <a:buChar char="•"/>
-            </a:pPr>
-            <a:r>
-              <a:rPr lang="de-DE" altLang="de-DE" sz="1400" dirty="0" err="1"/>
-              <a:t>Gitflow</a:t>
-            </a:r>
-            <a:r>
-              <a:rPr lang="de-DE" altLang="de-DE" sz="1400" dirty="0"/>
-              <a:t>-Workflow</a:t>
-            </a:r>
-          </a:p>
-          <a:p>
-            <a:pPr lvl="1">
-              <a:buFont typeface="Arial" panose="020B0604020202020204" pitchFamily="34" charset="0"/>
-              <a:buChar char="•"/>
-            </a:pPr>
-            <a:r>
-              <a:rPr lang="de-DE" altLang="de-DE" sz="1400" dirty="0"/>
-              <a:t>Tags, Releases &amp; deren Verwaltung</a:t>
-            </a:r>
-          </a:p>
-          <a:p>
-            <a:pPr lvl="1">
-              <a:buFont typeface="Arial" panose="020B0604020202020204" pitchFamily="34" charset="0"/>
-              <a:buChar char="•"/>
-            </a:pPr>
-            <a:r>
-              <a:rPr lang="de-DE" altLang="de-DE" sz="1400" dirty="0"/>
-              <a:t>Einführung in </a:t>
-            </a:r>
-            <a:r>
-              <a:rPr lang="de-DE" altLang="de-DE" sz="1400" dirty="0" err="1"/>
-              <a:t>GitLab</a:t>
-            </a:r>
-            <a:r>
-              <a:rPr lang="de-DE" altLang="de-DE" sz="1400" dirty="0"/>
-              <a:t> CI/CD &amp; </a:t>
-            </a:r>
-            <a:r>
-              <a:rPr lang="de-DE" altLang="de-DE" sz="1400" dirty="0" err="1"/>
-              <a:t>gitlab-ci.yml</a:t>
-            </a:r>
-            <a:endParaRPr lang="de-DE" altLang="de-DE" sz="1400" dirty="0"/>
-          </a:p>
-          <a:p>
-            <a:pPr lvl="1">
-              <a:buFont typeface="Arial" panose="020B0604020202020204" pitchFamily="34" charset="0"/>
-              <a:buChar char="•"/>
-            </a:pPr>
-            <a:r>
-              <a:rPr lang="de-DE" altLang="de-DE" sz="1400" dirty="0" err="1"/>
-              <a:t>GitLab</a:t>
-            </a:r>
-            <a:r>
-              <a:rPr lang="de-DE" altLang="de-DE" sz="1400" dirty="0"/>
-              <a:t> Runner</a:t>
-            </a:r>
-          </a:p>
-          <a:p>
-            <a:pPr>
-              <a:buFont typeface="Arial" panose="020B0604020202020204" pitchFamily="34" charset="0"/>
-              <a:buChar char="•"/>
-            </a:pPr>
-            <a:r>
-              <a:rPr lang="de-DE" altLang="de-DE" sz="1800" b="1" dirty="0"/>
-              <a:t>Tag 3 – Docker, </a:t>
-            </a:r>
-            <a:r>
-              <a:rPr lang="de-DE" altLang="de-DE" sz="1800" b="1" dirty="0" err="1"/>
-              <a:t>GitOps</a:t>
-            </a:r>
-            <a:r>
-              <a:rPr lang="de-DE" altLang="de-DE" sz="1800" b="1" dirty="0"/>
-              <a:t>, </a:t>
-            </a:r>
-            <a:r>
-              <a:rPr lang="de-DE" altLang="de-DE" sz="1800" b="1" dirty="0" err="1"/>
-              <a:t>Deployment</a:t>
-            </a:r>
-            <a:r>
-              <a:rPr lang="de-DE" altLang="de-DE" sz="1800" b="1" dirty="0"/>
-              <a:t>-Strategien</a:t>
-            </a:r>
-          </a:p>
-          <a:p>
-            <a:pPr lvl="1">
-              <a:buFont typeface="Arial" panose="020B0604020202020204" pitchFamily="34" charset="0"/>
-              <a:buChar char="•"/>
-            </a:pPr>
-            <a:r>
-              <a:rPr lang="de-DE" altLang="de-DE" sz="1400" dirty="0"/>
-              <a:t>Entwicklung mit Docker</a:t>
-            </a:r>
-          </a:p>
-          <a:p>
-            <a:pPr lvl="1">
-              <a:buFont typeface="Arial" panose="020B0604020202020204" pitchFamily="34" charset="0"/>
-              <a:buChar char="•"/>
-            </a:pPr>
-            <a:r>
-              <a:rPr lang="de-DE" altLang="de-DE" sz="1400" dirty="0"/>
-              <a:t>Container/Docker-Registry</a:t>
-            </a:r>
-          </a:p>
-          <a:p>
-            <a:pPr lvl="1">
-              <a:buFont typeface="Arial" panose="020B0604020202020204" pitchFamily="34" charset="0"/>
-              <a:buChar char="•"/>
-            </a:pPr>
-            <a:r>
-              <a:rPr lang="de-DE" altLang="de-DE" sz="1400" dirty="0"/>
-              <a:t>Erstellen von Release- und </a:t>
-            </a:r>
-            <a:r>
-              <a:rPr lang="de-DE" altLang="de-DE" sz="1400" dirty="0" err="1"/>
-              <a:t>Tagged</a:t>
-            </a:r>
-            <a:r>
-              <a:rPr lang="de-DE" altLang="de-DE" sz="1400" dirty="0"/>
-              <a:t>-Images</a:t>
-            </a:r>
-          </a:p>
-          <a:p>
-            <a:pPr lvl="1">
-              <a:buFont typeface="Arial" panose="020B0604020202020204" pitchFamily="34" charset="0"/>
-              <a:buChar char="•"/>
-            </a:pPr>
-            <a:r>
-              <a:rPr lang="de-DE" altLang="de-DE" sz="1400" dirty="0" err="1"/>
-              <a:t>GitOps</a:t>
-            </a:r>
-            <a:r>
-              <a:rPr lang="de-DE" altLang="de-DE" sz="1400" dirty="0"/>
-              <a:t> Grundlagen</a:t>
-            </a:r>
-          </a:p>
-          <a:p>
-            <a:pPr lvl="1">
-              <a:buFont typeface="Arial" panose="020B0604020202020204" pitchFamily="34" charset="0"/>
-              <a:buChar char="•"/>
-            </a:pPr>
-            <a:r>
-              <a:rPr lang="de-DE" altLang="de-DE" sz="1400" u="sng" dirty="0"/>
-              <a:t>Möglichkeiten des </a:t>
-            </a:r>
-            <a:r>
-              <a:rPr lang="de-DE" altLang="de-DE" sz="1400" u="sng" dirty="0" err="1"/>
-              <a:t>Deployments</a:t>
-            </a:r>
-            <a:r>
-              <a:rPr lang="de-DE" altLang="de-DE" sz="1400" u="sng" dirty="0"/>
-              <a:t> &amp; Verwaltung von Konfiguration</a:t>
-            </a:r>
-          </a:p>
-          <a:p>
-            <a:pPr lvl="1">
-              <a:buFont typeface="Arial" panose="020B0604020202020204" pitchFamily="34" charset="0"/>
-              <a:buChar char="•"/>
-            </a:pPr>
-            <a:r>
-              <a:rPr lang="de-DE" altLang="de-DE" sz="1400" dirty="0"/>
-              <a:t>Abschlussübung &amp; Diskussion</a:t>
-            </a:r>
-          </a:p>
-          <a:p>
-            <a:pPr lvl="1">
-              <a:buFont typeface="Arial" panose="020B0604020202020204" pitchFamily="34" charset="0"/>
-              <a:buChar char="•"/>
-            </a:pPr>
-            <a:endParaRPr lang="de-DE" altLang="de-DE" sz="1400" dirty="0"/>
-          </a:p>
-        </p:txBody>
-      </p:sp>
-      <p:sp>
-        <p:nvSpPr>
-          <p:cNvPr id="6147" name="Rectangle 1062">
-            <a:extLst>
-              <a:ext uri="{FF2B5EF4-FFF2-40B4-BE49-F238E27FC236}">
-                <a16:creationId xmlns:a16="http://schemas.microsoft.com/office/drawing/2014/main" id="{C46E9340-3256-8D55-A265-94F2F41E288E}"/>
-              </a:ext>
-            </a:extLst>
-          </p:cNvPr>
-          <p:cNvSpPr>
-            <a:spLocks noGrp="1" noChangeArrowheads="1"/>
-          </p:cNvSpPr>
-          <p:nvPr>
-            <p:ph type="title"/>
-          </p:nvPr>
-        </p:nvSpPr>
-        <p:spPr>
-          <a:xfrm>
-            <a:off x="285750" y="142875"/>
-            <a:ext cx="5654675" cy="706438"/>
-          </a:xfrm>
-        </p:spPr>
-        <p:txBody>
-          <a:bodyPr/>
-          <a:lstStyle/>
-          <a:p>
-            <a:r>
-              <a:rPr lang="de-DE" altLang="de-DE" dirty="0"/>
-              <a:t>Agenda</a:t>
-            </a:r>
-          </a:p>
-        </p:txBody>
-      </p:sp>
-    </p:spTree>
-    <p:extLst>
-      <p:ext uri="{BB962C8B-B14F-4D97-AF65-F5344CB8AC3E}">
-        <p14:creationId xmlns:p14="http://schemas.microsoft.com/office/powerpoint/2010/main" val="1000853986"/>
-      </p:ext>
-    </p:extLst>
-  </p:cSld>
-  <p:clrMapOvr>
-    <a:masterClrMapping/>
-  </p:clrMapOvr>
-</p:sld>
-</file>
-
-<file path=ppt/slides/slide4.xml><?xml version="1.0" encoding="utf-8"?>
-<p:sld xmlns:a="http://schemas.openxmlformats.org/drawingml/2006/main" xmlns:r="http://schemas.openxmlformats.org/officeDocument/2006/relationships" xmlns:p="http://schemas.openxmlformats.org/presentationml/2006/main">
-  <p:cSld>
-    <p:spTree>
-      <p:nvGrpSpPr>
-        <p:cNvPr id="1" name=""/>
-        <p:cNvGrpSpPr/>
-        <p:nvPr/>
-      </p:nvGrpSpPr>
-      <p:grpSpPr>
-        <a:xfrm>
-          <a:off x="0" y="0"/>
-          <a:ext cx="0" cy="0"/>
-          <a:chOff x="0" y="0"/>
-          <a:chExt cx="0" cy="0"/>
-        </a:xfrm>
-      </p:grpSpPr>
-      <p:sp>
-        <p:nvSpPr>
           <p:cNvPr id="2" name="Titel 1">
             <a:extLst>
               <a:ext uri="{FF2B5EF4-FFF2-40B4-BE49-F238E27FC236}">
@@ -11990,7 +9718,7 @@
 </p:sld>
 </file>
 
-<file path=ppt/slides/slide5.xml><?xml version="1.0" encoding="utf-8"?>
+<file path=ppt/slides/slide3.xml><?xml version="1.0" encoding="utf-8"?>
 <p:sld xmlns:a="http://schemas.openxmlformats.org/drawingml/2006/main" xmlns:r="http://schemas.openxmlformats.org/officeDocument/2006/relationships" xmlns:p="http://schemas.openxmlformats.org/presentationml/2006/main">
   <p:cSld>
     <p:spTree>
@@ -12706,7 +10434,7 @@
 </p:sld>
 </file>
 
-<file path=ppt/slides/slide6.xml><?xml version="1.0" encoding="utf-8"?>
+<file path=ppt/slides/slide4.xml><?xml version="1.0" encoding="utf-8"?>
 <p:sld xmlns:a="http://schemas.openxmlformats.org/drawingml/2006/main" xmlns:r="http://schemas.openxmlformats.org/officeDocument/2006/relationships" xmlns:p="http://schemas.openxmlformats.org/presentationml/2006/main">
   <p:cSld>
     <p:spTree>
@@ -12884,7 +10612,7 @@
 </p:sld>
 </file>
 
-<file path=ppt/slides/slide7.xml><?xml version="1.0" encoding="utf-8"?>
+<file path=ppt/slides/slide5.xml><?xml version="1.0" encoding="utf-8"?>
 <p:sld xmlns:a="http://schemas.openxmlformats.org/drawingml/2006/main" xmlns:r="http://schemas.openxmlformats.org/officeDocument/2006/relationships" xmlns:p="http://schemas.openxmlformats.org/presentationml/2006/main">
   <p:cSld>
     <p:spTree>
@@ -13663,7 +11391,7 @@
 </p:sld>
 </file>
 
-<file path=ppt/slides/slide8.xml><?xml version="1.0" encoding="utf-8"?>
+<file path=ppt/slides/slide6.xml><?xml version="1.0" encoding="utf-8"?>
 <p:sld xmlns:a="http://schemas.openxmlformats.org/drawingml/2006/main" xmlns:r="http://schemas.openxmlformats.org/officeDocument/2006/relationships" xmlns:p="http://schemas.openxmlformats.org/presentationml/2006/main">
   <p:cSld>
     <p:spTree>
@@ -13830,7 +11558,7 @@
 </p:sld>
 </file>
 
-<file path=ppt/slides/slide9.xml><?xml version="1.0" encoding="utf-8"?>
+<file path=ppt/slides/slide7.xml><?xml version="1.0" encoding="utf-8"?>
 <p:sld xmlns:a="http://schemas.openxmlformats.org/drawingml/2006/main" xmlns:r="http://schemas.openxmlformats.org/officeDocument/2006/relationships" xmlns:p="http://schemas.openxmlformats.org/presentationml/2006/main">
   <p:cSld>
     <p:spTree>
@@ -15055,6 +12783,1425 @@
     <p:extLst>
       <p:ext uri="{BB962C8B-B14F-4D97-AF65-F5344CB8AC3E}">
         <p14:creationId xmlns:p14="http://schemas.microsoft.com/office/powerpoint/2010/main" val="1956305352"/>
+      </p:ext>
+    </p:extLst>
+  </p:cSld>
+  <p:clrMapOvr>
+    <a:masterClrMapping/>
+  </p:clrMapOvr>
+</p:sld>
+</file>
+
+<file path=ppt/slides/slide8.xml><?xml version="1.0" encoding="utf-8"?>
+<p:sld xmlns:a="http://schemas.openxmlformats.org/drawingml/2006/main" xmlns:r="http://schemas.openxmlformats.org/officeDocument/2006/relationships" xmlns:p="http://schemas.openxmlformats.org/presentationml/2006/main">
+  <p:cSld>
+    <p:spTree>
+      <p:nvGrpSpPr>
+        <p:cNvPr id="1" name=""/>
+        <p:cNvGrpSpPr/>
+        <p:nvPr/>
+      </p:nvGrpSpPr>
+      <p:grpSpPr>
+        <a:xfrm>
+          <a:off x="0" y="0"/>
+          <a:ext cx="0" cy="0"/>
+          <a:chOff x="0" y="0"/>
+          <a:chExt cx="0" cy="0"/>
+        </a:xfrm>
+      </p:grpSpPr>
+      <p:sp>
+        <p:nvSpPr>
+          <p:cNvPr id="2" name="Titel 1">
+            <a:extLst>
+              <a:ext uri="{FF2B5EF4-FFF2-40B4-BE49-F238E27FC236}">
+                <a16:creationId xmlns:a16="http://schemas.microsoft.com/office/drawing/2014/main" id="{EF591ABD-50D5-A755-735A-235A68CBB955}"/>
+              </a:ext>
+            </a:extLst>
+          </p:cNvPr>
+          <p:cNvSpPr>
+            <a:spLocks noGrp="1"/>
+          </p:cNvSpPr>
+          <p:nvPr>
+            <p:ph type="title"/>
+          </p:nvPr>
+        </p:nvSpPr>
+        <p:spPr/>
+        <p:txBody>
+          <a:bodyPr/>
+          <a:lstStyle/>
+          <a:p>
+            <a:r>
+              <a:rPr lang="en-US" altLang="de-DE" dirty="0"/>
+              <a:t>Deployment</a:t>
+            </a:r>
+            <a:endParaRPr lang="de-DE" dirty="0"/>
+          </a:p>
+        </p:txBody>
+      </p:sp>
+      <p:sp>
+        <p:nvSpPr>
+          <p:cNvPr id="3" name="Inhaltsplatzhalter 2">
+            <a:extLst>
+              <a:ext uri="{FF2B5EF4-FFF2-40B4-BE49-F238E27FC236}">
+                <a16:creationId xmlns:a16="http://schemas.microsoft.com/office/drawing/2014/main" id="{9BBCCEE5-8221-F691-5CC6-404256896B0E}"/>
+              </a:ext>
+            </a:extLst>
+          </p:cNvPr>
+          <p:cNvSpPr>
+            <a:spLocks noGrp="1"/>
+          </p:cNvSpPr>
+          <p:nvPr>
+            <p:ph idx="1"/>
+          </p:nvPr>
+        </p:nvSpPr>
+        <p:spPr/>
+        <p:txBody>
+          <a:bodyPr/>
+          <a:lstStyle/>
+          <a:p>
+            <a:pPr marL="0" indent="0">
+              <a:buNone/>
+            </a:pPr>
+            <a:r>
+              <a:rPr lang="de-DE" b="1" dirty="0"/>
+              <a:t>Vorteile</a:t>
+            </a:r>
+          </a:p>
+          <a:p>
+            <a:pPr>
+              <a:buFont typeface="Arial" panose="020B0604020202020204" pitchFamily="34" charset="0"/>
+              <a:buChar char="•"/>
+            </a:pPr>
+            <a:r>
+              <a:rPr lang="de-DE" altLang="de-DE" dirty="0"/>
+              <a:t>Keine Downtime</a:t>
+            </a:r>
+          </a:p>
+          <a:p>
+            <a:pPr>
+              <a:buFont typeface="Arial" panose="020B0604020202020204" pitchFamily="34" charset="0"/>
+              <a:buChar char="•"/>
+            </a:pPr>
+            <a:r>
+              <a:rPr lang="de-DE" altLang="de-DE" dirty="0"/>
+              <a:t>Einfaches Rollback</a:t>
+            </a:r>
+          </a:p>
+          <a:p>
+            <a:pPr>
+              <a:buFont typeface="Arial" panose="020B0604020202020204" pitchFamily="34" charset="0"/>
+              <a:buChar char="•"/>
+            </a:pPr>
+            <a:r>
+              <a:rPr lang="de-DE" altLang="de-DE" dirty="0"/>
+              <a:t>Partielles </a:t>
+            </a:r>
+            <a:r>
+              <a:rPr lang="de-DE" altLang="de-DE" dirty="0" err="1"/>
+              <a:t>Deployment</a:t>
+            </a:r>
+            <a:endParaRPr lang="de-DE" altLang="de-DE" dirty="0"/>
+          </a:p>
+          <a:p>
+            <a:pPr>
+              <a:buFont typeface="Arial" panose="020B0604020202020204" pitchFamily="34" charset="0"/>
+              <a:buChar char="•"/>
+            </a:pPr>
+            <a:r>
+              <a:rPr lang="de-DE" altLang="de-DE" dirty="0"/>
+              <a:t>Rolling Updates</a:t>
+            </a:r>
+          </a:p>
+          <a:p>
+            <a:pPr marL="0" indent="0">
+              <a:buNone/>
+            </a:pPr>
+            <a:endParaRPr lang="de-DE" dirty="0"/>
+          </a:p>
+          <a:p>
+            <a:pPr marL="0" indent="0">
+              <a:buNone/>
+            </a:pPr>
+            <a:r>
+              <a:rPr lang="de-DE" b="1" dirty="0"/>
+              <a:t>Nachteile</a:t>
+            </a:r>
+          </a:p>
+          <a:p>
+            <a:pPr>
+              <a:buFont typeface="Arial" panose="020B0604020202020204" pitchFamily="34" charset="0"/>
+              <a:buChar char="•"/>
+            </a:pPr>
+            <a:r>
+              <a:rPr lang="de-DE" altLang="de-DE" kern="0" dirty="0"/>
+              <a:t>Aufwendige Implementierung</a:t>
+            </a:r>
+          </a:p>
+          <a:p>
+            <a:pPr>
+              <a:buFont typeface="Arial" panose="020B0604020202020204" pitchFamily="34" charset="0"/>
+              <a:buChar char="•"/>
+            </a:pPr>
+            <a:r>
+              <a:rPr lang="de-DE" altLang="de-DE" kern="0" dirty="0"/>
+              <a:t>Zufällige Zuweisung zu neuem System</a:t>
+            </a:r>
+          </a:p>
+          <a:p>
+            <a:pPr>
+              <a:buFont typeface="Arial" panose="020B0604020202020204" pitchFamily="34" charset="0"/>
+              <a:buChar char="•"/>
+            </a:pPr>
+            <a:r>
+              <a:rPr lang="de-DE" altLang="de-DE" kern="0" dirty="0"/>
+              <a:t>Teuer</a:t>
+            </a:r>
+          </a:p>
+        </p:txBody>
+      </p:sp>
+    </p:spTree>
+    <p:extLst>
+      <p:ext uri="{BB962C8B-B14F-4D97-AF65-F5344CB8AC3E}">
+        <p14:creationId xmlns:p14="http://schemas.microsoft.com/office/powerpoint/2010/main" val="617239567"/>
+      </p:ext>
+    </p:extLst>
+  </p:cSld>
+  <p:clrMapOvr>
+    <a:masterClrMapping/>
+  </p:clrMapOvr>
+</p:sld>
+</file>
+
+<file path=ppt/slides/slide9.xml><?xml version="1.0" encoding="utf-8"?>
+<p:sld xmlns:a="http://schemas.openxmlformats.org/drawingml/2006/main" xmlns:r="http://schemas.openxmlformats.org/officeDocument/2006/relationships" xmlns:p="http://schemas.openxmlformats.org/presentationml/2006/main">
+  <p:cSld>
+    <p:spTree>
+      <p:nvGrpSpPr>
+        <p:cNvPr id="1" name=""/>
+        <p:cNvGrpSpPr/>
+        <p:nvPr/>
+      </p:nvGrpSpPr>
+      <p:grpSpPr>
+        <a:xfrm>
+          <a:off x="0" y="0"/>
+          <a:ext cx="0" cy="0"/>
+          <a:chOff x="0" y="0"/>
+          <a:chExt cx="0" cy="0"/>
+        </a:xfrm>
+      </p:grpSpPr>
+      <p:sp>
+        <p:nvSpPr>
+          <p:cNvPr id="2" name="Titel 1">
+            <a:extLst>
+              <a:ext uri="{FF2B5EF4-FFF2-40B4-BE49-F238E27FC236}">
+                <a16:creationId xmlns:a16="http://schemas.microsoft.com/office/drawing/2014/main" id="{29D286B2-C35C-4BC6-9254-B3D2AE464CA4}"/>
+              </a:ext>
+            </a:extLst>
+          </p:cNvPr>
+          <p:cNvSpPr>
+            <a:spLocks noGrp="1"/>
+          </p:cNvSpPr>
+          <p:nvPr>
+            <p:ph type="title"/>
+          </p:nvPr>
+        </p:nvSpPr>
+        <p:spPr/>
+        <p:txBody>
+          <a:bodyPr/>
+          <a:lstStyle/>
+          <a:p>
+            <a:r>
+              <a:rPr lang="en-US" altLang="de-DE" dirty="0" err="1"/>
+              <a:t>Deplo</a:t>
+            </a:r>
+            <a:r>
+              <a:rPr lang="de-DE" altLang="de-DE" dirty="0" err="1"/>
+              <a:t>yment</a:t>
+            </a:r>
+            <a:endParaRPr lang="de-DE" dirty="0"/>
+          </a:p>
+        </p:txBody>
+      </p:sp>
+      <p:sp>
+        <p:nvSpPr>
+          <p:cNvPr id="3" name="Inhaltsplatzhalter 2">
+            <a:extLst>
+              <a:ext uri="{FF2B5EF4-FFF2-40B4-BE49-F238E27FC236}">
+                <a16:creationId xmlns:a16="http://schemas.microsoft.com/office/drawing/2014/main" id="{5841B00E-A256-2C3F-B12E-C474E3991C93}"/>
+              </a:ext>
+            </a:extLst>
+          </p:cNvPr>
+          <p:cNvSpPr>
+            <a:spLocks noGrp="1"/>
+          </p:cNvSpPr>
+          <p:nvPr>
+            <p:ph idx="1"/>
+          </p:nvPr>
+        </p:nvSpPr>
+        <p:spPr>
+          <a:xfrm>
+            <a:off x="303213" y="1268769"/>
+            <a:ext cx="8516937" cy="1296135"/>
+          </a:xfrm>
+        </p:spPr>
+        <p:txBody>
+          <a:bodyPr/>
+          <a:lstStyle/>
+          <a:p>
+            <a:pPr marL="0" indent="0">
+              <a:buNone/>
+            </a:pPr>
+            <a:r>
+              <a:rPr lang="de-DE" sz="2400" b="1" dirty="0" err="1">
+                <a:latin typeface="+mj-lt"/>
+              </a:rPr>
+              <a:t>Red</a:t>
+            </a:r>
+            <a:r>
+              <a:rPr lang="de-DE" sz="2400" b="1" dirty="0">
+                <a:latin typeface="+mj-lt"/>
+              </a:rPr>
+              <a:t>-Black </a:t>
+            </a:r>
+            <a:r>
+              <a:rPr lang="de-DE" sz="2400" b="1" dirty="0" err="1">
+                <a:latin typeface="+mj-lt"/>
+              </a:rPr>
+              <a:t>Deployment</a:t>
+            </a:r>
+            <a:endParaRPr lang="de-DE" b="1" dirty="0"/>
+          </a:p>
+          <a:p>
+            <a:pPr>
+              <a:buFont typeface="Arial" panose="020B0604020202020204" pitchFamily="34" charset="0"/>
+              <a:buChar char="•"/>
+            </a:pPr>
+            <a:r>
+              <a:rPr lang="de-DE" dirty="0"/>
+              <a:t>Sehr ähnlich zu Blue-Green</a:t>
+            </a:r>
+          </a:p>
+          <a:p>
+            <a:pPr>
+              <a:buFont typeface="Arial" panose="020B0604020202020204" pitchFamily="34" charset="0"/>
+              <a:buChar char="•"/>
+            </a:pPr>
+            <a:r>
+              <a:rPr lang="de-DE" dirty="0"/>
+              <a:t>Kompletter Wechsel zu Neusystem</a:t>
+            </a:r>
+          </a:p>
+          <a:p>
+            <a:pPr>
+              <a:buFont typeface="Arial" panose="020B0604020202020204" pitchFamily="34" charset="0"/>
+              <a:buChar char="•"/>
+            </a:pPr>
+            <a:endParaRPr lang="de-DE" dirty="0"/>
+          </a:p>
+        </p:txBody>
+      </p:sp>
+      <p:sp>
+        <p:nvSpPr>
+          <p:cNvPr id="7" name="Rechteck 6">
+            <a:extLst>
+              <a:ext uri="{FF2B5EF4-FFF2-40B4-BE49-F238E27FC236}">
+                <a16:creationId xmlns:a16="http://schemas.microsoft.com/office/drawing/2014/main" id="{D9A42B7E-356B-9AFB-BEC4-C71BCE179FEF}"/>
+              </a:ext>
+            </a:extLst>
+          </p:cNvPr>
+          <p:cNvSpPr/>
+          <p:nvPr/>
+        </p:nvSpPr>
+        <p:spPr bwMode="auto">
+          <a:xfrm>
+            <a:off x="611560" y="3645024"/>
+            <a:ext cx="2160240" cy="2160240"/>
+          </a:xfrm>
+          <a:prstGeom prst="rect">
+            <a:avLst/>
+          </a:prstGeom>
+          <a:solidFill>
+            <a:schemeClr val="bg1"/>
+          </a:solidFill>
+          <a:ln w="12700" cap="flat" cmpd="sng" algn="ctr">
+            <a:solidFill>
+              <a:schemeClr val="tx1"/>
+            </a:solidFill>
+            <a:prstDash val="solid"/>
+            <a:round/>
+            <a:headEnd type="none" w="sm" len="sm"/>
+            <a:tailEnd type="none" w="sm" len="sm"/>
+          </a:ln>
+          <a:effectLst/>
+        </p:spPr>
+        <p:txBody>
+          <a:bodyPr vert="horz" wrap="square" lIns="91440" tIns="45720" rIns="91440" bIns="45720" numCol="1" rtlCol="0" anchor="b" anchorCtr="0" compatLnSpc="1">
+            <a:prstTxWarp prst="textNoShape">
+              <a:avLst/>
+            </a:prstTxWarp>
+          </a:bodyPr>
+          <a:lstStyle/>
+          <a:p>
+            <a:pPr marL="0" marR="0" indent="0" algn="l" defTabSz="914400" rtl="0" eaLnBrk="0" fontAlgn="base" latinLnBrk="0" hangingPunct="0">
+              <a:lnSpc>
+                <a:spcPct val="100000"/>
+              </a:lnSpc>
+              <a:spcBef>
+                <a:spcPct val="0"/>
+              </a:spcBef>
+              <a:spcAft>
+                <a:spcPct val="0"/>
+              </a:spcAft>
+              <a:buClrTx/>
+              <a:buSzTx/>
+              <a:buFontTx/>
+              <a:buNone/>
+              <a:tabLst/>
+            </a:pPr>
+            <a:endParaRPr kumimoji="0" lang="de-DE" sz="2400" b="0" i="0" u="none" strike="noStrike" cap="none" normalizeH="0" baseline="0" dirty="0">
+              <a:ln>
+                <a:noFill/>
+              </a:ln>
+              <a:solidFill>
+                <a:schemeClr val="tx1"/>
+              </a:solidFill>
+              <a:effectLst/>
+              <a:latin typeface="+mn-lt"/>
+            </a:endParaRPr>
+          </a:p>
+        </p:txBody>
+      </p:sp>
+      <p:cxnSp>
+        <p:nvCxnSpPr>
+          <p:cNvPr id="22" name="Gerade Verbindung mit Pfeil 21">
+            <a:extLst>
+              <a:ext uri="{FF2B5EF4-FFF2-40B4-BE49-F238E27FC236}">
+                <a16:creationId xmlns:a16="http://schemas.microsoft.com/office/drawing/2014/main" id="{3D801ADB-E612-D46E-1DDE-06F9BB633025}"/>
+              </a:ext>
+            </a:extLst>
+          </p:cNvPr>
+          <p:cNvCxnSpPr>
+            <a:cxnSpLocks/>
+            <a:stCxn id="7" idx="3"/>
+          </p:cNvCxnSpPr>
+          <p:nvPr/>
+        </p:nvCxnSpPr>
+        <p:spPr bwMode="auto">
+          <a:xfrm>
+            <a:off x="2771800" y="4725144"/>
+            <a:ext cx="709761" cy="0"/>
+          </a:xfrm>
+          <a:prstGeom prst="straightConnector1">
+            <a:avLst/>
+          </a:prstGeom>
+          <a:solidFill>
+            <a:schemeClr val="accent1"/>
+          </a:solidFill>
+          <a:ln w="12700" cap="flat" cmpd="sng" algn="ctr">
+            <a:solidFill>
+              <a:schemeClr val="tx1"/>
+            </a:solidFill>
+            <a:prstDash val="solid"/>
+            <a:round/>
+            <a:headEnd type="none" w="sm" len="sm"/>
+            <a:tailEnd type="triangle"/>
+          </a:ln>
+          <a:effectLst/>
+        </p:spPr>
+      </p:cxnSp>
+      <p:cxnSp>
+        <p:nvCxnSpPr>
+          <p:cNvPr id="23" name="Gerade Verbindung mit Pfeil 22">
+            <a:extLst>
+              <a:ext uri="{FF2B5EF4-FFF2-40B4-BE49-F238E27FC236}">
+                <a16:creationId xmlns:a16="http://schemas.microsoft.com/office/drawing/2014/main" id="{580503DD-CA46-B4A0-4BBE-D21934A5E720}"/>
+              </a:ext>
+            </a:extLst>
+          </p:cNvPr>
+          <p:cNvCxnSpPr>
+            <a:cxnSpLocks/>
+          </p:cNvCxnSpPr>
+          <p:nvPr/>
+        </p:nvCxnSpPr>
+        <p:spPr bwMode="auto">
+          <a:xfrm>
+            <a:off x="5641801" y="4725144"/>
+            <a:ext cx="709761" cy="0"/>
+          </a:xfrm>
+          <a:prstGeom prst="straightConnector1">
+            <a:avLst/>
+          </a:prstGeom>
+          <a:solidFill>
+            <a:schemeClr val="accent1"/>
+          </a:solidFill>
+          <a:ln w="12700" cap="flat" cmpd="sng" algn="ctr">
+            <a:solidFill>
+              <a:schemeClr val="tx1"/>
+            </a:solidFill>
+            <a:prstDash val="solid"/>
+            <a:round/>
+            <a:headEnd type="none" w="sm" len="sm"/>
+            <a:tailEnd type="triangle"/>
+          </a:ln>
+          <a:effectLst/>
+        </p:spPr>
+      </p:cxnSp>
+      <p:sp>
+        <p:nvSpPr>
+          <p:cNvPr id="25" name="Würfel 24">
+            <a:extLst>
+              <a:ext uri="{FF2B5EF4-FFF2-40B4-BE49-F238E27FC236}">
+                <a16:creationId xmlns:a16="http://schemas.microsoft.com/office/drawing/2014/main" id="{BD850A33-5E52-B6F7-5FBE-BB523848B265}"/>
+              </a:ext>
+            </a:extLst>
+          </p:cNvPr>
+          <p:cNvSpPr/>
+          <p:nvPr/>
+        </p:nvSpPr>
+        <p:spPr bwMode="auto">
+          <a:xfrm>
+            <a:off x="899592" y="4365104"/>
+            <a:ext cx="843458" cy="1296135"/>
+          </a:xfrm>
+          <a:prstGeom prst="cube">
+            <a:avLst/>
+          </a:prstGeom>
+          <a:solidFill>
+            <a:srgbClr val="FF0000"/>
+          </a:solidFill>
+          <a:ln w="12700" cap="flat" cmpd="sng" algn="ctr">
+            <a:solidFill>
+              <a:schemeClr val="tx1"/>
+            </a:solidFill>
+            <a:prstDash val="solid"/>
+            <a:round/>
+            <a:headEnd type="none" w="sm" len="sm"/>
+            <a:tailEnd type="none" w="sm" len="sm"/>
+          </a:ln>
+          <a:effectLst/>
+        </p:spPr>
+        <p:txBody>
+          <a:bodyPr vert="horz" wrap="square" lIns="91440" tIns="45720" rIns="91440" bIns="45720" numCol="1" rtlCol="0" anchor="ctr" anchorCtr="1" compatLnSpc="1">
+            <a:prstTxWarp prst="textNoShape">
+              <a:avLst/>
+            </a:prstTxWarp>
+          </a:bodyPr>
+          <a:lstStyle/>
+          <a:p>
+            <a:pPr marL="0" marR="0" indent="0" algn="l" defTabSz="914400" rtl="0" eaLnBrk="0" fontAlgn="base" latinLnBrk="0" hangingPunct="0">
+              <a:lnSpc>
+                <a:spcPct val="100000"/>
+              </a:lnSpc>
+              <a:spcBef>
+                <a:spcPct val="0"/>
+              </a:spcBef>
+              <a:spcAft>
+                <a:spcPct val="0"/>
+              </a:spcAft>
+              <a:buClrTx/>
+              <a:buSzTx/>
+              <a:buFontTx/>
+              <a:buNone/>
+              <a:tabLst/>
+            </a:pPr>
+            <a:r>
+              <a:rPr kumimoji="0" lang="de-DE" sz="2400" b="0" i="0" u="none" strike="noStrike" cap="none" normalizeH="0" baseline="0" dirty="0">
+                <a:ln>
+                  <a:noFill/>
+                </a:ln>
+                <a:solidFill>
+                  <a:schemeClr val="tx1"/>
+                </a:solidFill>
+                <a:effectLst/>
+                <a:latin typeface="+mn-lt"/>
+              </a:rPr>
+              <a:t>v1</a:t>
+            </a:r>
+          </a:p>
+        </p:txBody>
+      </p:sp>
+      <p:sp>
+        <p:nvSpPr>
+          <p:cNvPr id="26" name="Würfel 25">
+            <a:extLst>
+              <a:ext uri="{FF2B5EF4-FFF2-40B4-BE49-F238E27FC236}">
+                <a16:creationId xmlns:a16="http://schemas.microsoft.com/office/drawing/2014/main" id="{6F16EBCD-4845-0242-4317-280F3ABB2C7F}"/>
+              </a:ext>
+            </a:extLst>
+          </p:cNvPr>
+          <p:cNvSpPr/>
+          <p:nvPr/>
+        </p:nvSpPr>
+        <p:spPr bwMode="auto">
+          <a:xfrm>
+            <a:off x="1619672" y="4356729"/>
+            <a:ext cx="843458" cy="1296135"/>
+          </a:xfrm>
+          <a:prstGeom prst="cube">
+            <a:avLst/>
+          </a:prstGeom>
+          <a:solidFill>
+            <a:schemeClr val="accent4">
+              <a:lumMod val="50000"/>
+              <a:lumOff val="50000"/>
+            </a:schemeClr>
+          </a:solidFill>
+          <a:ln w="12700" cap="flat" cmpd="sng" algn="ctr">
+            <a:solidFill>
+              <a:schemeClr val="tx1"/>
+            </a:solidFill>
+            <a:prstDash val="solid"/>
+            <a:round/>
+            <a:headEnd type="none" w="sm" len="sm"/>
+            <a:tailEnd type="none" w="sm" len="sm"/>
+          </a:ln>
+          <a:effectLst/>
+        </p:spPr>
+        <p:txBody>
+          <a:bodyPr vert="horz" wrap="square" lIns="91440" tIns="45720" rIns="91440" bIns="45720" numCol="1" rtlCol="0" anchor="ctr" anchorCtr="1" compatLnSpc="1">
+            <a:prstTxWarp prst="textNoShape">
+              <a:avLst/>
+            </a:prstTxWarp>
+          </a:bodyPr>
+          <a:lstStyle/>
+          <a:p>
+            <a:pPr marL="0" marR="0" indent="0" algn="l" defTabSz="914400" rtl="0" eaLnBrk="0" fontAlgn="base" latinLnBrk="0" hangingPunct="0">
+              <a:lnSpc>
+                <a:spcPct val="100000"/>
+              </a:lnSpc>
+              <a:spcBef>
+                <a:spcPct val="0"/>
+              </a:spcBef>
+              <a:spcAft>
+                <a:spcPct val="0"/>
+              </a:spcAft>
+              <a:buClrTx/>
+              <a:buSzTx/>
+              <a:buFontTx/>
+              <a:buNone/>
+              <a:tabLst/>
+            </a:pPr>
+            <a:r>
+              <a:rPr lang="de-DE" dirty="0">
+                <a:latin typeface="+mn-lt"/>
+              </a:rPr>
+              <a:t>v0</a:t>
+            </a:r>
+            <a:endParaRPr kumimoji="0" lang="de-DE" sz="2400" b="0" i="0" u="none" strike="noStrike" cap="none" normalizeH="0" baseline="0" dirty="0">
+              <a:ln>
+                <a:noFill/>
+              </a:ln>
+              <a:solidFill>
+                <a:schemeClr val="tx1"/>
+              </a:solidFill>
+              <a:effectLst/>
+              <a:latin typeface="+mn-lt"/>
+            </a:endParaRPr>
+          </a:p>
+        </p:txBody>
+      </p:sp>
+      <p:sp>
+        <p:nvSpPr>
+          <p:cNvPr id="27" name="Würfel 26">
+            <a:extLst>
+              <a:ext uri="{FF2B5EF4-FFF2-40B4-BE49-F238E27FC236}">
+                <a16:creationId xmlns:a16="http://schemas.microsoft.com/office/drawing/2014/main" id="{0341CFDE-6963-0AAB-C2B9-976A7DD781D0}"/>
+              </a:ext>
+            </a:extLst>
+          </p:cNvPr>
+          <p:cNvSpPr/>
+          <p:nvPr/>
+        </p:nvSpPr>
+        <p:spPr bwMode="auto">
+          <a:xfrm>
+            <a:off x="899592" y="3717032"/>
+            <a:ext cx="1552952" cy="574896"/>
+          </a:xfrm>
+          <a:prstGeom prst="cube">
+            <a:avLst/>
+          </a:prstGeom>
+          <a:solidFill>
+            <a:schemeClr val="bg1"/>
+          </a:solidFill>
+          <a:ln w="12700" cap="flat" cmpd="sng" algn="ctr">
+            <a:solidFill>
+              <a:schemeClr val="tx1"/>
+            </a:solidFill>
+            <a:prstDash val="solid"/>
+            <a:round/>
+            <a:headEnd type="none" w="sm" len="sm"/>
+            <a:tailEnd type="none" w="sm" len="sm"/>
+          </a:ln>
+          <a:effectLst/>
+        </p:spPr>
+        <p:txBody>
+          <a:bodyPr vert="horz" wrap="square" lIns="91440" tIns="45720" rIns="91440" bIns="45720" numCol="1" rtlCol="0" anchor="t" anchorCtr="0" compatLnSpc="1">
+            <a:prstTxWarp prst="textNoShape">
+              <a:avLst/>
+            </a:prstTxWarp>
+          </a:bodyPr>
+          <a:lstStyle/>
+          <a:p>
+            <a:pPr marL="0" marR="0" indent="0" algn="l" defTabSz="914400" rtl="0" eaLnBrk="0" fontAlgn="base" latinLnBrk="0" hangingPunct="0">
+              <a:lnSpc>
+                <a:spcPct val="100000"/>
+              </a:lnSpc>
+              <a:spcBef>
+                <a:spcPct val="0"/>
+              </a:spcBef>
+              <a:spcAft>
+                <a:spcPct val="0"/>
+              </a:spcAft>
+              <a:buClrTx/>
+              <a:buSzTx/>
+              <a:buFontTx/>
+              <a:buNone/>
+              <a:tabLst/>
+            </a:pPr>
+            <a:r>
+              <a:rPr lang="de-DE" dirty="0">
+                <a:latin typeface="+mn-lt"/>
+              </a:rPr>
+              <a:t>Balancer</a:t>
+            </a:r>
+            <a:endParaRPr kumimoji="0" lang="de-DE" sz="2400" b="0" i="0" u="none" strike="noStrike" cap="none" normalizeH="0" baseline="0" dirty="0">
+              <a:ln>
+                <a:noFill/>
+              </a:ln>
+              <a:solidFill>
+                <a:schemeClr val="tx1"/>
+              </a:solidFill>
+              <a:effectLst/>
+              <a:latin typeface="+mn-lt"/>
+            </a:endParaRPr>
+          </a:p>
+        </p:txBody>
+      </p:sp>
+      <p:cxnSp>
+        <p:nvCxnSpPr>
+          <p:cNvPr id="29" name="Gerade Verbindung mit Pfeil 28">
+            <a:extLst>
+              <a:ext uri="{FF2B5EF4-FFF2-40B4-BE49-F238E27FC236}">
+                <a16:creationId xmlns:a16="http://schemas.microsoft.com/office/drawing/2014/main" id="{2E4BD116-5653-36B1-14AE-187A07726657}"/>
+              </a:ext>
+            </a:extLst>
+          </p:cNvPr>
+          <p:cNvCxnSpPr>
+            <a:cxnSpLocks/>
+            <a:stCxn id="27" idx="3"/>
+            <a:endCxn id="25" idx="1"/>
+          </p:cNvCxnSpPr>
+          <p:nvPr/>
+        </p:nvCxnSpPr>
+        <p:spPr bwMode="auto">
+          <a:xfrm flipH="1">
+            <a:off x="1215889" y="4291928"/>
+            <a:ext cx="388317" cy="284041"/>
+          </a:xfrm>
+          <a:prstGeom prst="straightConnector1">
+            <a:avLst/>
+          </a:prstGeom>
+          <a:solidFill>
+            <a:schemeClr val="accent1"/>
+          </a:solidFill>
+          <a:ln w="12700" cap="flat" cmpd="sng" algn="ctr">
+            <a:solidFill>
+              <a:schemeClr val="tx1"/>
+            </a:solidFill>
+            <a:prstDash val="solid"/>
+            <a:round/>
+            <a:headEnd type="none" w="sm" len="sm"/>
+            <a:tailEnd type="triangle"/>
+          </a:ln>
+          <a:effectLst/>
+        </p:spPr>
+      </p:cxnSp>
+      <p:sp>
+        <p:nvSpPr>
+          <p:cNvPr id="32" name="Rechteck 31">
+            <a:extLst>
+              <a:ext uri="{FF2B5EF4-FFF2-40B4-BE49-F238E27FC236}">
+                <a16:creationId xmlns:a16="http://schemas.microsoft.com/office/drawing/2014/main" id="{0EE688AC-ACC9-E35D-B162-E98089E72BC7}"/>
+              </a:ext>
+            </a:extLst>
+          </p:cNvPr>
+          <p:cNvSpPr/>
+          <p:nvPr/>
+        </p:nvSpPr>
+        <p:spPr bwMode="auto">
+          <a:xfrm>
+            <a:off x="3481561" y="3642352"/>
+            <a:ext cx="2160240" cy="2160240"/>
+          </a:xfrm>
+          <a:prstGeom prst="rect">
+            <a:avLst/>
+          </a:prstGeom>
+          <a:solidFill>
+            <a:schemeClr val="bg1"/>
+          </a:solidFill>
+          <a:ln w="12700" cap="flat" cmpd="sng" algn="ctr">
+            <a:solidFill>
+              <a:schemeClr val="tx1"/>
+            </a:solidFill>
+            <a:prstDash val="solid"/>
+            <a:round/>
+            <a:headEnd type="none" w="sm" len="sm"/>
+            <a:tailEnd type="none" w="sm" len="sm"/>
+          </a:ln>
+          <a:effectLst/>
+        </p:spPr>
+        <p:txBody>
+          <a:bodyPr vert="horz" wrap="square" lIns="91440" tIns="45720" rIns="91440" bIns="45720" numCol="1" rtlCol="0" anchor="b" anchorCtr="0" compatLnSpc="1">
+            <a:prstTxWarp prst="textNoShape">
+              <a:avLst/>
+            </a:prstTxWarp>
+          </a:bodyPr>
+          <a:lstStyle/>
+          <a:p>
+            <a:pPr marL="0" marR="0" indent="0" algn="l" defTabSz="914400" rtl="0" eaLnBrk="0" fontAlgn="base" latinLnBrk="0" hangingPunct="0">
+              <a:lnSpc>
+                <a:spcPct val="100000"/>
+              </a:lnSpc>
+              <a:spcBef>
+                <a:spcPct val="0"/>
+              </a:spcBef>
+              <a:spcAft>
+                <a:spcPct val="0"/>
+              </a:spcAft>
+              <a:buClrTx/>
+              <a:buSzTx/>
+              <a:buFontTx/>
+              <a:buNone/>
+              <a:tabLst/>
+            </a:pPr>
+            <a:endParaRPr kumimoji="0" lang="de-DE" sz="2400" b="0" i="0" u="none" strike="noStrike" cap="none" normalizeH="0" baseline="0" dirty="0">
+              <a:ln>
+                <a:noFill/>
+              </a:ln>
+              <a:solidFill>
+                <a:schemeClr val="tx1"/>
+              </a:solidFill>
+              <a:effectLst/>
+              <a:latin typeface="+mn-lt"/>
+            </a:endParaRPr>
+          </a:p>
+        </p:txBody>
+      </p:sp>
+      <p:sp>
+        <p:nvSpPr>
+          <p:cNvPr id="33" name="Würfel 32">
+            <a:extLst>
+              <a:ext uri="{FF2B5EF4-FFF2-40B4-BE49-F238E27FC236}">
+                <a16:creationId xmlns:a16="http://schemas.microsoft.com/office/drawing/2014/main" id="{5F2B0679-030D-E48D-0C3D-69A94589EB2B}"/>
+              </a:ext>
+            </a:extLst>
+          </p:cNvPr>
+          <p:cNvSpPr/>
+          <p:nvPr/>
+        </p:nvSpPr>
+        <p:spPr bwMode="auto">
+          <a:xfrm>
+            <a:off x="3769593" y="4362432"/>
+            <a:ext cx="843458" cy="1296135"/>
+          </a:xfrm>
+          <a:prstGeom prst="cube">
+            <a:avLst/>
+          </a:prstGeom>
+          <a:solidFill>
+            <a:srgbClr val="FF0000"/>
+          </a:solidFill>
+          <a:ln w="12700" cap="flat" cmpd="sng" algn="ctr">
+            <a:solidFill>
+              <a:schemeClr val="tx1"/>
+            </a:solidFill>
+            <a:prstDash val="solid"/>
+            <a:round/>
+            <a:headEnd type="none" w="sm" len="sm"/>
+            <a:tailEnd type="none" w="sm" len="sm"/>
+          </a:ln>
+          <a:effectLst/>
+        </p:spPr>
+        <p:txBody>
+          <a:bodyPr vert="horz" wrap="square" lIns="91440" tIns="45720" rIns="91440" bIns="45720" numCol="1" rtlCol="0" anchor="ctr" anchorCtr="1" compatLnSpc="1">
+            <a:prstTxWarp prst="textNoShape">
+              <a:avLst/>
+            </a:prstTxWarp>
+          </a:bodyPr>
+          <a:lstStyle/>
+          <a:p>
+            <a:pPr marL="0" marR="0" indent="0" algn="l" defTabSz="914400" rtl="0" eaLnBrk="0" fontAlgn="base" latinLnBrk="0" hangingPunct="0">
+              <a:lnSpc>
+                <a:spcPct val="100000"/>
+              </a:lnSpc>
+              <a:spcBef>
+                <a:spcPct val="0"/>
+              </a:spcBef>
+              <a:spcAft>
+                <a:spcPct val="0"/>
+              </a:spcAft>
+              <a:buClrTx/>
+              <a:buSzTx/>
+              <a:buFontTx/>
+              <a:buNone/>
+              <a:tabLst/>
+            </a:pPr>
+            <a:r>
+              <a:rPr kumimoji="0" lang="de-DE" sz="2400" b="0" i="0" u="none" strike="noStrike" cap="none" normalizeH="0" baseline="0" dirty="0">
+                <a:ln>
+                  <a:noFill/>
+                </a:ln>
+                <a:solidFill>
+                  <a:schemeClr val="tx1"/>
+                </a:solidFill>
+                <a:effectLst/>
+                <a:latin typeface="+mn-lt"/>
+              </a:rPr>
+              <a:t>v1</a:t>
+            </a:r>
+          </a:p>
+        </p:txBody>
+      </p:sp>
+      <p:sp>
+        <p:nvSpPr>
+          <p:cNvPr id="34" name="Würfel 33">
+            <a:extLst>
+              <a:ext uri="{FF2B5EF4-FFF2-40B4-BE49-F238E27FC236}">
+                <a16:creationId xmlns:a16="http://schemas.microsoft.com/office/drawing/2014/main" id="{C5878FD4-F864-5C52-5AAD-53F7209DB3F9}"/>
+              </a:ext>
+            </a:extLst>
+          </p:cNvPr>
+          <p:cNvSpPr/>
+          <p:nvPr/>
+        </p:nvSpPr>
+        <p:spPr bwMode="auto">
+          <a:xfrm>
+            <a:off x="4489673" y="4354057"/>
+            <a:ext cx="843458" cy="1296135"/>
+          </a:xfrm>
+          <a:prstGeom prst="cube">
+            <a:avLst/>
+          </a:prstGeom>
+          <a:solidFill>
+            <a:schemeClr val="accent4">
+              <a:lumMod val="50000"/>
+              <a:lumOff val="50000"/>
+            </a:schemeClr>
+          </a:solidFill>
+          <a:ln w="12700" cap="flat" cmpd="sng" algn="ctr">
+            <a:solidFill>
+              <a:schemeClr val="tx1"/>
+            </a:solidFill>
+            <a:prstDash val="solid"/>
+            <a:round/>
+            <a:headEnd type="none" w="sm" len="sm"/>
+            <a:tailEnd type="none" w="sm" len="sm"/>
+          </a:ln>
+          <a:effectLst/>
+        </p:spPr>
+        <p:txBody>
+          <a:bodyPr vert="horz" wrap="square" lIns="91440" tIns="45720" rIns="91440" bIns="45720" numCol="1" rtlCol="0" anchor="ctr" anchorCtr="1" compatLnSpc="1">
+            <a:prstTxWarp prst="textNoShape">
+              <a:avLst/>
+            </a:prstTxWarp>
+          </a:bodyPr>
+          <a:lstStyle/>
+          <a:p>
+            <a:pPr marL="0" marR="0" indent="0" algn="l" defTabSz="914400" rtl="0" eaLnBrk="0" fontAlgn="base" latinLnBrk="0" hangingPunct="0">
+              <a:lnSpc>
+                <a:spcPct val="100000"/>
+              </a:lnSpc>
+              <a:spcBef>
+                <a:spcPct val="0"/>
+              </a:spcBef>
+              <a:spcAft>
+                <a:spcPct val="0"/>
+              </a:spcAft>
+              <a:buClrTx/>
+              <a:buSzTx/>
+              <a:buFontTx/>
+              <a:buNone/>
+              <a:tabLst/>
+            </a:pPr>
+            <a:r>
+              <a:rPr lang="de-DE" dirty="0">
+                <a:latin typeface="+mn-lt"/>
+              </a:rPr>
+              <a:t>v2</a:t>
+            </a:r>
+            <a:endParaRPr kumimoji="0" lang="de-DE" sz="2400" b="0" i="0" u="none" strike="noStrike" cap="none" normalizeH="0" baseline="0" dirty="0">
+              <a:ln>
+                <a:noFill/>
+              </a:ln>
+              <a:solidFill>
+                <a:schemeClr val="tx1"/>
+              </a:solidFill>
+              <a:effectLst/>
+              <a:latin typeface="+mn-lt"/>
+            </a:endParaRPr>
+          </a:p>
+        </p:txBody>
+      </p:sp>
+      <p:sp>
+        <p:nvSpPr>
+          <p:cNvPr id="35" name="Würfel 34">
+            <a:extLst>
+              <a:ext uri="{FF2B5EF4-FFF2-40B4-BE49-F238E27FC236}">
+                <a16:creationId xmlns:a16="http://schemas.microsoft.com/office/drawing/2014/main" id="{24C43D68-B69D-5E39-90CC-68B572C56C7F}"/>
+              </a:ext>
+            </a:extLst>
+          </p:cNvPr>
+          <p:cNvSpPr/>
+          <p:nvPr/>
+        </p:nvSpPr>
+        <p:spPr bwMode="auto">
+          <a:xfrm>
+            <a:off x="3769593" y="3714360"/>
+            <a:ext cx="1552952" cy="574896"/>
+          </a:xfrm>
+          <a:prstGeom prst="cube">
+            <a:avLst/>
+          </a:prstGeom>
+          <a:solidFill>
+            <a:schemeClr val="bg1"/>
+          </a:solidFill>
+          <a:ln w="12700" cap="flat" cmpd="sng" algn="ctr">
+            <a:solidFill>
+              <a:schemeClr val="tx1"/>
+            </a:solidFill>
+            <a:prstDash val="solid"/>
+            <a:round/>
+            <a:headEnd type="none" w="sm" len="sm"/>
+            <a:tailEnd type="none" w="sm" len="sm"/>
+          </a:ln>
+          <a:effectLst/>
+        </p:spPr>
+        <p:txBody>
+          <a:bodyPr vert="horz" wrap="square" lIns="91440" tIns="45720" rIns="91440" bIns="45720" numCol="1" rtlCol="0" anchor="t" anchorCtr="0" compatLnSpc="1">
+            <a:prstTxWarp prst="textNoShape">
+              <a:avLst/>
+            </a:prstTxWarp>
+          </a:bodyPr>
+          <a:lstStyle/>
+          <a:p>
+            <a:pPr marL="0" marR="0" indent="0" algn="l" defTabSz="914400" rtl="0" eaLnBrk="0" fontAlgn="base" latinLnBrk="0" hangingPunct="0">
+              <a:lnSpc>
+                <a:spcPct val="100000"/>
+              </a:lnSpc>
+              <a:spcBef>
+                <a:spcPct val="0"/>
+              </a:spcBef>
+              <a:spcAft>
+                <a:spcPct val="0"/>
+              </a:spcAft>
+              <a:buClrTx/>
+              <a:buSzTx/>
+              <a:buFontTx/>
+              <a:buNone/>
+              <a:tabLst/>
+            </a:pPr>
+            <a:r>
+              <a:rPr lang="de-DE" dirty="0">
+                <a:latin typeface="+mn-lt"/>
+              </a:rPr>
+              <a:t>Balancer</a:t>
+            </a:r>
+            <a:endParaRPr kumimoji="0" lang="de-DE" sz="2400" b="0" i="0" u="none" strike="noStrike" cap="none" normalizeH="0" baseline="0" dirty="0">
+              <a:ln>
+                <a:noFill/>
+              </a:ln>
+              <a:solidFill>
+                <a:schemeClr val="tx1"/>
+              </a:solidFill>
+              <a:effectLst/>
+              <a:latin typeface="+mn-lt"/>
+            </a:endParaRPr>
+          </a:p>
+        </p:txBody>
+      </p:sp>
+      <p:cxnSp>
+        <p:nvCxnSpPr>
+          <p:cNvPr id="36" name="Gerade Verbindung mit Pfeil 35">
+            <a:extLst>
+              <a:ext uri="{FF2B5EF4-FFF2-40B4-BE49-F238E27FC236}">
+                <a16:creationId xmlns:a16="http://schemas.microsoft.com/office/drawing/2014/main" id="{B9D49564-6AF5-B2E4-DE9B-07DF49117430}"/>
+              </a:ext>
+            </a:extLst>
+          </p:cNvPr>
+          <p:cNvCxnSpPr>
+            <a:cxnSpLocks/>
+            <a:stCxn id="35" idx="3"/>
+            <a:endCxn id="33" idx="1"/>
+          </p:cNvCxnSpPr>
+          <p:nvPr/>
+        </p:nvCxnSpPr>
+        <p:spPr bwMode="auto">
+          <a:xfrm flipH="1">
+            <a:off x="4085890" y="4289256"/>
+            <a:ext cx="388317" cy="284041"/>
+          </a:xfrm>
+          <a:prstGeom prst="straightConnector1">
+            <a:avLst/>
+          </a:prstGeom>
+          <a:solidFill>
+            <a:schemeClr val="accent1"/>
+          </a:solidFill>
+          <a:ln w="12700" cap="flat" cmpd="sng" algn="ctr">
+            <a:solidFill>
+              <a:schemeClr val="tx1"/>
+            </a:solidFill>
+            <a:prstDash val="solid"/>
+            <a:round/>
+            <a:headEnd type="none" w="sm" len="sm"/>
+            <a:tailEnd type="triangle"/>
+          </a:ln>
+          <a:effectLst/>
+        </p:spPr>
+      </p:cxnSp>
+      <p:sp>
+        <p:nvSpPr>
+          <p:cNvPr id="37" name="Rechteck 36">
+            <a:extLst>
+              <a:ext uri="{FF2B5EF4-FFF2-40B4-BE49-F238E27FC236}">
+                <a16:creationId xmlns:a16="http://schemas.microsoft.com/office/drawing/2014/main" id="{C1F0E66E-C8D6-65A4-D7DE-D7FE8C1E9649}"/>
+              </a:ext>
+            </a:extLst>
+          </p:cNvPr>
+          <p:cNvSpPr/>
+          <p:nvPr/>
+        </p:nvSpPr>
+        <p:spPr bwMode="auto">
+          <a:xfrm>
+            <a:off x="6351562" y="3627488"/>
+            <a:ext cx="2160240" cy="2160240"/>
+          </a:xfrm>
+          <a:prstGeom prst="rect">
+            <a:avLst/>
+          </a:prstGeom>
+          <a:solidFill>
+            <a:schemeClr val="bg1"/>
+          </a:solidFill>
+          <a:ln w="12700" cap="flat" cmpd="sng" algn="ctr">
+            <a:solidFill>
+              <a:schemeClr val="tx1"/>
+            </a:solidFill>
+            <a:prstDash val="solid"/>
+            <a:round/>
+            <a:headEnd type="none" w="sm" len="sm"/>
+            <a:tailEnd type="none" w="sm" len="sm"/>
+          </a:ln>
+          <a:effectLst/>
+        </p:spPr>
+        <p:txBody>
+          <a:bodyPr vert="horz" wrap="square" lIns="91440" tIns="45720" rIns="91440" bIns="45720" numCol="1" rtlCol="0" anchor="b" anchorCtr="0" compatLnSpc="1">
+            <a:prstTxWarp prst="textNoShape">
+              <a:avLst/>
+            </a:prstTxWarp>
+          </a:bodyPr>
+          <a:lstStyle/>
+          <a:p>
+            <a:pPr marL="0" marR="0" indent="0" algn="l" defTabSz="914400" rtl="0" eaLnBrk="0" fontAlgn="base" latinLnBrk="0" hangingPunct="0">
+              <a:lnSpc>
+                <a:spcPct val="100000"/>
+              </a:lnSpc>
+              <a:spcBef>
+                <a:spcPct val="0"/>
+              </a:spcBef>
+              <a:spcAft>
+                <a:spcPct val="0"/>
+              </a:spcAft>
+              <a:buClrTx/>
+              <a:buSzTx/>
+              <a:buFontTx/>
+              <a:buNone/>
+              <a:tabLst/>
+            </a:pPr>
+            <a:endParaRPr kumimoji="0" lang="de-DE" sz="2400" b="0" i="0" u="none" strike="noStrike" cap="none" normalizeH="0" baseline="0" dirty="0">
+              <a:ln>
+                <a:noFill/>
+              </a:ln>
+              <a:solidFill>
+                <a:schemeClr val="tx1"/>
+              </a:solidFill>
+              <a:effectLst/>
+              <a:latin typeface="+mn-lt"/>
+            </a:endParaRPr>
+          </a:p>
+        </p:txBody>
+      </p:sp>
+      <p:sp>
+        <p:nvSpPr>
+          <p:cNvPr id="38" name="Würfel 37">
+            <a:extLst>
+              <a:ext uri="{FF2B5EF4-FFF2-40B4-BE49-F238E27FC236}">
+                <a16:creationId xmlns:a16="http://schemas.microsoft.com/office/drawing/2014/main" id="{2AD0A73B-4B6B-E0A2-F779-1BAD8CCE3BF4}"/>
+              </a:ext>
+            </a:extLst>
+          </p:cNvPr>
+          <p:cNvSpPr/>
+          <p:nvPr/>
+        </p:nvSpPr>
+        <p:spPr bwMode="auto">
+          <a:xfrm>
+            <a:off x="6639594" y="4347568"/>
+            <a:ext cx="843458" cy="1296135"/>
+          </a:xfrm>
+          <a:prstGeom prst="cube">
+            <a:avLst/>
+          </a:prstGeom>
+          <a:solidFill>
+            <a:srgbClr val="FF0000"/>
+          </a:solidFill>
+          <a:ln w="12700" cap="flat" cmpd="sng" algn="ctr">
+            <a:solidFill>
+              <a:schemeClr val="tx1"/>
+            </a:solidFill>
+            <a:prstDash val="solid"/>
+            <a:round/>
+            <a:headEnd type="none" w="sm" len="sm"/>
+            <a:tailEnd type="none" w="sm" len="sm"/>
+          </a:ln>
+          <a:effectLst/>
+        </p:spPr>
+        <p:txBody>
+          <a:bodyPr vert="horz" wrap="square" lIns="91440" tIns="45720" rIns="91440" bIns="45720" numCol="1" rtlCol="0" anchor="ctr" anchorCtr="1" compatLnSpc="1">
+            <a:prstTxWarp prst="textNoShape">
+              <a:avLst/>
+            </a:prstTxWarp>
+          </a:bodyPr>
+          <a:lstStyle/>
+          <a:p>
+            <a:pPr marL="0" marR="0" indent="0" algn="l" defTabSz="914400" rtl="0" eaLnBrk="0" fontAlgn="base" latinLnBrk="0" hangingPunct="0">
+              <a:lnSpc>
+                <a:spcPct val="100000"/>
+              </a:lnSpc>
+              <a:spcBef>
+                <a:spcPct val="0"/>
+              </a:spcBef>
+              <a:spcAft>
+                <a:spcPct val="0"/>
+              </a:spcAft>
+              <a:buClrTx/>
+              <a:buSzTx/>
+              <a:buFontTx/>
+              <a:buNone/>
+              <a:tabLst/>
+            </a:pPr>
+            <a:r>
+              <a:rPr kumimoji="0" lang="de-DE" sz="2400" b="0" i="0" u="none" strike="noStrike" cap="none" normalizeH="0" baseline="0" dirty="0">
+                <a:ln>
+                  <a:noFill/>
+                </a:ln>
+                <a:solidFill>
+                  <a:schemeClr val="tx1"/>
+                </a:solidFill>
+                <a:effectLst/>
+                <a:latin typeface="+mn-lt"/>
+              </a:rPr>
+              <a:t>v1</a:t>
+            </a:r>
+          </a:p>
+        </p:txBody>
+      </p:sp>
+      <p:sp>
+        <p:nvSpPr>
+          <p:cNvPr id="39" name="Würfel 38">
+            <a:extLst>
+              <a:ext uri="{FF2B5EF4-FFF2-40B4-BE49-F238E27FC236}">
+                <a16:creationId xmlns:a16="http://schemas.microsoft.com/office/drawing/2014/main" id="{E9A84FF0-6B30-67A0-DB8E-466F36A38154}"/>
+              </a:ext>
+            </a:extLst>
+          </p:cNvPr>
+          <p:cNvSpPr/>
+          <p:nvPr/>
+        </p:nvSpPr>
+        <p:spPr bwMode="auto">
+          <a:xfrm>
+            <a:off x="7359674" y="4339193"/>
+            <a:ext cx="843458" cy="1296135"/>
+          </a:xfrm>
+          <a:prstGeom prst="cube">
+            <a:avLst/>
+          </a:prstGeom>
+          <a:solidFill>
+            <a:schemeClr val="accent4">
+              <a:lumMod val="50000"/>
+              <a:lumOff val="50000"/>
+            </a:schemeClr>
+          </a:solidFill>
+          <a:ln w="12700" cap="flat" cmpd="sng" algn="ctr">
+            <a:solidFill>
+              <a:schemeClr val="tx1"/>
+            </a:solidFill>
+            <a:prstDash val="solid"/>
+            <a:round/>
+            <a:headEnd type="none" w="sm" len="sm"/>
+            <a:tailEnd type="none" w="sm" len="sm"/>
+          </a:ln>
+          <a:effectLst/>
+        </p:spPr>
+        <p:txBody>
+          <a:bodyPr vert="horz" wrap="square" lIns="91440" tIns="45720" rIns="91440" bIns="45720" numCol="1" rtlCol="0" anchor="ctr" anchorCtr="1" compatLnSpc="1">
+            <a:prstTxWarp prst="textNoShape">
+              <a:avLst/>
+            </a:prstTxWarp>
+          </a:bodyPr>
+          <a:lstStyle/>
+          <a:p>
+            <a:pPr marL="0" marR="0" indent="0" algn="l" defTabSz="914400" rtl="0" eaLnBrk="0" fontAlgn="base" latinLnBrk="0" hangingPunct="0">
+              <a:lnSpc>
+                <a:spcPct val="100000"/>
+              </a:lnSpc>
+              <a:spcBef>
+                <a:spcPct val="0"/>
+              </a:spcBef>
+              <a:spcAft>
+                <a:spcPct val="0"/>
+              </a:spcAft>
+              <a:buClrTx/>
+              <a:buSzTx/>
+              <a:buFontTx/>
+              <a:buNone/>
+              <a:tabLst/>
+            </a:pPr>
+            <a:r>
+              <a:rPr lang="de-DE" dirty="0">
+                <a:latin typeface="+mn-lt"/>
+              </a:rPr>
+              <a:t>v2</a:t>
+            </a:r>
+            <a:endParaRPr kumimoji="0" lang="de-DE" sz="2400" b="0" i="0" u="none" strike="noStrike" cap="none" normalizeH="0" baseline="0" dirty="0">
+              <a:ln>
+                <a:noFill/>
+              </a:ln>
+              <a:solidFill>
+                <a:schemeClr val="tx1"/>
+              </a:solidFill>
+              <a:effectLst/>
+              <a:latin typeface="+mn-lt"/>
+            </a:endParaRPr>
+          </a:p>
+        </p:txBody>
+      </p:sp>
+      <p:sp>
+        <p:nvSpPr>
+          <p:cNvPr id="40" name="Würfel 39">
+            <a:extLst>
+              <a:ext uri="{FF2B5EF4-FFF2-40B4-BE49-F238E27FC236}">
+                <a16:creationId xmlns:a16="http://schemas.microsoft.com/office/drawing/2014/main" id="{302B8E49-5E28-90CB-BCB2-FB0385874CC6}"/>
+              </a:ext>
+            </a:extLst>
+          </p:cNvPr>
+          <p:cNvSpPr/>
+          <p:nvPr/>
+        </p:nvSpPr>
+        <p:spPr bwMode="auto">
+          <a:xfrm>
+            <a:off x="6639594" y="3699496"/>
+            <a:ext cx="1552952" cy="574896"/>
+          </a:xfrm>
+          <a:prstGeom prst="cube">
+            <a:avLst/>
+          </a:prstGeom>
+          <a:solidFill>
+            <a:schemeClr val="bg1"/>
+          </a:solidFill>
+          <a:ln w="12700" cap="flat" cmpd="sng" algn="ctr">
+            <a:solidFill>
+              <a:schemeClr val="tx1"/>
+            </a:solidFill>
+            <a:prstDash val="solid"/>
+            <a:round/>
+            <a:headEnd type="none" w="sm" len="sm"/>
+            <a:tailEnd type="none" w="sm" len="sm"/>
+          </a:ln>
+          <a:effectLst/>
+        </p:spPr>
+        <p:txBody>
+          <a:bodyPr vert="horz" wrap="square" lIns="91440" tIns="45720" rIns="91440" bIns="45720" numCol="1" rtlCol="0" anchor="t" anchorCtr="0" compatLnSpc="1">
+            <a:prstTxWarp prst="textNoShape">
+              <a:avLst/>
+            </a:prstTxWarp>
+          </a:bodyPr>
+          <a:lstStyle/>
+          <a:p>
+            <a:pPr marL="0" marR="0" indent="0" algn="l" defTabSz="914400" rtl="0" eaLnBrk="0" fontAlgn="base" latinLnBrk="0" hangingPunct="0">
+              <a:lnSpc>
+                <a:spcPct val="100000"/>
+              </a:lnSpc>
+              <a:spcBef>
+                <a:spcPct val="0"/>
+              </a:spcBef>
+              <a:spcAft>
+                <a:spcPct val="0"/>
+              </a:spcAft>
+              <a:buClrTx/>
+              <a:buSzTx/>
+              <a:buFontTx/>
+              <a:buNone/>
+              <a:tabLst/>
+            </a:pPr>
+            <a:r>
+              <a:rPr lang="de-DE" dirty="0">
+                <a:latin typeface="+mn-lt"/>
+              </a:rPr>
+              <a:t>Balancer</a:t>
+            </a:r>
+            <a:endParaRPr kumimoji="0" lang="de-DE" sz="2400" b="0" i="0" u="none" strike="noStrike" cap="none" normalizeH="0" baseline="0" dirty="0">
+              <a:ln>
+                <a:noFill/>
+              </a:ln>
+              <a:solidFill>
+                <a:schemeClr val="tx1"/>
+              </a:solidFill>
+              <a:effectLst/>
+              <a:latin typeface="+mn-lt"/>
+            </a:endParaRPr>
+          </a:p>
+        </p:txBody>
+      </p:sp>
+      <p:cxnSp>
+        <p:nvCxnSpPr>
+          <p:cNvPr id="41" name="Gerade Verbindung mit Pfeil 40">
+            <a:extLst>
+              <a:ext uri="{FF2B5EF4-FFF2-40B4-BE49-F238E27FC236}">
+                <a16:creationId xmlns:a16="http://schemas.microsoft.com/office/drawing/2014/main" id="{7E10CAC2-B54F-BBE2-BE39-E0349FAF7087}"/>
+              </a:ext>
+            </a:extLst>
+          </p:cNvPr>
+          <p:cNvCxnSpPr>
+            <a:cxnSpLocks/>
+            <a:stCxn id="40" idx="3"/>
+            <a:endCxn id="39" idx="1"/>
+          </p:cNvCxnSpPr>
+          <p:nvPr/>
+        </p:nvCxnSpPr>
+        <p:spPr bwMode="auto">
+          <a:xfrm>
+            <a:off x="7344208" y="4274392"/>
+            <a:ext cx="331763" cy="275666"/>
+          </a:xfrm>
+          <a:prstGeom prst="straightConnector1">
+            <a:avLst/>
+          </a:prstGeom>
+          <a:solidFill>
+            <a:schemeClr val="accent1"/>
+          </a:solidFill>
+          <a:ln w="12700" cap="flat" cmpd="sng" algn="ctr">
+            <a:solidFill>
+              <a:schemeClr val="tx1"/>
+            </a:solidFill>
+            <a:prstDash val="solid"/>
+            <a:round/>
+            <a:headEnd type="none" w="sm" len="sm"/>
+            <a:tailEnd type="triangle"/>
+          </a:ln>
+          <a:effectLst/>
+        </p:spPr>
+      </p:cxnSp>
+    </p:spTree>
+    <p:extLst>
+      <p:ext uri="{BB962C8B-B14F-4D97-AF65-F5344CB8AC3E}">
+        <p14:creationId xmlns:p14="http://schemas.microsoft.com/office/powerpoint/2010/main" val="2240043917"/>
       </p:ext>
     </p:extLst>
   </p:cSld>

--- a/slides/Tag-3_5-Deployment-Strategien.pptx
+++ b/slides/Tag-3_5-Deployment-Strategien.pptx
@@ -6,10 +6,10 @@
     <p:sldMasterId id="2147483649" r:id="rId2"/>
   </p:sldMasterIdLst>
   <p:notesMasterIdLst>
-    <p:notesMasterId r:id="rId22"/>
+    <p:notesMasterId r:id="rId23"/>
   </p:notesMasterIdLst>
   <p:handoutMasterIdLst>
-    <p:handoutMasterId r:id="rId23"/>
+    <p:handoutMasterId r:id="rId24"/>
   </p:handoutMasterIdLst>
   <p:sldIdLst>
     <p:sldId id="635" r:id="rId3"/>
@@ -31,6 +31,7 @@
     <p:sldId id="630" r:id="rId19"/>
     <p:sldId id="632" r:id="rId20"/>
     <p:sldId id="633" r:id="rId21"/>
+    <p:sldId id="636" r:id="rId22"/>
   </p:sldIdLst>
   <p:sldSz cx="9144000" cy="6858000" type="screen4x3"/>
   <p:notesSz cx="6784975" cy="9921875"/>
@@ -183,6 +184,7 @@
             <p14:sldId id="630"/>
             <p14:sldId id="632"/>
             <p14:sldId id="633"/>
+            <p14:sldId id="636"/>
           </p14:sldIdLst>
         </p14:section>
       </p14:sectionLst>
@@ -1824,6 +1826,105 @@
 </p:notes>
 </file>
 
+<file path=ppt/notesSlides/notesSlide17.xml><?xml version="1.0" encoding="utf-8"?>
+<p:notes xmlns:a="http://schemas.openxmlformats.org/drawingml/2006/main" xmlns:r="http://schemas.openxmlformats.org/officeDocument/2006/relationships" xmlns:p="http://schemas.openxmlformats.org/presentationml/2006/main">
+  <p:cSld>
+    <p:spTree>
+      <p:nvGrpSpPr>
+        <p:cNvPr id="1" name=""/>
+        <p:cNvGrpSpPr/>
+        <p:nvPr/>
+      </p:nvGrpSpPr>
+      <p:grpSpPr>
+        <a:xfrm>
+          <a:off x="0" y="0"/>
+          <a:ext cx="0" cy="0"/>
+          <a:chOff x="0" y="0"/>
+          <a:chExt cx="0" cy="0"/>
+        </a:xfrm>
+      </p:grpSpPr>
+      <p:sp>
+        <p:nvSpPr>
+          <p:cNvPr id="2" name="Folienbildplatzhalter 1"/>
+          <p:cNvSpPr>
+            <a:spLocks noGrp="1" noRot="1" noChangeAspect="1"/>
+          </p:cNvSpPr>
+          <p:nvPr>
+            <p:ph type="sldImg"/>
+          </p:nvPr>
+        </p:nvSpPr>
+        <p:spPr/>
+      </p:sp>
+      <p:sp>
+        <p:nvSpPr>
+          <p:cNvPr id="3" name="Notizenplatzhalter 2"/>
+          <p:cNvSpPr>
+            <a:spLocks noGrp="1"/>
+          </p:cNvSpPr>
+          <p:nvPr>
+            <p:ph type="body" idx="1"/>
+          </p:nvPr>
+        </p:nvSpPr>
+        <p:spPr/>
+        <p:txBody>
+          <a:bodyPr/>
+          <a:lstStyle/>
+          <a:p>
+            <a:r>
+              <a:rPr lang="de-DE" dirty="0"/>
+              <a:t>Secret Rotation: Regelmäßiges ändern von Secrets um Sicherheit zu erhöhen. Secrets müssen überall gleichzeitig </a:t>
+            </a:r>
+            <a:r>
+              <a:rPr lang="de-DE" dirty="0" err="1"/>
+              <a:t>geupdated</a:t>
+            </a:r>
+            <a:r>
+              <a:rPr lang="de-DE" dirty="0"/>
+              <a:t> werden.</a:t>
+            </a:r>
+          </a:p>
+          <a:p>
+            <a:endParaRPr lang="de-DE" dirty="0"/>
+          </a:p>
+        </p:txBody>
+      </p:sp>
+      <p:sp>
+        <p:nvSpPr>
+          <p:cNvPr id="4" name="Foliennummernplatzhalter 3"/>
+          <p:cNvSpPr>
+            <a:spLocks noGrp="1"/>
+          </p:cNvSpPr>
+          <p:nvPr>
+            <p:ph type="sldNum" sz="quarter" idx="5"/>
+          </p:nvPr>
+        </p:nvSpPr>
+        <p:spPr/>
+        <p:txBody>
+          <a:bodyPr/>
+          <a:lstStyle/>
+          <a:p>
+            <a:fld id="{18182567-388C-4D33-8B7B-A651F195F118}" type="slidenum">
+              <a:rPr lang="de-DE" altLang="de-DE" smtClean="0"/>
+              <a:pPr/>
+              <a:t>20</a:t>
+            </a:fld>
+            <a:endParaRPr lang="de-DE" altLang="de-DE"/>
+          </a:p>
+        </p:txBody>
+      </p:sp>
+    </p:spTree>
+    <p:extLst>
+      <p:ext uri="{BB962C8B-B14F-4D97-AF65-F5344CB8AC3E}">
+        <p14:creationId xmlns:p14="http://schemas.microsoft.com/office/powerpoint/2010/main" val="4292474121"/>
+      </p:ext>
+    </p:extLst>
+  </p:cSld>
+  <p:clrMapOvr>
+    <a:masterClrMapping/>
+  </p:clrMapOvr>
+</p:notes>
+</file>
+
 <file path=ppt/notesSlides/notesSlide2.xml><?xml version="1.0" encoding="utf-8"?>
 <p:notes xmlns:a="http://schemas.openxmlformats.org/drawingml/2006/main" xmlns:r="http://schemas.openxmlformats.org/officeDocument/2006/relationships" xmlns:p="http://schemas.openxmlformats.org/presentationml/2006/main">
   <p:cSld>
@@ -3055,7 +3156,7 @@
               <a:pPr algn="ctr">
                 <a:defRPr/>
               </a:pPr>
-              <a:t>06.09.24</a:t>
+              <a:t>19.09.2024</a:t>
             </a:fld>
             <a:endParaRPr lang="de-DE" sz="1000">
               <a:solidFill>
@@ -9709,6 +9810,261 @@
     <p:extLst>
       <p:ext uri="{BB962C8B-B14F-4D97-AF65-F5344CB8AC3E}">
         <p14:creationId xmlns:p14="http://schemas.microsoft.com/office/powerpoint/2010/main" val="1427929493"/>
+      </p:ext>
+    </p:extLst>
+  </p:cSld>
+  <p:clrMapOvr>
+    <a:masterClrMapping/>
+  </p:clrMapOvr>
+</p:sld>
+</file>
+
+<file path=ppt/slides/slide20.xml><?xml version="1.0" encoding="utf-8"?>
+<p:sld xmlns:a="http://schemas.openxmlformats.org/drawingml/2006/main" xmlns:r="http://schemas.openxmlformats.org/officeDocument/2006/relationships" xmlns:p="http://schemas.openxmlformats.org/presentationml/2006/main">
+  <p:cSld>
+    <p:spTree>
+      <p:nvGrpSpPr>
+        <p:cNvPr id="1" name=""/>
+        <p:cNvGrpSpPr/>
+        <p:nvPr/>
+      </p:nvGrpSpPr>
+      <p:grpSpPr>
+        <a:xfrm>
+          <a:off x="0" y="0"/>
+          <a:ext cx="0" cy="0"/>
+          <a:chOff x="0" y="0"/>
+          <a:chExt cx="0" cy="0"/>
+        </a:xfrm>
+      </p:grpSpPr>
+      <p:sp>
+        <p:nvSpPr>
+          <p:cNvPr id="4" name="Titel 3">
+            <a:extLst>
+              <a:ext uri="{FF2B5EF4-FFF2-40B4-BE49-F238E27FC236}">
+                <a16:creationId xmlns:a16="http://schemas.microsoft.com/office/drawing/2014/main" id="{3DA5CA94-A9F6-2508-67F2-6FBA090A8704}"/>
+              </a:ext>
+            </a:extLst>
+          </p:cNvPr>
+          <p:cNvSpPr>
+            <a:spLocks noGrp="1"/>
+          </p:cNvSpPr>
+          <p:nvPr>
+            <p:ph type="title"/>
+          </p:nvPr>
+        </p:nvSpPr>
+        <p:spPr/>
+        <p:txBody>
+          <a:bodyPr/>
+          <a:lstStyle/>
+          <a:p>
+            <a:r>
+              <a:rPr lang="en-US" altLang="de-DE" dirty="0" err="1"/>
+              <a:t>Deplo</a:t>
+            </a:r>
+            <a:r>
+              <a:rPr lang="de-DE" altLang="de-DE" dirty="0" err="1"/>
+              <a:t>yment</a:t>
+            </a:r>
+            <a:endParaRPr lang="de-DE" dirty="0"/>
+          </a:p>
+        </p:txBody>
+      </p:sp>
+      <p:sp>
+        <p:nvSpPr>
+          <p:cNvPr id="5" name="Inhaltsplatzhalter 4">
+            <a:extLst>
+              <a:ext uri="{FF2B5EF4-FFF2-40B4-BE49-F238E27FC236}">
+                <a16:creationId xmlns:a16="http://schemas.microsoft.com/office/drawing/2014/main" id="{430BB548-E6B5-4003-33A0-C7895F11A8D7}"/>
+              </a:ext>
+            </a:extLst>
+          </p:cNvPr>
+          <p:cNvSpPr>
+            <a:spLocks noGrp="1"/>
+          </p:cNvSpPr>
+          <p:nvPr>
+            <p:ph idx="1"/>
+          </p:nvPr>
+        </p:nvSpPr>
+        <p:spPr/>
+        <p:txBody>
+          <a:bodyPr/>
+          <a:lstStyle/>
+          <a:p>
+            <a:pPr marL="0" indent="0">
+              <a:buNone/>
+            </a:pPr>
+            <a:r>
+              <a:rPr lang="de-DE" b="1" dirty="0"/>
+              <a:t>Secret </a:t>
+            </a:r>
+            <a:r>
+              <a:rPr lang="de-DE" b="1" dirty="0" err="1"/>
+              <a:t>Vaults</a:t>
+            </a:r>
+            <a:r>
+              <a:rPr lang="de-DE" b="1" dirty="0"/>
+              <a:t> : Einbindung in CI-Konfiguration</a:t>
+            </a:r>
+          </a:p>
+          <a:p>
+            <a:pPr marL="0" indent="0">
+              <a:buNone/>
+            </a:pPr>
+            <a:endParaRPr lang="de-DE" b="1" dirty="0"/>
+          </a:p>
+          <a:p>
+            <a:pPr>
+              <a:buFont typeface="Arial" panose="020B0604020202020204" pitchFamily="34" charset="0"/>
+              <a:buChar char="•"/>
+            </a:pPr>
+            <a:r>
+              <a:rPr lang="de-DE" dirty="0"/>
+              <a:t>In .</a:t>
+            </a:r>
+            <a:r>
+              <a:rPr lang="de-DE" dirty="0" err="1"/>
+              <a:t>gitlab-ci.yml</a:t>
+            </a:r>
+            <a:endParaRPr lang="de-DE" dirty="0"/>
+          </a:p>
+          <a:p>
+            <a:pPr>
+              <a:buFont typeface="Arial" panose="020B0604020202020204" pitchFamily="34" charset="0"/>
+              <a:buChar char="•"/>
+            </a:pPr>
+            <a:r>
+              <a:rPr lang="de-DE" dirty="0"/>
+              <a:t>Beispiel: Verwendung von </a:t>
+            </a:r>
+            <a:r>
+              <a:rPr lang="de-DE" dirty="0" err="1"/>
+              <a:t>Hashicorp</a:t>
+            </a:r>
+            <a:r>
+              <a:rPr lang="de-DE" dirty="0"/>
+              <a:t> </a:t>
+            </a:r>
+            <a:r>
+              <a:rPr lang="de-DE" dirty="0" err="1"/>
+              <a:t>Vault</a:t>
+            </a:r>
+            <a:endParaRPr lang="de-DE" dirty="0"/>
+          </a:p>
+          <a:p>
+            <a:pPr>
+              <a:buFont typeface="Arial" panose="020B0604020202020204" pitchFamily="34" charset="0"/>
+              <a:buChar char="•"/>
+            </a:pPr>
+            <a:endParaRPr lang="de-DE" dirty="0"/>
+          </a:p>
+          <a:p>
+            <a:pPr>
+              <a:buFont typeface="Arial" panose="020B0604020202020204" pitchFamily="34" charset="0"/>
+              <a:buChar char="•"/>
+            </a:pPr>
+            <a:endParaRPr lang="de-DE" dirty="0"/>
+          </a:p>
+          <a:p>
+            <a:pPr>
+              <a:buFont typeface="Arial" panose="020B0604020202020204" pitchFamily="34" charset="0"/>
+              <a:buChar char="•"/>
+            </a:pPr>
+            <a:endParaRPr lang="de-DE" dirty="0"/>
+          </a:p>
+          <a:p>
+            <a:pPr>
+              <a:buFont typeface="Arial" panose="020B0604020202020204" pitchFamily="34" charset="0"/>
+              <a:buChar char="•"/>
+            </a:pPr>
+            <a:endParaRPr lang="de-DE" dirty="0"/>
+          </a:p>
+          <a:p>
+            <a:pPr>
+              <a:buFont typeface="Arial" panose="020B0604020202020204" pitchFamily="34" charset="0"/>
+              <a:buChar char="•"/>
+            </a:pPr>
+            <a:endParaRPr lang="de-DE" dirty="0"/>
+          </a:p>
+          <a:p>
+            <a:pPr>
+              <a:buFont typeface="Arial" panose="020B0604020202020204" pitchFamily="34" charset="0"/>
+              <a:buChar char="•"/>
+            </a:pPr>
+            <a:r>
+              <a:rPr lang="de-DE" sz="2000" dirty="0"/>
+              <a:t>DATABASE_PASSWORD kann dann als Variable verwendet werden</a:t>
+            </a:r>
+          </a:p>
+          <a:p>
+            <a:pPr>
+              <a:buFont typeface="Arial" panose="020B0604020202020204" pitchFamily="34" charset="0"/>
+              <a:buChar char="•"/>
+            </a:pPr>
+            <a:r>
+              <a:rPr lang="de-DE" sz="2000" dirty="0"/>
+              <a:t>Projekt und Secret </a:t>
+            </a:r>
+            <a:r>
+              <a:rPr lang="de-DE" sz="2000" dirty="0" err="1"/>
+              <a:t>Vault</a:t>
+            </a:r>
+            <a:r>
+              <a:rPr lang="de-DE" sz="2000" dirty="0"/>
+              <a:t> müssen geeignet konfiguriert sein</a:t>
+            </a:r>
+          </a:p>
+          <a:p>
+            <a:pPr>
+              <a:buFont typeface="Arial" panose="020B0604020202020204" pitchFamily="34" charset="0"/>
+              <a:buChar char="•"/>
+            </a:pPr>
+            <a:r>
+              <a:rPr lang="de-DE" sz="2000" dirty="0"/>
+              <a:t>Quelle : https://docs.gitlab.com/ee/ci/secrets/</a:t>
+            </a:r>
+          </a:p>
+        </p:txBody>
+      </p:sp>
+      <p:pic>
+        <p:nvPicPr>
+          <p:cNvPr id="3" name="Grafik 2" descr="Ein Bild, das Text, Schrift, Screenshot enthält.&#10;&#10;Automatisch generierte Beschreibung">
+            <a:extLst>
+              <a:ext uri="{FF2B5EF4-FFF2-40B4-BE49-F238E27FC236}">
+                <a16:creationId xmlns:a16="http://schemas.microsoft.com/office/drawing/2014/main" id="{D956C443-C02B-8402-F2D3-DFFAE1EB28FE}"/>
+              </a:ext>
+            </a:extLst>
+          </p:cNvPr>
+          <p:cNvPicPr>
+            <a:picLocks noChangeAspect="1"/>
+          </p:cNvPicPr>
+          <p:nvPr/>
+        </p:nvPicPr>
+        <p:blipFill>
+          <a:blip r:embed="rId3">
+            <a:extLst>
+              <a:ext uri="{28A0092B-C50C-407E-A947-70E740481C1C}">
+                <a14:useLocalDpi xmlns:a14="http://schemas.microsoft.com/office/drawing/2010/main" val="0"/>
+              </a:ext>
+            </a:extLst>
+          </a:blip>
+          <a:stretch>
+            <a:fillRect/>
+          </a:stretch>
+        </p:blipFill>
+        <p:spPr>
+          <a:xfrm>
+            <a:off x="331704" y="2924944"/>
+            <a:ext cx="8389538" cy="1944216"/>
+          </a:xfrm>
+          <a:prstGeom prst="rect">
+            <a:avLst/>
+          </a:prstGeom>
+        </p:spPr>
+      </p:pic>
+    </p:spTree>
+    <p:extLst>
+      <p:ext uri="{BB962C8B-B14F-4D97-AF65-F5344CB8AC3E}">
+        <p14:creationId xmlns:p14="http://schemas.microsoft.com/office/powerpoint/2010/main" val="2095743332"/>
       </p:ext>
     </p:extLst>
   </p:cSld>
